--- a/OnboardEasy.pptx
+++ b/OnboardEasy.pptx
@@ -125,6 +125,11 @@
       </a:defRPr>
     </a:lvl9pPr>
   </p:defaultTextStyle>
+  <p:extLst>
+    <p:ext uri="{EFAFB233-063F-42B5-8137-9DF3F51BA10A}">
+      <p15:sldGuideLst xmlns:p15="http://schemas.microsoft.com/office/powerpoint/2012/main"/>
+    </p:ext>
+  </p:extLst>
 </p:presentation>
 </file>
 
@@ -3417,6 +3422,813 @@
     </dgm:fillClrLst>
     <dgm:linClrLst meth="repeat">
       <a:schemeClr val="dk2">
+        <a:alpha val="0"/>
+      </a:schemeClr>
+    </dgm:linClrLst>
+    <dgm:effectClrLst/>
+    <dgm:txLinClrLst/>
+    <dgm:txFillClrLst meth="repeat">
+      <a:schemeClr val="tx1"/>
+    </dgm:txFillClrLst>
+    <dgm:txEffectClrLst/>
+  </dgm:styleLbl>
+</dgm:colorsDef>
+</file>
+
+<file path=ppt/diagrams/colors5.xml><?xml version="1.0" encoding="utf-8"?>
+<dgm:colorsDef xmlns:dgm="http://schemas.openxmlformats.org/drawingml/2006/diagram" xmlns:a="http://schemas.openxmlformats.org/drawingml/2006/main" uniqueId="urn:microsoft.com/office/officeart/2005/8/colors/accent0_1">
+  <dgm:title val=""/>
+  <dgm:desc val=""/>
+  <dgm:catLst>
+    <dgm:cat type="mainScheme" pri="10100"/>
+  </dgm:catLst>
+  <dgm:styleLbl name="node0">
+    <dgm:fillClrLst meth="repeat">
+      <a:schemeClr val="lt1"/>
+    </dgm:fillClrLst>
+    <dgm:linClrLst meth="repeat">
+      <a:schemeClr val="dk1">
+        <a:shade val="80000"/>
+      </a:schemeClr>
+    </dgm:linClrLst>
+    <dgm:effectClrLst/>
+    <dgm:txLinClrLst/>
+    <dgm:txFillClrLst meth="repeat">
+      <a:schemeClr val="dk1"/>
+    </dgm:txFillClrLst>
+    <dgm:txEffectClrLst/>
+  </dgm:styleLbl>
+  <dgm:styleLbl name="node1">
+    <dgm:fillClrLst meth="repeat">
+      <a:schemeClr val="lt1"/>
+    </dgm:fillClrLst>
+    <dgm:linClrLst meth="repeat">
+      <a:schemeClr val="dk1">
+        <a:shade val="80000"/>
+      </a:schemeClr>
+    </dgm:linClrLst>
+    <dgm:effectClrLst/>
+    <dgm:txLinClrLst/>
+    <dgm:txFillClrLst meth="repeat">
+      <a:schemeClr val="dk1"/>
+    </dgm:txFillClrLst>
+    <dgm:txEffectClrLst/>
+  </dgm:styleLbl>
+  <dgm:styleLbl name="alignNode1">
+    <dgm:fillClrLst meth="repeat">
+      <a:schemeClr val="lt1"/>
+    </dgm:fillClrLst>
+    <dgm:linClrLst meth="repeat">
+      <a:schemeClr val="dk1">
+        <a:shade val="80000"/>
+      </a:schemeClr>
+    </dgm:linClrLst>
+    <dgm:effectClrLst/>
+    <dgm:txLinClrLst/>
+    <dgm:txFillClrLst meth="repeat">
+      <a:schemeClr val="dk1"/>
+    </dgm:txFillClrLst>
+    <dgm:txEffectClrLst/>
+  </dgm:styleLbl>
+  <dgm:styleLbl name="lnNode1">
+    <dgm:fillClrLst meth="repeat">
+      <a:schemeClr val="lt1"/>
+    </dgm:fillClrLst>
+    <dgm:linClrLst meth="repeat">
+      <a:schemeClr val="dk1">
+        <a:shade val="80000"/>
+      </a:schemeClr>
+    </dgm:linClrLst>
+    <dgm:effectClrLst/>
+    <dgm:txLinClrLst/>
+    <dgm:txFillClrLst meth="repeat">
+      <a:schemeClr val="dk1"/>
+    </dgm:txFillClrLst>
+    <dgm:txEffectClrLst/>
+  </dgm:styleLbl>
+  <dgm:styleLbl name="vennNode1">
+    <dgm:fillClrLst meth="repeat">
+      <a:schemeClr val="lt1">
+        <a:alpha val="50000"/>
+      </a:schemeClr>
+    </dgm:fillClrLst>
+    <dgm:linClrLst meth="repeat">
+      <a:schemeClr val="dk1">
+        <a:shade val="80000"/>
+      </a:schemeClr>
+    </dgm:linClrLst>
+    <dgm:effectClrLst/>
+    <dgm:txLinClrLst/>
+    <dgm:txFillClrLst/>
+    <dgm:txEffectClrLst/>
+  </dgm:styleLbl>
+  <dgm:styleLbl name="node2">
+    <dgm:fillClrLst meth="repeat">
+      <a:schemeClr val="lt1"/>
+    </dgm:fillClrLst>
+    <dgm:linClrLst meth="repeat">
+      <a:schemeClr val="dk1">
+        <a:shade val="80000"/>
+      </a:schemeClr>
+    </dgm:linClrLst>
+    <dgm:effectClrLst/>
+    <dgm:txLinClrLst/>
+    <dgm:txFillClrLst meth="repeat">
+      <a:schemeClr val="dk1"/>
+    </dgm:txFillClrLst>
+    <dgm:txEffectClrLst/>
+  </dgm:styleLbl>
+  <dgm:styleLbl name="node3">
+    <dgm:fillClrLst meth="repeat">
+      <a:schemeClr val="lt1"/>
+    </dgm:fillClrLst>
+    <dgm:linClrLst meth="repeat">
+      <a:schemeClr val="dk1">
+        <a:shade val="80000"/>
+      </a:schemeClr>
+    </dgm:linClrLst>
+    <dgm:effectClrLst/>
+    <dgm:txLinClrLst/>
+    <dgm:txFillClrLst meth="repeat">
+      <a:schemeClr val="dk1"/>
+    </dgm:txFillClrLst>
+    <dgm:txEffectClrLst/>
+  </dgm:styleLbl>
+  <dgm:styleLbl name="node4">
+    <dgm:fillClrLst meth="repeat">
+      <a:schemeClr val="lt1"/>
+    </dgm:fillClrLst>
+    <dgm:linClrLst meth="repeat">
+      <a:schemeClr val="dk1">
+        <a:shade val="80000"/>
+      </a:schemeClr>
+    </dgm:linClrLst>
+    <dgm:effectClrLst/>
+    <dgm:txLinClrLst/>
+    <dgm:txFillClrLst meth="repeat">
+      <a:schemeClr val="dk1"/>
+    </dgm:txFillClrLst>
+    <dgm:txEffectClrLst/>
+  </dgm:styleLbl>
+  <dgm:styleLbl name="fgImgPlace1">
+    <dgm:fillClrLst meth="repeat">
+      <a:schemeClr val="dk1">
+        <a:tint val="40000"/>
+      </a:schemeClr>
+    </dgm:fillClrLst>
+    <dgm:linClrLst meth="repeat">
+      <a:schemeClr val="dk1">
+        <a:shade val="80000"/>
+      </a:schemeClr>
+    </dgm:linClrLst>
+    <dgm:effectClrLst/>
+    <dgm:txLinClrLst/>
+    <dgm:txFillClrLst meth="repeat">
+      <a:schemeClr val="lt1"/>
+    </dgm:txFillClrLst>
+    <dgm:txEffectClrLst/>
+  </dgm:styleLbl>
+  <dgm:styleLbl name="alignImgPlace1">
+    <dgm:fillClrLst meth="repeat">
+      <a:schemeClr val="dk1">
+        <a:tint val="40000"/>
+      </a:schemeClr>
+    </dgm:fillClrLst>
+    <dgm:linClrLst meth="repeat">
+      <a:schemeClr val="dk1">
+        <a:shade val="80000"/>
+      </a:schemeClr>
+    </dgm:linClrLst>
+    <dgm:effectClrLst/>
+    <dgm:txLinClrLst/>
+    <dgm:txFillClrLst meth="repeat">
+      <a:schemeClr val="lt1"/>
+    </dgm:txFillClrLst>
+    <dgm:txEffectClrLst/>
+  </dgm:styleLbl>
+  <dgm:styleLbl name="bgImgPlace1">
+    <dgm:fillClrLst meth="repeat">
+      <a:schemeClr val="dk1">
+        <a:tint val="40000"/>
+      </a:schemeClr>
+    </dgm:fillClrLst>
+    <dgm:linClrLst meth="repeat">
+      <a:schemeClr val="dk1">
+        <a:shade val="80000"/>
+      </a:schemeClr>
+    </dgm:linClrLst>
+    <dgm:effectClrLst/>
+    <dgm:txLinClrLst/>
+    <dgm:txFillClrLst meth="repeat">
+      <a:schemeClr val="lt1"/>
+    </dgm:txFillClrLst>
+    <dgm:txEffectClrLst/>
+  </dgm:styleLbl>
+  <dgm:styleLbl name="sibTrans2D1">
+    <dgm:fillClrLst meth="repeat">
+      <a:schemeClr val="dk1">
+        <a:tint val="60000"/>
+      </a:schemeClr>
+    </dgm:fillClrLst>
+    <dgm:linClrLst meth="repeat">
+      <a:schemeClr val="dk1">
+        <a:tint val="60000"/>
+      </a:schemeClr>
+    </dgm:linClrLst>
+    <dgm:effectClrLst/>
+    <dgm:txLinClrLst/>
+    <dgm:txFillClrLst meth="repeat">
+      <a:schemeClr val="dk1"/>
+    </dgm:txFillClrLst>
+    <dgm:txEffectClrLst/>
+  </dgm:styleLbl>
+  <dgm:styleLbl name="fgSibTrans2D1">
+    <dgm:fillClrLst meth="repeat">
+      <a:schemeClr val="dk1">
+        <a:tint val="60000"/>
+      </a:schemeClr>
+    </dgm:fillClrLst>
+    <dgm:linClrLst meth="repeat">
+      <a:schemeClr val="dk1">
+        <a:tint val="60000"/>
+      </a:schemeClr>
+    </dgm:linClrLst>
+    <dgm:effectClrLst/>
+    <dgm:txLinClrLst/>
+    <dgm:txFillClrLst meth="repeat">
+      <a:schemeClr val="dk1"/>
+    </dgm:txFillClrLst>
+    <dgm:txEffectClrLst/>
+  </dgm:styleLbl>
+  <dgm:styleLbl name="bgSibTrans2D1">
+    <dgm:fillClrLst meth="repeat">
+      <a:schemeClr val="dk1">
+        <a:tint val="60000"/>
+      </a:schemeClr>
+    </dgm:fillClrLst>
+    <dgm:linClrLst meth="repeat">
+      <a:schemeClr val="dk1">
+        <a:tint val="60000"/>
+      </a:schemeClr>
+    </dgm:linClrLst>
+    <dgm:effectClrLst/>
+    <dgm:txLinClrLst/>
+    <dgm:txFillClrLst meth="repeat">
+      <a:schemeClr val="dk1"/>
+    </dgm:txFillClrLst>
+    <dgm:txEffectClrLst/>
+  </dgm:styleLbl>
+  <dgm:styleLbl name="sibTrans1D1">
+    <dgm:fillClrLst meth="repeat">
+      <a:schemeClr val="dk1"/>
+    </dgm:fillClrLst>
+    <dgm:linClrLst meth="repeat">
+      <a:schemeClr val="dk1"/>
+    </dgm:linClrLst>
+    <dgm:effectClrLst/>
+    <dgm:txLinClrLst/>
+    <dgm:txFillClrLst meth="repeat">
+      <a:schemeClr val="tx1"/>
+    </dgm:txFillClrLst>
+    <dgm:txEffectClrLst/>
+  </dgm:styleLbl>
+  <dgm:styleLbl name="callout">
+    <dgm:fillClrLst meth="repeat">
+      <a:schemeClr val="dk1"/>
+    </dgm:fillClrLst>
+    <dgm:linClrLst meth="repeat">
+      <a:schemeClr val="dk1"/>
+    </dgm:linClrLst>
+    <dgm:effectClrLst/>
+    <dgm:txLinClrLst/>
+    <dgm:txFillClrLst meth="repeat">
+      <a:schemeClr val="tx1"/>
+    </dgm:txFillClrLst>
+    <dgm:txEffectClrLst/>
+  </dgm:styleLbl>
+  <dgm:styleLbl name="asst0">
+    <dgm:fillClrLst meth="repeat">
+      <a:schemeClr val="lt1"/>
+    </dgm:fillClrLst>
+    <dgm:linClrLst meth="repeat">
+      <a:schemeClr val="dk1">
+        <a:shade val="80000"/>
+      </a:schemeClr>
+    </dgm:linClrLst>
+    <dgm:effectClrLst/>
+    <dgm:txLinClrLst/>
+    <dgm:txFillClrLst meth="repeat">
+      <a:schemeClr val="dk1"/>
+    </dgm:txFillClrLst>
+    <dgm:txEffectClrLst/>
+  </dgm:styleLbl>
+  <dgm:styleLbl name="asst1">
+    <dgm:fillClrLst meth="repeat">
+      <a:schemeClr val="lt1"/>
+    </dgm:fillClrLst>
+    <dgm:linClrLst meth="repeat">
+      <a:schemeClr val="dk1">
+        <a:shade val="80000"/>
+      </a:schemeClr>
+    </dgm:linClrLst>
+    <dgm:effectClrLst/>
+    <dgm:txLinClrLst/>
+    <dgm:txFillClrLst meth="repeat">
+      <a:schemeClr val="dk1"/>
+    </dgm:txFillClrLst>
+    <dgm:txEffectClrLst/>
+  </dgm:styleLbl>
+  <dgm:styleLbl name="asst2">
+    <dgm:fillClrLst meth="repeat">
+      <a:schemeClr val="lt1"/>
+    </dgm:fillClrLst>
+    <dgm:linClrLst meth="repeat">
+      <a:schemeClr val="dk1">
+        <a:shade val="80000"/>
+      </a:schemeClr>
+    </dgm:linClrLst>
+    <dgm:effectClrLst/>
+    <dgm:txLinClrLst/>
+    <dgm:txFillClrLst meth="repeat">
+      <a:schemeClr val="dk1"/>
+    </dgm:txFillClrLst>
+    <dgm:txEffectClrLst/>
+  </dgm:styleLbl>
+  <dgm:styleLbl name="asst3">
+    <dgm:fillClrLst meth="repeat">
+      <a:schemeClr val="lt1"/>
+    </dgm:fillClrLst>
+    <dgm:linClrLst meth="repeat">
+      <a:schemeClr val="dk1">
+        <a:shade val="80000"/>
+      </a:schemeClr>
+    </dgm:linClrLst>
+    <dgm:effectClrLst/>
+    <dgm:txLinClrLst/>
+    <dgm:txFillClrLst meth="repeat">
+      <a:schemeClr val="dk1"/>
+    </dgm:txFillClrLst>
+    <dgm:txEffectClrLst/>
+  </dgm:styleLbl>
+  <dgm:styleLbl name="asst4">
+    <dgm:fillClrLst meth="repeat">
+      <a:schemeClr val="lt1"/>
+    </dgm:fillClrLst>
+    <dgm:linClrLst meth="repeat">
+      <a:schemeClr val="dk1">
+        <a:shade val="80000"/>
+      </a:schemeClr>
+    </dgm:linClrLst>
+    <dgm:effectClrLst/>
+    <dgm:txLinClrLst/>
+    <dgm:txFillClrLst meth="repeat">
+      <a:schemeClr val="dk1"/>
+    </dgm:txFillClrLst>
+    <dgm:txEffectClrLst/>
+  </dgm:styleLbl>
+  <dgm:styleLbl name="parChTrans2D1">
+    <dgm:fillClrLst meth="repeat">
+      <a:schemeClr val="dk1">
+        <a:tint val="60000"/>
+      </a:schemeClr>
+    </dgm:fillClrLst>
+    <dgm:linClrLst meth="repeat">
+      <a:schemeClr val="dk1">
+        <a:tint val="60000"/>
+      </a:schemeClr>
+    </dgm:linClrLst>
+    <dgm:effectClrLst/>
+    <dgm:txLinClrLst/>
+    <dgm:txFillClrLst/>
+    <dgm:txEffectClrLst/>
+  </dgm:styleLbl>
+  <dgm:styleLbl name="parChTrans2D2">
+    <dgm:fillClrLst meth="repeat">
+      <a:schemeClr val="dk1"/>
+    </dgm:fillClrLst>
+    <dgm:linClrLst meth="repeat">
+      <a:schemeClr val="dk1"/>
+    </dgm:linClrLst>
+    <dgm:effectClrLst/>
+    <dgm:txLinClrLst/>
+    <dgm:txFillClrLst/>
+    <dgm:txEffectClrLst/>
+  </dgm:styleLbl>
+  <dgm:styleLbl name="parChTrans2D3">
+    <dgm:fillClrLst meth="repeat">
+      <a:schemeClr val="dk1"/>
+    </dgm:fillClrLst>
+    <dgm:linClrLst meth="repeat">
+      <a:schemeClr val="dk1"/>
+    </dgm:linClrLst>
+    <dgm:effectClrLst/>
+    <dgm:txLinClrLst/>
+    <dgm:txFillClrLst/>
+    <dgm:txEffectClrLst/>
+  </dgm:styleLbl>
+  <dgm:styleLbl name="parChTrans2D4">
+    <dgm:fillClrLst meth="repeat">
+      <a:schemeClr val="dk1"/>
+    </dgm:fillClrLst>
+    <dgm:linClrLst meth="repeat">
+      <a:schemeClr val="dk1"/>
+    </dgm:linClrLst>
+    <dgm:effectClrLst/>
+    <dgm:txLinClrLst/>
+    <dgm:txFillClrLst meth="repeat">
+      <a:schemeClr val="lt1"/>
+    </dgm:txFillClrLst>
+    <dgm:txEffectClrLst/>
+  </dgm:styleLbl>
+  <dgm:styleLbl name="parChTrans1D1">
+    <dgm:fillClrLst meth="repeat">
+      <a:schemeClr val="dk1"/>
+    </dgm:fillClrLst>
+    <dgm:linClrLst meth="repeat">
+      <a:schemeClr val="dk1">
+        <a:shade val="60000"/>
+      </a:schemeClr>
+    </dgm:linClrLst>
+    <dgm:effectClrLst/>
+    <dgm:txLinClrLst/>
+    <dgm:txFillClrLst meth="repeat">
+      <a:schemeClr val="tx1"/>
+    </dgm:txFillClrLst>
+    <dgm:txEffectClrLst/>
+  </dgm:styleLbl>
+  <dgm:styleLbl name="parChTrans1D2">
+    <dgm:fillClrLst meth="repeat">
+      <a:schemeClr val="dk1"/>
+    </dgm:fillClrLst>
+    <dgm:linClrLst meth="repeat">
+      <a:schemeClr val="dk1">
+        <a:shade val="60000"/>
+      </a:schemeClr>
+    </dgm:linClrLst>
+    <dgm:effectClrLst/>
+    <dgm:txLinClrLst/>
+    <dgm:txFillClrLst meth="repeat">
+      <a:schemeClr val="tx1"/>
+    </dgm:txFillClrLst>
+    <dgm:txEffectClrLst/>
+  </dgm:styleLbl>
+  <dgm:styleLbl name="parChTrans1D3">
+    <dgm:fillClrLst meth="repeat">
+      <a:schemeClr val="dk1"/>
+    </dgm:fillClrLst>
+    <dgm:linClrLst meth="repeat">
+      <a:schemeClr val="dk1">
+        <a:shade val="80000"/>
+      </a:schemeClr>
+    </dgm:linClrLst>
+    <dgm:effectClrLst/>
+    <dgm:txLinClrLst/>
+    <dgm:txFillClrLst meth="repeat">
+      <a:schemeClr val="tx1"/>
+    </dgm:txFillClrLst>
+    <dgm:txEffectClrLst/>
+  </dgm:styleLbl>
+  <dgm:styleLbl name="parChTrans1D4">
+    <dgm:fillClrLst meth="repeat">
+      <a:schemeClr val="dk1"/>
+    </dgm:fillClrLst>
+    <dgm:linClrLst meth="repeat">
+      <a:schemeClr val="dk1">
+        <a:shade val="80000"/>
+      </a:schemeClr>
+    </dgm:linClrLst>
+    <dgm:effectClrLst/>
+    <dgm:txLinClrLst/>
+    <dgm:txFillClrLst meth="repeat">
+      <a:schemeClr val="tx1"/>
+    </dgm:txFillClrLst>
+    <dgm:txEffectClrLst/>
+  </dgm:styleLbl>
+  <dgm:styleLbl name="fgAcc1">
+    <dgm:fillClrLst meth="repeat">
+      <a:schemeClr val="dk1">
+        <a:alpha val="90000"/>
+        <a:tint val="40000"/>
+      </a:schemeClr>
+    </dgm:fillClrLst>
+    <dgm:linClrLst meth="repeat">
+      <a:schemeClr val="dk1"/>
+    </dgm:linClrLst>
+    <dgm:effectClrLst/>
+    <dgm:txLinClrLst/>
+    <dgm:txFillClrLst meth="repeat">
+      <a:schemeClr val="dk1"/>
+    </dgm:txFillClrLst>
+    <dgm:txEffectClrLst/>
+  </dgm:styleLbl>
+  <dgm:styleLbl name="conFgAcc1">
+    <dgm:fillClrLst meth="repeat">
+      <a:schemeClr val="dk1">
+        <a:alpha val="90000"/>
+        <a:tint val="40000"/>
+      </a:schemeClr>
+    </dgm:fillClrLst>
+    <dgm:linClrLst meth="repeat">
+      <a:schemeClr val="dk1"/>
+    </dgm:linClrLst>
+    <dgm:effectClrLst/>
+    <dgm:txLinClrLst/>
+    <dgm:txFillClrLst meth="repeat">
+      <a:schemeClr val="dk1"/>
+    </dgm:txFillClrLst>
+    <dgm:txEffectClrLst/>
+  </dgm:styleLbl>
+  <dgm:styleLbl name="alignAcc1">
+    <dgm:fillClrLst meth="repeat">
+      <a:schemeClr val="dk1">
+        <a:alpha val="90000"/>
+        <a:tint val="40000"/>
+      </a:schemeClr>
+    </dgm:fillClrLst>
+    <dgm:linClrLst meth="repeat">
+      <a:schemeClr val="dk1"/>
+    </dgm:linClrLst>
+    <dgm:effectClrLst/>
+    <dgm:txLinClrLst/>
+    <dgm:txFillClrLst meth="repeat">
+      <a:schemeClr val="dk1"/>
+    </dgm:txFillClrLst>
+    <dgm:txEffectClrLst/>
+  </dgm:styleLbl>
+  <dgm:styleLbl name="trAlignAcc1">
+    <dgm:fillClrLst meth="repeat">
+      <a:schemeClr val="dk1">
+        <a:alpha val="40000"/>
+        <a:tint val="40000"/>
+      </a:schemeClr>
+    </dgm:fillClrLst>
+    <dgm:linClrLst meth="repeat">
+      <a:schemeClr val="dk1"/>
+    </dgm:linClrLst>
+    <dgm:effectClrLst/>
+    <dgm:txLinClrLst/>
+    <dgm:txFillClrLst meth="repeat">
+      <a:schemeClr val="dk1"/>
+    </dgm:txFillClrLst>
+    <dgm:txEffectClrLst/>
+  </dgm:styleLbl>
+  <dgm:styleLbl name="bgAcc1">
+    <dgm:fillClrLst meth="repeat">
+      <a:schemeClr val="dk1">
+        <a:alpha val="90000"/>
+        <a:tint val="40000"/>
+      </a:schemeClr>
+    </dgm:fillClrLst>
+    <dgm:linClrLst meth="repeat">
+      <a:schemeClr val="dk1"/>
+    </dgm:linClrLst>
+    <dgm:effectClrLst/>
+    <dgm:txLinClrLst/>
+    <dgm:txFillClrLst meth="repeat">
+      <a:schemeClr val="dk1"/>
+    </dgm:txFillClrLst>
+    <dgm:txEffectClrLst/>
+  </dgm:styleLbl>
+  <dgm:styleLbl name="solidFgAcc1">
+    <dgm:fillClrLst meth="repeat">
+      <a:schemeClr val="lt1"/>
+    </dgm:fillClrLst>
+    <dgm:linClrLst meth="repeat">
+      <a:schemeClr val="dk1"/>
+    </dgm:linClrLst>
+    <dgm:effectClrLst/>
+    <dgm:txLinClrLst/>
+    <dgm:txFillClrLst meth="repeat">
+      <a:schemeClr val="dk1"/>
+    </dgm:txFillClrLst>
+    <dgm:txEffectClrLst/>
+  </dgm:styleLbl>
+  <dgm:styleLbl name="solidAlignAcc1">
+    <dgm:fillClrLst meth="repeat">
+      <a:schemeClr val="lt1"/>
+    </dgm:fillClrLst>
+    <dgm:linClrLst meth="repeat">
+      <a:schemeClr val="dk1"/>
+    </dgm:linClrLst>
+    <dgm:effectClrLst/>
+    <dgm:txLinClrLst/>
+    <dgm:txFillClrLst meth="repeat">
+      <a:schemeClr val="dk1"/>
+    </dgm:txFillClrLst>
+    <dgm:txEffectClrLst/>
+  </dgm:styleLbl>
+  <dgm:styleLbl name="solidBgAcc1">
+    <dgm:fillClrLst meth="repeat">
+      <a:schemeClr val="lt1"/>
+    </dgm:fillClrLst>
+    <dgm:linClrLst meth="repeat">
+      <a:schemeClr val="dk1"/>
+    </dgm:linClrLst>
+    <dgm:effectClrLst/>
+    <dgm:txLinClrLst/>
+    <dgm:txFillClrLst meth="repeat">
+      <a:schemeClr val="dk1"/>
+    </dgm:txFillClrLst>
+    <dgm:txEffectClrLst/>
+  </dgm:styleLbl>
+  <dgm:styleLbl name="fgAccFollowNode1">
+    <dgm:fillClrLst meth="repeat">
+      <a:schemeClr val="lt1">
+        <a:alpha val="90000"/>
+        <a:tint val="40000"/>
+      </a:schemeClr>
+    </dgm:fillClrLst>
+    <dgm:linClrLst meth="repeat">
+      <a:schemeClr val="dk1">
+        <a:alpha val="90000"/>
+      </a:schemeClr>
+    </dgm:linClrLst>
+    <dgm:effectClrLst/>
+    <dgm:txLinClrLst/>
+    <dgm:txFillClrLst meth="repeat">
+      <a:schemeClr val="dk1"/>
+    </dgm:txFillClrLst>
+    <dgm:txEffectClrLst/>
+  </dgm:styleLbl>
+  <dgm:styleLbl name="alignAccFollowNode1">
+    <dgm:fillClrLst meth="repeat">
+      <a:schemeClr val="lt1">
+        <a:alpha val="90000"/>
+        <a:tint val="40000"/>
+      </a:schemeClr>
+    </dgm:fillClrLst>
+    <dgm:linClrLst meth="repeat">
+      <a:schemeClr val="dk1">
+        <a:alpha val="90000"/>
+      </a:schemeClr>
+    </dgm:linClrLst>
+    <dgm:effectClrLst/>
+    <dgm:txLinClrLst/>
+    <dgm:txFillClrLst meth="repeat">
+      <a:schemeClr val="dk1"/>
+    </dgm:txFillClrLst>
+    <dgm:txEffectClrLst/>
+  </dgm:styleLbl>
+  <dgm:styleLbl name="bgAccFollowNode1">
+    <dgm:fillClrLst meth="repeat">
+      <a:schemeClr val="lt1">
+        <a:alpha val="90000"/>
+        <a:tint val="40000"/>
+      </a:schemeClr>
+    </dgm:fillClrLst>
+    <dgm:linClrLst meth="repeat">
+      <a:schemeClr val="dk1">
+        <a:alpha val="90000"/>
+      </a:schemeClr>
+    </dgm:linClrLst>
+    <dgm:effectClrLst/>
+    <dgm:txLinClrLst/>
+    <dgm:txFillClrLst meth="repeat">
+      <a:schemeClr val="dk1"/>
+    </dgm:txFillClrLst>
+    <dgm:txEffectClrLst/>
+  </dgm:styleLbl>
+  <dgm:styleLbl name="fgAcc0">
+    <dgm:fillClrLst meth="repeat">
+      <a:schemeClr val="dk1">
+        <a:alpha val="90000"/>
+        <a:tint val="40000"/>
+      </a:schemeClr>
+    </dgm:fillClrLst>
+    <dgm:linClrLst meth="repeat">
+      <a:schemeClr val="dk1"/>
+    </dgm:linClrLst>
+    <dgm:effectClrLst/>
+    <dgm:txLinClrLst/>
+    <dgm:txFillClrLst meth="repeat">
+      <a:schemeClr val="dk1"/>
+    </dgm:txFillClrLst>
+    <dgm:txEffectClrLst/>
+  </dgm:styleLbl>
+  <dgm:styleLbl name="fgAcc2">
+    <dgm:fillClrLst meth="repeat">
+      <a:schemeClr val="dk1">
+        <a:alpha val="90000"/>
+        <a:tint val="40000"/>
+      </a:schemeClr>
+    </dgm:fillClrLst>
+    <dgm:linClrLst meth="repeat">
+      <a:schemeClr val="dk1"/>
+    </dgm:linClrLst>
+    <dgm:effectClrLst/>
+    <dgm:txLinClrLst/>
+    <dgm:txFillClrLst meth="repeat">
+      <a:schemeClr val="dk1"/>
+    </dgm:txFillClrLst>
+    <dgm:txEffectClrLst/>
+  </dgm:styleLbl>
+  <dgm:styleLbl name="fgAcc3">
+    <dgm:fillClrLst meth="repeat">
+      <a:schemeClr val="dk1">
+        <a:alpha val="90000"/>
+        <a:tint val="40000"/>
+      </a:schemeClr>
+    </dgm:fillClrLst>
+    <dgm:linClrLst meth="repeat">
+      <a:schemeClr val="dk1"/>
+    </dgm:linClrLst>
+    <dgm:effectClrLst/>
+    <dgm:txLinClrLst/>
+    <dgm:txFillClrLst meth="repeat">
+      <a:schemeClr val="dk1"/>
+    </dgm:txFillClrLst>
+    <dgm:txEffectClrLst/>
+  </dgm:styleLbl>
+  <dgm:styleLbl name="fgAcc4">
+    <dgm:fillClrLst meth="repeat">
+      <a:schemeClr val="dk1">
+        <a:alpha val="90000"/>
+        <a:tint val="40000"/>
+      </a:schemeClr>
+    </dgm:fillClrLst>
+    <dgm:linClrLst meth="repeat">
+      <a:schemeClr val="dk1"/>
+    </dgm:linClrLst>
+    <dgm:effectClrLst/>
+    <dgm:txLinClrLst/>
+    <dgm:txFillClrLst meth="repeat">
+      <a:schemeClr val="dk1"/>
+    </dgm:txFillClrLst>
+    <dgm:txEffectClrLst/>
+  </dgm:styleLbl>
+  <dgm:styleLbl name="bgShp">
+    <dgm:fillClrLst meth="repeat">
+      <a:schemeClr val="dk1">
+        <a:tint val="40000"/>
+      </a:schemeClr>
+    </dgm:fillClrLst>
+    <dgm:linClrLst meth="repeat">
+      <a:schemeClr val="dk1"/>
+    </dgm:linClrLst>
+    <dgm:effectClrLst/>
+    <dgm:txLinClrLst/>
+    <dgm:txFillClrLst meth="repeat">
+      <a:schemeClr val="dk1"/>
+    </dgm:txFillClrLst>
+    <dgm:txEffectClrLst/>
+  </dgm:styleLbl>
+  <dgm:styleLbl name="dkBgShp">
+    <dgm:fillClrLst meth="repeat">
+      <a:schemeClr val="dk1">
+        <a:shade val="80000"/>
+      </a:schemeClr>
+    </dgm:fillClrLst>
+    <dgm:linClrLst meth="repeat">
+      <a:schemeClr val="dk1"/>
+    </dgm:linClrLst>
+    <dgm:effectClrLst/>
+    <dgm:txLinClrLst/>
+    <dgm:txFillClrLst meth="repeat">
+      <a:schemeClr val="lt1"/>
+    </dgm:txFillClrLst>
+    <dgm:txEffectClrLst/>
+  </dgm:styleLbl>
+  <dgm:styleLbl name="trBgShp">
+    <dgm:fillClrLst meth="repeat">
+      <a:schemeClr val="dk1">
+        <a:tint val="50000"/>
+        <a:alpha val="40000"/>
+      </a:schemeClr>
+    </dgm:fillClrLst>
+    <dgm:linClrLst meth="repeat">
+      <a:schemeClr val="dk1"/>
+    </dgm:linClrLst>
+    <dgm:effectClrLst/>
+    <dgm:txLinClrLst/>
+    <dgm:txFillClrLst meth="repeat">
+      <a:schemeClr val="lt1"/>
+    </dgm:txFillClrLst>
+    <dgm:txEffectClrLst/>
+  </dgm:styleLbl>
+  <dgm:styleLbl name="fgShp">
+    <dgm:fillClrLst meth="repeat">
+      <a:schemeClr val="dk1">
+        <a:tint val="60000"/>
+      </a:schemeClr>
+    </dgm:fillClrLst>
+    <dgm:linClrLst meth="repeat">
+      <a:schemeClr val="lt1"/>
+    </dgm:linClrLst>
+    <dgm:effectClrLst/>
+    <dgm:txLinClrLst/>
+    <dgm:txFillClrLst meth="repeat">
+      <a:schemeClr val="dk1"/>
+    </dgm:txFillClrLst>
+    <dgm:txEffectClrLst/>
+  </dgm:styleLbl>
+  <dgm:styleLbl name="revTx">
+    <dgm:fillClrLst meth="repeat">
+      <a:schemeClr val="lt1">
+        <a:alpha val="0"/>
+      </a:schemeClr>
+    </dgm:fillClrLst>
+    <dgm:linClrLst meth="repeat">
+      <a:schemeClr val="dk1">
         <a:alpha val="0"/>
       </a:schemeClr>
     </dgm:linClrLst>
@@ -4927,6 +5739,312 @@
     <dgm:cxn modelId="{6D588945-AA60-4CAA-B0A8-6CB9C9CFA3AA}" type="presParOf" srcId="{644AD2C4-11DC-4CE3-BEE8-CE19BBA18002}" destId="{1F79F37A-3CE2-4B0B-87D0-6509D73BAF1F}" srcOrd="6" destOrd="0" presId="urn:microsoft.com/office/officeart/2005/8/layout/vList2"/>
     <dgm:cxn modelId="{6DC0C13E-29DD-4547-B21C-34BDFCD4831A}" type="presParOf" srcId="{644AD2C4-11DC-4CE3-BEE8-CE19BBA18002}" destId="{866D2675-71B9-4CF6-B6EC-9396716CBEF2}" srcOrd="7" destOrd="0" presId="urn:microsoft.com/office/officeart/2005/8/layout/vList2"/>
     <dgm:cxn modelId="{63AE16CD-C6B7-4CCD-9890-374E47BE607B}" type="presParOf" srcId="{644AD2C4-11DC-4CE3-BEE8-CE19BBA18002}" destId="{2D550479-DFB9-48C4-B138-E4476B0AB2D6}" srcOrd="8" destOrd="0" presId="urn:microsoft.com/office/officeart/2005/8/layout/vList2"/>
+  </dgm:cxnLst>
+  <dgm:bg/>
+  <dgm:whole/>
+  <dgm:extLst>
+    <a:ext uri="http://schemas.microsoft.com/office/drawing/2008/diagram">
+      <dsp:dataModelExt xmlns:dsp="http://schemas.microsoft.com/office/drawing/2008/diagram" relId="rId6" minVer="http://schemas.openxmlformats.org/drawingml/2006/diagram"/>
+    </a:ext>
+  </dgm:extLst>
+</dgm:dataModel>
+</file>
+
+<file path=ppt/diagrams/data5.xml><?xml version="1.0" encoding="utf-8"?>
+<dgm:dataModel xmlns:dgm="http://schemas.openxmlformats.org/drawingml/2006/diagram" xmlns:a="http://schemas.openxmlformats.org/drawingml/2006/main">
+  <dgm:ptLst>
+    <dgm:pt modelId="{3AFE9BDD-CBDE-43F5-8142-720C4D7D0744}" type="doc">
+      <dgm:prSet loTypeId="urn:microsoft.com/office/officeart/2008/layout/VerticalCurvedList" loCatId="list" qsTypeId="urn:microsoft.com/office/officeart/2005/8/quickstyle/simple1" qsCatId="simple" csTypeId="urn:microsoft.com/office/officeart/2005/8/colors/accent0_1" csCatId="mainScheme"/>
+      <dgm:spPr/>
+      <dgm:t>
+        <a:bodyPr/>
+        <a:lstStyle/>
+        <a:p>
+          <a:endParaRPr lang="en-AU"/>
+        </a:p>
+      </dgm:t>
+    </dgm:pt>
+    <dgm:pt modelId="{CC82DC0B-4BD5-45A0-B450-6785FE969FB1}">
+      <dgm:prSet/>
+      <dgm:spPr/>
+      <dgm:t>
+        <a:bodyPr/>
+        <a:lstStyle/>
+        <a:p>
+          <a:r>
+            <a:rPr lang="en-AU">
+              <a:hlinkClick xmlns:r="http://schemas.openxmlformats.org/officeDocument/2006/relationships" r:id="rId1"/>
+            </a:rPr>
+            <a:t>https://readify.sharepoint.com/the-way-we-work/Pages/OnBoard%20Easy.aspx</a:t>
+          </a:r>
+          <a:endParaRPr lang="en-AU"/>
+        </a:p>
+      </dgm:t>
+    </dgm:pt>
+    <dgm:pt modelId="{6C66A58B-A747-42FC-B6B3-EC7279F82978}" type="parTrans" cxnId="{AC628B81-AFB1-4250-A953-596DD978B5E9}">
+      <dgm:prSet/>
+      <dgm:spPr/>
+      <dgm:t>
+        <a:bodyPr/>
+        <a:lstStyle/>
+        <a:p>
+          <a:endParaRPr lang="en-AU"/>
+        </a:p>
+      </dgm:t>
+    </dgm:pt>
+    <dgm:pt modelId="{8A53FDA9-4C71-44C7-8CA8-E70DE0B55C71}" type="sibTrans" cxnId="{AC628B81-AFB1-4250-A953-596DD978B5E9}">
+      <dgm:prSet/>
+      <dgm:spPr/>
+      <dgm:t>
+        <a:bodyPr/>
+        <a:lstStyle/>
+        <a:p>
+          <a:endParaRPr lang="en-AU"/>
+        </a:p>
+      </dgm:t>
+    </dgm:pt>
+    <dgm:pt modelId="{6124D754-C0F9-463C-B903-3B8AF48AF8B2}">
+      <dgm:prSet/>
+      <dgm:spPr/>
+      <dgm:t>
+        <a:bodyPr/>
+        <a:lstStyle/>
+        <a:p>
+          <a:r>
+            <a:rPr lang="en-US">
+              <a:hlinkClick xmlns:r="http://schemas.openxmlformats.org/officeDocument/2006/relationships" r:id="rId2"/>
+            </a:rPr>
+            <a:t>Support@readify.net</a:t>
+          </a:r>
+          <a:endParaRPr lang="en-AU"/>
+        </a:p>
+      </dgm:t>
+    </dgm:pt>
+    <dgm:pt modelId="{E77E6710-4D76-4F60-B6AF-4B61172F75B2}" type="parTrans" cxnId="{E1531E9A-8277-47B9-8A17-5C6DFDBDF5BD}">
+      <dgm:prSet/>
+      <dgm:spPr/>
+      <dgm:t>
+        <a:bodyPr/>
+        <a:lstStyle/>
+        <a:p>
+          <a:endParaRPr lang="en-AU"/>
+        </a:p>
+      </dgm:t>
+    </dgm:pt>
+    <dgm:pt modelId="{C5508022-A5FA-4B7F-97F8-7B73ECB52DA1}" type="sibTrans" cxnId="{E1531E9A-8277-47B9-8A17-5C6DFDBDF5BD}">
+      <dgm:prSet/>
+      <dgm:spPr/>
+      <dgm:t>
+        <a:bodyPr/>
+        <a:lstStyle/>
+        <a:p>
+          <a:endParaRPr lang="en-AU"/>
+        </a:p>
+      </dgm:t>
+    </dgm:pt>
+    <dgm:pt modelId="{51613130-8F4E-40FB-8B5E-21F1E4F3D2F9}">
+      <dgm:prSet/>
+      <dgm:spPr/>
+      <dgm:t>
+        <a:bodyPr/>
+        <a:lstStyle/>
+        <a:p>
+          <a:r>
+            <a:rPr lang="en-AU">
+              <a:hlinkClick xmlns:r="http://schemas.openxmlformats.org/officeDocument/2006/relationships" r:id="rId3"/>
+            </a:rPr>
+            <a:t>https://css-tricks.com/snippets/css/a-guide-to-flexbox/</a:t>
+          </a:r>
+          <a:endParaRPr lang="en-AU"/>
+        </a:p>
+      </dgm:t>
+    </dgm:pt>
+    <dgm:pt modelId="{14E280C4-4A52-4815-AC1C-2856FE6C9769}" type="parTrans" cxnId="{E0995EEA-F66F-4DE5-8DFD-6059A467A57A}">
+      <dgm:prSet/>
+      <dgm:spPr/>
+      <dgm:t>
+        <a:bodyPr/>
+        <a:lstStyle/>
+        <a:p>
+          <a:endParaRPr lang="en-AU"/>
+        </a:p>
+      </dgm:t>
+    </dgm:pt>
+    <dgm:pt modelId="{45582E74-5043-460F-86DD-8991BFED0385}" type="sibTrans" cxnId="{E0995EEA-F66F-4DE5-8DFD-6059A467A57A}">
+      <dgm:prSet/>
+      <dgm:spPr/>
+      <dgm:t>
+        <a:bodyPr/>
+        <a:lstStyle/>
+        <a:p>
+          <a:endParaRPr lang="en-AU"/>
+        </a:p>
+      </dgm:t>
+    </dgm:pt>
+    <dgm:pt modelId="{177BF4C2-579B-4708-A2D8-F0F9DAAB023C}">
+      <dgm:prSet/>
+      <dgm:spPr/>
+      <dgm:t>
+        <a:bodyPr/>
+        <a:lstStyle/>
+        <a:p>
+          <a:r>
+            <a:rPr lang="en-AU" dirty="0"/>
+            <a:t>https://github.com/mehdikhaleghian/StudyNotes/blob/master/OnboardEasy.pptx</a:t>
+          </a:r>
+        </a:p>
+      </dgm:t>
+    </dgm:pt>
+    <dgm:pt modelId="{9A51C084-5633-49CF-B9EA-A317C5D505A0}" type="parTrans" cxnId="{F1BA94CF-BD26-413F-A8A4-72589C6C81E4}">
+      <dgm:prSet/>
+      <dgm:spPr/>
+      <dgm:t>
+        <a:bodyPr/>
+        <a:lstStyle/>
+        <a:p>
+          <a:endParaRPr lang="en-AU"/>
+        </a:p>
+      </dgm:t>
+    </dgm:pt>
+    <dgm:pt modelId="{9B5809FE-21B7-4B71-B74F-49D812D370E4}" type="sibTrans" cxnId="{F1BA94CF-BD26-413F-A8A4-72589C6C81E4}">
+      <dgm:prSet/>
+      <dgm:spPr/>
+      <dgm:t>
+        <a:bodyPr/>
+        <a:lstStyle/>
+        <a:p>
+          <a:endParaRPr lang="en-AU"/>
+        </a:p>
+      </dgm:t>
+    </dgm:pt>
+    <dgm:pt modelId="{855FDDB6-A26D-478F-825E-ECBC271C52E6}" type="pres">
+      <dgm:prSet presAssocID="{3AFE9BDD-CBDE-43F5-8142-720C4D7D0744}" presName="Name0" presStyleCnt="0">
+        <dgm:presLayoutVars>
+          <dgm:chMax val="7"/>
+          <dgm:chPref val="7"/>
+          <dgm:dir/>
+        </dgm:presLayoutVars>
+      </dgm:prSet>
+      <dgm:spPr/>
+    </dgm:pt>
+    <dgm:pt modelId="{83FCE57A-4311-4A1E-BC8F-2203E3A7DEFD}" type="pres">
+      <dgm:prSet presAssocID="{3AFE9BDD-CBDE-43F5-8142-720C4D7D0744}" presName="Name1" presStyleCnt="0"/>
+      <dgm:spPr/>
+    </dgm:pt>
+    <dgm:pt modelId="{7A92732F-8383-468B-800D-398944742A83}" type="pres">
+      <dgm:prSet presAssocID="{3AFE9BDD-CBDE-43F5-8142-720C4D7D0744}" presName="cycle" presStyleCnt="0"/>
+      <dgm:spPr/>
+    </dgm:pt>
+    <dgm:pt modelId="{0E418557-9D9E-41A3-B289-8A3E53F076DE}" type="pres">
+      <dgm:prSet presAssocID="{3AFE9BDD-CBDE-43F5-8142-720C4D7D0744}" presName="srcNode" presStyleLbl="node1" presStyleIdx="0" presStyleCnt="4"/>
+      <dgm:spPr/>
+    </dgm:pt>
+    <dgm:pt modelId="{8A7B9D92-74B7-4F99-BF3C-180BDEA84016}" type="pres">
+      <dgm:prSet presAssocID="{3AFE9BDD-CBDE-43F5-8142-720C4D7D0744}" presName="conn" presStyleLbl="parChTrans1D2" presStyleIdx="0" presStyleCnt="1"/>
+      <dgm:spPr/>
+    </dgm:pt>
+    <dgm:pt modelId="{DAE1205A-5B87-492D-8BD0-32B0D467B203}" type="pres">
+      <dgm:prSet presAssocID="{3AFE9BDD-CBDE-43F5-8142-720C4D7D0744}" presName="extraNode" presStyleLbl="node1" presStyleIdx="0" presStyleCnt="4"/>
+      <dgm:spPr/>
+    </dgm:pt>
+    <dgm:pt modelId="{91843C3F-F3D0-402B-9E35-9BAAB0B6F7F5}" type="pres">
+      <dgm:prSet presAssocID="{3AFE9BDD-CBDE-43F5-8142-720C4D7D0744}" presName="dstNode" presStyleLbl="node1" presStyleIdx="0" presStyleCnt="4"/>
+      <dgm:spPr/>
+    </dgm:pt>
+    <dgm:pt modelId="{524F5168-A3EB-4C5F-B9BA-33CBB7B2D33D}" type="pres">
+      <dgm:prSet presAssocID="{CC82DC0B-4BD5-45A0-B450-6785FE969FB1}" presName="text_1" presStyleLbl="node1" presStyleIdx="0" presStyleCnt="4">
+        <dgm:presLayoutVars>
+          <dgm:bulletEnabled val="1"/>
+        </dgm:presLayoutVars>
+      </dgm:prSet>
+      <dgm:spPr/>
+    </dgm:pt>
+    <dgm:pt modelId="{F6B7F64D-0CBC-4FBF-8D72-E7D250A1BAFC}" type="pres">
+      <dgm:prSet presAssocID="{CC82DC0B-4BD5-45A0-B450-6785FE969FB1}" presName="accent_1" presStyleCnt="0"/>
+      <dgm:spPr/>
+    </dgm:pt>
+    <dgm:pt modelId="{D4703784-3B2B-4936-B941-3426CB033982}" type="pres">
+      <dgm:prSet presAssocID="{CC82DC0B-4BD5-45A0-B450-6785FE969FB1}" presName="accentRepeatNode" presStyleLbl="solidFgAcc1" presStyleIdx="0" presStyleCnt="4"/>
+      <dgm:spPr/>
+    </dgm:pt>
+    <dgm:pt modelId="{7360BB40-03CB-4623-821F-BEAEC143FDFF}" type="pres">
+      <dgm:prSet presAssocID="{6124D754-C0F9-463C-B903-3B8AF48AF8B2}" presName="text_2" presStyleLbl="node1" presStyleIdx="1" presStyleCnt="4">
+        <dgm:presLayoutVars>
+          <dgm:bulletEnabled val="1"/>
+        </dgm:presLayoutVars>
+      </dgm:prSet>
+      <dgm:spPr/>
+    </dgm:pt>
+    <dgm:pt modelId="{C1D1927A-83DF-4C12-9DE0-9B54F74AB1AF}" type="pres">
+      <dgm:prSet presAssocID="{6124D754-C0F9-463C-B903-3B8AF48AF8B2}" presName="accent_2" presStyleCnt="0"/>
+      <dgm:spPr/>
+    </dgm:pt>
+    <dgm:pt modelId="{6C2F275E-6C43-440B-B179-2B3EB1E2E2E0}" type="pres">
+      <dgm:prSet presAssocID="{6124D754-C0F9-463C-B903-3B8AF48AF8B2}" presName="accentRepeatNode" presStyleLbl="solidFgAcc1" presStyleIdx="1" presStyleCnt="4"/>
+      <dgm:spPr/>
+    </dgm:pt>
+    <dgm:pt modelId="{EC4D7133-4848-411A-A692-7AB8FC673ED1}" type="pres">
+      <dgm:prSet presAssocID="{51613130-8F4E-40FB-8B5E-21F1E4F3D2F9}" presName="text_3" presStyleLbl="node1" presStyleIdx="2" presStyleCnt="4">
+        <dgm:presLayoutVars>
+          <dgm:bulletEnabled val="1"/>
+        </dgm:presLayoutVars>
+      </dgm:prSet>
+      <dgm:spPr/>
+    </dgm:pt>
+    <dgm:pt modelId="{1FD8A4AA-B73A-4C1F-93F7-4761CFF2B133}" type="pres">
+      <dgm:prSet presAssocID="{51613130-8F4E-40FB-8B5E-21F1E4F3D2F9}" presName="accent_3" presStyleCnt="0"/>
+      <dgm:spPr/>
+    </dgm:pt>
+    <dgm:pt modelId="{A1F95B1A-B908-4F59-90AB-08B9007C764A}" type="pres">
+      <dgm:prSet presAssocID="{51613130-8F4E-40FB-8B5E-21F1E4F3D2F9}" presName="accentRepeatNode" presStyleLbl="solidFgAcc1" presStyleIdx="2" presStyleCnt="4"/>
+      <dgm:spPr/>
+    </dgm:pt>
+    <dgm:pt modelId="{56E4B9B7-DB42-4A46-AC4D-4C9FDCF909DE}" type="pres">
+      <dgm:prSet presAssocID="{177BF4C2-579B-4708-A2D8-F0F9DAAB023C}" presName="text_4" presStyleLbl="node1" presStyleIdx="3" presStyleCnt="4">
+        <dgm:presLayoutVars>
+          <dgm:bulletEnabled val="1"/>
+        </dgm:presLayoutVars>
+      </dgm:prSet>
+      <dgm:spPr/>
+    </dgm:pt>
+    <dgm:pt modelId="{2B44A4CB-9C3A-4044-9E0B-4BDF4BAC7B25}" type="pres">
+      <dgm:prSet presAssocID="{177BF4C2-579B-4708-A2D8-F0F9DAAB023C}" presName="accent_4" presStyleCnt="0"/>
+      <dgm:spPr/>
+    </dgm:pt>
+    <dgm:pt modelId="{B280BBFD-8AF0-4D29-9853-3548199FDD9E}" type="pres">
+      <dgm:prSet presAssocID="{177BF4C2-579B-4708-A2D8-F0F9DAAB023C}" presName="accentRepeatNode" presStyleLbl="solidFgAcc1" presStyleIdx="3" presStyleCnt="4"/>
+      <dgm:spPr/>
+    </dgm:pt>
+  </dgm:ptLst>
+  <dgm:cxnLst>
+    <dgm:cxn modelId="{CB633F06-181A-42E1-98BA-669E0DA08F8B}" type="presOf" srcId="{3AFE9BDD-CBDE-43F5-8142-720C4D7D0744}" destId="{855FDDB6-A26D-478F-825E-ECBC271C52E6}" srcOrd="0" destOrd="0" presId="urn:microsoft.com/office/officeart/2008/layout/VerticalCurvedList"/>
+    <dgm:cxn modelId="{26420C25-C55C-4408-9263-CB872106B10A}" type="presOf" srcId="{177BF4C2-579B-4708-A2D8-F0F9DAAB023C}" destId="{56E4B9B7-DB42-4A46-AC4D-4C9FDCF909DE}" srcOrd="0" destOrd="0" presId="urn:microsoft.com/office/officeart/2008/layout/VerticalCurvedList"/>
+    <dgm:cxn modelId="{7D725A70-A4C3-4FAB-AC74-9466A63C8925}" type="presOf" srcId="{8A53FDA9-4C71-44C7-8CA8-E70DE0B55C71}" destId="{8A7B9D92-74B7-4F99-BF3C-180BDEA84016}" srcOrd="0" destOrd="0" presId="urn:microsoft.com/office/officeart/2008/layout/VerticalCurvedList"/>
+    <dgm:cxn modelId="{AC628B81-AFB1-4250-A953-596DD978B5E9}" srcId="{3AFE9BDD-CBDE-43F5-8142-720C4D7D0744}" destId="{CC82DC0B-4BD5-45A0-B450-6785FE969FB1}" srcOrd="0" destOrd="0" parTransId="{6C66A58B-A747-42FC-B6B3-EC7279F82978}" sibTransId="{8A53FDA9-4C71-44C7-8CA8-E70DE0B55C71}"/>
+    <dgm:cxn modelId="{92DF5D97-DF4D-4532-9207-61D6A942445C}" type="presOf" srcId="{6124D754-C0F9-463C-B903-3B8AF48AF8B2}" destId="{7360BB40-03CB-4623-821F-BEAEC143FDFF}" srcOrd="0" destOrd="0" presId="urn:microsoft.com/office/officeart/2008/layout/VerticalCurvedList"/>
+    <dgm:cxn modelId="{E1531E9A-8277-47B9-8A17-5C6DFDBDF5BD}" srcId="{3AFE9BDD-CBDE-43F5-8142-720C4D7D0744}" destId="{6124D754-C0F9-463C-B903-3B8AF48AF8B2}" srcOrd="1" destOrd="0" parTransId="{E77E6710-4D76-4F60-B6AF-4B61172F75B2}" sibTransId="{C5508022-A5FA-4B7F-97F8-7B73ECB52DA1}"/>
+    <dgm:cxn modelId="{C08DFCBB-DCF6-4642-909E-965CB3AC721D}" type="presOf" srcId="{51613130-8F4E-40FB-8B5E-21F1E4F3D2F9}" destId="{EC4D7133-4848-411A-A692-7AB8FC673ED1}" srcOrd="0" destOrd="0" presId="urn:microsoft.com/office/officeart/2008/layout/VerticalCurvedList"/>
+    <dgm:cxn modelId="{F1BA94CF-BD26-413F-A8A4-72589C6C81E4}" srcId="{3AFE9BDD-CBDE-43F5-8142-720C4D7D0744}" destId="{177BF4C2-579B-4708-A2D8-F0F9DAAB023C}" srcOrd="3" destOrd="0" parTransId="{9A51C084-5633-49CF-B9EA-A317C5D505A0}" sibTransId="{9B5809FE-21B7-4B71-B74F-49D812D370E4}"/>
+    <dgm:cxn modelId="{4CCBDDD4-160E-4685-8CA3-E05BF9487C9A}" type="presOf" srcId="{CC82DC0B-4BD5-45A0-B450-6785FE969FB1}" destId="{524F5168-A3EB-4C5F-B9BA-33CBB7B2D33D}" srcOrd="0" destOrd="0" presId="urn:microsoft.com/office/officeart/2008/layout/VerticalCurvedList"/>
+    <dgm:cxn modelId="{E0995EEA-F66F-4DE5-8DFD-6059A467A57A}" srcId="{3AFE9BDD-CBDE-43F5-8142-720C4D7D0744}" destId="{51613130-8F4E-40FB-8B5E-21F1E4F3D2F9}" srcOrd="2" destOrd="0" parTransId="{14E280C4-4A52-4815-AC1C-2856FE6C9769}" sibTransId="{45582E74-5043-460F-86DD-8991BFED0385}"/>
+    <dgm:cxn modelId="{83AC7E20-C06A-41EB-8BF3-BB15E0FE1EA3}" type="presParOf" srcId="{855FDDB6-A26D-478F-825E-ECBC271C52E6}" destId="{83FCE57A-4311-4A1E-BC8F-2203E3A7DEFD}" srcOrd="0" destOrd="0" presId="urn:microsoft.com/office/officeart/2008/layout/VerticalCurvedList"/>
+    <dgm:cxn modelId="{E1A98818-8A9B-4830-929B-80500B3400C8}" type="presParOf" srcId="{83FCE57A-4311-4A1E-BC8F-2203E3A7DEFD}" destId="{7A92732F-8383-468B-800D-398944742A83}" srcOrd="0" destOrd="0" presId="urn:microsoft.com/office/officeart/2008/layout/VerticalCurvedList"/>
+    <dgm:cxn modelId="{FD220561-114A-4EF6-8C68-1063E3D816D8}" type="presParOf" srcId="{7A92732F-8383-468B-800D-398944742A83}" destId="{0E418557-9D9E-41A3-B289-8A3E53F076DE}" srcOrd="0" destOrd="0" presId="urn:microsoft.com/office/officeart/2008/layout/VerticalCurvedList"/>
+    <dgm:cxn modelId="{DC7A926C-637E-4405-8514-BE918BA9B358}" type="presParOf" srcId="{7A92732F-8383-468B-800D-398944742A83}" destId="{8A7B9D92-74B7-4F99-BF3C-180BDEA84016}" srcOrd="1" destOrd="0" presId="urn:microsoft.com/office/officeart/2008/layout/VerticalCurvedList"/>
+    <dgm:cxn modelId="{3C68BE5C-549D-451A-9B41-2E503CA221D6}" type="presParOf" srcId="{7A92732F-8383-468B-800D-398944742A83}" destId="{DAE1205A-5B87-492D-8BD0-32B0D467B203}" srcOrd="2" destOrd="0" presId="urn:microsoft.com/office/officeart/2008/layout/VerticalCurvedList"/>
+    <dgm:cxn modelId="{E97803B2-C5AC-4A68-A88B-C19AFE5A4403}" type="presParOf" srcId="{7A92732F-8383-468B-800D-398944742A83}" destId="{91843C3F-F3D0-402B-9E35-9BAAB0B6F7F5}" srcOrd="3" destOrd="0" presId="urn:microsoft.com/office/officeart/2008/layout/VerticalCurvedList"/>
+    <dgm:cxn modelId="{6277966A-E7FE-4888-9EBE-8D6642B5617A}" type="presParOf" srcId="{83FCE57A-4311-4A1E-BC8F-2203E3A7DEFD}" destId="{524F5168-A3EB-4C5F-B9BA-33CBB7B2D33D}" srcOrd="1" destOrd="0" presId="urn:microsoft.com/office/officeart/2008/layout/VerticalCurvedList"/>
+    <dgm:cxn modelId="{2E9CC767-CDEE-400C-9A89-C75C587673C7}" type="presParOf" srcId="{83FCE57A-4311-4A1E-BC8F-2203E3A7DEFD}" destId="{F6B7F64D-0CBC-4FBF-8D72-E7D250A1BAFC}" srcOrd="2" destOrd="0" presId="urn:microsoft.com/office/officeart/2008/layout/VerticalCurvedList"/>
+    <dgm:cxn modelId="{C2052030-7EC9-4FD8-8419-941C4E1BDC93}" type="presParOf" srcId="{F6B7F64D-0CBC-4FBF-8D72-E7D250A1BAFC}" destId="{D4703784-3B2B-4936-B941-3426CB033982}" srcOrd="0" destOrd="0" presId="urn:microsoft.com/office/officeart/2008/layout/VerticalCurvedList"/>
+    <dgm:cxn modelId="{B4D3409E-E253-4518-A1CD-1A7D66316DBF}" type="presParOf" srcId="{83FCE57A-4311-4A1E-BC8F-2203E3A7DEFD}" destId="{7360BB40-03CB-4623-821F-BEAEC143FDFF}" srcOrd="3" destOrd="0" presId="urn:microsoft.com/office/officeart/2008/layout/VerticalCurvedList"/>
+    <dgm:cxn modelId="{5D3977E5-6591-4AF6-AA89-E77D0F56AF20}" type="presParOf" srcId="{83FCE57A-4311-4A1E-BC8F-2203E3A7DEFD}" destId="{C1D1927A-83DF-4C12-9DE0-9B54F74AB1AF}" srcOrd="4" destOrd="0" presId="urn:microsoft.com/office/officeart/2008/layout/VerticalCurvedList"/>
+    <dgm:cxn modelId="{EA361F0C-DB6E-4606-967B-23E45AD51983}" type="presParOf" srcId="{C1D1927A-83DF-4C12-9DE0-9B54F74AB1AF}" destId="{6C2F275E-6C43-440B-B179-2B3EB1E2E2E0}" srcOrd="0" destOrd="0" presId="urn:microsoft.com/office/officeart/2008/layout/VerticalCurvedList"/>
+    <dgm:cxn modelId="{1561FDE7-8A88-4895-8767-F5C5581BDB88}" type="presParOf" srcId="{83FCE57A-4311-4A1E-BC8F-2203E3A7DEFD}" destId="{EC4D7133-4848-411A-A692-7AB8FC673ED1}" srcOrd="5" destOrd="0" presId="urn:microsoft.com/office/officeart/2008/layout/VerticalCurvedList"/>
+    <dgm:cxn modelId="{29A667C4-BBFB-4EF3-969C-7626AD441F3C}" type="presParOf" srcId="{83FCE57A-4311-4A1E-BC8F-2203E3A7DEFD}" destId="{1FD8A4AA-B73A-4C1F-93F7-4761CFF2B133}" srcOrd="6" destOrd="0" presId="urn:microsoft.com/office/officeart/2008/layout/VerticalCurvedList"/>
+    <dgm:cxn modelId="{FFC69A6A-CF25-4B2B-8543-630816E26F4F}" type="presParOf" srcId="{1FD8A4AA-B73A-4C1F-93F7-4761CFF2B133}" destId="{A1F95B1A-B908-4F59-90AB-08B9007C764A}" srcOrd="0" destOrd="0" presId="urn:microsoft.com/office/officeart/2008/layout/VerticalCurvedList"/>
+    <dgm:cxn modelId="{E5283B2A-DC01-4ADB-B415-19CCE2AA0032}" type="presParOf" srcId="{83FCE57A-4311-4A1E-BC8F-2203E3A7DEFD}" destId="{56E4B9B7-DB42-4A46-AC4D-4C9FDCF909DE}" srcOrd="7" destOrd="0" presId="urn:microsoft.com/office/officeart/2008/layout/VerticalCurvedList"/>
+    <dgm:cxn modelId="{027C05E8-471A-4236-B7DB-2C9EBC0C98F9}" type="presParOf" srcId="{83FCE57A-4311-4A1E-BC8F-2203E3A7DEFD}" destId="{2B44A4CB-9C3A-4044-9E0B-4BDF4BAC7B25}" srcOrd="8" destOrd="0" presId="urn:microsoft.com/office/officeart/2008/layout/VerticalCurvedList"/>
+    <dgm:cxn modelId="{BC640CDA-6E63-4F3A-BD72-E0C665F3B7CF}" type="presParOf" srcId="{2B44A4CB-9C3A-4044-9E0B-4BDF4BAC7B25}" destId="{B280BBFD-8AF0-4D29-9853-3548199FDD9E}" srcOrd="0" destOrd="0" presId="urn:microsoft.com/office/officeart/2008/layout/VerticalCurvedList"/>
   </dgm:cxnLst>
   <dgm:bg/>
   <dgm:whole/>
@@ -7092,6 +8210,581 @@
         <a:off x="19904" y="1981979"/>
         <a:ext cx="7732593" cy="367937"/>
       </dsp:txXfrm>
+    </dsp:sp>
+  </dsp:spTree>
+</dsp:drawing>
+</file>
+
+<file path=ppt/diagrams/drawing5.xml><?xml version="1.0" encoding="utf-8"?>
+<dsp:drawing xmlns:dgm="http://schemas.openxmlformats.org/drawingml/2006/diagram" xmlns:dsp="http://schemas.microsoft.com/office/drawing/2008/diagram" xmlns:a="http://schemas.openxmlformats.org/drawingml/2006/main">
+  <dsp:spTree>
+    <dsp:nvGrpSpPr>
+      <dsp:cNvPr id="0" name=""/>
+      <dsp:cNvGrpSpPr/>
+    </dsp:nvGrpSpPr>
+    <dsp:grpSpPr/>
+    <dsp:sp modelId="{8A7B9D92-74B7-4F99-BF3C-180BDEA84016}">
+      <dsp:nvSpPr>
+        <dsp:cNvPr id="0" name=""/>
+        <dsp:cNvSpPr/>
+      </dsp:nvSpPr>
+      <dsp:spPr>
+        <a:xfrm>
+          <a:off x="-3267041" y="-502624"/>
+          <a:ext cx="3896086" cy="3896086"/>
+        </a:xfrm>
+        <a:prstGeom prst="blockArc">
+          <a:avLst>
+            <a:gd name="adj1" fmla="val 18900000"/>
+            <a:gd name="adj2" fmla="val 2700000"/>
+            <a:gd name="adj3" fmla="val 554"/>
+          </a:avLst>
+        </a:prstGeom>
+        <a:noFill/>
+        <a:ln w="12700" cap="flat" cmpd="sng" algn="ctr">
+          <a:solidFill>
+            <a:schemeClr val="dk1">
+              <a:shade val="60000"/>
+              <a:hueOff val="0"/>
+              <a:satOff val="0"/>
+              <a:lumOff val="0"/>
+              <a:alphaOff val="0"/>
+            </a:schemeClr>
+          </a:solidFill>
+          <a:prstDash val="solid"/>
+          <a:miter lim="800000"/>
+        </a:ln>
+        <a:effectLst/>
+      </dsp:spPr>
+      <dsp:style>
+        <a:lnRef idx="2">
+          <a:scrgbClr r="0" g="0" b="0"/>
+        </a:lnRef>
+        <a:fillRef idx="0">
+          <a:scrgbClr r="0" g="0" b="0"/>
+        </a:fillRef>
+        <a:effectRef idx="0">
+          <a:scrgbClr r="0" g="0" b="0"/>
+        </a:effectRef>
+        <a:fontRef idx="minor"/>
+      </dsp:style>
+    </dsp:sp>
+    <dsp:sp modelId="{524F5168-A3EB-4C5F-B9BA-33CBB7B2D33D}">
+      <dsp:nvSpPr>
+        <dsp:cNvPr id="0" name=""/>
+        <dsp:cNvSpPr/>
+      </dsp:nvSpPr>
+      <dsp:spPr>
+        <a:xfrm>
+          <a:off x="329900" y="222247"/>
+          <a:ext cx="8686439" cy="444726"/>
+        </a:xfrm>
+        <a:prstGeom prst="rect">
+          <a:avLst/>
+        </a:prstGeom>
+        <a:solidFill>
+          <a:schemeClr val="lt1">
+            <a:hueOff val="0"/>
+            <a:satOff val="0"/>
+            <a:lumOff val="0"/>
+            <a:alphaOff val="0"/>
+          </a:schemeClr>
+        </a:solidFill>
+        <a:ln w="12700" cap="flat" cmpd="sng" algn="ctr">
+          <a:solidFill>
+            <a:schemeClr val="dk1">
+              <a:shade val="80000"/>
+              <a:hueOff val="0"/>
+              <a:satOff val="0"/>
+              <a:lumOff val="0"/>
+              <a:alphaOff val="0"/>
+            </a:schemeClr>
+          </a:solidFill>
+          <a:prstDash val="solid"/>
+          <a:miter lim="800000"/>
+        </a:ln>
+        <a:effectLst/>
+      </dsp:spPr>
+      <dsp:style>
+        <a:lnRef idx="2">
+          <a:scrgbClr r="0" g="0" b="0"/>
+        </a:lnRef>
+        <a:fillRef idx="1">
+          <a:scrgbClr r="0" g="0" b="0"/>
+        </a:fillRef>
+        <a:effectRef idx="0">
+          <a:scrgbClr r="0" g="0" b="0"/>
+        </a:effectRef>
+        <a:fontRef idx="minor">
+          <a:schemeClr val="lt1"/>
+        </a:fontRef>
+      </dsp:style>
+      <dsp:txBody>
+        <a:bodyPr spcFirstLastPara="0" vert="horz" wrap="square" lIns="353002" tIns="48260" rIns="48260" bIns="48260" numCol="1" spcCol="1270" anchor="ctr" anchorCtr="0">
+          <a:noAutofit/>
+        </a:bodyPr>
+        <a:lstStyle/>
+        <a:p>
+          <a:pPr marL="0" lvl="0" indent="0" algn="l" defTabSz="844550">
+            <a:lnSpc>
+              <a:spcPct val="90000"/>
+            </a:lnSpc>
+            <a:spcBef>
+              <a:spcPct val="0"/>
+            </a:spcBef>
+            <a:spcAft>
+              <a:spcPct val="35000"/>
+            </a:spcAft>
+            <a:buNone/>
+          </a:pPr>
+          <a:r>
+            <a:rPr lang="en-AU" sz="1900" kern="1200">
+              <a:hlinkClick xmlns:r="http://schemas.openxmlformats.org/officeDocument/2006/relationships" r:id="rId1"/>
+            </a:rPr>
+            <a:t>https://readify.sharepoint.com/the-way-we-work/Pages/OnBoard%20Easy.aspx</a:t>
+          </a:r>
+          <a:endParaRPr lang="en-AU" sz="1900" kern="1200"/>
+        </a:p>
+      </dsp:txBody>
+      <dsp:txXfrm>
+        <a:off x="329900" y="222247"/>
+        <a:ext cx="8686439" cy="444726"/>
+      </dsp:txXfrm>
+    </dsp:sp>
+    <dsp:sp modelId="{D4703784-3B2B-4936-B941-3426CB033982}">
+      <dsp:nvSpPr>
+        <dsp:cNvPr id="0" name=""/>
+        <dsp:cNvSpPr/>
+      </dsp:nvSpPr>
+      <dsp:spPr>
+        <a:xfrm>
+          <a:off x="51946" y="166656"/>
+          <a:ext cx="555908" cy="555908"/>
+        </a:xfrm>
+        <a:prstGeom prst="ellipse">
+          <a:avLst/>
+        </a:prstGeom>
+        <a:solidFill>
+          <a:schemeClr val="lt1">
+            <a:hueOff val="0"/>
+            <a:satOff val="0"/>
+            <a:lumOff val="0"/>
+            <a:alphaOff val="0"/>
+          </a:schemeClr>
+        </a:solidFill>
+        <a:ln w="12700" cap="flat" cmpd="sng" algn="ctr">
+          <a:solidFill>
+            <a:schemeClr val="dk1">
+              <a:hueOff val="0"/>
+              <a:satOff val="0"/>
+              <a:lumOff val="0"/>
+              <a:alphaOff val="0"/>
+            </a:schemeClr>
+          </a:solidFill>
+          <a:prstDash val="solid"/>
+          <a:miter lim="800000"/>
+        </a:ln>
+        <a:effectLst/>
+      </dsp:spPr>
+      <dsp:style>
+        <a:lnRef idx="2">
+          <a:scrgbClr r="0" g="0" b="0"/>
+        </a:lnRef>
+        <a:fillRef idx="1">
+          <a:scrgbClr r="0" g="0" b="0"/>
+        </a:fillRef>
+        <a:effectRef idx="0">
+          <a:scrgbClr r="0" g="0" b="0"/>
+        </a:effectRef>
+        <a:fontRef idx="minor"/>
+      </dsp:style>
+    </dsp:sp>
+    <dsp:sp modelId="{7360BB40-03CB-4623-821F-BEAEC143FDFF}">
+      <dsp:nvSpPr>
+        <dsp:cNvPr id="0" name=""/>
+        <dsp:cNvSpPr/>
+      </dsp:nvSpPr>
+      <dsp:spPr>
+        <a:xfrm>
+          <a:off x="584872" y="889453"/>
+          <a:ext cx="8431467" cy="444726"/>
+        </a:xfrm>
+        <a:prstGeom prst="rect">
+          <a:avLst/>
+        </a:prstGeom>
+        <a:solidFill>
+          <a:schemeClr val="lt1">
+            <a:hueOff val="0"/>
+            <a:satOff val="0"/>
+            <a:lumOff val="0"/>
+            <a:alphaOff val="0"/>
+          </a:schemeClr>
+        </a:solidFill>
+        <a:ln w="12700" cap="flat" cmpd="sng" algn="ctr">
+          <a:solidFill>
+            <a:schemeClr val="dk1">
+              <a:shade val="80000"/>
+              <a:hueOff val="0"/>
+              <a:satOff val="0"/>
+              <a:lumOff val="0"/>
+              <a:alphaOff val="0"/>
+            </a:schemeClr>
+          </a:solidFill>
+          <a:prstDash val="solid"/>
+          <a:miter lim="800000"/>
+        </a:ln>
+        <a:effectLst/>
+      </dsp:spPr>
+      <dsp:style>
+        <a:lnRef idx="2">
+          <a:scrgbClr r="0" g="0" b="0"/>
+        </a:lnRef>
+        <a:fillRef idx="1">
+          <a:scrgbClr r="0" g="0" b="0"/>
+        </a:fillRef>
+        <a:effectRef idx="0">
+          <a:scrgbClr r="0" g="0" b="0"/>
+        </a:effectRef>
+        <a:fontRef idx="minor">
+          <a:schemeClr val="lt1"/>
+        </a:fontRef>
+      </dsp:style>
+      <dsp:txBody>
+        <a:bodyPr spcFirstLastPara="0" vert="horz" wrap="square" lIns="353002" tIns="48260" rIns="48260" bIns="48260" numCol="1" spcCol="1270" anchor="ctr" anchorCtr="0">
+          <a:noAutofit/>
+        </a:bodyPr>
+        <a:lstStyle/>
+        <a:p>
+          <a:pPr marL="0" lvl="0" indent="0" algn="l" defTabSz="844550">
+            <a:lnSpc>
+              <a:spcPct val="90000"/>
+            </a:lnSpc>
+            <a:spcBef>
+              <a:spcPct val="0"/>
+            </a:spcBef>
+            <a:spcAft>
+              <a:spcPct val="35000"/>
+            </a:spcAft>
+            <a:buNone/>
+          </a:pPr>
+          <a:r>
+            <a:rPr lang="en-US" sz="1900" kern="1200">
+              <a:hlinkClick xmlns:r="http://schemas.openxmlformats.org/officeDocument/2006/relationships" r:id="rId2"/>
+            </a:rPr>
+            <a:t>Support@readify.net</a:t>
+          </a:r>
+          <a:endParaRPr lang="en-AU" sz="1900" kern="1200"/>
+        </a:p>
+      </dsp:txBody>
+      <dsp:txXfrm>
+        <a:off x="584872" y="889453"/>
+        <a:ext cx="8431467" cy="444726"/>
+      </dsp:txXfrm>
+    </dsp:sp>
+    <dsp:sp modelId="{6C2F275E-6C43-440B-B179-2B3EB1E2E2E0}">
+      <dsp:nvSpPr>
+        <dsp:cNvPr id="0" name=""/>
+        <dsp:cNvSpPr/>
+      </dsp:nvSpPr>
+      <dsp:spPr>
+        <a:xfrm>
+          <a:off x="306918" y="833862"/>
+          <a:ext cx="555908" cy="555908"/>
+        </a:xfrm>
+        <a:prstGeom prst="ellipse">
+          <a:avLst/>
+        </a:prstGeom>
+        <a:solidFill>
+          <a:schemeClr val="lt1">
+            <a:hueOff val="0"/>
+            <a:satOff val="0"/>
+            <a:lumOff val="0"/>
+            <a:alphaOff val="0"/>
+          </a:schemeClr>
+        </a:solidFill>
+        <a:ln w="12700" cap="flat" cmpd="sng" algn="ctr">
+          <a:solidFill>
+            <a:schemeClr val="dk1">
+              <a:hueOff val="0"/>
+              <a:satOff val="0"/>
+              <a:lumOff val="0"/>
+              <a:alphaOff val="0"/>
+            </a:schemeClr>
+          </a:solidFill>
+          <a:prstDash val="solid"/>
+          <a:miter lim="800000"/>
+        </a:ln>
+        <a:effectLst/>
+      </dsp:spPr>
+      <dsp:style>
+        <a:lnRef idx="2">
+          <a:scrgbClr r="0" g="0" b="0"/>
+        </a:lnRef>
+        <a:fillRef idx="1">
+          <a:scrgbClr r="0" g="0" b="0"/>
+        </a:fillRef>
+        <a:effectRef idx="0">
+          <a:scrgbClr r="0" g="0" b="0"/>
+        </a:effectRef>
+        <a:fontRef idx="minor"/>
+      </dsp:style>
+    </dsp:sp>
+    <dsp:sp modelId="{EC4D7133-4848-411A-A692-7AB8FC673ED1}">
+      <dsp:nvSpPr>
+        <dsp:cNvPr id="0" name=""/>
+        <dsp:cNvSpPr/>
+      </dsp:nvSpPr>
+      <dsp:spPr>
+        <a:xfrm>
+          <a:off x="584872" y="1556658"/>
+          <a:ext cx="8431467" cy="444726"/>
+        </a:xfrm>
+        <a:prstGeom prst="rect">
+          <a:avLst/>
+        </a:prstGeom>
+        <a:solidFill>
+          <a:schemeClr val="lt1">
+            <a:hueOff val="0"/>
+            <a:satOff val="0"/>
+            <a:lumOff val="0"/>
+            <a:alphaOff val="0"/>
+          </a:schemeClr>
+        </a:solidFill>
+        <a:ln w="12700" cap="flat" cmpd="sng" algn="ctr">
+          <a:solidFill>
+            <a:schemeClr val="dk1">
+              <a:shade val="80000"/>
+              <a:hueOff val="0"/>
+              <a:satOff val="0"/>
+              <a:lumOff val="0"/>
+              <a:alphaOff val="0"/>
+            </a:schemeClr>
+          </a:solidFill>
+          <a:prstDash val="solid"/>
+          <a:miter lim="800000"/>
+        </a:ln>
+        <a:effectLst/>
+      </dsp:spPr>
+      <dsp:style>
+        <a:lnRef idx="2">
+          <a:scrgbClr r="0" g="0" b="0"/>
+        </a:lnRef>
+        <a:fillRef idx="1">
+          <a:scrgbClr r="0" g="0" b="0"/>
+        </a:fillRef>
+        <a:effectRef idx="0">
+          <a:scrgbClr r="0" g="0" b="0"/>
+        </a:effectRef>
+        <a:fontRef idx="minor">
+          <a:schemeClr val="lt1"/>
+        </a:fontRef>
+      </dsp:style>
+      <dsp:txBody>
+        <a:bodyPr spcFirstLastPara="0" vert="horz" wrap="square" lIns="353002" tIns="48260" rIns="48260" bIns="48260" numCol="1" spcCol="1270" anchor="ctr" anchorCtr="0">
+          <a:noAutofit/>
+        </a:bodyPr>
+        <a:lstStyle/>
+        <a:p>
+          <a:pPr marL="0" lvl="0" indent="0" algn="l" defTabSz="844550">
+            <a:lnSpc>
+              <a:spcPct val="90000"/>
+            </a:lnSpc>
+            <a:spcBef>
+              <a:spcPct val="0"/>
+            </a:spcBef>
+            <a:spcAft>
+              <a:spcPct val="35000"/>
+            </a:spcAft>
+            <a:buNone/>
+          </a:pPr>
+          <a:r>
+            <a:rPr lang="en-AU" sz="1900" kern="1200">
+              <a:hlinkClick xmlns:r="http://schemas.openxmlformats.org/officeDocument/2006/relationships" r:id="rId3"/>
+            </a:rPr>
+            <a:t>https://css-tricks.com/snippets/css/a-guide-to-flexbox/</a:t>
+          </a:r>
+          <a:endParaRPr lang="en-AU" sz="1900" kern="1200"/>
+        </a:p>
+      </dsp:txBody>
+      <dsp:txXfrm>
+        <a:off x="584872" y="1556658"/>
+        <a:ext cx="8431467" cy="444726"/>
+      </dsp:txXfrm>
+    </dsp:sp>
+    <dsp:sp modelId="{A1F95B1A-B908-4F59-90AB-08B9007C764A}">
+      <dsp:nvSpPr>
+        <dsp:cNvPr id="0" name=""/>
+        <dsp:cNvSpPr/>
+      </dsp:nvSpPr>
+      <dsp:spPr>
+        <a:xfrm>
+          <a:off x="306918" y="1501067"/>
+          <a:ext cx="555908" cy="555908"/>
+        </a:xfrm>
+        <a:prstGeom prst="ellipse">
+          <a:avLst/>
+        </a:prstGeom>
+        <a:solidFill>
+          <a:schemeClr val="lt1">
+            <a:hueOff val="0"/>
+            <a:satOff val="0"/>
+            <a:lumOff val="0"/>
+            <a:alphaOff val="0"/>
+          </a:schemeClr>
+        </a:solidFill>
+        <a:ln w="12700" cap="flat" cmpd="sng" algn="ctr">
+          <a:solidFill>
+            <a:schemeClr val="dk1">
+              <a:hueOff val="0"/>
+              <a:satOff val="0"/>
+              <a:lumOff val="0"/>
+              <a:alphaOff val="0"/>
+            </a:schemeClr>
+          </a:solidFill>
+          <a:prstDash val="solid"/>
+          <a:miter lim="800000"/>
+        </a:ln>
+        <a:effectLst/>
+      </dsp:spPr>
+      <dsp:style>
+        <a:lnRef idx="2">
+          <a:scrgbClr r="0" g="0" b="0"/>
+        </a:lnRef>
+        <a:fillRef idx="1">
+          <a:scrgbClr r="0" g="0" b="0"/>
+        </a:fillRef>
+        <a:effectRef idx="0">
+          <a:scrgbClr r="0" g="0" b="0"/>
+        </a:effectRef>
+        <a:fontRef idx="minor"/>
+      </dsp:style>
+    </dsp:sp>
+    <dsp:sp modelId="{56E4B9B7-DB42-4A46-AC4D-4C9FDCF909DE}">
+      <dsp:nvSpPr>
+        <dsp:cNvPr id="0" name=""/>
+        <dsp:cNvSpPr/>
+      </dsp:nvSpPr>
+      <dsp:spPr>
+        <a:xfrm>
+          <a:off x="329900" y="2223863"/>
+          <a:ext cx="8686439" cy="444726"/>
+        </a:xfrm>
+        <a:prstGeom prst="rect">
+          <a:avLst/>
+        </a:prstGeom>
+        <a:solidFill>
+          <a:schemeClr val="lt1">
+            <a:hueOff val="0"/>
+            <a:satOff val="0"/>
+            <a:lumOff val="0"/>
+            <a:alphaOff val="0"/>
+          </a:schemeClr>
+        </a:solidFill>
+        <a:ln w="12700" cap="flat" cmpd="sng" algn="ctr">
+          <a:solidFill>
+            <a:schemeClr val="dk1">
+              <a:shade val="80000"/>
+              <a:hueOff val="0"/>
+              <a:satOff val="0"/>
+              <a:lumOff val="0"/>
+              <a:alphaOff val="0"/>
+            </a:schemeClr>
+          </a:solidFill>
+          <a:prstDash val="solid"/>
+          <a:miter lim="800000"/>
+        </a:ln>
+        <a:effectLst/>
+      </dsp:spPr>
+      <dsp:style>
+        <a:lnRef idx="2">
+          <a:scrgbClr r="0" g="0" b="0"/>
+        </a:lnRef>
+        <a:fillRef idx="1">
+          <a:scrgbClr r="0" g="0" b="0"/>
+        </a:fillRef>
+        <a:effectRef idx="0">
+          <a:scrgbClr r="0" g="0" b="0"/>
+        </a:effectRef>
+        <a:fontRef idx="minor">
+          <a:schemeClr val="lt1"/>
+        </a:fontRef>
+      </dsp:style>
+      <dsp:txBody>
+        <a:bodyPr spcFirstLastPara="0" vert="horz" wrap="square" lIns="353002" tIns="48260" rIns="48260" bIns="48260" numCol="1" spcCol="1270" anchor="ctr" anchorCtr="0">
+          <a:noAutofit/>
+        </a:bodyPr>
+        <a:lstStyle/>
+        <a:p>
+          <a:pPr marL="0" lvl="0" indent="0" algn="l" defTabSz="844550">
+            <a:lnSpc>
+              <a:spcPct val="90000"/>
+            </a:lnSpc>
+            <a:spcBef>
+              <a:spcPct val="0"/>
+            </a:spcBef>
+            <a:spcAft>
+              <a:spcPct val="35000"/>
+            </a:spcAft>
+            <a:buNone/>
+          </a:pPr>
+          <a:r>
+            <a:rPr lang="en-AU" sz="1900" kern="1200" dirty="0"/>
+            <a:t>https://github.com/mehdikhaleghian/StudyNotes/blob/master/OnboardEasy.pptx</a:t>
+          </a:r>
+        </a:p>
+      </dsp:txBody>
+      <dsp:txXfrm>
+        <a:off x="329900" y="2223863"/>
+        <a:ext cx="8686439" cy="444726"/>
+      </dsp:txXfrm>
+    </dsp:sp>
+    <dsp:sp modelId="{B280BBFD-8AF0-4D29-9853-3548199FDD9E}">
+      <dsp:nvSpPr>
+        <dsp:cNvPr id="0" name=""/>
+        <dsp:cNvSpPr/>
+      </dsp:nvSpPr>
+      <dsp:spPr>
+        <a:xfrm>
+          <a:off x="51946" y="2168273"/>
+          <a:ext cx="555908" cy="555908"/>
+        </a:xfrm>
+        <a:prstGeom prst="ellipse">
+          <a:avLst/>
+        </a:prstGeom>
+        <a:solidFill>
+          <a:schemeClr val="lt1">
+            <a:hueOff val="0"/>
+            <a:satOff val="0"/>
+            <a:lumOff val="0"/>
+            <a:alphaOff val="0"/>
+          </a:schemeClr>
+        </a:solidFill>
+        <a:ln w="12700" cap="flat" cmpd="sng" algn="ctr">
+          <a:solidFill>
+            <a:schemeClr val="dk1">
+              <a:hueOff val="0"/>
+              <a:satOff val="0"/>
+              <a:lumOff val="0"/>
+              <a:alphaOff val="0"/>
+            </a:schemeClr>
+          </a:solidFill>
+          <a:prstDash val="solid"/>
+          <a:miter lim="800000"/>
+        </a:ln>
+        <a:effectLst/>
+      </dsp:spPr>
+      <dsp:style>
+        <a:lnRef idx="2">
+          <a:scrgbClr r="0" g="0" b="0"/>
+        </a:lnRef>
+        <a:fillRef idx="1">
+          <a:scrgbClr r="0" g="0" b="0"/>
+        </a:fillRef>
+        <a:effectRef idx="0">
+          <a:scrgbClr r="0" g="0" b="0"/>
+        </a:effectRef>
+        <a:fontRef idx="minor"/>
+      </dsp:style>
     </dsp:sp>
   </dsp:spTree>
 </dsp:drawing>
@@ -9714,6 +11407,1284 @@
 </dgm:layoutDef>
 </file>
 
+<file path=ppt/diagrams/layout5.xml><?xml version="1.0" encoding="utf-8"?>
+<dgm:layoutDef xmlns:dgm="http://schemas.openxmlformats.org/drawingml/2006/diagram" xmlns:a="http://schemas.openxmlformats.org/drawingml/2006/main" uniqueId="urn:microsoft.com/office/officeart/2008/layout/VerticalCurvedList">
+  <dgm:title val=""/>
+  <dgm:desc val=""/>
+  <dgm:catLst>
+    <dgm:cat type="list" pri="20000"/>
+  </dgm:catLst>
+  <dgm:sampData>
+    <dgm:dataModel>
+      <dgm:ptLst>
+        <dgm:pt modelId="0" type="doc"/>
+        <dgm:pt modelId="1">
+          <dgm:prSet phldr="1"/>
+        </dgm:pt>
+        <dgm:pt modelId="2">
+          <dgm:prSet phldr="1"/>
+        </dgm:pt>
+        <dgm:pt modelId="3">
+          <dgm:prSet phldr="1"/>
+        </dgm:pt>
+      </dgm:ptLst>
+      <dgm:cxnLst>
+        <dgm:cxn modelId="4" srcId="0" destId="1" srcOrd="0" destOrd="0"/>
+        <dgm:cxn modelId="5" srcId="0" destId="2" srcOrd="1" destOrd="0"/>
+        <dgm:cxn modelId="6" srcId="0" destId="3" srcOrd="2" destOrd="0"/>
+      </dgm:cxnLst>
+      <dgm:bg/>
+      <dgm:whole/>
+    </dgm:dataModel>
+  </dgm:sampData>
+  <dgm:styleData>
+    <dgm:dataModel>
+      <dgm:ptLst>
+        <dgm:pt modelId="0" type="doc"/>
+        <dgm:pt modelId="1">
+          <dgm:prSet phldr="1"/>
+        </dgm:pt>
+        <dgm:pt modelId="2">
+          <dgm:prSet phldr="1"/>
+        </dgm:pt>
+      </dgm:ptLst>
+      <dgm:cxnLst>
+        <dgm:cxn modelId="3" srcId="0" destId="1" srcOrd="0" destOrd="0"/>
+        <dgm:cxn modelId="4" srcId="0" destId="2" srcOrd="1" destOrd="0"/>
+      </dgm:cxnLst>
+      <dgm:bg/>
+      <dgm:whole/>
+    </dgm:dataModel>
+  </dgm:styleData>
+  <dgm:clrData>
+    <dgm:dataModel>
+      <dgm:ptLst>
+        <dgm:pt modelId="0" type="doc"/>
+        <dgm:pt modelId="1">
+          <dgm:prSet phldr="1"/>
+        </dgm:pt>
+        <dgm:pt modelId="2">
+          <dgm:prSet phldr="1"/>
+        </dgm:pt>
+        <dgm:pt modelId="3">
+          <dgm:prSet phldr="1"/>
+        </dgm:pt>
+        <dgm:pt modelId="4">
+          <dgm:prSet phldr="1"/>
+        </dgm:pt>
+      </dgm:ptLst>
+      <dgm:cxnLst>
+        <dgm:cxn modelId="5" srcId="0" destId="1" srcOrd="0" destOrd="0"/>
+        <dgm:cxn modelId="6" srcId="0" destId="2" srcOrd="1" destOrd="0"/>
+        <dgm:cxn modelId="7" srcId="0" destId="3" srcOrd="2" destOrd="0"/>
+        <dgm:cxn modelId="8" srcId="0" destId="4" srcOrd="3" destOrd="0"/>
+      </dgm:cxnLst>
+      <dgm:bg/>
+      <dgm:whole/>
+    </dgm:dataModel>
+  </dgm:clrData>
+  <dgm:layoutNode name="Name0">
+    <dgm:varLst>
+      <dgm:chMax val="7"/>
+      <dgm:chPref val="7"/>
+      <dgm:dir/>
+    </dgm:varLst>
+    <dgm:alg type="composite"/>
+    <dgm:shape xmlns:r="http://schemas.openxmlformats.org/officeDocument/2006/relationships" r:blip="">
+      <dgm:adjLst/>
+    </dgm:shape>
+    <dgm:constrLst>
+      <dgm:constr type="w" for="ch" refType="h" refFor="ch" op="gte" fact="0.8"/>
+    </dgm:constrLst>
+    <dgm:layoutNode name="Name1">
+      <dgm:alg type="composite"/>
+      <dgm:shape xmlns:r="http://schemas.openxmlformats.org/officeDocument/2006/relationships" r:blip="">
+        <dgm:adjLst/>
+      </dgm:shape>
+      <dgm:choose name="Name2">
+        <dgm:if name="Name3" func="var" arg="dir" op="equ" val="norm">
+          <dgm:choose name="Name4">
+            <dgm:if name="Name5" axis="ch" ptType="node" func="cnt" op="equ" val="1">
+              <dgm:constrLst>
+                <dgm:constr type="h" for="ch" forName="cycle" refType="h"/>
+                <dgm:constr type="w" for="ch" forName="cycle" refType="h" refFor="ch" refForName="cycle" fact="0.26"/>
+                <dgm:constr type="l" for="ch" forName="cycle"/>
+                <dgm:constr type="ctrY" for="ch" forName="cycle" refType="h" fact="0.5"/>
+                <dgm:constr type="diam" for="ch" forName="cycle" refType="h" fact="1.344"/>
+                <dgm:constr type="h" for="ch" forName="accent_1" refType="h" fact="0.625"/>
+                <dgm:constr type="w" for="ch" forName="accent_1" refType="h" refFor="ch" refForName="accent_1" op="equ"/>
+                <dgm:constr type="ctrY" for="ch" forName="accent_1" refType="h" fact="0.5"/>
+                <dgm:constr type="ctrX" for="ch" forName="accent_1" refType="h" fact="0.2253"/>
+                <dgm:constr type="l" for="ch" forName="text_1" refType="ctrX" refFor="ch" refForName="accent_1"/>
+                <dgm:constr type="r" for="ch" forName="text_1" refType="w"/>
+                <dgm:constr type="w" for="ch" forName="text_1" refType="h" refFor="ch" refForName="text_1" op="gte"/>
+                <dgm:constr type="h" for="ch" forName="text_1" refType="h" refFor="ch" refForName="accent_1" fact="0.8"/>
+                <dgm:constr type="ctrY" for="ch" forName="text_1" refType="ctrY" refFor="ch" refForName="accent_1"/>
+                <dgm:constr type="lMarg" for="ch" forName="text_1" refType="w" refFor="ch" refForName="accent_1" fact="1.8"/>
+                <dgm:constr type="primFontSz" for="ch" ptType="node" op="equ" val="65"/>
+              </dgm:constrLst>
+            </dgm:if>
+            <dgm:if name="Name6" axis="ch" ptType="node" func="cnt" op="equ" val="2">
+              <dgm:constrLst>
+                <dgm:constr type="h" for="ch" forName="cycle" refType="h"/>
+                <dgm:constr type="w" for="ch" forName="cycle" refType="h" refFor="ch" refForName="cycle" fact="0.26"/>
+                <dgm:constr type="l" for="ch" forName="cycle"/>
+                <dgm:constr type="ctrY" for="ch" forName="cycle" refType="h" fact="0.5"/>
+                <dgm:constr type="diam" for="ch" forName="cycle" refType="h" fact="1.344"/>
+                <dgm:constr type="h" for="ch" forName="accent_1" refType="h" fact="0.3571"/>
+                <dgm:constr type="w" for="ch" forName="accent_1" refType="h" refFor="ch" refForName="accent_1" op="equ"/>
+                <dgm:constr type="ctrY" for="ch" forName="accent_1" refType="h" fact="0.2857"/>
+                <dgm:constr type="ctrX" for="ch" forName="accent_1" refType="h" fact="0.1891"/>
+                <dgm:constr type="l" for="ch" forName="text_1" refType="ctrX" refFor="ch" refForName="accent_1"/>
+                <dgm:constr type="r" for="ch" forName="text_1" refType="w"/>
+                <dgm:constr type="w" for="ch" forName="text_1" refType="h" refFor="ch" refForName="text_1" op="gte"/>
+                <dgm:constr type="h" for="ch" forName="text_1" refType="h" refFor="ch" refForName="accent_1" fact="0.8"/>
+                <dgm:constr type="ctrY" for="ch" forName="text_1" refType="ctrY" refFor="ch" refForName="accent_1"/>
+                <dgm:constr type="lMarg" for="ch" forName="text_1" refType="w" refFor="ch" refForName="accent_1" fact="1.8"/>
+                <dgm:constr type="h" for="ch" forName="accent_2" refType="h" fact="0.3571"/>
+                <dgm:constr type="w" for="ch" forName="accent_2" refType="h" refFor="ch" refForName="accent_2" op="equ"/>
+                <dgm:constr type="ctrY" for="ch" forName="accent_2" refType="h" fact="0.7143"/>
+                <dgm:constr type="ctrX" for="ch" forName="accent_2" refType="h" fact="0.1891"/>
+                <dgm:constr type="l" for="ch" forName="text_2" refType="ctrX" refFor="ch" refForName="accent_2"/>
+                <dgm:constr type="r" for="ch" forName="text_2" refType="w"/>
+                <dgm:constr type="w" for="ch" forName="text_2" refType="h" refFor="ch" refForName="text_2" op="gte"/>
+                <dgm:constr type="h" for="ch" forName="text_2" refType="h" refFor="ch" refForName="accent_2" fact="0.8"/>
+                <dgm:constr type="ctrY" for="ch" forName="text_2" refType="ctrY" refFor="ch" refForName="accent_2"/>
+                <dgm:constr type="lMarg" for="ch" forName="text_2" refType="w" refFor="ch" refForName="accent_2" fact="1.8"/>
+                <dgm:constr type="primFontSz" for="ch" ptType="node" op="equ" val="65"/>
+              </dgm:constrLst>
+            </dgm:if>
+            <dgm:if name="Name7" axis="ch" ptType="node" func="cnt" op="equ" val="3">
+              <dgm:constrLst>
+                <dgm:constr type="h" for="ch" forName="cycle" refType="h"/>
+                <dgm:constr type="w" for="ch" forName="cycle" refType="h" refFor="ch" refForName="cycle" fact="0.26"/>
+                <dgm:constr type="l" for="ch" forName="cycle"/>
+                <dgm:constr type="ctrY" for="ch" forName="cycle" refType="h" fact="0.5"/>
+                <dgm:constr type="diam" for="ch" forName="cycle" refType="h" fact="1.344"/>
+                <dgm:constr type="h" for="ch" forName="accent_1" refType="h" fact="0.25"/>
+                <dgm:constr type="w" for="ch" forName="accent_1" refType="h" refFor="ch" refForName="accent_1" op="equ"/>
+                <dgm:constr type="ctrY" for="ch" forName="accent_1" refType="h" fact="0.2"/>
+                <dgm:constr type="ctrX" for="ch" forName="accent_1" refType="h" fact="0.1526"/>
+                <dgm:constr type="l" for="ch" forName="text_1" refType="ctrX" refFor="ch" refForName="accent_1"/>
+                <dgm:constr type="r" for="ch" forName="text_1" refType="w"/>
+                <dgm:constr type="w" for="ch" forName="text_1" refType="h" refFor="ch" refForName="text_1" op="gte"/>
+                <dgm:constr type="h" for="ch" forName="text_1" refType="h" refFor="ch" refForName="accent_1" fact="0.8"/>
+                <dgm:constr type="ctrY" for="ch" forName="text_1" refType="ctrY" refFor="ch" refForName="accent_1"/>
+                <dgm:constr type="lMarg" for="ch" forName="text_1" refType="w" refFor="ch" refForName="accent_1" fact="1.8"/>
+                <dgm:constr type="h" for="ch" forName="accent_2" refType="h" fact="0.25"/>
+                <dgm:constr type="w" for="ch" forName="accent_2" refType="h" refFor="ch" refForName="accent_2" op="equ"/>
+                <dgm:constr type="ctrY" for="ch" forName="accent_2" refType="h" fact="0.5"/>
+                <dgm:constr type="ctrX" for="ch" forName="accent_2" refType="h" fact="0.2253"/>
+                <dgm:constr type="l" for="ch" forName="text_2" refType="ctrX" refFor="ch" refForName="accent_2"/>
+                <dgm:constr type="r" for="ch" forName="text_2" refType="w"/>
+                <dgm:constr type="w" for="ch" forName="text_2" refType="h" refFor="ch" refForName="text_2" op="gte"/>
+                <dgm:constr type="h" for="ch" forName="text_2" refType="h" refFor="ch" refForName="accent_2" fact="0.8"/>
+                <dgm:constr type="ctrY" for="ch" forName="text_2" refType="ctrY" refFor="ch" refForName="accent_2"/>
+                <dgm:constr type="lMarg" for="ch" forName="text_2" refType="w" refFor="ch" refForName="accent_2" fact="1.8"/>
+                <dgm:constr type="h" for="ch" forName="accent_3" refType="h" fact="0.25"/>
+                <dgm:constr type="w" for="ch" forName="accent_3" refType="h" refFor="ch" refForName="accent_3" op="equ"/>
+                <dgm:constr type="ctrY" for="ch" forName="accent_3" refType="h" fact="0.8"/>
+                <dgm:constr type="ctrX" for="ch" forName="accent_3" refType="h" fact="0.1526"/>
+                <dgm:constr type="l" for="ch" forName="text_3" refType="ctrX" refFor="ch" refForName="accent_3"/>
+                <dgm:constr type="r" for="ch" forName="text_3" refType="w"/>
+                <dgm:constr type="w" for="ch" forName="text_3" refType="h" refFor="ch" refForName="text_3" op="gte"/>
+                <dgm:constr type="h" for="ch" forName="text_3" refType="h" refFor="ch" refForName="accent_3" fact="0.8"/>
+                <dgm:constr type="ctrY" for="ch" forName="text_3" refType="ctrY" refFor="ch" refForName="accent_3"/>
+                <dgm:constr type="lMarg" for="ch" forName="text_3" refType="w" refFor="ch" refForName="accent_3" fact="1.8"/>
+                <dgm:constr type="primFontSz" for="ch" ptType="node" op="equ" val="65"/>
+              </dgm:constrLst>
+            </dgm:if>
+            <dgm:if name="Name8" axis="ch" ptType="node" func="cnt" op="equ" val="4">
+              <dgm:constrLst>
+                <dgm:constr type="h" for="ch" forName="cycle" refType="h"/>
+                <dgm:constr type="w" for="ch" forName="cycle" refType="h" refFor="ch" refForName="cycle" fact="0.26"/>
+                <dgm:constr type="l" for="ch" forName="cycle"/>
+                <dgm:constr type="ctrY" for="ch" forName="cycle" refType="h" fact="0.5"/>
+                <dgm:constr type="diam" for="ch" forName="cycle" refType="h" fact="1.344"/>
+                <dgm:constr type="h" for="ch" forName="accent_1" refType="h" fact="0.1923"/>
+                <dgm:constr type="w" for="ch" forName="accent_1" refType="h" refFor="ch" refForName="accent_1" op="equ"/>
+                <dgm:constr type="ctrY" for="ch" forName="accent_1" refType="h" fact="0.1538"/>
+                <dgm:constr type="ctrX" for="ch" forName="accent_1" refType="h" fact="0.1268"/>
+                <dgm:constr type="l" for="ch" forName="text_1" refType="ctrX" refFor="ch" refForName="accent_1"/>
+                <dgm:constr type="r" for="ch" forName="text_1" refType="w"/>
+                <dgm:constr type="w" for="ch" forName="text_1" refType="h" refFor="ch" refForName="text_1" op="gte"/>
+                <dgm:constr type="h" for="ch" forName="text_1" refType="h" refFor="ch" refForName="accent_1" fact="0.8"/>
+                <dgm:constr type="ctrY" for="ch" forName="text_1" refType="ctrY" refFor="ch" refForName="accent_1"/>
+                <dgm:constr type="lMarg" for="ch" forName="text_1" refType="w" refFor="ch" refForName="accent_1" fact="1.8"/>
+                <dgm:constr type="h" for="ch" forName="accent_2" refType="h" fact="0.1923"/>
+                <dgm:constr type="w" for="ch" forName="accent_2" refType="h" refFor="ch" refForName="accent_2" op="equ"/>
+                <dgm:constr type="ctrY" for="ch" forName="accent_2" refType="h" fact="0.3846"/>
+                <dgm:constr type="ctrX" for="ch" forName="accent_2" refType="h" fact="0.215"/>
+                <dgm:constr type="l" for="ch" forName="text_2" refType="ctrX" refFor="ch" refForName="accent_2"/>
+                <dgm:constr type="r" for="ch" forName="text_2" refType="w"/>
+                <dgm:constr type="w" for="ch" forName="text_2" refType="h" refFor="ch" refForName="text_2" op="gte"/>
+                <dgm:constr type="h" for="ch" forName="text_2" refType="h" refFor="ch" refForName="accent_2" fact="0.8"/>
+                <dgm:constr type="ctrY" for="ch" forName="text_2" refType="ctrY" refFor="ch" refForName="accent_2"/>
+                <dgm:constr type="lMarg" for="ch" forName="text_2" refType="w" refFor="ch" refForName="accent_2" fact="1.8"/>
+                <dgm:constr type="h" for="ch" forName="accent_3" refType="h" fact="0.1923"/>
+                <dgm:constr type="w" for="ch" forName="accent_3" refType="h" refFor="ch" refForName="accent_3" op="equ"/>
+                <dgm:constr type="ctrY" for="ch" forName="accent_3" refType="h" fact="0.6154"/>
+                <dgm:constr type="ctrX" for="ch" forName="accent_3" refType="h" fact="0.215"/>
+                <dgm:constr type="l" for="ch" forName="text_3" refType="ctrX" refFor="ch" refForName="accent_3"/>
+                <dgm:constr type="r" for="ch" forName="text_3" refType="w"/>
+                <dgm:constr type="w" for="ch" forName="text_3" refType="h" refFor="ch" refForName="text_3" op="gte"/>
+                <dgm:constr type="h" for="ch" forName="text_3" refType="h" refFor="ch" refForName="accent_3" fact="0.8"/>
+                <dgm:constr type="ctrY" for="ch" forName="text_3" refType="ctrY" refFor="ch" refForName="accent_3"/>
+                <dgm:constr type="lMarg" for="ch" forName="text_3" refType="w" refFor="ch" refForName="accent_3" fact="1.8"/>
+                <dgm:constr type="h" for="ch" forName="accent_4" refType="h" fact="0.1923"/>
+                <dgm:constr type="w" for="ch" forName="accent_4" refType="h" refFor="ch" refForName="accent_4" op="equ"/>
+                <dgm:constr type="ctrY" for="ch" forName="accent_4" refType="h" fact="0.8462"/>
+                <dgm:constr type="ctrX" for="ch" forName="accent_4" refType="h" fact="0.1268"/>
+                <dgm:constr type="l" for="ch" forName="text_4" refType="ctrX" refFor="ch" refForName="accent_4"/>
+                <dgm:constr type="r" for="ch" forName="text_4" refType="w"/>
+                <dgm:constr type="w" for="ch" forName="text_4" refType="h" refFor="ch" refForName="text_4" op="gte"/>
+                <dgm:constr type="h" for="ch" forName="text_4" refType="h" refFor="ch" refForName="accent_4" fact="0.8"/>
+                <dgm:constr type="ctrY" for="ch" forName="text_4" refType="ctrY" refFor="ch" refForName="accent_4"/>
+                <dgm:constr type="lMarg" for="ch" forName="text_4" refType="w" refFor="ch" refForName="accent_4" fact="1.8"/>
+                <dgm:constr type="primFontSz" for="ch" ptType="node" op="equ" val="65"/>
+              </dgm:constrLst>
+            </dgm:if>
+            <dgm:if name="Name9" axis="ch" ptType="node" func="cnt" op="equ" val="5">
+              <dgm:constrLst>
+                <dgm:constr type="h" for="ch" forName="cycle" refType="h"/>
+                <dgm:constr type="w" for="ch" forName="cycle" refType="h" refFor="ch" refForName="cycle" fact="0.26"/>
+                <dgm:constr type="l" for="ch" forName="cycle"/>
+                <dgm:constr type="ctrY" for="ch" forName="cycle" refType="h" fact="0.5"/>
+                <dgm:constr type="diam" for="ch" forName="cycle" refType="h" fact="1.344"/>
+                <dgm:constr type="h" for="ch" forName="accent_1" refType="h" fact="0.1563"/>
+                <dgm:constr type="w" for="ch" forName="accent_1" refType="h" refFor="ch" refForName="accent_1" op="equ"/>
+                <dgm:constr type="ctrY" for="ch" forName="accent_1" refType="h" fact="0.125"/>
+                <dgm:constr type="ctrX" for="ch" forName="accent_1" refType="h" fact="0.1082"/>
+                <dgm:constr type="l" for="ch" forName="text_1" refType="ctrX" refFor="ch" refForName="accent_1"/>
+                <dgm:constr type="r" for="ch" forName="text_1" refType="w"/>
+                <dgm:constr type="w" for="ch" forName="text_1" refType="h" refFor="ch" refForName="text_1" op="gte"/>
+                <dgm:constr type="h" for="ch" forName="text_1" refType="h" refFor="ch" refForName="accent_1" fact="0.8"/>
+                <dgm:constr type="ctrY" for="ch" forName="text_1" refType="ctrY" refFor="ch" refForName="accent_1"/>
+                <dgm:constr type="lMarg" for="ch" forName="text_1" refType="w" refFor="ch" refForName="accent_1" fact="1.8"/>
+                <dgm:constr type="h" for="ch" forName="accent_2" refType="h" fact="0.1563"/>
+                <dgm:constr type="w" for="ch" forName="accent_2" refType="h" refFor="ch" refForName="accent_2" op="equ"/>
+                <dgm:constr type="ctrY" for="ch" forName="accent_2" refType="h" fact="0.3125"/>
+                <dgm:constr type="ctrX" for="ch" forName="accent_2" refType="h" fact="0.1978"/>
+                <dgm:constr type="l" for="ch" forName="text_2" refType="ctrX" refFor="ch" refForName="accent_2"/>
+                <dgm:constr type="r" for="ch" forName="text_2" refType="w"/>
+                <dgm:constr type="w" for="ch" forName="text_2" refType="h" refFor="ch" refForName="text_2" op="gte"/>
+                <dgm:constr type="h" for="ch" forName="text_2" refType="h" refFor="ch" refForName="accent_2" fact="0.8"/>
+                <dgm:constr type="ctrY" for="ch" forName="text_2" refType="ctrY" refFor="ch" refForName="accent_2"/>
+                <dgm:constr type="lMarg" for="ch" forName="text_2" refType="w" refFor="ch" refForName="accent_2" fact="1.8"/>
+                <dgm:constr type="h" for="ch" forName="accent_3" refType="h" fact="0.1563"/>
+                <dgm:constr type="w" for="ch" forName="accent_3" refType="h" refFor="ch" refForName="accent_3" op="equ"/>
+                <dgm:constr type="ctrY" for="ch" forName="accent_3" refType="h" fact="0.5"/>
+                <dgm:constr type="ctrX" for="ch" forName="accent_3" refType="h" fact="0.2253"/>
+                <dgm:constr type="l" for="ch" forName="text_3" refType="ctrX" refFor="ch" refForName="accent_3"/>
+                <dgm:constr type="r" for="ch" forName="text_3" refType="w"/>
+                <dgm:constr type="w" for="ch" forName="text_3" refType="h" refFor="ch" refForName="text_3" op="gte"/>
+                <dgm:constr type="h" for="ch" forName="text_3" refType="h" refFor="ch" refForName="accent_3" fact="0.8"/>
+                <dgm:constr type="ctrY" for="ch" forName="text_3" refType="ctrY" refFor="ch" refForName="accent_3"/>
+                <dgm:constr type="lMarg" for="ch" forName="text_3" refType="w" refFor="ch" refForName="accent_3" fact="1.8"/>
+                <dgm:constr type="h" for="ch" forName="accent_4" refType="h" fact="0.1563"/>
+                <dgm:constr type="w" for="ch" forName="accent_4" refType="h" refFor="ch" refForName="accent_4" op="equ"/>
+                <dgm:constr type="ctrY" for="ch" forName="accent_4" refType="h" fact="0.6875"/>
+                <dgm:constr type="ctrX" for="ch" forName="accent_4" refType="h" fact="0.1978"/>
+                <dgm:constr type="l" for="ch" forName="text_4" refType="ctrX" refFor="ch" refForName="accent_4"/>
+                <dgm:constr type="r" for="ch" forName="text_4" refType="w"/>
+                <dgm:constr type="w" for="ch" forName="text_4" refType="h" refFor="ch" refForName="text_4" op="gte"/>
+                <dgm:constr type="h" for="ch" forName="text_4" refType="h" refFor="ch" refForName="accent_4" fact="0.8"/>
+                <dgm:constr type="ctrY" for="ch" forName="text_4" refType="ctrY" refFor="ch" refForName="accent_4"/>
+                <dgm:constr type="lMarg" for="ch" forName="text_4" refType="w" refFor="ch" refForName="accent_4" fact="1.8"/>
+                <dgm:constr type="h" for="ch" forName="accent_5" refType="h" fact="0.1563"/>
+                <dgm:constr type="w" for="ch" forName="accent_5" refType="h" refFor="ch" refForName="accent_5" op="equ"/>
+                <dgm:constr type="ctrY" for="ch" forName="accent_5" refType="h" fact="0.875"/>
+                <dgm:constr type="ctrX" for="ch" forName="accent_5" refType="h" fact="0.1082"/>
+                <dgm:constr type="l" for="ch" forName="text_5" refType="ctrX" refFor="ch" refForName="accent_5"/>
+                <dgm:constr type="r" for="ch" forName="text_5" refType="w"/>
+                <dgm:constr type="w" for="ch" forName="text_5" refType="h" refFor="ch" refForName="text_5" op="gte"/>
+                <dgm:constr type="h" for="ch" forName="text_5" refType="h" refFor="ch" refForName="accent_5" fact="0.8"/>
+                <dgm:constr type="ctrY" for="ch" forName="text_5" refType="ctrY" refFor="ch" refForName="accent_5"/>
+                <dgm:constr type="lMarg" for="ch" forName="text_5" refType="w" refFor="ch" refForName="accent_5" fact="1.8"/>
+                <dgm:constr type="primFontSz" for="ch" ptType="node" op="equ" val="65"/>
+              </dgm:constrLst>
+            </dgm:if>
+            <dgm:if name="Name10" axis="ch" ptType="node" func="cnt" op="equ" val="6">
+              <dgm:constrLst>
+                <dgm:constr type="h" for="ch" forName="cycle" refType="h"/>
+                <dgm:constr type="w" for="ch" forName="cycle" refType="h" refFor="ch" refForName="cycle" fact="0.26"/>
+                <dgm:constr type="l" for="ch" forName="cycle"/>
+                <dgm:constr type="ctrY" for="ch" forName="cycle" refType="h" fact="0.5"/>
+                <dgm:constr type="diam" for="ch" forName="cycle" refType="h" fact="1.344"/>
+                <dgm:constr type="h" for="ch" forName="accent_1" refType="h" fact="0.1316"/>
+                <dgm:constr type="w" for="ch" forName="accent_1" refType="h" refFor="ch" refForName="accent_1" op="equ"/>
+                <dgm:constr type="ctrY" for="ch" forName="accent_1" refType="h" fact="0.1053"/>
+                <dgm:constr type="ctrX" for="ch" forName="accent_1" refType="h" fact="0.0943"/>
+                <dgm:constr type="l" for="ch" forName="text_1" refType="ctrX" refFor="ch" refForName="accent_1"/>
+                <dgm:constr type="r" for="ch" forName="text_1" refType="w"/>
+                <dgm:constr type="w" for="ch" forName="text_1" refType="h" refFor="ch" refForName="text_1" op="gte"/>
+                <dgm:constr type="h" for="ch" forName="text_1" refType="h" refFor="ch" refForName="accent_1" fact="0.8"/>
+                <dgm:constr type="ctrY" for="ch" forName="text_1" refType="ctrY" refFor="ch" refForName="accent_1"/>
+                <dgm:constr type="lMarg" for="ch" forName="text_1" refType="w" refFor="ch" refForName="accent_1" fact="1.8"/>
+                <dgm:constr type="h" for="ch" forName="accent_2" refType="h" fact="0.1316"/>
+                <dgm:constr type="w" for="ch" forName="accent_2" refType="h" refFor="ch" refForName="accent_2" op="equ"/>
+                <dgm:constr type="ctrY" for="ch" forName="accent_2" refType="h" fact="0.2632"/>
+                <dgm:constr type="ctrX" for="ch" forName="accent_2" refType="h" fact="0.1809"/>
+                <dgm:constr type="l" for="ch" forName="text_2" refType="ctrX" refFor="ch" refForName="accent_2"/>
+                <dgm:constr type="r" for="ch" forName="text_2" refType="w"/>
+                <dgm:constr type="w" for="ch" forName="text_2" refType="h" refFor="ch" refForName="text_2" op="gte"/>
+                <dgm:constr type="h" for="ch" forName="text_2" refType="h" refFor="ch" refForName="accent_2" fact="0.8"/>
+                <dgm:constr type="ctrY" for="ch" forName="text_2" refType="ctrY" refFor="ch" refForName="accent_2"/>
+                <dgm:constr type="lMarg" for="ch" forName="text_2" refType="w" refFor="ch" refForName="accent_2" fact="1.8"/>
+                <dgm:constr type="h" for="ch" forName="accent_3" refType="h" fact="0.1316"/>
+                <dgm:constr type="w" for="ch" forName="accent_3" refType="h" refFor="ch" refForName="accent_3" op="equ"/>
+                <dgm:constr type="ctrY" for="ch" forName="accent_3" refType="h" fact="0.4211"/>
+                <dgm:constr type="ctrX" for="ch" forName="accent_3" refType="h" fact="0.2205"/>
+                <dgm:constr type="l" for="ch" forName="text_3" refType="ctrX" refFor="ch" refForName="accent_3"/>
+                <dgm:constr type="r" for="ch" forName="text_3" refType="w"/>
+                <dgm:constr type="w" for="ch" forName="text_3" refType="h" refFor="ch" refForName="text_3" op="gte"/>
+                <dgm:constr type="h" for="ch" forName="text_3" refType="h" refFor="ch" refForName="accent_3" fact="0.8"/>
+                <dgm:constr type="ctrY" for="ch" forName="text_3" refType="ctrY" refFor="ch" refForName="accent_3"/>
+                <dgm:constr type="lMarg" for="ch" forName="text_3" refType="w" refFor="ch" refForName="accent_3" fact="1.8"/>
+                <dgm:constr type="h" for="ch" forName="accent_4" refType="h" fact="0.1316"/>
+                <dgm:constr type="w" for="ch" forName="accent_4" refType="h" refFor="ch" refForName="accent_4" op="equ"/>
+                <dgm:constr type="ctrY" for="ch" forName="accent_4" refType="h" fact="0.5789"/>
+                <dgm:constr type="ctrX" for="ch" forName="accent_4" refType="h" fact="0.2205"/>
+                <dgm:constr type="l" for="ch" forName="text_4" refType="ctrX" refFor="ch" refForName="accent_4"/>
+                <dgm:constr type="r" for="ch" forName="text_4" refType="w"/>
+                <dgm:constr type="w" for="ch" forName="text_4" refType="h" refFor="ch" refForName="text_4" op="gte"/>
+                <dgm:constr type="h" for="ch" forName="text_4" refType="h" refFor="ch" refForName="accent_4" fact="0.8"/>
+                <dgm:constr type="ctrY" for="ch" forName="text_4" refType="ctrY" refFor="ch" refForName="accent_4"/>
+                <dgm:constr type="lMarg" for="ch" forName="text_4" refType="w" refFor="ch" refForName="accent_4" fact="1.8"/>
+                <dgm:constr type="h" for="ch" forName="accent_5" refType="h" fact="0.1316"/>
+                <dgm:constr type="w" for="ch" forName="accent_5" refType="h" refFor="ch" refForName="accent_5" op="equ"/>
+                <dgm:constr type="ctrY" for="ch" forName="accent_5" refType="h" fact="0.7368"/>
+                <dgm:constr type="ctrX" for="ch" forName="accent_5" refType="h" fact="0.1809"/>
+                <dgm:constr type="l" for="ch" forName="text_5" refType="ctrX" refFor="ch" refForName="accent_5"/>
+                <dgm:constr type="r" for="ch" forName="text_5" refType="w"/>
+                <dgm:constr type="w" for="ch" forName="text_5" refType="h" refFor="ch" refForName="text_5" op="gte"/>
+                <dgm:constr type="h" for="ch" forName="text_5" refType="h" refFor="ch" refForName="accent_5" fact="0.8"/>
+                <dgm:constr type="ctrY" for="ch" forName="text_5" refType="ctrY" refFor="ch" refForName="accent_5"/>
+                <dgm:constr type="lMarg" for="ch" forName="text_5" refType="w" refFor="ch" refForName="accent_5" fact="1.8"/>
+                <dgm:constr type="h" for="ch" forName="accent_6" refType="h" fact="0.1316"/>
+                <dgm:constr type="w" for="ch" forName="accent_6" refType="h" refFor="ch" refForName="accent_6" op="equ"/>
+                <dgm:constr type="ctrY" for="ch" forName="accent_6" refType="h" fact="0.8947"/>
+                <dgm:constr type="ctrX" for="ch" forName="accent_6" refType="h" fact="0.0943"/>
+                <dgm:constr type="l" for="ch" forName="text_6" refType="ctrX" refFor="ch" refForName="accent_6"/>
+                <dgm:constr type="r" for="ch" forName="text_6" refType="w"/>
+                <dgm:constr type="w" for="ch" forName="text_6" refType="h" refFor="ch" refForName="text_6" op="gte"/>
+                <dgm:constr type="h" for="ch" forName="text_6" refType="h" refFor="ch" refForName="accent_6" fact="0.8"/>
+                <dgm:constr type="ctrY" for="ch" forName="text_6" refType="ctrY" refFor="ch" refForName="accent_6"/>
+                <dgm:constr type="lMarg" for="ch" forName="text_6" refType="w" refFor="ch" refForName="accent_6" fact="1.8"/>
+                <dgm:constr type="primFontSz" for="ch" ptType="node" op="equ" val="65"/>
+              </dgm:constrLst>
+            </dgm:if>
+            <dgm:else name="Name11">
+              <dgm:constrLst>
+                <dgm:constr type="h" for="ch" forName="cycle" refType="h"/>
+                <dgm:constr type="w" for="ch" forName="cycle" refType="h" refFor="ch" refForName="cycle" fact="0.26"/>
+                <dgm:constr type="l" for="ch" forName="cycle"/>
+                <dgm:constr type="ctrY" for="ch" forName="cycle" refType="h" fact="0.5"/>
+                <dgm:constr type="diam" for="ch" forName="cycle" refType="h" fact="1.344"/>
+                <dgm:constr type="h" for="ch" forName="accent_1" refType="h" fact="0.1136"/>
+                <dgm:constr type="w" for="ch" forName="accent_1" refType="h" refFor="ch" refForName="accent_1" op="equ"/>
+                <dgm:constr type="ctrY" for="ch" forName="accent_1" refType="h" fact="0.0909"/>
+                <dgm:constr type="ctrX" for="ch" forName="accent_1" refType="h" fact="0.0835"/>
+                <dgm:constr type="l" for="ch" forName="text_1" refType="ctrX" refFor="ch" refForName="accent_1"/>
+                <dgm:constr type="r" for="ch" forName="text_1" refType="w"/>
+                <dgm:constr type="w" for="ch" forName="text_1" refType="h" refFor="ch" refForName="text_1" op="gte"/>
+                <dgm:constr type="h" for="ch" forName="text_1" refType="h" refFor="ch" refForName="accent_1" fact="0.8"/>
+                <dgm:constr type="ctrY" for="ch" forName="text_1" refType="ctrY" refFor="ch" refForName="accent_1"/>
+                <dgm:constr type="lMarg" for="ch" forName="text_1" refType="w" refFor="ch" refForName="accent_1" fact="1.8"/>
+                <dgm:constr type="h" for="ch" forName="accent_2" refType="h" fact="0.1136"/>
+                <dgm:constr type="w" for="ch" forName="accent_2" refType="h" refFor="ch" refForName="accent_2" op="equ"/>
+                <dgm:constr type="ctrY" for="ch" forName="accent_2" refType="h" fact="0.2273"/>
+                <dgm:constr type="ctrX" for="ch" forName="accent_2" refType="h" fact="0.1658"/>
+                <dgm:constr type="l" for="ch" forName="text_2" refType="ctrX" refFor="ch" refForName="accent_2"/>
+                <dgm:constr type="r" for="ch" forName="text_2" refType="w"/>
+                <dgm:constr type="w" for="ch" forName="text_2" refType="h" refFor="ch" refForName="text_2" op="gte"/>
+                <dgm:constr type="h" for="ch" forName="text_2" refType="h" refFor="ch" refForName="accent_2" fact="0.8"/>
+                <dgm:constr type="ctrY" for="ch" forName="text_2" refType="ctrY" refFor="ch" refForName="accent_2"/>
+                <dgm:constr type="lMarg" for="ch" forName="text_2" refType="w" refFor="ch" refForName="accent_2" fact="1.8"/>
+                <dgm:constr type="h" for="ch" forName="accent_3" refType="h" fact="0.1136"/>
+                <dgm:constr type="w" for="ch" forName="accent_3" refType="h" refFor="ch" refForName="accent_3" op="equ"/>
+                <dgm:constr type="ctrY" for="ch" forName="accent_3" refType="h" fact="0.3636"/>
+                <dgm:constr type="ctrX" for="ch" forName="accent_3" refType="h" fact="0.2109"/>
+                <dgm:constr type="l" for="ch" forName="text_3" refType="ctrX" refFor="ch" refForName="accent_3"/>
+                <dgm:constr type="r" for="ch" forName="text_3" refType="w"/>
+                <dgm:constr type="w" for="ch" forName="text_3" refType="h" refFor="ch" refForName="text_3" op="gte"/>
+                <dgm:constr type="h" for="ch" forName="text_3" refType="h" refFor="ch" refForName="accent_3" fact="0.8"/>
+                <dgm:constr type="ctrY" for="ch" forName="text_3" refType="ctrY" refFor="ch" refForName="accent_3"/>
+                <dgm:constr type="lMarg" for="ch" forName="text_3" refType="w" refFor="ch" refForName="accent_3" fact="1.8"/>
+                <dgm:constr type="h" for="ch" forName="accent_4" refType="h" fact="0.1136"/>
+                <dgm:constr type="w" for="ch" forName="accent_4" refType="h" refFor="ch" refForName="accent_4" op="equ"/>
+                <dgm:constr type="ctrY" for="ch" forName="accent_4" refType="h" fact="0.5"/>
+                <dgm:constr type="ctrX" for="ch" forName="accent_4" refType="h" fact="0.2253"/>
+                <dgm:constr type="l" for="ch" forName="text_4" refType="ctrX" refFor="ch" refForName="accent_4"/>
+                <dgm:constr type="r" for="ch" forName="text_4" refType="w"/>
+                <dgm:constr type="w" for="ch" forName="text_4" refType="h" refFor="ch" refForName="text_4" op="gte"/>
+                <dgm:constr type="h" for="ch" forName="text_4" refType="h" refFor="ch" refForName="accent_4" fact="0.8"/>
+                <dgm:constr type="ctrY" for="ch" forName="text_4" refType="ctrY" refFor="ch" refForName="accent_4"/>
+                <dgm:constr type="lMarg" for="ch" forName="text_4" refType="w" refFor="ch" refForName="accent_4" fact="1.8"/>
+                <dgm:constr type="h" for="ch" forName="accent_5" refType="h" fact="0.1136"/>
+                <dgm:constr type="w" for="ch" forName="accent_5" refType="h" refFor="ch" refForName="accent_5" op="equ"/>
+                <dgm:constr type="ctrY" for="ch" forName="accent_5" refType="h" fact="0.6364"/>
+                <dgm:constr type="ctrX" for="ch" forName="accent_5" refType="h" fact="0.2109"/>
+                <dgm:constr type="l" for="ch" forName="text_5" refType="ctrX" refFor="ch" refForName="accent_5"/>
+                <dgm:constr type="r" for="ch" forName="text_5" refType="w"/>
+                <dgm:constr type="w" for="ch" forName="text_5" refType="h" refFor="ch" refForName="text_5" op="gte"/>
+                <dgm:constr type="h" for="ch" forName="text_5" refType="h" refFor="ch" refForName="accent_5" fact="0.8"/>
+                <dgm:constr type="ctrY" for="ch" forName="text_5" refType="ctrY" refFor="ch" refForName="accent_5"/>
+                <dgm:constr type="lMarg" for="ch" forName="text_5" refType="w" refFor="ch" refForName="accent_5" fact="1.8"/>
+                <dgm:constr type="h" for="ch" forName="accent_6" refType="h" fact="0.1136"/>
+                <dgm:constr type="w" for="ch" forName="accent_6" refType="h" refFor="ch" refForName="accent_6" op="equ"/>
+                <dgm:constr type="ctrY" for="ch" forName="accent_6" refType="h" fact="0.7727"/>
+                <dgm:constr type="ctrX" for="ch" forName="accent_6" refType="h" fact="0.1658"/>
+                <dgm:constr type="l" for="ch" forName="text_6" refType="ctrX" refFor="ch" refForName="accent_6"/>
+                <dgm:constr type="r" for="ch" forName="text_6" refType="w"/>
+                <dgm:constr type="w" for="ch" forName="text_6" refType="h" refFor="ch" refForName="text_6" op="gte"/>
+                <dgm:constr type="h" for="ch" forName="text_6" refType="h" refFor="ch" refForName="accent_6" fact="0.8"/>
+                <dgm:constr type="ctrY" for="ch" forName="text_6" refType="ctrY" refFor="ch" refForName="accent_6"/>
+                <dgm:constr type="lMarg" for="ch" forName="text_6" refType="w" refFor="ch" refForName="accent_6" fact="1.8"/>
+                <dgm:constr type="h" for="ch" forName="accent_7" refType="h" fact="0.1136"/>
+                <dgm:constr type="w" for="ch" forName="accent_7" refType="h" refFor="ch" refForName="accent_7" op="equ"/>
+                <dgm:constr type="ctrY" for="ch" forName="accent_7" refType="h" fact="0.9091"/>
+                <dgm:constr type="ctrX" for="ch" forName="accent_7" refType="h" fact="0.0835"/>
+                <dgm:constr type="l" for="ch" forName="text_7" refType="ctrX" refFor="ch" refForName="accent_7"/>
+                <dgm:constr type="r" for="ch" forName="text_7" refType="w"/>
+                <dgm:constr type="w" for="ch" forName="text_7" refType="h" refFor="ch" refForName="text_7" op="gte"/>
+                <dgm:constr type="h" for="ch" forName="text_7" refType="h" refFor="ch" refForName="accent_7" fact="0.8"/>
+                <dgm:constr type="ctrY" for="ch" forName="text_7" refType="ctrY" refFor="ch" refForName="accent_7"/>
+                <dgm:constr type="lMarg" for="ch" forName="text_7" refType="w" refFor="ch" refForName="accent_7" fact="1.8"/>
+                <dgm:constr type="primFontSz" for="ch" ptType="node" op="equ" val="65"/>
+              </dgm:constrLst>
+            </dgm:else>
+          </dgm:choose>
+        </dgm:if>
+        <dgm:else name="Name12">
+          <dgm:choose name="Name13">
+            <dgm:if name="Name14" axis="ch" ptType="node" func="cnt" op="equ" val="1">
+              <dgm:constrLst>
+                <dgm:constr type="h" for="ch" forName="cycle" refType="h"/>
+                <dgm:constr type="w" for="ch" forName="cycle" refType="h" refFor="ch" refForName="cycle" fact="0.26"/>
+                <dgm:constr type="r" for="ch" forName="cycle" refType="w"/>
+                <dgm:constr type="ctrY" for="ch" forName="cycle" refType="h" fact="0.5"/>
+                <dgm:constr type="diam" for="ch" forName="cycle" refType="h" fact="1.344"/>
+                <dgm:constr type="h" for="ch" forName="accent_1" refType="h" fact="0.625"/>
+                <dgm:constr type="w" for="ch" forName="accent_1" refType="h" refFor="ch" refForName="accent_1" op="equ"/>
+                <dgm:constr type="ctrY" for="ch" forName="accent_1" refType="h" fact="0.5"/>
+                <dgm:constr type="ctrX" for="ch" forName="accent_1" refType="w"/>
+                <dgm:constr type="ctrXOff" for="ch" forName="accent_1" refType="h" fact="-0.2253"/>
+                <dgm:constr type="r" for="ch" forName="text_1" refType="ctrX" refFor="ch" refForName="accent_1"/>
+                <dgm:constr type="rOff" for="ch" forName="text_1" refType="ctrXOff" refFor="ch" refForName="accent_1"/>
+                <dgm:constr type="l" for="ch" forName="text_1"/>
+                <dgm:constr type="w" for="ch" forName="text_1" refType="h" refFor="ch" refForName="text_1" op="gte"/>
+                <dgm:constr type="h" for="ch" forName="text_1" refType="h" refFor="ch" refForName="accent_1" fact="0.8"/>
+                <dgm:constr type="ctrY" for="ch" forName="text_1" refType="ctrY" refFor="ch" refForName="accent_1"/>
+                <dgm:constr type="rMarg" for="ch" forName="text_1" refType="w" refFor="ch" refForName="accent_1" fact="1.8"/>
+                <dgm:constr type="primFontSz" for="ch" ptType="node" op="equ" val="65"/>
+              </dgm:constrLst>
+            </dgm:if>
+            <dgm:if name="Name15" axis="ch" ptType="node" func="cnt" op="equ" val="2">
+              <dgm:constrLst>
+                <dgm:constr type="h" for="ch" forName="cycle" refType="h"/>
+                <dgm:constr type="w" for="ch" forName="cycle" refType="h" refFor="ch" refForName="cycle" fact="0.26"/>
+                <dgm:constr type="r" for="ch" forName="cycle" refType="w"/>
+                <dgm:constr type="ctrY" for="ch" forName="cycle" refType="h" fact="0.5"/>
+                <dgm:constr type="diam" for="ch" forName="cycle" refType="h" fact="1.344"/>
+                <dgm:constr type="h" for="ch" forName="accent_1" refType="h" fact="0.3571"/>
+                <dgm:constr type="w" for="ch" forName="accent_1" refType="h" refFor="ch" refForName="accent_1" op="equ"/>
+                <dgm:constr type="ctrY" for="ch" forName="accent_1" refType="h" fact="0.2857"/>
+                <dgm:constr type="ctrX" for="ch" forName="accent_1" refType="w"/>
+                <dgm:constr type="ctrXOff" for="ch" forName="accent_1" refType="h" fact="-0.1891"/>
+                <dgm:constr type="r" for="ch" forName="text_1" refType="ctrX" refFor="ch" refForName="accent_1"/>
+                <dgm:constr type="rOff" for="ch" forName="text_1" refType="ctrXOff" refFor="ch" refForName="accent_1"/>
+                <dgm:constr type="l" for="ch" forName="text_1"/>
+                <dgm:constr type="w" for="ch" forName="text_1" refType="h" refFor="ch" refForName="text_1" op="gte"/>
+                <dgm:constr type="h" for="ch" forName="text_1" refType="h" refFor="ch" refForName="accent_1" fact="0.8"/>
+                <dgm:constr type="ctrY" for="ch" forName="text_1" refType="ctrY" refFor="ch" refForName="accent_1"/>
+                <dgm:constr type="rMarg" for="ch" forName="text_1" refType="w" refFor="ch" refForName="accent_1" fact="1.8"/>
+                <dgm:constr type="h" for="ch" forName="accent_2" refType="h" fact="0.3571"/>
+                <dgm:constr type="w" for="ch" forName="accent_2" refType="h" refFor="ch" refForName="accent_2" op="equ"/>
+                <dgm:constr type="ctrY" for="ch" forName="accent_2" refType="h" fact="0.7143"/>
+                <dgm:constr type="ctrX" for="ch" forName="accent_2" refType="w"/>
+                <dgm:constr type="ctrXOff" for="ch" forName="accent_2" refType="h" fact="-0.1891"/>
+                <dgm:constr type="r" for="ch" forName="text_2" refType="ctrX" refFor="ch" refForName="accent_2"/>
+                <dgm:constr type="rOff" for="ch" forName="text_2" refType="ctrXOff" refFor="ch" refForName="accent_2"/>
+                <dgm:constr type="l" for="ch" forName="text_2"/>
+                <dgm:constr type="w" for="ch" forName="text_2" refType="h" refFor="ch" refForName="text_2" op="gte"/>
+                <dgm:constr type="h" for="ch" forName="text_2" refType="h" refFor="ch" refForName="accent_2" fact="0.8"/>
+                <dgm:constr type="ctrY" for="ch" forName="text_2" refType="ctrY" refFor="ch" refForName="accent_2"/>
+                <dgm:constr type="rMarg" for="ch" forName="text_2" refType="w" refFor="ch" refForName="accent_2" fact="1.8"/>
+                <dgm:constr type="primFontSz" for="ch" ptType="node" op="equ" val="65"/>
+              </dgm:constrLst>
+            </dgm:if>
+            <dgm:if name="Name16" axis="ch" ptType="node" func="cnt" op="equ" val="3">
+              <dgm:constrLst>
+                <dgm:constr type="h" for="ch" forName="cycle" refType="h"/>
+                <dgm:constr type="w" for="ch" forName="cycle" refType="h" refFor="ch" refForName="cycle" fact="0.26"/>
+                <dgm:constr type="r" for="ch" forName="cycle" refType="w"/>
+                <dgm:constr type="ctrY" for="ch" forName="cycle" refType="h" fact="0.5"/>
+                <dgm:constr type="diam" for="ch" forName="cycle" refType="h" fact="1.344"/>
+                <dgm:constr type="h" for="ch" forName="accent_1" refType="h" fact="0.25"/>
+                <dgm:constr type="w" for="ch" forName="accent_1" refType="h" refFor="ch" refForName="accent_1" op="equ"/>
+                <dgm:constr type="ctrY" for="ch" forName="accent_1" refType="h" fact="0.2"/>
+                <dgm:constr type="ctrX" for="ch" forName="accent_1" refType="w"/>
+                <dgm:constr type="ctrXOff" for="ch" forName="accent_1" refType="h" fact="-0.1526"/>
+                <dgm:constr type="r" for="ch" forName="text_1" refType="ctrX" refFor="ch" refForName="accent_1"/>
+                <dgm:constr type="rOff" for="ch" forName="text_1" refType="ctrXOff" refFor="ch" refForName="accent_1"/>
+                <dgm:constr type="l" for="ch" forName="text_1"/>
+                <dgm:constr type="w" for="ch" forName="text_1" refType="h" refFor="ch" refForName="text_1" op="gte"/>
+                <dgm:constr type="h" for="ch" forName="text_1" refType="h" refFor="ch" refForName="accent_1" fact="0.8"/>
+                <dgm:constr type="ctrY" for="ch" forName="text_1" refType="ctrY" refFor="ch" refForName="accent_1"/>
+                <dgm:constr type="rMarg" for="ch" forName="text_1" refType="w" refFor="ch" refForName="accent_1" fact="1.8"/>
+                <dgm:constr type="h" for="ch" forName="accent_2" refType="h" fact="0.25"/>
+                <dgm:constr type="w" for="ch" forName="accent_2" refType="h" refFor="ch" refForName="accent_2" op="equ"/>
+                <dgm:constr type="ctrY" for="ch" forName="accent_2" refType="h" fact="0.5"/>
+                <dgm:constr type="ctrX" for="ch" forName="accent_2" refType="w"/>
+                <dgm:constr type="ctrXOff" for="ch" forName="accent_2" refType="h" fact="-0.2253"/>
+                <dgm:constr type="r" for="ch" forName="text_2" refType="ctrX" refFor="ch" refForName="accent_2"/>
+                <dgm:constr type="rOff" for="ch" forName="text_2" refType="ctrXOff" refFor="ch" refForName="accent_2"/>
+                <dgm:constr type="l" for="ch" forName="text_2"/>
+                <dgm:constr type="w" for="ch" forName="text_2" refType="h" refFor="ch" refForName="text_2" op="gte"/>
+                <dgm:constr type="h" for="ch" forName="text_2" refType="h" refFor="ch" refForName="accent_2" fact="0.8"/>
+                <dgm:constr type="ctrY" for="ch" forName="text_2" refType="ctrY" refFor="ch" refForName="accent_2"/>
+                <dgm:constr type="rMarg" for="ch" forName="text_2" refType="w" refFor="ch" refForName="accent_2" fact="1.8"/>
+                <dgm:constr type="h" for="ch" forName="accent_3" refType="h" fact="0.25"/>
+                <dgm:constr type="w" for="ch" forName="accent_3" refType="h" refFor="ch" refForName="accent_3" op="equ"/>
+                <dgm:constr type="ctrY" for="ch" forName="accent_3" refType="h" fact="0.8"/>
+                <dgm:constr type="ctrX" for="ch" forName="accent_3" refType="w"/>
+                <dgm:constr type="ctrXOff" for="ch" forName="accent_3" refType="h" fact="-0.1526"/>
+                <dgm:constr type="r" for="ch" forName="text_3" refType="ctrX" refFor="ch" refForName="accent_3"/>
+                <dgm:constr type="rOff" for="ch" forName="text_3" refType="ctrXOff" refFor="ch" refForName="accent_3"/>
+                <dgm:constr type="l" for="ch" forName="text_3"/>
+                <dgm:constr type="w" for="ch" forName="text_3" refType="h" refFor="ch" refForName="text_3" op="gte"/>
+                <dgm:constr type="h" for="ch" forName="text_3" refType="h" refFor="ch" refForName="accent_3" fact="0.8"/>
+                <dgm:constr type="ctrY" for="ch" forName="text_3" refType="ctrY" refFor="ch" refForName="accent_3"/>
+                <dgm:constr type="rMarg" for="ch" forName="text_3" refType="w" refFor="ch" refForName="accent_3" fact="1.8"/>
+                <dgm:constr type="primFontSz" for="ch" ptType="node" op="equ" val="65"/>
+              </dgm:constrLst>
+            </dgm:if>
+            <dgm:if name="Name17" axis="ch" ptType="node" func="cnt" op="equ" val="4">
+              <dgm:constrLst>
+                <dgm:constr type="h" for="ch" forName="cycle" refType="h"/>
+                <dgm:constr type="w" for="ch" forName="cycle" refType="h" refFor="ch" refForName="cycle" fact="0.26"/>
+                <dgm:constr type="r" for="ch" forName="cycle" refType="w"/>
+                <dgm:constr type="ctrY" for="ch" forName="cycle" refType="h" fact="0.5"/>
+                <dgm:constr type="diam" for="ch" forName="cycle" refType="h" fact="1.344"/>
+                <dgm:constr type="h" for="ch" forName="accent_1" refType="h" fact="0.1923"/>
+                <dgm:constr type="w" for="ch" forName="accent_1" refType="h" refFor="ch" refForName="accent_1" op="equ"/>
+                <dgm:constr type="ctrY" for="ch" forName="accent_1" refType="h" fact="0.1538"/>
+                <dgm:constr type="ctrX" for="ch" forName="accent_1" refType="w"/>
+                <dgm:constr type="ctrXOff" for="ch" forName="accent_1" refType="h" fact="-0.1268"/>
+                <dgm:constr type="r" for="ch" forName="text_1" refType="ctrX" refFor="ch" refForName="accent_1"/>
+                <dgm:constr type="rOff" for="ch" forName="text_1" refType="ctrXOff" refFor="ch" refForName="accent_1"/>
+                <dgm:constr type="l" for="ch" forName="text_1"/>
+                <dgm:constr type="w" for="ch" forName="text_1" refType="h" refFor="ch" refForName="text_1" op="gte"/>
+                <dgm:constr type="h" for="ch" forName="text_1" refType="h" refFor="ch" refForName="accent_1" fact="0.8"/>
+                <dgm:constr type="ctrY" for="ch" forName="text_1" refType="ctrY" refFor="ch" refForName="accent_1"/>
+                <dgm:constr type="rMarg" for="ch" forName="text_1" refType="w" refFor="ch" refForName="accent_1" fact="1.8"/>
+                <dgm:constr type="h" for="ch" forName="accent_2" refType="h" fact="0.1923"/>
+                <dgm:constr type="w" for="ch" forName="accent_2" refType="h" refFor="ch" refForName="accent_2" op="equ"/>
+                <dgm:constr type="ctrY" for="ch" forName="accent_2" refType="h" fact="0.3846"/>
+                <dgm:constr type="ctrX" for="ch" forName="accent_2" refType="w"/>
+                <dgm:constr type="ctrXOff" for="ch" forName="accent_2" refType="h" fact="-0.215"/>
+                <dgm:constr type="r" for="ch" forName="text_2" refType="ctrX" refFor="ch" refForName="accent_2"/>
+                <dgm:constr type="rOff" for="ch" forName="text_2" refType="ctrXOff" refFor="ch" refForName="accent_2"/>
+                <dgm:constr type="l" for="ch" forName="text_2"/>
+                <dgm:constr type="w" for="ch" forName="text_2" refType="h" refFor="ch" refForName="text_2" op="gte"/>
+                <dgm:constr type="h" for="ch" forName="text_2" refType="h" refFor="ch" refForName="accent_2" fact="0.8"/>
+                <dgm:constr type="ctrY" for="ch" forName="text_2" refType="ctrY" refFor="ch" refForName="accent_2"/>
+                <dgm:constr type="rMarg" for="ch" forName="text_2" refType="w" refFor="ch" refForName="accent_2" fact="1.8"/>
+                <dgm:constr type="h" for="ch" forName="accent_3" refType="h" fact="0.1923"/>
+                <dgm:constr type="w" for="ch" forName="accent_3" refType="h" refFor="ch" refForName="accent_3" op="equ"/>
+                <dgm:constr type="ctrY" for="ch" forName="accent_3" refType="h" fact="0.6154"/>
+                <dgm:constr type="ctrX" for="ch" forName="accent_3" refType="w"/>
+                <dgm:constr type="ctrXOff" for="ch" forName="accent_3" refType="h" fact="-0.215"/>
+                <dgm:constr type="r" for="ch" forName="text_3" refType="ctrX" refFor="ch" refForName="accent_3"/>
+                <dgm:constr type="rOff" for="ch" forName="text_3" refType="ctrXOff" refFor="ch" refForName="accent_3"/>
+                <dgm:constr type="l" for="ch" forName="text_3"/>
+                <dgm:constr type="w" for="ch" forName="text_3" refType="h" refFor="ch" refForName="text_3" op="gte"/>
+                <dgm:constr type="h" for="ch" forName="text_3" refType="h" refFor="ch" refForName="accent_3" fact="0.8"/>
+                <dgm:constr type="ctrY" for="ch" forName="text_3" refType="ctrY" refFor="ch" refForName="accent_3"/>
+                <dgm:constr type="rMarg" for="ch" forName="text_3" refType="w" refFor="ch" refForName="accent_3" fact="1.8"/>
+                <dgm:constr type="h" for="ch" forName="accent_4" refType="h" fact="0.1923"/>
+                <dgm:constr type="w" for="ch" forName="accent_4" refType="h" refFor="ch" refForName="accent_4" op="equ"/>
+                <dgm:constr type="ctrY" for="ch" forName="accent_4" refType="h" fact="0.8462"/>
+                <dgm:constr type="ctrX" for="ch" forName="accent_4" refType="w"/>
+                <dgm:constr type="ctrXOff" for="ch" forName="accent_4" refType="h" fact="-0.1268"/>
+                <dgm:constr type="r" for="ch" forName="text_4" refType="ctrX" refFor="ch" refForName="accent_4"/>
+                <dgm:constr type="rOff" for="ch" forName="text_4" refType="ctrXOff" refFor="ch" refForName="accent_4"/>
+                <dgm:constr type="l" for="ch" forName="text_4"/>
+                <dgm:constr type="w" for="ch" forName="text_4" refType="h" refFor="ch" refForName="text_4" op="gte"/>
+                <dgm:constr type="h" for="ch" forName="text_4" refType="h" refFor="ch" refForName="accent_4" fact="0.8"/>
+                <dgm:constr type="ctrY" for="ch" forName="text_4" refType="ctrY" refFor="ch" refForName="accent_4"/>
+                <dgm:constr type="rMarg" for="ch" forName="text_4" refType="w" refFor="ch" refForName="accent_4" fact="1.8"/>
+                <dgm:constr type="primFontSz" for="ch" ptType="node" op="equ" val="65"/>
+              </dgm:constrLst>
+            </dgm:if>
+            <dgm:if name="Name18" axis="ch" ptType="node" func="cnt" op="equ" val="5">
+              <dgm:constrLst>
+                <dgm:constr type="h" for="ch" forName="cycle" refType="h"/>
+                <dgm:constr type="w" for="ch" forName="cycle" refType="h" refFor="ch" refForName="cycle" fact="0.26"/>
+                <dgm:constr type="r" for="ch" forName="cycle" refType="w"/>
+                <dgm:constr type="ctrY" for="ch" forName="cycle" refType="h" fact="0.5"/>
+                <dgm:constr type="diam" for="ch" forName="cycle" refType="h" fact="1.344"/>
+                <dgm:constr type="h" for="ch" forName="accent_1" refType="h" fact="0.1563"/>
+                <dgm:constr type="w" for="ch" forName="accent_1" refType="h" refFor="ch" refForName="accent_1" op="equ"/>
+                <dgm:constr type="ctrY" for="ch" forName="accent_1" refType="h" fact="0.125"/>
+                <dgm:constr type="ctrX" for="ch" forName="accent_1" refType="w"/>
+                <dgm:constr type="ctrXOff" for="ch" forName="accent_1" refType="h" fact="-0.1082"/>
+                <dgm:constr type="r" for="ch" forName="text_1" refType="ctrX" refFor="ch" refForName="accent_1"/>
+                <dgm:constr type="rOff" for="ch" forName="text_1" refType="ctrXOff" refFor="ch" refForName="accent_1"/>
+                <dgm:constr type="l" for="ch" forName="text_1"/>
+                <dgm:constr type="w" for="ch" forName="text_1" refType="h" refFor="ch" refForName="text_1" op="gte"/>
+                <dgm:constr type="h" for="ch" forName="text_1" refType="h" refFor="ch" refForName="accent_1" fact="0.8"/>
+                <dgm:constr type="ctrY" for="ch" forName="text_1" refType="ctrY" refFor="ch" refForName="accent_1"/>
+                <dgm:constr type="rMarg" for="ch" forName="text_1" refType="w" refFor="ch" refForName="accent_1" fact="1.8"/>
+                <dgm:constr type="h" for="ch" forName="accent_2" refType="h" fact="0.1563"/>
+                <dgm:constr type="w" for="ch" forName="accent_2" refType="h" refFor="ch" refForName="accent_2" op="equ"/>
+                <dgm:constr type="ctrY" for="ch" forName="accent_2" refType="h" fact="0.3125"/>
+                <dgm:constr type="ctrX" for="ch" forName="accent_2" refType="w"/>
+                <dgm:constr type="ctrXOff" for="ch" forName="accent_2" refType="h" fact="-0.1978"/>
+                <dgm:constr type="r" for="ch" forName="text_2" refType="ctrX" refFor="ch" refForName="accent_2"/>
+                <dgm:constr type="rOff" for="ch" forName="text_2" refType="ctrXOff" refFor="ch" refForName="accent_2"/>
+                <dgm:constr type="l" for="ch" forName="text_2"/>
+                <dgm:constr type="w" for="ch" forName="text_2" refType="h" refFor="ch" refForName="text_2" op="gte"/>
+                <dgm:constr type="h" for="ch" forName="text_2" refType="h" refFor="ch" refForName="accent_2" fact="0.8"/>
+                <dgm:constr type="ctrY" for="ch" forName="text_2" refType="ctrY" refFor="ch" refForName="accent_2"/>
+                <dgm:constr type="rMarg" for="ch" forName="text_2" refType="w" refFor="ch" refForName="accent_2" fact="1.8"/>
+                <dgm:constr type="h" for="ch" forName="accent_3" refType="h" fact="0.1563"/>
+                <dgm:constr type="w" for="ch" forName="accent_3" refType="h" refFor="ch" refForName="accent_3" op="equ"/>
+                <dgm:constr type="ctrY" for="ch" forName="accent_3" refType="h" fact="0.5"/>
+                <dgm:constr type="ctrX" for="ch" forName="accent_3" refType="w"/>
+                <dgm:constr type="ctrXOff" for="ch" forName="accent_3" refType="h" fact="-0.2253"/>
+                <dgm:constr type="r" for="ch" forName="text_3" refType="ctrX" refFor="ch" refForName="accent_3"/>
+                <dgm:constr type="rOff" for="ch" forName="text_3" refType="ctrXOff" refFor="ch" refForName="accent_3"/>
+                <dgm:constr type="l" for="ch" forName="text_3"/>
+                <dgm:constr type="w" for="ch" forName="text_3" refType="h" refFor="ch" refForName="text_3" op="gte"/>
+                <dgm:constr type="h" for="ch" forName="text_3" refType="h" refFor="ch" refForName="accent_3" fact="0.8"/>
+                <dgm:constr type="ctrY" for="ch" forName="text_3" refType="ctrY" refFor="ch" refForName="accent_3"/>
+                <dgm:constr type="rMarg" for="ch" forName="text_3" refType="w" refFor="ch" refForName="accent_3" fact="1.8"/>
+                <dgm:constr type="h" for="ch" forName="accent_4" refType="h" fact="0.1563"/>
+                <dgm:constr type="w" for="ch" forName="accent_4" refType="h" refFor="ch" refForName="accent_4" op="equ"/>
+                <dgm:constr type="ctrY" for="ch" forName="accent_4" refType="h" fact="0.6875"/>
+                <dgm:constr type="ctrX" for="ch" forName="accent_4" refType="w"/>
+                <dgm:constr type="ctrXOff" for="ch" forName="accent_4" refType="h" fact="-0.1978"/>
+                <dgm:constr type="r" for="ch" forName="text_4" refType="ctrX" refFor="ch" refForName="accent_4"/>
+                <dgm:constr type="rOff" for="ch" forName="text_4" refType="ctrXOff" refFor="ch" refForName="accent_4"/>
+                <dgm:constr type="l" for="ch" forName="text_4"/>
+                <dgm:constr type="w" for="ch" forName="text_4" refType="h" refFor="ch" refForName="text_4" op="gte"/>
+                <dgm:constr type="h" for="ch" forName="text_4" refType="h" refFor="ch" refForName="accent_4" fact="0.8"/>
+                <dgm:constr type="ctrY" for="ch" forName="text_4" refType="ctrY" refFor="ch" refForName="accent_4"/>
+                <dgm:constr type="rMarg" for="ch" forName="text_4" refType="w" refFor="ch" refForName="accent_4" fact="1.8"/>
+                <dgm:constr type="h" for="ch" forName="accent_5" refType="h" fact="0.1563"/>
+                <dgm:constr type="w" for="ch" forName="accent_5" refType="h" refFor="ch" refForName="accent_5" op="equ"/>
+                <dgm:constr type="ctrY" for="ch" forName="accent_5" refType="h" fact="0.875"/>
+                <dgm:constr type="ctrX" for="ch" forName="accent_5" refType="w"/>
+                <dgm:constr type="ctrXOff" for="ch" forName="accent_5" refType="h" fact="-0.1082"/>
+                <dgm:constr type="r" for="ch" forName="text_5" refType="ctrX" refFor="ch" refForName="accent_5"/>
+                <dgm:constr type="rOff" for="ch" forName="text_5" refType="ctrXOff" refFor="ch" refForName="accent_5"/>
+                <dgm:constr type="l" for="ch" forName="text_5"/>
+                <dgm:constr type="w" for="ch" forName="text_5" refType="h" refFor="ch" refForName="text_5" op="gte"/>
+                <dgm:constr type="h" for="ch" forName="text_5" refType="h" refFor="ch" refForName="accent_5" fact="0.8"/>
+                <dgm:constr type="ctrY" for="ch" forName="text_5" refType="ctrY" refFor="ch" refForName="accent_5"/>
+                <dgm:constr type="rMarg" for="ch" forName="text_5" refType="w" refFor="ch" refForName="accent_5" fact="1.8"/>
+                <dgm:constr type="primFontSz" for="ch" ptType="node" op="equ" val="65"/>
+              </dgm:constrLst>
+            </dgm:if>
+            <dgm:if name="Name19" axis="ch" ptType="node" func="cnt" op="equ" val="6">
+              <dgm:constrLst>
+                <dgm:constr type="h" for="ch" forName="cycle" refType="h"/>
+                <dgm:constr type="w" for="ch" forName="cycle" refType="h" refFor="ch" refForName="cycle" fact="0.26"/>
+                <dgm:constr type="r" for="ch" forName="cycle" refType="w"/>
+                <dgm:constr type="ctrY" for="ch" forName="cycle" refType="h" fact="0.5"/>
+                <dgm:constr type="diam" for="ch" forName="cycle" refType="h" fact="1.344"/>
+                <dgm:constr type="h" for="ch" forName="accent_1" refType="h" fact="0.1316"/>
+                <dgm:constr type="w" for="ch" forName="accent_1" refType="h" refFor="ch" refForName="accent_1" op="equ"/>
+                <dgm:constr type="ctrY" for="ch" forName="accent_1" refType="h" fact="0.1053"/>
+                <dgm:constr type="ctrX" for="ch" forName="accent_1" refType="w"/>
+                <dgm:constr type="ctrXOff" for="ch" forName="accent_1" refType="h" fact="-0.0943"/>
+                <dgm:constr type="r" for="ch" forName="text_1" refType="ctrX" refFor="ch" refForName="accent_1"/>
+                <dgm:constr type="rOff" for="ch" forName="text_1" refType="ctrXOff" refFor="ch" refForName="accent_1"/>
+                <dgm:constr type="l" for="ch" forName="text_1"/>
+                <dgm:constr type="w" for="ch" forName="text_1" refType="h" refFor="ch" refForName="text_1" op="gte"/>
+                <dgm:constr type="h" for="ch" forName="text_1" refType="h" refFor="ch" refForName="accent_1" fact="0.8"/>
+                <dgm:constr type="ctrY" for="ch" forName="text_1" refType="ctrY" refFor="ch" refForName="accent_1"/>
+                <dgm:constr type="rMarg" for="ch" forName="text_1" refType="w" refFor="ch" refForName="accent_1" fact="1.8"/>
+                <dgm:constr type="h" for="ch" forName="accent_2" refType="h" fact="0.1316"/>
+                <dgm:constr type="w" for="ch" forName="accent_2" refType="h" refFor="ch" refForName="accent_2" op="equ"/>
+                <dgm:constr type="ctrY" for="ch" forName="accent_2" refType="h" fact="0.2632"/>
+                <dgm:constr type="ctrX" for="ch" forName="accent_2" refType="w"/>
+                <dgm:constr type="ctrXOff" for="ch" forName="accent_2" refType="h" fact="-0.1809"/>
+                <dgm:constr type="r" for="ch" forName="text_2" refType="ctrX" refFor="ch" refForName="accent_2"/>
+                <dgm:constr type="rOff" for="ch" forName="text_2" refType="ctrXOff" refFor="ch" refForName="accent_2"/>
+                <dgm:constr type="l" for="ch" forName="text_2"/>
+                <dgm:constr type="w" for="ch" forName="text_2" refType="h" refFor="ch" refForName="text_2" op="gte"/>
+                <dgm:constr type="h" for="ch" forName="text_2" refType="h" refFor="ch" refForName="accent_2" fact="0.8"/>
+                <dgm:constr type="ctrY" for="ch" forName="text_2" refType="ctrY" refFor="ch" refForName="accent_2"/>
+                <dgm:constr type="rMarg" for="ch" forName="text_2" refType="w" refFor="ch" refForName="accent_2" fact="1.8"/>
+                <dgm:constr type="h" for="ch" forName="accent_3" refType="h" fact="0.1316"/>
+                <dgm:constr type="w" for="ch" forName="accent_3" refType="h" refFor="ch" refForName="accent_3" op="equ"/>
+                <dgm:constr type="ctrY" for="ch" forName="accent_3" refType="h" fact="0.4211"/>
+                <dgm:constr type="ctrX" for="ch" forName="accent_3" refType="w"/>
+                <dgm:constr type="ctrXOff" for="ch" forName="accent_3" refType="h" fact="-0.2205"/>
+                <dgm:constr type="r" for="ch" forName="text_3" refType="ctrX" refFor="ch" refForName="accent_3"/>
+                <dgm:constr type="rOff" for="ch" forName="text_3" refType="ctrXOff" refFor="ch" refForName="accent_3"/>
+                <dgm:constr type="l" for="ch" forName="text_3"/>
+                <dgm:constr type="w" for="ch" forName="text_3" refType="h" refFor="ch" refForName="text_3" op="gte"/>
+                <dgm:constr type="h" for="ch" forName="text_3" refType="h" refFor="ch" refForName="accent_3" fact="0.8"/>
+                <dgm:constr type="ctrY" for="ch" forName="text_3" refType="ctrY" refFor="ch" refForName="accent_3"/>
+                <dgm:constr type="rMarg" for="ch" forName="text_3" refType="w" refFor="ch" refForName="accent_3" fact="1.8"/>
+                <dgm:constr type="h" for="ch" forName="accent_4" refType="h" fact="0.1316"/>
+                <dgm:constr type="w" for="ch" forName="accent_4" refType="h" refFor="ch" refForName="accent_4" op="equ"/>
+                <dgm:constr type="ctrY" for="ch" forName="accent_4" refType="h" fact="0.5789"/>
+                <dgm:constr type="ctrX" for="ch" forName="accent_4" refType="w"/>
+                <dgm:constr type="ctrXOff" for="ch" forName="accent_4" refType="h" fact="-0.2205"/>
+                <dgm:constr type="r" for="ch" forName="text_4" refType="ctrX" refFor="ch" refForName="accent_4"/>
+                <dgm:constr type="rOff" for="ch" forName="text_4" refType="ctrXOff" refFor="ch" refForName="accent_4"/>
+                <dgm:constr type="l" for="ch" forName="text_4"/>
+                <dgm:constr type="w" for="ch" forName="text_4" refType="h" refFor="ch" refForName="text_4" op="gte"/>
+                <dgm:constr type="h" for="ch" forName="text_4" refType="h" refFor="ch" refForName="accent_4" fact="0.8"/>
+                <dgm:constr type="ctrY" for="ch" forName="text_4" refType="ctrY" refFor="ch" refForName="accent_4"/>
+                <dgm:constr type="rMarg" for="ch" forName="text_4" refType="w" refFor="ch" refForName="accent_4" fact="1.8"/>
+                <dgm:constr type="h" for="ch" forName="accent_5" refType="h" fact="0.1316"/>
+                <dgm:constr type="w" for="ch" forName="accent_5" refType="h" refFor="ch" refForName="accent_5" op="equ"/>
+                <dgm:constr type="ctrY" for="ch" forName="accent_5" refType="h" fact="0.7368"/>
+                <dgm:constr type="ctrX" for="ch" forName="accent_5" refType="w"/>
+                <dgm:constr type="ctrXOff" for="ch" forName="accent_5" refType="h" fact="-0.1809"/>
+                <dgm:constr type="r" for="ch" forName="text_5" refType="ctrX" refFor="ch" refForName="accent_5"/>
+                <dgm:constr type="rOff" for="ch" forName="text_5" refType="ctrXOff" refFor="ch" refForName="accent_5"/>
+                <dgm:constr type="l" for="ch" forName="text_5"/>
+                <dgm:constr type="w" for="ch" forName="text_5" refType="h" refFor="ch" refForName="text_5" op="gte"/>
+                <dgm:constr type="h" for="ch" forName="text_5" refType="h" refFor="ch" refForName="accent_5" fact="0.8"/>
+                <dgm:constr type="ctrY" for="ch" forName="text_5" refType="ctrY" refFor="ch" refForName="accent_5"/>
+                <dgm:constr type="rMarg" for="ch" forName="text_5" refType="w" refFor="ch" refForName="accent_5" fact="1.8"/>
+                <dgm:constr type="h" for="ch" forName="accent_6" refType="h" fact="0.1316"/>
+                <dgm:constr type="w" for="ch" forName="accent_6" refType="h" refFor="ch" refForName="accent_6" op="equ"/>
+                <dgm:constr type="ctrY" for="ch" forName="accent_6" refType="h" fact="0.8947"/>
+                <dgm:constr type="ctrX" for="ch" forName="accent_6" refType="w"/>
+                <dgm:constr type="ctrXOff" for="ch" forName="accent_6" refType="h" fact="-0.0943"/>
+                <dgm:constr type="r" for="ch" forName="text_6" refType="ctrX" refFor="ch" refForName="accent_6"/>
+                <dgm:constr type="rOff" for="ch" forName="text_6" refType="ctrXOff" refFor="ch" refForName="accent_6"/>
+                <dgm:constr type="l" for="ch" forName="text_6"/>
+                <dgm:constr type="w" for="ch" forName="text_6" refType="h" refFor="ch" refForName="text_6" op="gte"/>
+                <dgm:constr type="h" for="ch" forName="text_6" refType="h" refFor="ch" refForName="accent_6" fact="0.8"/>
+                <dgm:constr type="ctrY" for="ch" forName="text_6" refType="ctrY" refFor="ch" refForName="accent_6"/>
+                <dgm:constr type="rMarg" for="ch" forName="text_6" refType="w" refFor="ch" refForName="accent_6" fact="1.8"/>
+                <dgm:constr type="primFontSz" for="ch" ptType="node" op="equ" val="65"/>
+              </dgm:constrLst>
+            </dgm:if>
+            <dgm:else name="Name20">
+              <dgm:constrLst>
+                <dgm:constr type="h" for="ch" forName="cycle" refType="h"/>
+                <dgm:constr type="w" for="ch" forName="cycle" refType="h" refFor="ch" refForName="cycle" fact="0.26"/>
+                <dgm:constr type="r" for="ch" forName="cycle" refType="w"/>
+                <dgm:constr type="ctrY" for="ch" forName="cycle" refType="h" fact="0.5"/>
+                <dgm:constr type="diam" for="ch" forName="cycle" refType="h" fact="1.344"/>
+                <dgm:constr type="h" for="ch" forName="accent_1" refType="h" fact="0.1136"/>
+                <dgm:constr type="w" for="ch" forName="accent_1" refType="h" refFor="ch" refForName="accent_1" op="equ"/>
+                <dgm:constr type="ctrY" for="ch" forName="accent_1" refType="h" fact="0.0909"/>
+                <dgm:constr type="ctrX" for="ch" forName="accent_1" refType="w"/>
+                <dgm:constr type="ctrXOff" for="ch" forName="accent_1" refType="h" fact="-0.0835"/>
+                <dgm:constr type="r" for="ch" forName="text_1" refType="ctrX" refFor="ch" refForName="accent_1"/>
+                <dgm:constr type="rOff" for="ch" forName="text_1" refType="ctrXOff" refFor="ch" refForName="accent_1"/>
+                <dgm:constr type="l" for="ch" forName="text_1"/>
+                <dgm:constr type="w" for="ch" forName="text_1" refType="h" refFor="ch" refForName="text_1" op="gte"/>
+                <dgm:constr type="h" for="ch" forName="text_1" refType="h" refFor="ch" refForName="accent_1" fact="0.8"/>
+                <dgm:constr type="ctrY" for="ch" forName="text_1" refType="ctrY" refFor="ch" refForName="accent_1"/>
+                <dgm:constr type="rMarg" for="ch" forName="text_1" refType="w" refFor="ch" refForName="accent_1" fact="1.8"/>
+                <dgm:constr type="h" for="ch" forName="accent_2" refType="h" fact="0.1136"/>
+                <dgm:constr type="w" for="ch" forName="accent_2" refType="h" refFor="ch" refForName="accent_2" op="equ"/>
+                <dgm:constr type="ctrY" for="ch" forName="accent_2" refType="h" fact="0.2273"/>
+                <dgm:constr type="ctrX" for="ch" forName="accent_2" refType="w"/>
+                <dgm:constr type="ctrXOff" for="ch" forName="accent_2" refType="h" fact="-0.1658"/>
+                <dgm:constr type="r" for="ch" forName="text_2" refType="ctrX" refFor="ch" refForName="accent_2"/>
+                <dgm:constr type="rOff" for="ch" forName="text_2" refType="ctrXOff" refFor="ch" refForName="accent_2"/>
+                <dgm:constr type="l" for="ch" forName="text_2"/>
+                <dgm:constr type="w" for="ch" forName="text_2" refType="h" refFor="ch" refForName="text_2" op="gte"/>
+                <dgm:constr type="h" for="ch" forName="text_2" refType="h" refFor="ch" refForName="accent_2" fact="0.8"/>
+                <dgm:constr type="ctrY" for="ch" forName="text_2" refType="ctrY" refFor="ch" refForName="accent_2"/>
+                <dgm:constr type="rMarg" for="ch" forName="text_2" refType="w" refFor="ch" refForName="accent_2" fact="1.8"/>
+                <dgm:constr type="h" for="ch" forName="accent_3" refType="h" fact="0.1136"/>
+                <dgm:constr type="w" for="ch" forName="accent_3" refType="h" refFor="ch" refForName="accent_3" op="equ"/>
+                <dgm:constr type="ctrY" for="ch" forName="accent_3" refType="h" fact="0.3636"/>
+                <dgm:constr type="ctrX" for="ch" forName="accent_3" refType="w"/>
+                <dgm:constr type="ctrXOff" for="ch" forName="accent_3" refType="h" fact="-0.2109"/>
+                <dgm:constr type="r" for="ch" forName="text_3" refType="ctrX" refFor="ch" refForName="accent_3"/>
+                <dgm:constr type="rOff" for="ch" forName="text_3" refType="ctrXOff" refFor="ch" refForName="accent_3"/>
+                <dgm:constr type="l" for="ch" forName="text_3"/>
+                <dgm:constr type="w" for="ch" forName="text_3" refType="h" refFor="ch" refForName="text_3" op="gte"/>
+                <dgm:constr type="h" for="ch" forName="text_3" refType="h" refFor="ch" refForName="accent_3" fact="0.8"/>
+                <dgm:constr type="ctrY" for="ch" forName="text_3" refType="ctrY" refFor="ch" refForName="accent_3"/>
+                <dgm:constr type="rMarg" for="ch" forName="text_3" refType="w" refFor="ch" refForName="accent_3" fact="1.8"/>
+                <dgm:constr type="h" for="ch" forName="accent_4" refType="h" fact="0.1136"/>
+                <dgm:constr type="w" for="ch" forName="accent_4" refType="h" refFor="ch" refForName="accent_4" op="equ"/>
+                <dgm:constr type="ctrY" for="ch" forName="accent_4" refType="h" fact="0.5"/>
+                <dgm:constr type="ctrX" for="ch" forName="accent_4" refType="w"/>
+                <dgm:constr type="ctrXOff" for="ch" forName="accent_4" refType="h" fact="-0.2253"/>
+                <dgm:constr type="r" for="ch" forName="text_4" refType="ctrX" refFor="ch" refForName="accent_4"/>
+                <dgm:constr type="rOff" for="ch" forName="text_4" refType="ctrXOff" refFor="ch" refForName="accent_4"/>
+                <dgm:constr type="l" for="ch" forName="text_4"/>
+                <dgm:constr type="w" for="ch" forName="text_4" refType="h" refFor="ch" refForName="text_4" op="gte"/>
+                <dgm:constr type="h" for="ch" forName="text_4" refType="h" refFor="ch" refForName="accent_4" fact="0.8"/>
+                <dgm:constr type="ctrY" for="ch" forName="text_4" refType="ctrY" refFor="ch" refForName="accent_4"/>
+                <dgm:constr type="rMarg" for="ch" forName="text_4" refType="w" refFor="ch" refForName="accent_4" fact="1.8"/>
+                <dgm:constr type="h" for="ch" forName="accent_5" refType="h" fact="0.1136"/>
+                <dgm:constr type="w" for="ch" forName="accent_5" refType="h" refFor="ch" refForName="accent_5" op="equ"/>
+                <dgm:constr type="ctrY" for="ch" forName="accent_5" refType="h" fact="0.6364"/>
+                <dgm:constr type="ctrX" for="ch" forName="accent_5" refType="w"/>
+                <dgm:constr type="ctrXOff" for="ch" forName="accent_5" refType="h" fact="-0.2109"/>
+                <dgm:constr type="r" for="ch" forName="text_5" refType="ctrX" refFor="ch" refForName="accent_5"/>
+                <dgm:constr type="rOff" for="ch" forName="text_5" refType="ctrXOff" refFor="ch" refForName="accent_5"/>
+                <dgm:constr type="l" for="ch" forName="text_5"/>
+                <dgm:constr type="w" for="ch" forName="text_5" refType="h" refFor="ch" refForName="text_5" op="gte"/>
+                <dgm:constr type="h" for="ch" forName="text_5" refType="h" refFor="ch" refForName="accent_5" fact="0.8"/>
+                <dgm:constr type="ctrY" for="ch" forName="text_5" refType="ctrY" refFor="ch" refForName="accent_5"/>
+                <dgm:constr type="rMarg" for="ch" forName="text_5" refType="w" refFor="ch" refForName="accent_5" fact="1.8"/>
+                <dgm:constr type="h" for="ch" forName="accent_6" refType="h" fact="0.1136"/>
+                <dgm:constr type="w" for="ch" forName="accent_6" refType="h" refFor="ch" refForName="accent_6" op="equ"/>
+                <dgm:constr type="ctrY" for="ch" forName="accent_6" refType="h" fact="0.7727"/>
+                <dgm:constr type="ctrX" for="ch" forName="accent_6" refType="w"/>
+                <dgm:constr type="ctrXOff" for="ch" forName="accent_6" refType="h" fact="-0.1658"/>
+                <dgm:constr type="r" for="ch" forName="text_6" refType="ctrX" refFor="ch" refForName="accent_6"/>
+                <dgm:constr type="rOff" for="ch" forName="text_6" refType="ctrXOff" refFor="ch" refForName="accent_6"/>
+                <dgm:constr type="l" for="ch" forName="text_6"/>
+                <dgm:constr type="w" for="ch" forName="text_6" refType="h" refFor="ch" refForName="text_6" op="gte"/>
+                <dgm:constr type="h" for="ch" forName="text_6" refType="h" refFor="ch" refForName="accent_6" fact="0.8"/>
+                <dgm:constr type="ctrY" for="ch" forName="text_6" refType="ctrY" refFor="ch" refForName="accent_6"/>
+                <dgm:constr type="rMarg" for="ch" forName="text_6" refType="w" refFor="ch" refForName="accent_6" fact="1.8"/>
+                <dgm:constr type="h" for="ch" forName="accent_7" refType="h" fact="0.1136"/>
+                <dgm:constr type="w" for="ch" forName="accent_7" refType="h" refFor="ch" refForName="accent_7" op="equ"/>
+                <dgm:constr type="ctrY" for="ch" forName="accent_7" refType="h" fact="0.9091"/>
+                <dgm:constr type="ctrX" for="ch" forName="accent_7" refType="w"/>
+                <dgm:constr type="ctrXOff" for="ch" forName="accent_7" refType="h" fact="-0.0835"/>
+                <dgm:constr type="r" for="ch" forName="text_7" refType="ctrX" refFor="ch" refForName="accent_7"/>
+                <dgm:constr type="rOff" for="ch" forName="text_7" refType="ctrXOff" refFor="ch" refForName="accent_7"/>
+                <dgm:constr type="l" for="ch" forName="text_7"/>
+                <dgm:constr type="w" for="ch" forName="text_7" refType="h" refFor="ch" refForName="text_7" op="gte"/>
+                <dgm:constr type="h" for="ch" forName="text_7" refType="h" refFor="ch" refForName="accent_7" fact="0.8"/>
+                <dgm:constr type="ctrY" for="ch" forName="text_7" refType="ctrY" refFor="ch" refForName="accent_7"/>
+                <dgm:constr type="rMarg" for="ch" forName="text_7" refType="w" refFor="ch" refForName="accent_7" fact="1.8"/>
+                <dgm:constr type="primFontSz" for="ch" ptType="node" op="equ" val="65"/>
+              </dgm:constrLst>
+            </dgm:else>
+          </dgm:choose>
+        </dgm:else>
+      </dgm:choose>
+      <dgm:layoutNode name="cycle">
+        <dgm:choose name="Name21">
+          <dgm:if name="Name22" func="var" arg="dir" op="equ" val="norm">
+            <dgm:alg type="cycle">
+              <dgm:param type="stAng" val="45"/>
+              <dgm:param type="spanAng" val="90"/>
+            </dgm:alg>
+          </dgm:if>
+          <dgm:else name="Name23">
+            <dgm:alg type="cycle">
+              <dgm:param type="stAng" val="225"/>
+              <dgm:param type="spanAng" val="90"/>
+            </dgm:alg>
+          </dgm:else>
+        </dgm:choose>
+        <dgm:shape xmlns:r="http://schemas.openxmlformats.org/officeDocument/2006/relationships" r:blip="">
+          <dgm:adjLst/>
+        </dgm:shape>
+        <dgm:presOf/>
+        <dgm:constrLst>
+          <dgm:constr type="w" for="ch" val="1"/>
+          <dgm:constr type="h" for="ch" val="1"/>
+          <dgm:constr type="diam" for="ch" forName="conn" refType="diam"/>
+        </dgm:constrLst>
+        <dgm:layoutNode name="srcNode">
+          <dgm:alg type="sp"/>
+          <dgm:shape xmlns:r="http://schemas.openxmlformats.org/officeDocument/2006/relationships" type="rect" r:blip="" hideGeom="1">
+            <dgm:adjLst/>
+          </dgm:shape>
+          <dgm:presOf/>
+        </dgm:layoutNode>
+        <dgm:layoutNode name="conn" styleLbl="parChTrans1D2">
+          <dgm:alg type="conn">
+            <dgm:param type="connRout" val="curve"/>
+            <dgm:param type="srcNode" val="srcNode"/>
+            <dgm:param type="dstNode" val="dstNode"/>
+            <dgm:param type="begPts" val="ctr"/>
+            <dgm:param type="endPts" val="ctr"/>
+            <dgm:param type="endSty" val="noArr"/>
+          </dgm:alg>
+          <dgm:shape xmlns:r="http://schemas.openxmlformats.org/officeDocument/2006/relationships" type="conn" r:blip="">
+            <dgm:adjLst/>
+          </dgm:shape>
+          <dgm:presOf axis="desOrSelf" ptType="sibTrans" hideLastTrans="0" st="0" cnt="1"/>
+          <dgm:constrLst>
+            <dgm:constr type="begPad"/>
+            <dgm:constr type="endPad"/>
+          </dgm:constrLst>
+        </dgm:layoutNode>
+        <dgm:layoutNode name="extraNode">
+          <dgm:alg type="sp"/>
+          <dgm:shape xmlns:r="http://schemas.openxmlformats.org/officeDocument/2006/relationships" type="rect" r:blip="" hideGeom="1">
+            <dgm:adjLst/>
+          </dgm:shape>
+          <dgm:presOf/>
+        </dgm:layoutNode>
+        <dgm:layoutNode name="dstNode">
+          <dgm:alg type="sp"/>
+          <dgm:shape xmlns:r="http://schemas.openxmlformats.org/officeDocument/2006/relationships" type="rect" r:blip="" hideGeom="1">
+            <dgm:adjLst/>
+          </dgm:shape>
+          <dgm:presOf/>
+        </dgm:layoutNode>
+      </dgm:layoutNode>
+      <dgm:forEach name="wrapper" axis="self" ptType="parTrans">
+        <dgm:forEach name="wrapper2" axis="self" ptType="sibTrans" st="2">
+          <dgm:forEach name="accentRepeat" axis="self">
+            <dgm:layoutNode name="accentRepeatNode" styleLbl="solidFgAcc1">
+              <dgm:alg type="sp"/>
+              <dgm:shape xmlns:r="http://schemas.openxmlformats.org/officeDocument/2006/relationships" type="ellipse" r:blip="">
+                <dgm:adjLst/>
+              </dgm:shape>
+              <dgm:presOf/>
+            </dgm:layoutNode>
+          </dgm:forEach>
+        </dgm:forEach>
+      </dgm:forEach>
+      <dgm:forEach name="Name24" axis="ch" ptType="node" cnt="1">
+        <dgm:layoutNode name="text_1" styleLbl="node1">
+          <dgm:varLst>
+            <dgm:bulletEnabled val="1"/>
+          </dgm:varLst>
+          <dgm:choose name="Name25">
+            <dgm:if name="Name26" func="var" arg="dir" op="equ" val="norm">
+              <dgm:alg type="tx">
+                <dgm:param type="parTxLTRAlign" val="l"/>
+                <dgm:param type="shpTxLTRAlignCh" val="l"/>
+                <dgm:param type="parTxRTLAlign" val="l"/>
+                <dgm:param type="shpTxRTLAlignCh" val="l"/>
+              </dgm:alg>
+            </dgm:if>
+            <dgm:else name="Name27">
+              <dgm:alg type="tx">
+                <dgm:param type="parTxLTRAlign" val="r"/>
+                <dgm:param type="shpTxLTRAlignCh" val="r"/>
+                <dgm:param type="parTxRTLAlign" val="r"/>
+                <dgm:param type="shpTxRTLAlignCh" val="r"/>
+              </dgm:alg>
+            </dgm:else>
+          </dgm:choose>
+          <dgm:shape xmlns:r="http://schemas.openxmlformats.org/officeDocument/2006/relationships" type="rect" r:blip="">
+            <dgm:adjLst/>
+          </dgm:shape>
+          <dgm:presOf axis="desOrSelf" ptType="node"/>
+          <dgm:constrLst>
+            <dgm:constr type="primFontSz" val="65"/>
+            <dgm:constr type="lMarg" refType="primFontSz" fact="0.2"/>
+            <dgm:constr type="rMarg" refType="primFontSz" fact="0.2"/>
+            <dgm:constr type="tMarg" refType="primFontSz" fact="0.2"/>
+            <dgm:constr type="bMarg" refType="primFontSz" fact="0.2"/>
+          </dgm:constrLst>
+          <dgm:ruleLst>
+            <dgm:rule type="primFontSz" val="5" fact="NaN" max="NaN"/>
+          </dgm:ruleLst>
+        </dgm:layoutNode>
+        <dgm:layoutNode name="accent_1">
+          <dgm:alg type="sp"/>
+          <dgm:shape xmlns:r="http://schemas.openxmlformats.org/officeDocument/2006/relationships" r:blip="">
+            <dgm:adjLst/>
+          </dgm:shape>
+          <dgm:presOf/>
+          <dgm:constrLst/>
+          <dgm:forEach name="Name28" ref="accentRepeat"/>
+        </dgm:layoutNode>
+      </dgm:forEach>
+      <dgm:forEach name="Name29" axis="ch" ptType="node" st="2" cnt="1">
+        <dgm:layoutNode name="text_2" styleLbl="node1">
+          <dgm:varLst>
+            <dgm:bulletEnabled val="1"/>
+          </dgm:varLst>
+          <dgm:choose name="Name30">
+            <dgm:if name="Name31" func="var" arg="dir" op="equ" val="norm">
+              <dgm:alg type="tx">
+                <dgm:param type="parTxLTRAlign" val="l"/>
+                <dgm:param type="shpTxLTRAlignCh" val="l"/>
+                <dgm:param type="parTxRTLAlign" val="l"/>
+                <dgm:param type="shpTxRTLAlignCh" val="l"/>
+              </dgm:alg>
+            </dgm:if>
+            <dgm:else name="Name32">
+              <dgm:alg type="tx">
+                <dgm:param type="parTxLTRAlign" val="r"/>
+                <dgm:param type="shpTxLTRAlignCh" val="r"/>
+                <dgm:param type="parTxRTLAlign" val="r"/>
+                <dgm:param type="shpTxRTLAlignCh" val="r"/>
+              </dgm:alg>
+            </dgm:else>
+          </dgm:choose>
+          <dgm:shape xmlns:r="http://schemas.openxmlformats.org/officeDocument/2006/relationships" type="rect" r:blip="">
+            <dgm:adjLst/>
+          </dgm:shape>
+          <dgm:presOf axis="desOrSelf" ptType="node"/>
+          <dgm:constrLst>
+            <dgm:constr type="primFontSz" val="65"/>
+            <dgm:constr type="lMarg" refType="primFontSz" fact="0.2"/>
+            <dgm:constr type="rMarg" refType="primFontSz" fact="0.2"/>
+            <dgm:constr type="tMarg" refType="primFontSz" fact="0.2"/>
+            <dgm:constr type="bMarg" refType="primFontSz" fact="0.2"/>
+          </dgm:constrLst>
+          <dgm:ruleLst>
+            <dgm:rule type="primFontSz" val="5" fact="NaN" max="NaN"/>
+          </dgm:ruleLst>
+        </dgm:layoutNode>
+        <dgm:layoutNode name="accent_2">
+          <dgm:alg type="sp"/>
+          <dgm:shape xmlns:r="http://schemas.openxmlformats.org/officeDocument/2006/relationships" r:blip="">
+            <dgm:adjLst/>
+          </dgm:shape>
+          <dgm:presOf/>
+          <dgm:constrLst/>
+          <dgm:forEach name="Name33" ref="accentRepeat"/>
+        </dgm:layoutNode>
+      </dgm:forEach>
+      <dgm:forEach name="Name34" axis="ch" ptType="node" st="3" cnt="1">
+        <dgm:layoutNode name="text_3" styleLbl="node1">
+          <dgm:varLst>
+            <dgm:bulletEnabled val="1"/>
+          </dgm:varLst>
+          <dgm:choose name="Name35">
+            <dgm:if name="Name36" func="var" arg="dir" op="equ" val="norm">
+              <dgm:alg type="tx">
+                <dgm:param type="parTxLTRAlign" val="l"/>
+                <dgm:param type="shpTxLTRAlignCh" val="l"/>
+                <dgm:param type="parTxRTLAlign" val="l"/>
+                <dgm:param type="shpTxRTLAlignCh" val="l"/>
+              </dgm:alg>
+            </dgm:if>
+            <dgm:else name="Name37">
+              <dgm:alg type="tx">
+                <dgm:param type="parTxLTRAlign" val="r"/>
+                <dgm:param type="shpTxLTRAlignCh" val="r"/>
+                <dgm:param type="parTxRTLAlign" val="r"/>
+                <dgm:param type="shpTxRTLAlignCh" val="r"/>
+              </dgm:alg>
+            </dgm:else>
+          </dgm:choose>
+          <dgm:shape xmlns:r="http://schemas.openxmlformats.org/officeDocument/2006/relationships" type="rect" r:blip="">
+            <dgm:adjLst/>
+          </dgm:shape>
+          <dgm:presOf axis="desOrSelf" ptType="node"/>
+          <dgm:constrLst>
+            <dgm:constr type="primFontSz" val="65"/>
+            <dgm:constr type="lMarg" refType="primFontSz" fact="0.2"/>
+            <dgm:constr type="rMarg" refType="primFontSz" fact="0.2"/>
+            <dgm:constr type="tMarg" refType="primFontSz" fact="0.2"/>
+            <dgm:constr type="bMarg" refType="primFontSz" fact="0.2"/>
+          </dgm:constrLst>
+          <dgm:ruleLst>
+            <dgm:rule type="primFontSz" val="5" fact="NaN" max="NaN"/>
+          </dgm:ruleLst>
+        </dgm:layoutNode>
+        <dgm:layoutNode name="accent_3">
+          <dgm:alg type="sp"/>
+          <dgm:shape xmlns:r="http://schemas.openxmlformats.org/officeDocument/2006/relationships" r:blip="">
+            <dgm:adjLst/>
+          </dgm:shape>
+          <dgm:presOf/>
+          <dgm:constrLst/>
+          <dgm:forEach name="Name38" ref="accentRepeat"/>
+        </dgm:layoutNode>
+      </dgm:forEach>
+      <dgm:forEach name="Name39" axis="ch" ptType="node" st="4" cnt="1">
+        <dgm:layoutNode name="text_4" styleLbl="node1">
+          <dgm:varLst>
+            <dgm:bulletEnabled val="1"/>
+          </dgm:varLst>
+          <dgm:choose name="Name40">
+            <dgm:if name="Name41" func="var" arg="dir" op="equ" val="norm">
+              <dgm:alg type="tx">
+                <dgm:param type="parTxLTRAlign" val="l"/>
+                <dgm:param type="shpTxLTRAlignCh" val="l"/>
+                <dgm:param type="parTxRTLAlign" val="l"/>
+                <dgm:param type="shpTxRTLAlignCh" val="l"/>
+              </dgm:alg>
+            </dgm:if>
+            <dgm:else name="Name42">
+              <dgm:alg type="tx">
+                <dgm:param type="parTxLTRAlign" val="r"/>
+                <dgm:param type="shpTxLTRAlignCh" val="r"/>
+                <dgm:param type="parTxRTLAlign" val="r"/>
+                <dgm:param type="shpTxRTLAlignCh" val="r"/>
+              </dgm:alg>
+            </dgm:else>
+          </dgm:choose>
+          <dgm:shape xmlns:r="http://schemas.openxmlformats.org/officeDocument/2006/relationships" type="rect" r:blip="">
+            <dgm:adjLst/>
+          </dgm:shape>
+          <dgm:presOf axis="desOrSelf" ptType="node"/>
+          <dgm:constrLst>
+            <dgm:constr type="primFontSz" val="65"/>
+            <dgm:constr type="lMarg" refType="primFontSz" fact="0.2"/>
+            <dgm:constr type="rMarg" refType="primFontSz" fact="0.2"/>
+            <dgm:constr type="tMarg" refType="primFontSz" fact="0.2"/>
+            <dgm:constr type="bMarg" refType="primFontSz" fact="0.2"/>
+          </dgm:constrLst>
+          <dgm:ruleLst>
+            <dgm:rule type="primFontSz" val="5" fact="NaN" max="NaN"/>
+          </dgm:ruleLst>
+        </dgm:layoutNode>
+        <dgm:layoutNode name="accent_4">
+          <dgm:alg type="sp"/>
+          <dgm:shape xmlns:r="http://schemas.openxmlformats.org/officeDocument/2006/relationships" r:blip="">
+            <dgm:adjLst/>
+          </dgm:shape>
+          <dgm:presOf/>
+          <dgm:constrLst/>
+          <dgm:forEach name="Name43" ref="accentRepeat"/>
+        </dgm:layoutNode>
+      </dgm:forEach>
+      <dgm:forEach name="Name44" axis="ch" ptType="node" st="5" cnt="1">
+        <dgm:layoutNode name="text_5" styleLbl="node1">
+          <dgm:varLst>
+            <dgm:bulletEnabled val="1"/>
+          </dgm:varLst>
+          <dgm:choose name="Name45">
+            <dgm:if name="Name46" func="var" arg="dir" op="equ" val="norm">
+              <dgm:alg type="tx">
+                <dgm:param type="parTxLTRAlign" val="l"/>
+                <dgm:param type="shpTxLTRAlignCh" val="l"/>
+                <dgm:param type="parTxRTLAlign" val="l"/>
+                <dgm:param type="shpTxRTLAlignCh" val="l"/>
+              </dgm:alg>
+            </dgm:if>
+            <dgm:else name="Name47">
+              <dgm:alg type="tx">
+                <dgm:param type="parTxLTRAlign" val="r"/>
+                <dgm:param type="shpTxLTRAlignCh" val="r"/>
+                <dgm:param type="parTxRTLAlign" val="r"/>
+                <dgm:param type="shpTxRTLAlignCh" val="r"/>
+              </dgm:alg>
+            </dgm:else>
+          </dgm:choose>
+          <dgm:shape xmlns:r="http://schemas.openxmlformats.org/officeDocument/2006/relationships" type="rect" r:blip="">
+            <dgm:adjLst/>
+          </dgm:shape>
+          <dgm:presOf axis="desOrSelf" ptType="node"/>
+          <dgm:constrLst>
+            <dgm:constr type="primFontSz" val="65"/>
+            <dgm:constr type="lMarg" refType="primFontSz" fact="0.2"/>
+            <dgm:constr type="rMarg" refType="primFontSz" fact="0.2"/>
+            <dgm:constr type="tMarg" refType="primFontSz" fact="0.2"/>
+            <dgm:constr type="bMarg" refType="primFontSz" fact="0.2"/>
+          </dgm:constrLst>
+          <dgm:ruleLst>
+            <dgm:rule type="primFontSz" val="5" fact="NaN" max="NaN"/>
+          </dgm:ruleLst>
+        </dgm:layoutNode>
+        <dgm:layoutNode name="accent_5">
+          <dgm:alg type="sp"/>
+          <dgm:shape xmlns:r="http://schemas.openxmlformats.org/officeDocument/2006/relationships" r:blip="">
+            <dgm:adjLst/>
+          </dgm:shape>
+          <dgm:presOf/>
+          <dgm:constrLst/>
+          <dgm:forEach name="Name48" ref="accentRepeat"/>
+        </dgm:layoutNode>
+      </dgm:forEach>
+      <dgm:forEach name="Name49" axis="ch" ptType="node" st="6" cnt="1">
+        <dgm:layoutNode name="text_6" styleLbl="node1">
+          <dgm:varLst>
+            <dgm:bulletEnabled val="1"/>
+          </dgm:varLst>
+          <dgm:choose name="Name50">
+            <dgm:if name="Name51" func="var" arg="dir" op="equ" val="norm">
+              <dgm:alg type="tx">
+                <dgm:param type="parTxLTRAlign" val="l"/>
+                <dgm:param type="shpTxLTRAlignCh" val="l"/>
+                <dgm:param type="parTxRTLAlign" val="l"/>
+                <dgm:param type="shpTxRTLAlignCh" val="l"/>
+              </dgm:alg>
+            </dgm:if>
+            <dgm:else name="Name52">
+              <dgm:alg type="tx">
+                <dgm:param type="parTxLTRAlign" val="r"/>
+                <dgm:param type="shpTxLTRAlignCh" val="r"/>
+                <dgm:param type="parTxRTLAlign" val="r"/>
+                <dgm:param type="shpTxRTLAlignCh" val="r"/>
+              </dgm:alg>
+            </dgm:else>
+          </dgm:choose>
+          <dgm:shape xmlns:r="http://schemas.openxmlformats.org/officeDocument/2006/relationships" type="rect" r:blip="">
+            <dgm:adjLst/>
+          </dgm:shape>
+          <dgm:presOf axis="desOrSelf" ptType="node"/>
+          <dgm:constrLst>
+            <dgm:constr type="primFontSz" val="65"/>
+            <dgm:constr type="lMarg" refType="primFontSz" fact="0.2"/>
+            <dgm:constr type="rMarg" refType="primFontSz" fact="0.2"/>
+            <dgm:constr type="tMarg" refType="primFontSz" fact="0.2"/>
+            <dgm:constr type="bMarg" refType="primFontSz" fact="0.2"/>
+          </dgm:constrLst>
+          <dgm:ruleLst>
+            <dgm:rule type="primFontSz" val="5" fact="NaN" max="NaN"/>
+          </dgm:ruleLst>
+        </dgm:layoutNode>
+        <dgm:layoutNode name="accent_6">
+          <dgm:alg type="sp"/>
+          <dgm:shape xmlns:r="http://schemas.openxmlformats.org/officeDocument/2006/relationships" r:blip="">
+            <dgm:adjLst/>
+          </dgm:shape>
+          <dgm:presOf/>
+          <dgm:constrLst/>
+          <dgm:forEach name="Name53" ref="accentRepeat"/>
+        </dgm:layoutNode>
+      </dgm:forEach>
+      <dgm:forEach name="Name54" axis="ch" ptType="node" st="7" cnt="1">
+        <dgm:layoutNode name="text_7" styleLbl="node1">
+          <dgm:varLst>
+            <dgm:bulletEnabled val="1"/>
+          </dgm:varLst>
+          <dgm:choose name="Name55">
+            <dgm:if name="Name56" func="var" arg="dir" op="equ" val="norm">
+              <dgm:alg type="tx">
+                <dgm:param type="parTxLTRAlign" val="l"/>
+                <dgm:param type="shpTxLTRAlignCh" val="l"/>
+                <dgm:param type="parTxRTLAlign" val="l"/>
+                <dgm:param type="shpTxRTLAlignCh" val="l"/>
+              </dgm:alg>
+            </dgm:if>
+            <dgm:else name="Name57">
+              <dgm:alg type="tx">
+                <dgm:param type="parTxLTRAlign" val="r"/>
+                <dgm:param type="shpTxLTRAlignCh" val="r"/>
+                <dgm:param type="parTxRTLAlign" val="r"/>
+                <dgm:param type="shpTxRTLAlignCh" val="r"/>
+              </dgm:alg>
+            </dgm:else>
+          </dgm:choose>
+          <dgm:shape xmlns:r="http://schemas.openxmlformats.org/officeDocument/2006/relationships" type="rect" r:blip="">
+            <dgm:adjLst/>
+          </dgm:shape>
+          <dgm:presOf axis="desOrSelf" ptType="node"/>
+          <dgm:constrLst>
+            <dgm:constr type="primFontSz" val="65"/>
+            <dgm:constr type="lMarg" refType="primFontSz" fact="0.2"/>
+            <dgm:constr type="rMarg" refType="primFontSz" fact="0.2"/>
+            <dgm:constr type="tMarg" refType="primFontSz" fact="0.2"/>
+            <dgm:constr type="bMarg" refType="primFontSz" fact="0.2"/>
+          </dgm:constrLst>
+          <dgm:ruleLst>
+            <dgm:rule type="primFontSz" val="5" fact="NaN" max="NaN"/>
+          </dgm:ruleLst>
+        </dgm:layoutNode>
+        <dgm:layoutNode name="accent_7">
+          <dgm:alg type="sp"/>
+          <dgm:shape xmlns:r="http://schemas.openxmlformats.org/officeDocument/2006/relationships" r:blip="">
+            <dgm:adjLst/>
+          </dgm:shape>
+          <dgm:presOf/>
+          <dgm:constrLst/>
+          <dgm:forEach name="Name58" ref="accentRepeat"/>
+        </dgm:layoutNode>
+      </dgm:forEach>
+    </dgm:layoutNode>
+  </dgm:layoutNode>
+</dgm:layoutDef>
+</file>
+
 <file path=ppt/diagrams/quickStyle1.xml><?xml version="1.0" encoding="utf-8"?>
 <dgm:styleDef xmlns:dgm="http://schemas.openxmlformats.org/drawingml/2006/diagram" xmlns:a="http://schemas.openxmlformats.org/drawingml/2006/main" uniqueId="urn:microsoft.com/office/officeart/2005/8/quickstyle/simple1">
   <dgm:title val=""/>
@@ -12843,6 +15814,1040 @@
 </file>
 
 <file path=ppt/diagrams/quickStyle4.xml><?xml version="1.0" encoding="utf-8"?>
+<dgm:styleDef xmlns:dgm="http://schemas.openxmlformats.org/drawingml/2006/diagram" xmlns:a="http://schemas.openxmlformats.org/drawingml/2006/main" uniqueId="urn:microsoft.com/office/officeart/2005/8/quickstyle/simple1">
+  <dgm:title val=""/>
+  <dgm:desc val=""/>
+  <dgm:catLst>
+    <dgm:cat type="simple" pri="10100"/>
+  </dgm:catLst>
+  <dgm:scene3d>
+    <a:camera prst="orthographicFront"/>
+    <a:lightRig rig="threePt" dir="t"/>
+  </dgm:scene3d>
+  <dgm:styleLbl name="node0">
+    <dgm:scene3d>
+      <a:camera prst="orthographicFront"/>
+      <a:lightRig rig="threePt" dir="t"/>
+    </dgm:scene3d>
+    <dgm:sp3d/>
+    <dgm:txPr/>
+    <dgm:style>
+      <a:lnRef idx="2">
+        <a:scrgbClr r="0" g="0" b="0"/>
+      </a:lnRef>
+      <a:fillRef idx="1">
+        <a:scrgbClr r="0" g="0" b="0"/>
+      </a:fillRef>
+      <a:effectRef idx="0">
+        <a:scrgbClr r="0" g="0" b="0"/>
+      </a:effectRef>
+      <a:fontRef idx="minor">
+        <a:schemeClr val="lt1"/>
+      </a:fontRef>
+    </dgm:style>
+  </dgm:styleLbl>
+  <dgm:styleLbl name="lnNode1">
+    <dgm:scene3d>
+      <a:camera prst="orthographicFront"/>
+      <a:lightRig rig="threePt" dir="t"/>
+    </dgm:scene3d>
+    <dgm:sp3d/>
+    <dgm:txPr/>
+    <dgm:style>
+      <a:lnRef idx="2">
+        <a:scrgbClr r="0" g="0" b="0"/>
+      </a:lnRef>
+      <a:fillRef idx="1">
+        <a:scrgbClr r="0" g="0" b="0"/>
+      </a:fillRef>
+      <a:effectRef idx="0">
+        <a:scrgbClr r="0" g="0" b="0"/>
+      </a:effectRef>
+      <a:fontRef idx="minor">
+        <a:schemeClr val="lt1"/>
+      </a:fontRef>
+    </dgm:style>
+  </dgm:styleLbl>
+  <dgm:styleLbl name="vennNode1">
+    <dgm:scene3d>
+      <a:camera prst="orthographicFront"/>
+      <a:lightRig rig="threePt" dir="t"/>
+    </dgm:scene3d>
+    <dgm:sp3d/>
+    <dgm:txPr/>
+    <dgm:style>
+      <a:lnRef idx="2">
+        <a:scrgbClr r="0" g="0" b="0"/>
+      </a:lnRef>
+      <a:fillRef idx="1">
+        <a:scrgbClr r="0" g="0" b="0"/>
+      </a:fillRef>
+      <a:effectRef idx="0">
+        <a:scrgbClr r="0" g="0" b="0"/>
+      </a:effectRef>
+      <a:fontRef idx="minor">
+        <a:schemeClr val="tx1"/>
+      </a:fontRef>
+    </dgm:style>
+  </dgm:styleLbl>
+  <dgm:styleLbl name="alignNode1">
+    <dgm:scene3d>
+      <a:camera prst="orthographicFront"/>
+      <a:lightRig rig="threePt" dir="t"/>
+    </dgm:scene3d>
+    <dgm:sp3d/>
+    <dgm:txPr/>
+    <dgm:style>
+      <a:lnRef idx="2">
+        <a:scrgbClr r="0" g="0" b="0"/>
+      </a:lnRef>
+      <a:fillRef idx="1">
+        <a:scrgbClr r="0" g="0" b="0"/>
+      </a:fillRef>
+      <a:effectRef idx="0">
+        <a:scrgbClr r="0" g="0" b="0"/>
+      </a:effectRef>
+      <a:fontRef idx="minor">
+        <a:schemeClr val="lt1"/>
+      </a:fontRef>
+    </dgm:style>
+  </dgm:styleLbl>
+  <dgm:styleLbl name="node1">
+    <dgm:scene3d>
+      <a:camera prst="orthographicFront"/>
+      <a:lightRig rig="threePt" dir="t"/>
+    </dgm:scene3d>
+    <dgm:sp3d/>
+    <dgm:txPr/>
+    <dgm:style>
+      <a:lnRef idx="2">
+        <a:scrgbClr r="0" g="0" b="0"/>
+      </a:lnRef>
+      <a:fillRef idx="1">
+        <a:scrgbClr r="0" g="0" b="0"/>
+      </a:fillRef>
+      <a:effectRef idx="0">
+        <a:scrgbClr r="0" g="0" b="0"/>
+      </a:effectRef>
+      <a:fontRef idx="minor">
+        <a:schemeClr val="lt1"/>
+      </a:fontRef>
+    </dgm:style>
+  </dgm:styleLbl>
+  <dgm:styleLbl name="node2">
+    <dgm:scene3d>
+      <a:camera prst="orthographicFront"/>
+      <a:lightRig rig="threePt" dir="t"/>
+    </dgm:scene3d>
+    <dgm:sp3d/>
+    <dgm:txPr/>
+    <dgm:style>
+      <a:lnRef idx="2">
+        <a:scrgbClr r="0" g="0" b="0"/>
+      </a:lnRef>
+      <a:fillRef idx="1">
+        <a:scrgbClr r="0" g="0" b="0"/>
+      </a:fillRef>
+      <a:effectRef idx="0">
+        <a:scrgbClr r="0" g="0" b="0"/>
+      </a:effectRef>
+      <a:fontRef idx="minor">
+        <a:schemeClr val="lt1"/>
+      </a:fontRef>
+    </dgm:style>
+  </dgm:styleLbl>
+  <dgm:styleLbl name="node3">
+    <dgm:scene3d>
+      <a:camera prst="orthographicFront"/>
+      <a:lightRig rig="threePt" dir="t"/>
+    </dgm:scene3d>
+    <dgm:sp3d/>
+    <dgm:txPr/>
+    <dgm:style>
+      <a:lnRef idx="2">
+        <a:scrgbClr r="0" g="0" b="0"/>
+      </a:lnRef>
+      <a:fillRef idx="1">
+        <a:scrgbClr r="0" g="0" b="0"/>
+      </a:fillRef>
+      <a:effectRef idx="0">
+        <a:scrgbClr r="0" g="0" b="0"/>
+      </a:effectRef>
+      <a:fontRef idx="minor">
+        <a:schemeClr val="lt1"/>
+      </a:fontRef>
+    </dgm:style>
+  </dgm:styleLbl>
+  <dgm:styleLbl name="node4">
+    <dgm:scene3d>
+      <a:camera prst="orthographicFront"/>
+      <a:lightRig rig="threePt" dir="t"/>
+    </dgm:scene3d>
+    <dgm:sp3d/>
+    <dgm:txPr/>
+    <dgm:style>
+      <a:lnRef idx="2">
+        <a:scrgbClr r="0" g="0" b="0"/>
+      </a:lnRef>
+      <a:fillRef idx="1">
+        <a:scrgbClr r="0" g="0" b="0"/>
+      </a:fillRef>
+      <a:effectRef idx="0">
+        <a:scrgbClr r="0" g="0" b="0"/>
+      </a:effectRef>
+      <a:fontRef idx="minor">
+        <a:schemeClr val="lt1"/>
+      </a:fontRef>
+    </dgm:style>
+  </dgm:styleLbl>
+  <dgm:styleLbl name="fgImgPlace1">
+    <dgm:scene3d>
+      <a:camera prst="orthographicFront"/>
+      <a:lightRig rig="threePt" dir="t"/>
+    </dgm:scene3d>
+    <dgm:sp3d/>
+    <dgm:txPr/>
+    <dgm:style>
+      <a:lnRef idx="2">
+        <a:scrgbClr r="0" g="0" b="0"/>
+      </a:lnRef>
+      <a:fillRef idx="1">
+        <a:scrgbClr r="0" g="0" b="0"/>
+      </a:fillRef>
+      <a:effectRef idx="0">
+        <a:scrgbClr r="0" g="0" b="0"/>
+      </a:effectRef>
+      <a:fontRef idx="minor"/>
+    </dgm:style>
+  </dgm:styleLbl>
+  <dgm:styleLbl name="alignImgPlace1">
+    <dgm:scene3d>
+      <a:camera prst="orthographicFront"/>
+      <a:lightRig rig="threePt" dir="t"/>
+    </dgm:scene3d>
+    <dgm:sp3d/>
+    <dgm:txPr/>
+    <dgm:style>
+      <a:lnRef idx="2">
+        <a:scrgbClr r="0" g="0" b="0"/>
+      </a:lnRef>
+      <a:fillRef idx="1">
+        <a:scrgbClr r="0" g="0" b="0"/>
+      </a:fillRef>
+      <a:effectRef idx="0">
+        <a:scrgbClr r="0" g="0" b="0"/>
+      </a:effectRef>
+      <a:fontRef idx="minor"/>
+    </dgm:style>
+  </dgm:styleLbl>
+  <dgm:styleLbl name="bgImgPlace1">
+    <dgm:scene3d>
+      <a:camera prst="orthographicFront"/>
+      <a:lightRig rig="threePt" dir="t"/>
+    </dgm:scene3d>
+    <dgm:sp3d/>
+    <dgm:txPr/>
+    <dgm:style>
+      <a:lnRef idx="2">
+        <a:scrgbClr r="0" g="0" b="0"/>
+      </a:lnRef>
+      <a:fillRef idx="1">
+        <a:scrgbClr r="0" g="0" b="0"/>
+      </a:fillRef>
+      <a:effectRef idx="0">
+        <a:scrgbClr r="0" g="0" b="0"/>
+      </a:effectRef>
+      <a:fontRef idx="minor"/>
+    </dgm:style>
+  </dgm:styleLbl>
+  <dgm:styleLbl name="sibTrans2D1">
+    <dgm:scene3d>
+      <a:camera prst="orthographicFront"/>
+      <a:lightRig rig="threePt" dir="t"/>
+    </dgm:scene3d>
+    <dgm:sp3d/>
+    <dgm:txPr/>
+    <dgm:style>
+      <a:lnRef idx="0">
+        <a:scrgbClr r="0" g="0" b="0"/>
+      </a:lnRef>
+      <a:fillRef idx="1">
+        <a:scrgbClr r="0" g="0" b="0"/>
+      </a:fillRef>
+      <a:effectRef idx="0">
+        <a:scrgbClr r="0" g="0" b="0"/>
+      </a:effectRef>
+      <a:fontRef idx="minor">
+        <a:schemeClr val="lt1"/>
+      </a:fontRef>
+    </dgm:style>
+  </dgm:styleLbl>
+  <dgm:styleLbl name="fgSibTrans2D1">
+    <dgm:scene3d>
+      <a:camera prst="orthographicFront"/>
+      <a:lightRig rig="threePt" dir="t"/>
+    </dgm:scene3d>
+    <dgm:sp3d/>
+    <dgm:txPr/>
+    <dgm:style>
+      <a:lnRef idx="0">
+        <a:scrgbClr r="0" g="0" b="0"/>
+      </a:lnRef>
+      <a:fillRef idx="1">
+        <a:scrgbClr r="0" g="0" b="0"/>
+      </a:fillRef>
+      <a:effectRef idx="0">
+        <a:scrgbClr r="0" g="0" b="0"/>
+      </a:effectRef>
+      <a:fontRef idx="minor">
+        <a:schemeClr val="lt1"/>
+      </a:fontRef>
+    </dgm:style>
+  </dgm:styleLbl>
+  <dgm:styleLbl name="bgSibTrans2D1">
+    <dgm:scene3d>
+      <a:camera prst="orthographicFront"/>
+      <a:lightRig rig="threePt" dir="t"/>
+    </dgm:scene3d>
+    <dgm:sp3d/>
+    <dgm:txPr/>
+    <dgm:style>
+      <a:lnRef idx="0">
+        <a:scrgbClr r="0" g="0" b="0"/>
+      </a:lnRef>
+      <a:fillRef idx="1">
+        <a:scrgbClr r="0" g="0" b="0"/>
+      </a:fillRef>
+      <a:effectRef idx="0">
+        <a:scrgbClr r="0" g="0" b="0"/>
+      </a:effectRef>
+      <a:fontRef idx="minor">
+        <a:schemeClr val="lt1"/>
+      </a:fontRef>
+    </dgm:style>
+  </dgm:styleLbl>
+  <dgm:styleLbl name="sibTrans1D1">
+    <dgm:scene3d>
+      <a:camera prst="orthographicFront"/>
+      <a:lightRig rig="threePt" dir="t"/>
+    </dgm:scene3d>
+    <dgm:sp3d/>
+    <dgm:txPr/>
+    <dgm:style>
+      <a:lnRef idx="1">
+        <a:scrgbClr r="0" g="0" b="0"/>
+      </a:lnRef>
+      <a:fillRef idx="0">
+        <a:scrgbClr r="0" g="0" b="0"/>
+      </a:fillRef>
+      <a:effectRef idx="0">
+        <a:scrgbClr r="0" g="0" b="0"/>
+      </a:effectRef>
+      <a:fontRef idx="minor"/>
+    </dgm:style>
+  </dgm:styleLbl>
+  <dgm:styleLbl name="callout">
+    <dgm:scene3d>
+      <a:camera prst="orthographicFront"/>
+      <a:lightRig rig="threePt" dir="t"/>
+    </dgm:scene3d>
+    <dgm:sp3d/>
+    <dgm:txPr/>
+    <dgm:style>
+      <a:lnRef idx="2">
+        <a:scrgbClr r="0" g="0" b="0"/>
+      </a:lnRef>
+      <a:fillRef idx="1">
+        <a:scrgbClr r="0" g="0" b="0"/>
+      </a:fillRef>
+      <a:effectRef idx="0">
+        <a:scrgbClr r="0" g="0" b="0"/>
+      </a:effectRef>
+      <a:fontRef idx="minor"/>
+    </dgm:style>
+  </dgm:styleLbl>
+  <dgm:styleLbl name="asst0">
+    <dgm:scene3d>
+      <a:camera prst="orthographicFront"/>
+      <a:lightRig rig="threePt" dir="t"/>
+    </dgm:scene3d>
+    <dgm:sp3d/>
+    <dgm:txPr/>
+    <dgm:style>
+      <a:lnRef idx="2">
+        <a:scrgbClr r="0" g="0" b="0"/>
+      </a:lnRef>
+      <a:fillRef idx="1">
+        <a:scrgbClr r="0" g="0" b="0"/>
+      </a:fillRef>
+      <a:effectRef idx="0">
+        <a:scrgbClr r="0" g="0" b="0"/>
+      </a:effectRef>
+      <a:fontRef idx="minor">
+        <a:schemeClr val="lt1"/>
+      </a:fontRef>
+    </dgm:style>
+  </dgm:styleLbl>
+  <dgm:styleLbl name="asst1">
+    <dgm:scene3d>
+      <a:camera prst="orthographicFront"/>
+      <a:lightRig rig="threePt" dir="t"/>
+    </dgm:scene3d>
+    <dgm:sp3d/>
+    <dgm:txPr/>
+    <dgm:style>
+      <a:lnRef idx="2">
+        <a:scrgbClr r="0" g="0" b="0"/>
+      </a:lnRef>
+      <a:fillRef idx="1">
+        <a:scrgbClr r="0" g="0" b="0"/>
+      </a:fillRef>
+      <a:effectRef idx="0">
+        <a:scrgbClr r="0" g="0" b="0"/>
+      </a:effectRef>
+      <a:fontRef idx="minor">
+        <a:schemeClr val="lt1"/>
+      </a:fontRef>
+    </dgm:style>
+  </dgm:styleLbl>
+  <dgm:styleLbl name="asst2">
+    <dgm:scene3d>
+      <a:camera prst="orthographicFront"/>
+      <a:lightRig rig="threePt" dir="t"/>
+    </dgm:scene3d>
+    <dgm:sp3d/>
+    <dgm:txPr/>
+    <dgm:style>
+      <a:lnRef idx="2">
+        <a:scrgbClr r="0" g="0" b="0"/>
+      </a:lnRef>
+      <a:fillRef idx="1">
+        <a:scrgbClr r="0" g="0" b="0"/>
+      </a:fillRef>
+      <a:effectRef idx="0">
+        <a:scrgbClr r="0" g="0" b="0"/>
+      </a:effectRef>
+      <a:fontRef idx="minor">
+        <a:schemeClr val="lt1"/>
+      </a:fontRef>
+    </dgm:style>
+  </dgm:styleLbl>
+  <dgm:styleLbl name="asst3">
+    <dgm:scene3d>
+      <a:camera prst="orthographicFront"/>
+      <a:lightRig rig="threePt" dir="t"/>
+    </dgm:scene3d>
+    <dgm:sp3d/>
+    <dgm:txPr/>
+    <dgm:style>
+      <a:lnRef idx="2">
+        <a:scrgbClr r="0" g="0" b="0"/>
+      </a:lnRef>
+      <a:fillRef idx="1">
+        <a:scrgbClr r="0" g="0" b="0"/>
+      </a:fillRef>
+      <a:effectRef idx="0">
+        <a:scrgbClr r="0" g="0" b="0"/>
+      </a:effectRef>
+      <a:fontRef idx="minor">
+        <a:schemeClr val="lt1"/>
+      </a:fontRef>
+    </dgm:style>
+  </dgm:styleLbl>
+  <dgm:styleLbl name="asst4">
+    <dgm:scene3d>
+      <a:camera prst="orthographicFront"/>
+      <a:lightRig rig="threePt" dir="t"/>
+    </dgm:scene3d>
+    <dgm:sp3d/>
+    <dgm:txPr/>
+    <dgm:style>
+      <a:lnRef idx="2">
+        <a:scrgbClr r="0" g="0" b="0"/>
+      </a:lnRef>
+      <a:fillRef idx="1">
+        <a:scrgbClr r="0" g="0" b="0"/>
+      </a:fillRef>
+      <a:effectRef idx="0">
+        <a:scrgbClr r="0" g="0" b="0"/>
+      </a:effectRef>
+      <a:fontRef idx="minor">
+        <a:schemeClr val="lt1"/>
+      </a:fontRef>
+    </dgm:style>
+  </dgm:styleLbl>
+  <dgm:styleLbl name="parChTrans2D1">
+    <dgm:scene3d>
+      <a:camera prst="orthographicFront"/>
+      <a:lightRig rig="threePt" dir="t"/>
+    </dgm:scene3d>
+    <dgm:sp3d/>
+    <dgm:txPr/>
+    <dgm:style>
+      <a:lnRef idx="2">
+        <a:scrgbClr r="0" g="0" b="0"/>
+      </a:lnRef>
+      <a:fillRef idx="1">
+        <a:scrgbClr r="0" g="0" b="0"/>
+      </a:fillRef>
+      <a:effectRef idx="0">
+        <a:scrgbClr r="0" g="0" b="0"/>
+      </a:effectRef>
+      <a:fontRef idx="minor">
+        <a:schemeClr val="lt1"/>
+      </a:fontRef>
+    </dgm:style>
+  </dgm:styleLbl>
+  <dgm:styleLbl name="parChTrans2D2">
+    <dgm:scene3d>
+      <a:camera prst="orthographicFront"/>
+      <a:lightRig rig="threePt" dir="t"/>
+    </dgm:scene3d>
+    <dgm:sp3d/>
+    <dgm:txPr/>
+    <dgm:style>
+      <a:lnRef idx="2">
+        <a:scrgbClr r="0" g="0" b="0"/>
+      </a:lnRef>
+      <a:fillRef idx="1">
+        <a:scrgbClr r="0" g="0" b="0"/>
+      </a:fillRef>
+      <a:effectRef idx="0">
+        <a:scrgbClr r="0" g="0" b="0"/>
+      </a:effectRef>
+      <a:fontRef idx="minor">
+        <a:schemeClr val="lt1"/>
+      </a:fontRef>
+    </dgm:style>
+  </dgm:styleLbl>
+  <dgm:styleLbl name="parChTrans2D3">
+    <dgm:scene3d>
+      <a:camera prst="orthographicFront"/>
+      <a:lightRig rig="threePt" dir="t"/>
+    </dgm:scene3d>
+    <dgm:sp3d/>
+    <dgm:txPr/>
+    <dgm:style>
+      <a:lnRef idx="2">
+        <a:scrgbClr r="0" g="0" b="0"/>
+      </a:lnRef>
+      <a:fillRef idx="1">
+        <a:scrgbClr r="0" g="0" b="0"/>
+      </a:fillRef>
+      <a:effectRef idx="0">
+        <a:scrgbClr r="0" g="0" b="0"/>
+      </a:effectRef>
+      <a:fontRef idx="minor">
+        <a:schemeClr val="lt1"/>
+      </a:fontRef>
+    </dgm:style>
+  </dgm:styleLbl>
+  <dgm:styleLbl name="parChTrans2D4">
+    <dgm:scene3d>
+      <a:camera prst="orthographicFront"/>
+      <a:lightRig rig="threePt" dir="t"/>
+    </dgm:scene3d>
+    <dgm:sp3d/>
+    <dgm:txPr/>
+    <dgm:style>
+      <a:lnRef idx="2">
+        <a:scrgbClr r="0" g="0" b="0"/>
+      </a:lnRef>
+      <a:fillRef idx="1">
+        <a:scrgbClr r="0" g="0" b="0"/>
+      </a:fillRef>
+      <a:effectRef idx="0">
+        <a:scrgbClr r="0" g="0" b="0"/>
+      </a:effectRef>
+      <a:fontRef idx="minor">
+        <a:schemeClr val="lt1"/>
+      </a:fontRef>
+    </dgm:style>
+  </dgm:styleLbl>
+  <dgm:styleLbl name="parChTrans1D1">
+    <dgm:scene3d>
+      <a:camera prst="orthographicFront"/>
+      <a:lightRig rig="threePt" dir="t"/>
+    </dgm:scene3d>
+    <dgm:sp3d/>
+    <dgm:txPr/>
+    <dgm:style>
+      <a:lnRef idx="2">
+        <a:scrgbClr r="0" g="0" b="0"/>
+      </a:lnRef>
+      <a:fillRef idx="0">
+        <a:scrgbClr r="0" g="0" b="0"/>
+      </a:fillRef>
+      <a:effectRef idx="0">
+        <a:scrgbClr r="0" g="0" b="0"/>
+      </a:effectRef>
+      <a:fontRef idx="minor"/>
+    </dgm:style>
+  </dgm:styleLbl>
+  <dgm:styleLbl name="parChTrans1D2">
+    <dgm:scene3d>
+      <a:camera prst="orthographicFront"/>
+      <a:lightRig rig="threePt" dir="t"/>
+    </dgm:scene3d>
+    <dgm:sp3d/>
+    <dgm:txPr/>
+    <dgm:style>
+      <a:lnRef idx="2">
+        <a:scrgbClr r="0" g="0" b="0"/>
+      </a:lnRef>
+      <a:fillRef idx="0">
+        <a:scrgbClr r="0" g="0" b="0"/>
+      </a:fillRef>
+      <a:effectRef idx="0">
+        <a:scrgbClr r="0" g="0" b="0"/>
+      </a:effectRef>
+      <a:fontRef idx="minor"/>
+    </dgm:style>
+  </dgm:styleLbl>
+  <dgm:styleLbl name="parChTrans1D3">
+    <dgm:scene3d>
+      <a:camera prst="orthographicFront"/>
+      <a:lightRig rig="threePt" dir="t"/>
+    </dgm:scene3d>
+    <dgm:sp3d/>
+    <dgm:txPr/>
+    <dgm:style>
+      <a:lnRef idx="2">
+        <a:scrgbClr r="0" g="0" b="0"/>
+      </a:lnRef>
+      <a:fillRef idx="0">
+        <a:scrgbClr r="0" g="0" b="0"/>
+      </a:fillRef>
+      <a:effectRef idx="0">
+        <a:scrgbClr r="0" g="0" b="0"/>
+      </a:effectRef>
+      <a:fontRef idx="minor"/>
+    </dgm:style>
+  </dgm:styleLbl>
+  <dgm:styleLbl name="parChTrans1D4">
+    <dgm:scene3d>
+      <a:camera prst="orthographicFront"/>
+      <a:lightRig rig="threePt" dir="t"/>
+    </dgm:scene3d>
+    <dgm:sp3d/>
+    <dgm:txPr/>
+    <dgm:style>
+      <a:lnRef idx="2">
+        <a:scrgbClr r="0" g="0" b="0"/>
+      </a:lnRef>
+      <a:fillRef idx="0">
+        <a:scrgbClr r="0" g="0" b="0"/>
+      </a:fillRef>
+      <a:effectRef idx="0">
+        <a:scrgbClr r="0" g="0" b="0"/>
+      </a:effectRef>
+      <a:fontRef idx="minor"/>
+    </dgm:style>
+  </dgm:styleLbl>
+  <dgm:styleLbl name="fgAcc1">
+    <dgm:scene3d>
+      <a:camera prst="orthographicFront"/>
+      <a:lightRig rig="threePt" dir="t"/>
+    </dgm:scene3d>
+    <dgm:sp3d/>
+    <dgm:txPr/>
+    <dgm:style>
+      <a:lnRef idx="2">
+        <a:scrgbClr r="0" g="0" b="0"/>
+      </a:lnRef>
+      <a:fillRef idx="1">
+        <a:scrgbClr r="0" g="0" b="0"/>
+      </a:fillRef>
+      <a:effectRef idx="0">
+        <a:scrgbClr r="0" g="0" b="0"/>
+      </a:effectRef>
+      <a:fontRef idx="minor"/>
+    </dgm:style>
+  </dgm:styleLbl>
+  <dgm:styleLbl name="conFgAcc1">
+    <dgm:scene3d>
+      <a:camera prst="orthographicFront"/>
+      <a:lightRig rig="threePt" dir="t"/>
+    </dgm:scene3d>
+    <dgm:sp3d/>
+    <dgm:txPr/>
+    <dgm:style>
+      <a:lnRef idx="2">
+        <a:scrgbClr r="0" g="0" b="0"/>
+      </a:lnRef>
+      <a:fillRef idx="1">
+        <a:scrgbClr r="0" g="0" b="0"/>
+      </a:fillRef>
+      <a:effectRef idx="0">
+        <a:scrgbClr r="0" g="0" b="0"/>
+      </a:effectRef>
+      <a:fontRef idx="minor"/>
+    </dgm:style>
+  </dgm:styleLbl>
+  <dgm:styleLbl name="alignAcc1">
+    <dgm:scene3d>
+      <a:camera prst="orthographicFront"/>
+      <a:lightRig rig="threePt" dir="t"/>
+    </dgm:scene3d>
+    <dgm:sp3d/>
+    <dgm:txPr/>
+    <dgm:style>
+      <a:lnRef idx="2">
+        <a:scrgbClr r="0" g="0" b="0"/>
+      </a:lnRef>
+      <a:fillRef idx="1">
+        <a:scrgbClr r="0" g="0" b="0"/>
+      </a:fillRef>
+      <a:effectRef idx="0">
+        <a:scrgbClr r="0" g="0" b="0"/>
+      </a:effectRef>
+      <a:fontRef idx="minor"/>
+    </dgm:style>
+  </dgm:styleLbl>
+  <dgm:styleLbl name="trAlignAcc1">
+    <dgm:scene3d>
+      <a:camera prst="orthographicFront"/>
+      <a:lightRig rig="threePt" dir="t"/>
+    </dgm:scene3d>
+    <dgm:sp3d/>
+    <dgm:txPr/>
+    <dgm:style>
+      <a:lnRef idx="1">
+        <a:scrgbClr r="0" g="0" b="0"/>
+      </a:lnRef>
+      <a:fillRef idx="1">
+        <a:scrgbClr r="0" g="0" b="0"/>
+      </a:fillRef>
+      <a:effectRef idx="0">
+        <a:scrgbClr r="0" g="0" b="0"/>
+      </a:effectRef>
+      <a:fontRef idx="minor"/>
+    </dgm:style>
+  </dgm:styleLbl>
+  <dgm:styleLbl name="bgAcc1">
+    <dgm:scene3d>
+      <a:camera prst="orthographicFront"/>
+      <a:lightRig rig="threePt" dir="t"/>
+    </dgm:scene3d>
+    <dgm:sp3d/>
+    <dgm:txPr/>
+    <dgm:style>
+      <a:lnRef idx="2">
+        <a:scrgbClr r="0" g="0" b="0"/>
+      </a:lnRef>
+      <a:fillRef idx="1">
+        <a:scrgbClr r="0" g="0" b="0"/>
+      </a:fillRef>
+      <a:effectRef idx="0">
+        <a:scrgbClr r="0" g="0" b="0"/>
+      </a:effectRef>
+      <a:fontRef idx="minor"/>
+    </dgm:style>
+  </dgm:styleLbl>
+  <dgm:styleLbl name="solidFgAcc1">
+    <dgm:scene3d>
+      <a:camera prst="orthographicFront"/>
+      <a:lightRig rig="threePt" dir="t"/>
+    </dgm:scene3d>
+    <dgm:sp3d/>
+    <dgm:txPr/>
+    <dgm:style>
+      <a:lnRef idx="2">
+        <a:scrgbClr r="0" g="0" b="0"/>
+      </a:lnRef>
+      <a:fillRef idx="1">
+        <a:scrgbClr r="0" g="0" b="0"/>
+      </a:fillRef>
+      <a:effectRef idx="0">
+        <a:scrgbClr r="0" g="0" b="0"/>
+      </a:effectRef>
+      <a:fontRef idx="minor"/>
+    </dgm:style>
+  </dgm:styleLbl>
+  <dgm:styleLbl name="solidAlignAcc1">
+    <dgm:scene3d>
+      <a:camera prst="orthographicFront"/>
+      <a:lightRig rig="threePt" dir="t"/>
+    </dgm:scene3d>
+    <dgm:sp3d/>
+    <dgm:txPr/>
+    <dgm:style>
+      <a:lnRef idx="2">
+        <a:scrgbClr r="0" g="0" b="0"/>
+      </a:lnRef>
+      <a:fillRef idx="1">
+        <a:scrgbClr r="0" g="0" b="0"/>
+      </a:fillRef>
+      <a:effectRef idx="0">
+        <a:scrgbClr r="0" g="0" b="0"/>
+      </a:effectRef>
+      <a:fontRef idx="minor"/>
+    </dgm:style>
+  </dgm:styleLbl>
+  <dgm:styleLbl name="solidBgAcc1">
+    <dgm:scene3d>
+      <a:camera prst="orthographicFront"/>
+      <a:lightRig rig="threePt" dir="t"/>
+    </dgm:scene3d>
+    <dgm:sp3d/>
+    <dgm:txPr/>
+    <dgm:style>
+      <a:lnRef idx="2">
+        <a:scrgbClr r="0" g="0" b="0"/>
+      </a:lnRef>
+      <a:fillRef idx="1">
+        <a:scrgbClr r="0" g="0" b="0"/>
+      </a:fillRef>
+      <a:effectRef idx="0">
+        <a:scrgbClr r="0" g="0" b="0"/>
+      </a:effectRef>
+      <a:fontRef idx="minor"/>
+    </dgm:style>
+  </dgm:styleLbl>
+  <dgm:styleLbl name="fgAccFollowNode1">
+    <dgm:scene3d>
+      <a:camera prst="orthographicFront"/>
+      <a:lightRig rig="threePt" dir="t"/>
+    </dgm:scene3d>
+    <dgm:sp3d/>
+    <dgm:txPr/>
+    <dgm:style>
+      <a:lnRef idx="2">
+        <a:scrgbClr r="0" g="0" b="0"/>
+      </a:lnRef>
+      <a:fillRef idx="1">
+        <a:scrgbClr r="0" g="0" b="0"/>
+      </a:fillRef>
+      <a:effectRef idx="0">
+        <a:scrgbClr r="0" g="0" b="0"/>
+      </a:effectRef>
+      <a:fontRef idx="minor"/>
+    </dgm:style>
+  </dgm:styleLbl>
+  <dgm:styleLbl name="alignAccFollowNode1">
+    <dgm:scene3d>
+      <a:camera prst="orthographicFront"/>
+      <a:lightRig rig="threePt" dir="t"/>
+    </dgm:scene3d>
+    <dgm:sp3d/>
+    <dgm:txPr/>
+    <dgm:style>
+      <a:lnRef idx="2">
+        <a:scrgbClr r="0" g="0" b="0"/>
+      </a:lnRef>
+      <a:fillRef idx="1">
+        <a:scrgbClr r="0" g="0" b="0"/>
+      </a:fillRef>
+      <a:effectRef idx="0">
+        <a:scrgbClr r="0" g="0" b="0"/>
+      </a:effectRef>
+      <a:fontRef idx="minor"/>
+    </dgm:style>
+  </dgm:styleLbl>
+  <dgm:styleLbl name="bgAccFollowNode1">
+    <dgm:scene3d>
+      <a:camera prst="orthographicFront"/>
+      <a:lightRig rig="threePt" dir="t"/>
+    </dgm:scene3d>
+    <dgm:sp3d/>
+    <dgm:txPr/>
+    <dgm:style>
+      <a:lnRef idx="2">
+        <a:scrgbClr r="0" g="0" b="0"/>
+      </a:lnRef>
+      <a:fillRef idx="1">
+        <a:scrgbClr r="0" g="0" b="0"/>
+      </a:fillRef>
+      <a:effectRef idx="0">
+        <a:scrgbClr r="0" g="0" b="0"/>
+      </a:effectRef>
+      <a:fontRef idx="minor"/>
+    </dgm:style>
+  </dgm:styleLbl>
+  <dgm:styleLbl name="fgAcc0">
+    <dgm:scene3d>
+      <a:camera prst="orthographicFront"/>
+      <a:lightRig rig="threePt" dir="t"/>
+    </dgm:scene3d>
+    <dgm:sp3d/>
+    <dgm:txPr/>
+    <dgm:style>
+      <a:lnRef idx="2">
+        <a:scrgbClr r="0" g="0" b="0"/>
+      </a:lnRef>
+      <a:fillRef idx="1">
+        <a:scrgbClr r="0" g="0" b="0"/>
+      </a:fillRef>
+      <a:effectRef idx="0">
+        <a:scrgbClr r="0" g="0" b="0"/>
+      </a:effectRef>
+      <a:fontRef idx="minor"/>
+    </dgm:style>
+  </dgm:styleLbl>
+  <dgm:styleLbl name="fgAcc2">
+    <dgm:scene3d>
+      <a:camera prst="orthographicFront"/>
+      <a:lightRig rig="threePt" dir="t"/>
+    </dgm:scene3d>
+    <dgm:sp3d/>
+    <dgm:txPr/>
+    <dgm:style>
+      <a:lnRef idx="2">
+        <a:scrgbClr r="0" g="0" b="0"/>
+      </a:lnRef>
+      <a:fillRef idx="1">
+        <a:scrgbClr r="0" g="0" b="0"/>
+      </a:fillRef>
+      <a:effectRef idx="0">
+        <a:scrgbClr r="0" g="0" b="0"/>
+      </a:effectRef>
+      <a:fontRef idx="minor"/>
+    </dgm:style>
+  </dgm:styleLbl>
+  <dgm:styleLbl name="fgAcc3">
+    <dgm:scene3d>
+      <a:camera prst="orthographicFront"/>
+      <a:lightRig rig="threePt" dir="t"/>
+    </dgm:scene3d>
+    <dgm:sp3d/>
+    <dgm:txPr/>
+    <dgm:style>
+      <a:lnRef idx="2">
+        <a:scrgbClr r="0" g="0" b="0"/>
+      </a:lnRef>
+      <a:fillRef idx="1">
+        <a:scrgbClr r="0" g="0" b="0"/>
+      </a:fillRef>
+      <a:effectRef idx="0">
+        <a:scrgbClr r="0" g="0" b="0"/>
+      </a:effectRef>
+      <a:fontRef idx="minor"/>
+    </dgm:style>
+  </dgm:styleLbl>
+  <dgm:styleLbl name="fgAcc4">
+    <dgm:scene3d>
+      <a:camera prst="orthographicFront"/>
+      <a:lightRig rig="threePt" dir="t"/>
+    </dgm:scene3d>
+    <dgm:sp3d/>
+    <dgm:txPr/>
+    <dgm:style>
+      <a:lnRef idx="2">
+        <a:scrgbClr r="0" g="0" b="0"/>
+      </a:lnRef>
+      <a:fillRef idx="1">
+        <a:scrgbClr r="0" g="0" b="0"/>
+      </a:fillRef>
+      <a:effectRef idx="0">
+        <a:scrgbClr r="0" g="0" b="0"/>
+      </a:effectRef>
+      <a:fontRef idx="minor"/>
+    </dgm:style>
+  </dgm:styleLbl>
+  <dgm:styleLbl name="bgShp">
+    <dgm:scene3d>
+      <a:camera prst="orthographicFront"/>
+      <a:lightRig rig="threePt" dir="t"/>
+    </dgm:scene3d>
+    <dgm:sp3d/>
+    <dgm:txPr/>
+    <dgm:style>
+      <a:lnRef idx="0">
+        <a:scrgbClr r="0" g="0" b="0"/>
+      </a:lnRef>
+      <a:fillRef idx="1">
+        <a:scrgbClr r="0" g="0" b="0"/>
+      </a:fillRef>
+      <a:effectRef idx="0">
+        <a:scrgbClr r="0" g="0" b="0"/>
+      </a:effectRef>
+      <a:fontRef idx="minor"/>
+    </dgm:style>
+  </dgm:styleLbl>
+  <dgm:styleLbl name="dkBgShp">
+    <dgm:scene3d>
+      <a:camera prst="orthographicFront"/>
+      <a:lightRig rig="threePt" dir="t"/>
+    </dgm:scene3d>
+    <dgm:sp3d/>
+    <dgm:txPr/>
+    <dgm:style>
+      <a:lnRef idx="0">
+        <a:scrgbClr r="0" g="0" b="0"/>
+      </a:lnRef>
+      <a:fillRef idx="1">
+        <a:scrgbClr r="0" g="0" b="0"/>
+      </a:fillRef>
+      <a:effectRef idx="0">
+        <a:scrgbClr r="0" g="0" b="0"/>
+      </a:effectRef>
+      <a:fontRef idx="minor"/>
+    </dgm:style>
+  </dgm:styleLbl>
+  <dgm:styleLbl name="trBgShp">
+    <dgm:scene3d>
+      <a:camera prst="orthographicFront"/>
+      <a:lightRig rig="threePt" dir="t"/>
+    </dgm:scene3d>
+    <dgm:sp3d/>
+    <dgm:txPr/>
+    <dgm:style>
+      <a:lnRef idx="0">
+        <a:scrgbClr r="0" g="0" b="0"/>
+      </a:lnRef>
+      <a:fillRef idx="1">
+        <a:scrgbClr r="0" g="0" b="0"/>
+      </a:fillRef>
+      <a:effectRef idx="0">
+        <a:scrgbClr r="0" g="0" b="0"/>
+      </a:effectRef>
+      <a:fontRef idx="minor"/>
+    </dgm:style>
+  </dgm:styleLbl>
+  <dgm:styleLbl name="fgShp">
+    <dgm:scene3d>
+      <a:camera prst="orthographicFront"/>
+      <a:lightRig rig="threePt" dir="t"/>
+    </dgm:scene3d>
+    <dgm:sp3d/>
+    <dgm:txPr/>
+    <dgm:style>
+      <a:lnRef idx="2">
+        <a:scrgbClr r="0" g="0" b="0"/>
+      </a:lnRef>
+      <a:fillRef idx="1">
+        <a:scrgbClr r="0" g="0" b="0"/>
+      </a:fillRef>
+      <a:effectRef idx="0">
+        <a:scrgbClr r="0" g="0" b="0"/>
+      </a:effectRef>
+      <a:fontRef idx="minor"/>
+    </dgm:style>
+  </dgm:styleLbl>
+  <dgm:styleLbl name="revTx">
+    <dgm:scene3d>
+      <a:camera prst="orthographicFront"/>
+      <a:lightRig rig="threePt" dir="t"/>
+    </dgm:scene3d>
+    <dgm:sp3d/>
+    <dgm:txPr/>
+    <dgm:style>
+      <a:lnRef idx="0">
+        <a:scrgbClr r="0" g="0" b="0"/>
+      </a:lnRef>
+      <a:fillRef idx="0">
+        <a:scrgbClr r="0" g="0" b="0"/>
+      </a:fillRef>
+      <a:effectRef idx="0">
+        <a:scrgbClr r="0" g="0" b="0"/>
+      </a:effectRef>
+      <a:fontRef idx="minor"/>
+    </dgm:style>
+  </dgm:styleLbl>
+</dgm:styleDef>
+</file>
+
+<file path=ppt/diagrams/quickStyle5.xml><?xml version="1.0" encoding="utf-8"?>
 <dgm:styleDef xmlns:dgm="http://schemas.openxmlformats.org/drawingml/2006/diagram" xmlns:a="http://schemas.openxmlformats.org/drawingml/2006/main" uniqueId="urn:microsoft.com/office/officeart/2005/8/quickstyle/simple1">
   <dgm:title val=""/>
   <dgm:desc val=""/>
@@ -23929,7 +27934,7 @@
         </p:nvSpPr>
         <p:spPr>
           <a:xfrm>
-            <a:off x="1571811" y="1573587"/>
+            <a:off x="1571811" y="1228258"/>
             <a:ext cx="9122584" cy="790980"/>
           </a:xfrm>
         </p:spPr>
@@ -23940,66 +27945,44 @@
           <a:lstStyle/>
           <a:p>
             <a:r>
-              <a:rPr lang="en-US"/>
+              <a:rPr lang="en-US" dirty="0"/>
               <a:t>Links</a:t>
             </a:r>
-            <a:endParaRPr lang="en-AU"/>
+            <a:endParaRPr lang="en-AU" dirty="0"/>
           </a:p>
         </p:txBody>
       </p:sp>
-      <p:sp>
-        <p:nvSpPr>
-          <p:cNvPr id="3" name="Content Placeholder 2">
+      <p:graphicFrame>
+        <p:nvGraphicFramePr>
+          <p:cNvPr id="5" name="Content Placeholder 4">
             <a:extLst>
               <a:ext uri="{FF2B5EF4-FFF2-40B4-BE49-F238E27FC236}">
-                <a16:creationId xmlns:a16="http://schemas.microsoft.com/office/drawing/2014/main" id="{B6D7D556-112E-434B-AFD9-8A9F178986D7}"/>
+                <a16:creationId xmlns:a16="http://schemas.microsoft.com/office/drawing/2014/main" id="{E3A6CDC6-A0F2-414A-BD66-65E82425AC64}"/>
               </a:ext>
             </a:extLst>
           </p:cNvPr>
-          <p:cNvSpPr>
-            <a:spLocks noGrp="1"/>
-          </p:cNvSpPr>
+          <p:cNvGraphicFramePr>
+            <a:graphicFrameLocks noGrp="1"/>
+          </p:cNvGraphicFramePr>
           <p:nvPr>
             <p:ph idx="1"/>
+            <p:extLst>
+              <p:ext uri="{D42A27DB-BD31-4B8C-83A1-F6EECF244321}">
+                <p14:modId xmlns:p14="http://schemas.microsoft.com/office/powerpoint/2010/main" val="2334022644"/>
+              </p:ext>
+            </p:extLst>
           </p:nvPr>
-        </p:nvSpPr>
-        <p:spPr>
-          <a:xfrm>
-            <a:off x="1353065" y="2436001"/>
-            <a:ext cx="9471453" cy="1845615"/>
-          </a:xfrm>
-        </p:spPr>
-        <p:txBody>
-          <a:bodyPr>
-            <a:normAutofit/>
-          </a:bodyPr>
-          <a:lstStyle/>
-          <a:p>
-            <a:r>
-              <a:rPr lang="en-AU" sz="2000" dirty="0">
-                <a:hlinkClick r:id="rId2"/>
-              </a:rPr>
-              <a:t>https://readify.sharepoint.com/the-way-we-work/Pages/OnBoard%20Easy.aspx</a:t>
-            </a:r>
-            <a:endParaRPr lang="en-AU" sz="2000" dirty="0"/>
-          </a:p>
-          <a:p>
-            <a:r>
-              <a:rPr lang="en-US" sz="2000" dirty="0">
-                <a:hlinkClick r:id="rId3"/>
-              </a:rPr>
-              <a:t>Support@readify.net</a:t>
-            </a:r>
-            <a:endParaRPr lang="en-US" sz="2000" dirty="0"/>
-          </a:p>
-          <a:p>
-            <a:r>
-              <a:rPr lang="en-AU" sz="2000" dirty="0"/>
-              <a:t>https://css-tricks.com/snippets/css/a-guide-to-flexbox/</a:t>
-            </a:r>
-          </a:p>
-        </p:txBody>
-      </p:sp>
+        </p:nvGraphicFramePr>
+        <p:xfrm>
+          <a:off x="1353065" y="1914525"/>
+          <a:ext cx="9052998" cy="2890838"/>
+        </p:xfrm>
+        <a:graphic>
+          <a:graphicData uri="http://schemas.openxmlformats.org/drawingml/2006/diagram">
+            <dgm:relIds xmlns:dgm="http://schemas.openxmlformats.org/drawingml/2006/diagram" xmlns:r="http://schemas.openxmlformats.org/officeDocument/2006/relationships" r:dm="rId2" r:lo="rId3" r:qs="rId4" r:cs="rId5"/>
+          </a:graphicData>
+        </a:graphic>
+      </p:graphicFrame>
       <p:sp>
         <p:nvSpPr>
           <p:cNvPr id="24" name="Freeform 6">
@@ -24163,7 +28146,7 @@
           <p:nvPr/>
         </p:nvPicPr>
         <p:blipFill>
-          <a:blip r:embed="rId4">
+          <a:blip r:embed="rId7">
             <a:extLst>
               <a:ext uri="{28A0092B-C50C-407E-A947-70E740481C1C}">
                 <a14:useLocalDpi xmlns:a14="http://schemas.microsoft.com/office/drawing/2010/main" val="0"/>
@@ -24178,6 +28161,156 @@
           <a:xfrm>
             <a:off x="8151962" y="4707584"/>
             <a:ext cx="2542433" cy="790979"/>
+          </a:xfrm>
+          <a:prstGeom prst="rect">
+            <a:avLst/>
+          </a:prstGeom>
+        </p:spPr>
+      </p:pic>
+      <p:pic>
+        <p:nvPicPr>
+          <p:cNvPr id="9" name="Picture 8">
+            <a:extLst>
+              <a:ext uri="{FF2B5EF4-FFF2-40B4-BE49-F238E27FC236}">
+                <a16:creationId xmlns:a16="http://schemas.microsoft.com/office/drawing/2014/main" id="{DA9F8440-A668-4DDF-863B-A7E2A208E8F1}"/>
+              </a:ext>
+            </a:extLst>
+          </p:cNvPr>
+          <p:cNvPicPr>
+            <a:picLocks noChangeAspect="1"/>
+          </p:cNvPicPr>
+          <p:nvPr/>
+        </p:nvPicPr>
+        <p:blipFill>
+          <a:blip r:embed="rId8">
+            <a:extLst>
+              <a:ext uri="{28A0092B-C50C-407E-A947-70E740481C1C}">
+                <a14:useLocalDpi xmlns:a14="http://schemas.microsoft.com/office/drawing/2010/main" val="0"/>
+              </a:ext>
+            </a:extLst>
+          </a:blip>
+          <a:stretch>
+            <a:fillRect/>
+          </a:stretch>
+        </p:blipFill>
+        <p:spPr>
+          <a:xfrm>
+            <a:off x="1438275" y="2193977"/>
+            <a:ext cx="528638" cy="309050"/>
+          </a:xfrm>
+          <a:prstGeom prst="rect">
+            <a:avLst/>
+          </a:prstGeom>
+        </p:spPr>
+      </p:pic>
+      <p:pic>
+        <p:nvPicPr>
+          <p:cNvPr id="11" name="Graphic 10" descr="Call center">
+            <a:extLst>
+              <a:ext uri="{FF2B5EF4-FFF2-40B4-BE49-F238E27FC236}">
+                <a16:creationId xmlns:a16="http://schemas.microsoft.com/office/drawing/2014/main" id="{07B7413C-E9F9-4B96-8328-6060467D1459}"/>
+              </a:ext>
+            </a:extLst>
+          </p:cNvPr>
+          <p:cNvPicPr>
+            <a:picLocks noChangeAspect="1"/>
+          </p:cNvPicPr>
+          <p:nvPr/>
+        </p:nvPicPr>
+        <p:blipFill>
+          <a:blip r:embed="rId9">
+            <a:extLst>
+              <a:ext uri="{28A0092B-C50C-407E-A947-70E740481C1C}">
+                <a14:useLocalDpi xmlns:a14="http://schemas.microsoft.com/office/drawing/2010/main" val="0"/>
+              </a:ext>
+              <a:ext uri="{96DAC541-7B7A-43D3-8B79-37D633B846F1}">
+                <asvg:svgBlip xmlns:asvg="http://schemas.microsoft.com/office/drawing/2016/SVG/main" r:embed="rId10"/>
+              </a:ext>
+            </a:extLst>
+          </a:blip>
+          <a:stretch>
+            <a:fillRect/>
+          </a:stretch>
+        </p:blipFill>
+        <p:spPr>
+          <a:xfrm>
+            <a:off x="1671743" y="2736924"/>
+            <a:ext cx="530051" cy="530051"/>
+          </a:xfrm>
+          <a:prstGeom prst="rect">
+            <a:avLst/>
+          </a:prstGeom>
+        </p:spPr>
+      </p:pic>
+      <p:pic>
+        <p:nvPicPr>
+          <p:cNvPr id="13" name="Graphic 12" descr="Microscope">
+            <a:extLst>
+              <a:ext uri="{FF2B5EF4-FFF2-40B4-BE49-F238E27FC236}">
+                <a16:creationId xmlns:a16="http://schemas.microsoft.com/office/drawing/2014/main" id="{DA93DBF8-63BA-4F93-86EF-646326788636}"/>
+              </a:ext>
+            </a:extLst>
+          </p:cNvPr>
+          <p:cNvPicPr>
+            <a:picLocks noChangeAspect="1"/>
+          </p:cNvPicPr>
+          <p:nvPr/>
+        </p:nvPicPr>
+        <p:blipFill>
+          <a:blip r:embed="rId11">
+            <a:extLst>
+              <a:ext uri="{28A0092B-C50C-407E-A947-70E740481C1C}">
+                <a14:useLocalDpi xmlns:a14="http://schemas.microsoft.com/office/drawing/2010/main" val="0"/>
+              </a:ext>
+              <a:ext uri="{96DAC541-7B7A-43D3-8B79-37D633B846F1}">
+                <asvg:svgBlip xmlns:asvg="http://schemas.microsoft.com/office/drawing/2016/SVG/main" r:embed="rId12"/>
+              </a:ext>
+            </a:extLst>
+          </a:blip>
+          <a:stretch>
+            <a:fillRect/>
+          </a:stretch>
+        </p:blipFill>
+        <p:spPr>
+          <a:xfrm>
+            <a:off x="1702594" y="3426103"/>
+            <a:ext cx="485260" cy="485260"/>
+          </a:xfrm>
+          <a:prstGeom prst="rect">
+            <a:avLst/>
+          </a:prstGeom>
+        </p:spPr>
+      </p:pic>
+      <p:pic>
+        <p:nvPicPr>
+          <p:cNvPr id="15" name="Picture 14">
+            <a:extLst>
+              <a:ext uri="{FF2B5EF4-FFF2-40B4-BE49-F238E27FC236}">
+                <a16:creationId xmlns:a16="http://schemas.microsoft.com/office/drawing/2014/main" id="{AFDE4455-0E1F-466D-B3D8-02E98018083C}"/>
+              </a:ext>
+            </a:extLst>
+          </p:cNvPr>
+          <p:cNvPicPr>
+            <a:picLocks noChangeAspect="1"/>
+          </p:cNvPicPr>
+          <p:nvPr/>
+        </p:nvPicPr>
+        <p:blipFill>
+          <a:blip r:embed="rId13">
+            <a:extLst>
+              <a:ext uri="{28A0092B-C50C-407E-A947-70E740481C1C}">
+                <a14:useLocalDpi xmlns:a14="http://schemas.microsoft.com/office/drawing/2010/main" val="0"/>
+              </a:ext>
+            </a:extLst>
+          </a:blip>
+          <a:stretch>
+            <a:fillRect/>
+          </a:stretch>
+        </p:blipFill>
+        <p:spPr>
+          <a:xfrm flipH="1">
+            <a:off x="1392495" y="4075255"/>
+            <a:ext cx="579180" cy="579180"/>
           </a:xfrm>
           <a:prstGeom prst="rect">
             <a:avLst/>
@@ -27778,6 +31911,355 @@
   <p:clrMapOvr>
     <a:masterClrMapping/>
   </p:clrMapOvr>
+  <p:timing>
+    <p:tnLst>
+      <p:par>
+        <p:cTn id="1" dur="indefinite" restart="never" nodeType="tmRoot">
+          <p:childTnLst>
+            <p:seq concurrent="1" nextAc="seek">
+              <p:cTn id="2" dur="indefinite" nodeType="mainSeq">
+                <p:childTnLst>
+                  <p:par>
+                    <p:cTn id="3" fill="hold">
+                      <p:stCondLst>
+                        <p:cond delay="indefinite"/>
+                      </p:stCondLst>
+                      <p:childTnLst>
+                        <p:par>
+                          <p:cTn id="4" fill="hold">
+                            <p:stCondLst>
+                              <p:cond delay="0"/>
+                            </p:stCondLst>
+                            <p:childTnLst>
+                              <p:par>
+                                <p:cTn id="5" presetID="10" presetClass="entr" presetSubtype="0" fill="hold" grpId="0" nodeType="clickEffect">
+                                  <p:stCondLst>
+                                    <p:cond delay="0"/>
+                                  </p:stCondLst>
+                                  <p:childTnLst>
+                                    <p:set>
+                                      <p:cBhvr>
+                                        <p:cTn id="6" dur="1" fill="hold">
+                                          <p:stCondLst>
+                                            <p:cond delay="0"/>
+                                          </p:stCondLst>
+                                        </p:cTn>
+                                        <p:tgtEl>
+                                          <p:spTgt spid="5">
+                                            <p:graphicEl>
+                                              <a:dgm id="{FD9F987C-F35D-4983-89E7-4503C925D4B1}"/>
+                                            </p:graphicEl>
+                                          </p:spTgt>
+                                        </p:tgtEl>
+                                        <p:attrNameLst>
+                                          <p:attrName>style.visibility</p:attrName>
+                                        </p:attrNameLst>
+                                      </p:cBhvr>
+                                      <p:to>
+                                        <p:strVal val="visible"/>
+                                      </p:to>
+                                    </p:set>
+                                    <p:animEffect transition="in" filter="fade">
+                                      <p:cBhvr>
+                                        <p:cTn id="7" dur="500"/>
+                                        <p:tgtEl>
+                                          <p:spTgt spid="5">
+                                            <p:graphicEl>
+                                              <a:dgm id="{FD9F987C-F35D-4983-89E7-4503C925D4B1}"/>
+                                            </p:graphicEl>
+                                          </p:spTgt>
+                                        </p:tgtEl>
+                                      </p:cBhvr>
+                                    </p:animEffect>
+                                  </p:childTnLst>
+                                </p:cTn>
+                              </p:par>
+                              <p:par>
+                                <p:cTn id="8" presetID="10" presetClass="entr" presetSubtype="0" fill="hold" grpId="0" nodeType="withEffect">
+                                  <p:stCondLst>
+                                    <p:cond delay="0"/>
+                                  </p:stCondLst>
+                                  <p:childTnLst>
+                                    <p:set>
+                                      <p:cBhvr>
+                                        <p:cTn id="9" dur="1" fill="hold">
+                                          <p:stCondLst>
+                                            <p:cond delay="0"/>
+                                          </p:stCondLst>
+                                        </p:cTn>
+                                        <p:tgtEl>
+                                          <p:spTgt spid="5">
+                                            <p:graphicEl>
+                                              <a:dgm id="{FAC3C4D1-6374-406F-B809-5DC6E4A05D74}"/>
+                                            </p:graphicEl>
+                                          </p:spTgt>
+                                        </p:tgtEl>
+                                        <p:attrNameLst>
+                                          <p:attrName>style.visibility</p:attrName>
+                                        </p:attrNameLst>
+                                      </p:cBhvr>
+                                      <p:to>
+                                        <p:strVal val="visible"/>
+                                      </p:to>
+                                    </p:set>
+                                    <p:animEffect transition="in" filter="fade">
+                                      <p:cBhvr>
+                                        <p:cTn id="10" dur="500"/>
+                                        <p:tgtEl>
+                                          <p:spTgt spid="5">
+                                            <p:graphicEl>
+                                              <a:dgm id="{FAC3C4D1-6374-406F-B809-5DC6E4A05D74}"/>
+                                            </p:graphicEl>
+                                          </p:spTgt>
+                                        </p:tgtEl>
+                                      </p:cBhvr>
+                                    </p:animEffect>
+                                  </p:childTnLst>
+                                </p:cTn>
+                              </p:par>
+                            </p:childTnLst>
+                          </p:cTn>
+                        </p:par>
+                      </p:childTnLst>
+                    </p:cTn>
+                  </p:par>
+                  <p:par>
+                    <p:cTn id="11" fill="hold">
+                      <p:stCondLst>
+                        <p:cond delay="indefinite"/>
+                      </p:stCondLst>
+                      <p:childTnLst>
+                        <p:par>
+                          <p:cTn id="12" fill="hold">
+                            <p:stCondLst>
+                              <p:cond delay="0"/>
+                            </p:stCondLst>
+                            <p:childTnLst>
+                              <p:par>
+                                <p:cTn id="13" presetID="10" presetClass="entr" presetSubtype="0" fill="hold" grpId="0" nodeType="clickEffect">
+                                  <p:stCondLst>
+                                    <p:cond delay="0"/>
+                                  </p:stCondLst>
+                                  <p:childTnLst>
+                                    <p:set>
+                                      <p:cBhvr>
+                                        <p:cTn id="14" dur="1" fill="hold">
+                                          <p:stCondLst>
+                                            <p:cond delay="0"/>
+                                          </p:stCondLst>
+                                        </p:cTn>
+                                        <p:tgtEl>
+                                          <p:spTgt spid="5">
+                                            <p:graphicEl>
+                                              <a:dgm id="{C1C710BE-B64D-4832-A034-8FB92EA7DBC0}"/>
+                                            </p:graphicEl>
+                                          </p:spTgt>
+                                        </p:tgtEl>
+                                        <p:attrNameLst>
+                                          <p:attrName>style.visibility</p:attrName>
+                                        </p:attrNameLst>
+                                      </p:cBhvr>
+                                      <p:to>
+                                        <p:strVal val="visible"/>
+                                      </p:to>
+                                    </p:set>
+                                    <p:animEffect transition="in" filter="fade">
+                                      <p:cBhvr>
+                                        <p:cTn id="15" dur="500"/>
+                                        <p:tgtEl>
+                                          <p:spTgt spid="5">
+                                            <p:graphicEl>
+                                              <a:dgm id="{C1C710BE-B64D-4832-A034-8FB92EA7DBC0}"/>
+                                            </p:graphicEl>
+                                          </p:spTgt>
+                                        </p:tgtEl>
+                                      </p:cBhvr>
+                                    </p:animEffect>
+                                  </p:childTnLst>
+                                </p:cTn>
+                              </p:par>
+                              <p:par>
+                                <p:cTn id="16" presetID="10" presetClass="entr" presetSubtype="0" fill="hold" grpId="0" nodeType="withEffect">
+                                  <p:stCondLst>
+                                    <p:cond delay="0"/>
+                                  </p:stCondLst>
+                                  <p:childTnLst>
+                                    <p:set>
+                                      <p:cBhvr>
+                                        <p:cTn id="17" dur="1" fill="hold">
+                                          <p:stCondLst>
+                                            <p:cond delay="0"/>
+                                          </p:stCondLst>
+                                        </p:cTn>
+                                        <p:tgtEl>
+                                          <p:spTgt spid="5">
+                                            <p:graphicEl>
+                                              <a:dgm id="{71A7AA17-908F-472E-84C6-F750CAD8EE81}"/>
+                                            </p:graphicEl>
+                                          </p:spTgt>
+                                        </p:tgtEl>
+                                        <p:attrNameLst>
+                                          <p:attrName>style.visibility</p:attrName>
+                                        </p:attrNameLst>
+                                      </p:cBhvr>
+                                      <p:to>
+                                        <p:strVal val="visible"/>
+                                      </p:to>
+                                    </p:set>
+                                    <p:animEffect transition="in" filter="fade">
+                                      <p:cBhvr>
+                                        <p:cTn id="18" dur="500"/>
+                                        <p:tgtEl>
+                                          <p:spTgt spid="5">
+                                            <p:graphicEl>
+                                              <a:dgm id="{71A7AA17-908F-472E-84C6-F750CAD8EE81}"/>
+                                            </p:graphicEl>
+                                          </p:spTgt>
+                                        </p:tgtEl>
+                                      </p:cBhvr>
+                                    </p:animEffect>
+                                  </p:childTnLst>
+                                </p:cTn>
+                              </p:par>
+                            </p:childTnLst>
+                          </p:cTn>
+                        </p:par>
+                      </p:childTnLst>
+                    </p:cTn>
+                  </p:par>
+                  <p:par>
+                    <p:cTn id="19" fill="hold">
+                      <p:stCondLst>
+                        <p:cond delay="indefinite"/>
+                      </p:stCondLst>
+                      <p:childTnLst>
+                        <p:par>
+                          <p:cTn id="20" fill="hold">
+                            <p:stCondLst>
+                              <p:cond delay="0"/>
+                            </p:stCondLst>
+                            <p:childTnLst>
+                              <p:par>
+                                <p:cTn id="21" presetID="10" presetClass="entr" presetSubtype="0" fill="hold" grpId="0" nodeType="clickEffect">
+                                  <p:stCondLst>
+                                    <p:cond delay="0"/>
+                                  </p:stCondLst>
+                                  <p:childTnLst>
+                                    <p:set>
+                                      <p:cBhvr>
+                                        <p:cTn id="22" dur="1" fill="hold">
+                                          <p:stCondLst>
+                                            <p:cond delay="0"/>
+                                          </p:stCondLst>
+                                        </p:cTn>
+                                        <p:tgtEl>
+                                          <p:spTgt spid="5">
+                                            <p:graphicEl>
+                                              <a:dgm id="{913CB49B-E8E6-4ABE-964A-4A21CB100752}"/>
+                                            </p:graphicEl>
+                                          </p:spTgt>
+                                        </p:tgtEl>
+                                        <p:attrNameLst>
+                                          <p:attrName>style.visibility</p:attrName>
+                                        </p:attrNameLst>
+                                      </p:cBhvr>
+                                      <p:to>
+                                        <p:strVal val="visible"/>
+                                      </p:to>
+                                    </p:set>
+                                    <p:animEffect transition="in" filter="fade">
+                                      <p:cBhvr>
+                                        <p:cTn id="23" dur="500"/>
+                                        <p:tgtEl>
+                                          <p:spTgt spid="5">
+                                            <p:graphicEl>
+                                              <a:dgm id="{913CB49B-E8E6-4ABE-964A-4A21CB100752}"/>
+                                            </p:graphicEl>
+                                          </p:spTgt>
+                                        </p:tgtEl>
+                                      </p:cBhvr>
+                                    </p:animEffect>
+                                  </p:childTnLst>
+                                </p:cTn>
+                              </p:par>
+                              <p:par>
+                                <p:cTn id="24" presetID="10" presetClass="entr" presetSubtype="0" fill="hold" grpId="0" nodeType="withEffect">
+                                  <p:stCondLst>
+                                    <p:cond delay="0"/>
+                                  </p:stCondLst>
+                                  <p:childTnLst>
+                                    <p:set>
+                                      <p:cBhvr>
+                                        <p:cTn id="25" dur="1" fill="hold">
+                                          <p:stCondLst>
+                                            <p:cond delay="0"/>
+                                          </p:stCondLst>
+                                        </p:cTn>
+                                        <p:tgtEl>
+                                          <p:spTgt spid="5">
+                                            <p:graphicEl>
+                                              <a:dgm id="{B6DDA41A-4C44-4CE1-BFDD-8B2BFDEDCFAD}"/>
+                                            </p:graphicEl>
+                                          </p:spTgt>
+                                        </p:tgtEl>
+                                        <p:attrNameLst>
+                                          <p:attrName>style.visibility</p:attrName>
+                                        </p:attrNameLst>
+                                      </p:cBhvr>
+                                      <p:to>
+                                        <p:strVal val="visible"/>
+                                      </p:to>
+                                    </p:set>
+                                    <p:animEffect transition="in" filter="fade">
+                                      <p:cBhvr>
+                                        <p:cTn id="26" dur="500"/>
+                                        <p:tgtEl>
+                                          <p:spTgt spid="5">
+                                            <p:graphicEl>
+                                              <a:dgm id="{B6DDA41A-4C44-4CE1-BFDD-8B2BFDEDCFAD}"/>
+                                            </p:graphicEl>
+                                          </p:spTgt>
+                                        </p:tgtEl>
+                                      </p:cBhvr>
+                                    </p:animEffect>
+                                  </p:childTnLst>
+                                </p:cTn>
+                              </p:par>
+                            </p:childTnLst>
+                          </p:cTn>
+                        </p:par>
+                      </p:childTnLst>
+                    </p:cTn>
+                  </p:par>
+                </p:childTnLst>
+              </p:cTn>
+              <p:prevCondLst>
+                <p:cond evt="onPrev" delay="0">
+                  <p:tgtEl>
+                    <p:sldTgt/>
+                  </p:tgtEl>
+                </p:cond>
+              </p:prevCondLst>
+              <p:nextCondLst>
+                <p:cond evt="onNext" delay="0">
+                  <p:tgtEl>
+                    <p:sldTgt/>
+                  </p:tgtEl>
+                </p:cond>
+              </p:nextCondLst>
+            </p:seq>
+          </p:childTnLst>
+        </p:cTn>
+      </p:par>
+    </p:tnLst>
+    <p:bldLst>
+      <p:bldGraphic spid="5" grpId="0">
+        <p:bldSub>
+          <a:bldDgm bld="one"/>
+        </p:bldSub>
+      </p:bldGraphic>
+    </p:bldLst>
+  </p:timing>
 </p:sld>
 </file>
 

--- a/OnboardEasy.pptx
+++ b/OnboardEasy.pptx
@@ -5,7 +5,7 @@
     <p:sldMasterId id="2147483878" r:id="rId1"/>
   </p:sldMasterIdLst>
   <p:notesMasterIdLst>
-    <p:notesMasterId r:id="rId21"/>
+    <p:notesMasterId r:id="rId24"/>
   </p:notesMasterIdLst>
   <p:sldIdLst>
     <p:sldId id="256" r:id="rId2"/>
@@ -20,13 +20,16 @@
     <p:sldId id="266" r:id="rId11"/>
     <p:sldId id="267" r:id="rId12"/>
     <p:sldId id="268" r:id="rId13"/>
-    <p:sldId id="269" r:id="rId14"/>
-    <p:sldId id="270" r:id="rId15"/>
-    <p:sldId id="271" r:id="rId16"/>
-    <p:sldId id="272" r:id="rId17"/>
-    <p:sldId id="274" r:id="rId18"/>
-    <p:sldId id="273" r:id="rId19"/>
-    <p:sldId id="260" r:id="rId20"/>
+    <p:sldId id="277" r:id="rId14"/>
+    <p:sldId id="269" r:id="rId15"/>
+    <p:sldId id="270" r:id="rId16"/>
+    <p:sldId id="271" r:id="rId17"/>
+    <p:sldId id="275" r:id="rId18"/>
+    <p:sldId id="276" r:id="rId19"/>
+    <p:sldId id="272" r:id="rId20"/>
+    <p:sldId id="274" r:id="rId21"/>
+    <p:sldId id="273" r:id="rId22"/>
+    <p:sldId id="260" r:id="rId23"/>
   </p:sldIdLst>
   <p:sldSz cx="12192000" cy="6858000"/>
   <p:notesSz cx="6858000" cy="9144000"/>
@@ -17963,7 +17966,7 @@
           <a:p>
             <a:fld id="{9257357E-6661-4C4C-980D-47CA35EC212A}" type="datetimeFigureOut">
               <a:rPr lang="en-AU" smtClean="0"/>
-              <a:t>13/12/2018</a:t>
+              <a:t>14/12/2018</a:t>
             </a:fld>
             <a:endParaRPr lang="en-AU"/>
           </a:p>
@@ -18474,7 +18477,7 @@
           <a:p>
             <a:fld id="{7DF8532D-0D85-447B-9169-0B62AFE3D156}" type="slidenum">
               <a:rPr lang="en-AU" smtClean="0"/>
-              <a:t>17</a:t>
+              <a:t>20</a:t>
             </a:fld>
             <a:endParaRPr lang="en-AU"/>
           </a:p>
@@ -18642,7 +18645,7 @@
           <a:p>
             <a:fld id="{75E5182C-1CFE-4597-BE72-C05B2D128D27}" type="datetimeFigureOut">
               <a:rPr lang="en-AU" smtClean="0"/>
-              <a:t>13/12/2018</a:t>
+              <a:t>14/12/2018</a:t>
             </a:fld>
             <a:endParaRPr lang="en-AU"/>
           </a:p>
@@ -18842,7 +18845,7 @@
           <a:p>
             <a:fld id="{75E5182C-1CFE-4597-BE72-C05B2D128D27}" type="datetimeFigureOut">
               <a:rPr lang="en-AU" smtClean="0"/>
-              <a:t>13/12/2018</a:t>
+              <a:t>14/12/2018</a:t>
             </a:fld>
             <a:endParaRPr lang="en-AU"/>
           </a:p>
@@ -19052,7 +19055,7 @@
           <a:p>
             <a:fld id="{75E5182C-1CFE-4597-BE72-C05B2D128D27}" type="datetimeFigureOut">
               <a:rPr lang="en-AU" smtClean="0"/>
-              <a:t>13/12/2018</a:t>
+              <a:t>14/12/2018</a:t>
             </a:fld>
             <a:endParaRPr lang="en-AU"/>
           </a:p>
@@ -19252,7 +19255,7 @@
           <a:p>
             <a:fld id="{75E5182C-1CFE-4597-BE72-C05B2D128D27}" type="datetimeFigureOut">
               <a:rPr lang="en-AU" smtClean="0"/>
-              <a:t>13/12/2018</a:t>
+              <a:t>14/12/2018</a:t>
             </a:fld>
             <a:endParaRPr lang="en-AU"/>
           </a:p>
@@ -19528,7 +19531,7 @@
           <a:p>
             <a:fld id="{75E5182C-1CFE-4597-BE72-C05B2D128D27}" type="datetimeFigureOut">
               <a:rPr lang="en-AU" smtClean="0"/>
-              <a:t>13/12/2018</a:t>
+              <a:t>14/12/2018</a:t>
             </a:fld>
             <a:endParaRPr lang="en-AU"/>
           </a:p>
@@ -19796,7 +19799,7 @@
           <a:p>
             <a:fld id="{75E5182C-1CFE-4597-BE72-C05B2D128D27}" type="datetimeFigureOut">
               <a:rPr lang="en-AU" smtClean="0"/>
-              <a:t>13/12/2018</a:t>
+              <a:t>14/12/2018</a:t>
             </a:fld>
             <a:endParaRPr lang="en-AU"/>
           </a:p>
@@ -20211,7 +20214,7 @@
           <a:p>
             <a:fld id="{75E5182C-1CFE-4597-BE72-C05B2D128D27}" type="datetimeFigureOut">
               <a:rPr lang="en-AU" smtClean="0"/>
-              <a:t>13/12/2018</a:t>
+              <a:t>14/12/2018</a:t>
             </a:fld>
             <a:endParaRPr lang="en-AU"/>
           </a:p>
@@ -20353,7 +20356,7 @@
           <a:p>
             <a:fld id="{75E5182C-1CFE-4597-BE72-C05B2D128D27}" type="datetimeFigureOut">
               <a:rPr lang="en-AU" smtClean="0"/>
-              <a:t>13/12/2018</a:t>
+              <a:t>14/12/2018</a:t>
             </a:fld>
             <a:endParaRPr lang="en-AU"/>
           </a:p>
@@ -20466,7 +20469,7 @@
           <a:p>
             <a:fld id="{75E5182C-1CFE-4597-BE72-C05B2D128D27}" type="datetimeFigureOut">
               <a:rPr lang="en-AU" smtClean="0"/>
-              <a:t>13/12/2018</a:t>
+              <a:t>14/12/2018</a:t>
             </a:fld>
             <a:endParaRPr lang="en-AU"/>
           </a:p>
@@ -20779,7 +20782,7 @@
           <a:p>
             <a:fld id="{75E5182C-1CFE-4597-BE72-C05B2D128D27}" type="datetimeFigureOut">
               <a:rPr lang="en-AU" smtClean="0"/>
-              <a:t>13/12/2018</a:t>
+              <a:t>14/12/2018</a:t>
             </a:fld>
             <a:endParaRPr lang="en-AU"/>
           </a:p>
@@ -21068,7 +21071,7 @@
           <a:p>
             <a:fld id="{75E5182C-1CFE-4597-BE72-C05B2D128D27}" type="datetimeFigureOut">
               <a:rPr lang="en-AU" smtClean="0"/>
-              <a:t>13/12/2018</a:t>
+              <a:t>14/12/2018</a:t>
             </a:fld>
             <a:endParaRPr lang="en-AU"/>
           </a:p>
@@ -21311,7 +21314,7 @@
           <a:p>
             <a:fld id="{75E5182C-1CFE-4597-BE72-C05B2D128D27}" type="datetimeFigureOut">
               <a:rPr lang="en-AU" smtClean="0"/>
-              <a:t>13/12/2018</a:t>
+              <a:t>14/12/2018</a:t>
             </a:fld>
             <a:endParaRPr lang="en-AU"/>
           </a:p>
@@ -22948,8 +22951,8 @@
         </p:nvSpPr>
         <p:spPr>
           <a:xfrm>
-            <a:off x="655320" y="365125"/>
-            <a:ext cx="9013052" cy="1623312"/>
+            <a:off x="655320" y="365124"/>
+            <a:ext cx="9013052" cy="1393153"/>
           </a:xfrm>
         </p:spPr>
         <p:txBody>
@@ -22959,10 +22962,10 @@
           <a:lstStyle/>
           <a:p>
             <a:r>
-              <a:rPr lang="en-US" sz="4000"/>
+              <a:rPr lang="en-US" sz="4000" dirty="0"/>
               <a:t>Lessons Learnt</a:t>
             </a:r>
-            <a:endParaRPr lang="en-AU" sz="4000"/>
+            <a:endParaRPr lang="en-AU" sz="4000" dirty="0"/>
           </a:p>
         </p:txBody>
       </p:sp>
@@ -23038,12 +23041,12 @@
         <p:spPr>
           <a:xfrm>
             <a:off x="655320" y="2644518"/>
-            <a:ext cx="9013052" cy="3327251"/>
+            <a:ext cx="9013052" cy="3370517"/>
           </a:xfrm>
         </p:spPr>
         <p:txBody>
           <a:bodyPr>
-            <a:normAutofit/>
+            <a:normAutofit lnSpcReduction="10000"/>
           </a:bodyPr>
           <a:lstStyle/>
           <a:p>
@@ -23063,6 +23066,12 @@
             <a:r>
               <a:rPr lang="en-US" sz="2000" dirty="0"/>
               <a:t>Use existing tools as much as possible</a:t>
+            </a:r>
+          </a:p>
+          <a:p>
+            <a:r>
+              <a:rPr lang="en-US" sz="2400" dirty="0"/>
+              <a:t>Taking browser requirements is essential</a:t>
             </a:r>
           </a:p>
           <a:p>
@@ -23740,6 +23749,109 @@
                       </p:childTnLst>
                     </p:cTn>
                   </p:par>
+                  <p:par>
+                    <p:cTn id="37" fill="hold">
+                      <p:stCondLst>
+                        <p:cond delay="indefinite"/>
+                      </p:stCondLst>
+                      <p:childTnLst>
+                        <p:par>
+                          <p:cTn id="38" fill="hold">
+                            <p:stCondLst>
+                              <p:cond delay="0"/>
+                            </p:stCondLst>
+                            <p:childTnLst>
+                              <p:par>
+                                <p:cTn id="39" presetID="2" presetClass="entr" presetSubtype="2" fill="hold" grpId="0" nodeType="clickEffect">
+                                  <p:stCondLst>
+                                    <p:cond delay="0"/>
+                                  </p:stCondLst>
+                                  <p:childTnLst>
+                                    <p:set>
+                                      <p:cBhvr>
+                                        <p:cTn id="40" dur="1" fill="hold">
+                                          <p:stCondLst>
+                                            <p:cond delay="0"/>
+                                          </p:stCondLst>
+                                        </p:cTn>
+                                        <p:tgtEl>
+                                          <p:spTgt spid="3">
+                                            <p:txEl>
+                                              <p:pRg st="6" end="6"/>
+                                            </p:txEl>
+                                          </p:spTgt>
+                                        </p:tgtEl>
+                                        <p:attrNameLst>
+                                          <p:attrName>style.visibility</p:attrName>
+                                        </p:attrNameLst>
+                                      </p:cBhvr>
+                                      <p:to>
+                                        <p:strVal val="visible"/>
+                                      </p:to>
+                                    </p:set>
+                                    <p:anim calcmode="lin" valueType="num">
+                                      <p:cBhvr additive="base">
+                                        <p:cTn id="41" dur="500" fill="hold"/>
+                                        <p:tgtEl>
+                                          <p:spTgt spid="3">
+                                            <p:txEl>
+                                              <p:pRg st="6" end="6"/>
+                                            </p:txEl>
+                                          </p:spTgt>
+                                        </p:tgtEl>
+                                        <p:attrNameLst>
+                                          <p:attrName>ppt_x</p:attrName>
+                                        </p:attrNameLst>
+                                      </p:cBhvr>
+                                      <p:tavLst>
+                                        <p:tav tm="0">
+                                          <p:val>
+                                            <p:strVal val="1+#ppt_w/2"/>
+                                          </p:val>
+                                        </p:tav>
+                                        <p:tav tm="100000">
+                                          <p:val>
+                                            <p:strVal val="#ppt_x"/>
+                                          </p:val>
+                                        </p:tav>
+                                      </p:tavLst>
+                                    </p:anim>
+                                    <p:anim calcmode="lin" valueType="num">
+                                      <p:cBhvr additive="base">
+                                        <p:cTn id="42" dur="500" fill="hold"/>
+                                        <p:tgtEl>
+                                          <p:spTgt spid="3">
+                                            <p:txEl>
+                                              <p:pRg st="6" end="6"/>
+                                            </p:txEl>
+                                          </p:spTgt>
+                                        </p:tgtEl>
+                                        <p:attrNameLst>
+                                          <p:attrName>ppt_y</p:attrName>
+                                        </p:attrNameLst>
+                                      </p:cBhvr>
+                                      <p:tavLst>
+                                        <p:tav tm="0">
+                                          <p:val>
+                                            <p:strVal val="#ppt_y"/>
+                                          </p:val>
+                                        </p:tav>
+                                        <p:tav tm="100000">
+                                          <p:val>
+                                            <p:strVal val="#ppt_y"/>
+                                          </p:val>
+                                        </p:tav>
+                                      </p:tavLst>
+                                    </p:anim>
+                                  </p:childTnLst>
+                                </p:cTn>
+                              </p:par>
+                            </p:childTnLst>
+                          </p:cTn>
+                        </p:par>
+                      </p:childTnLst>
+                    </p:cTn>
+                  </p:par>
                 </p:childTnLst>
               </p:cTn>
               <p:prevCondLst>
@@ -23823,7 +23935,7 @@
           <a:p>
             <a:r>
               <a:rPr lang="en-US" dirty="0"/>
-              <a:t>Flex box Layout Module</a:t>
+              <a:t>CSS Flexible box Layout Module</a:t>
             </a:r>
             <a:endParaRPr lang="en-AU" dirty="0"/>
           </a:p>
@@ -23853,7 +23965,7 @@
         </p:spPr>
         <p:txBody>
           <a:bodyPr anchor="ctr">
-            <a:normAutofit/>
+            <a:normAutofit fontScale="92500" lnSpcReduction="10000"/>
           </a:bodyPr>
           <a:lstStyle/>
           <a:p>
@@ -23893,6 +24005,22 @@
                 <a:latin typeface="Abadi" panose="020B0604020202020204" pitchFamily="34" charset="0"/>
               </a:rPr>
               <a:t>A flex container expands items to fill available free space, or shrinks them to prevent overflow</a:t>
+            </a:r>
+          </a:p>
+          <a:p>
+            <a:r>
+              <a:rPr lang="en-US" sz="2400" dirty="0">
+                <a:latin typeface="Abadi" panose="020B0604020202020204" pitchFamily="34" charset="0"/>
+              </a:rPr>
+              <a:t>Consist of a bunch of properties, some intended for the container and some for the items inside the container</a:t>
+            </a:r>
+          </a:p>
+          <a:p>
+            <a:r>
+              <a:rPr lang="en-US" sz="2400" dirty="0">
+                <a:latin typeface="Abadi" panose="020B0604020202020204" pitchFamily="34" charset="0"/>
+              </a:rPr>
+              <a:t>No additional package required, it is part of CSS</a:t>
             </a:r>
             <a:endParaRPr lang="en-AU" sz="2400" dirty="0">
               <a:latin typeface="Abadi" panose="020B0604020202020204" pitchFamily="34" charset="0"/>
@@ -24581,6 +24709,236 @@
                       </p:childTnLst>
                     </p:cTn>
                   </p:par>
+                  <p:par>
+                    <p:cTn id="31" fill="hold">
+                      <p:stCondLst>
+                        <p:cond delay="indefinite"/>
+                      </p:stCondLst>
+                      <p:childTnLst>
+                        <p:par>
+                          <p:cTn id="32" fill="hold">
+                            <p:stCondLst>
+                              <p:cond delay="0"/>
+                            </p:stCondLst>
+                            <p:childTnLst>
+                              <p:par>
+                                <p:cTn id="33" presetID="42" presetClass="entr" presetSubtype="0" fill="hold" grpId="0" nodeType="clickEffect">
+                                  <p:stCondLst>
+                                    <p:cond delay="0"/>
+                                  </p:stCondLst>
+                                  <p:childTnLst>
+                                    <p:set>
+                                      <p:cBhvr>
+                                        <p:cTn id="34" dur="1" fill="hold">
+                                          <p:stCondLst>
+                                            <p:cond delay="0"/>
+                                          </p:stCondLst>
+                                        </p:cTn>
+                                        <p:tgtEl>
+                                          <p:spTgt spid="19">
+                                            <p:txEl>
+                                              <p:pRg st="4" end="4"/>
+                                            </p:txEl>
+                                          </p:spTgt>
+                                        </p:tgtEl>
+                                        <p:attrNameLst>
+                                          <p:attrName>style.visibility</p:attrName>
+                                        </p:attrNameLst>
+                                      </p:cBhvr>
+                                      <p:to>
+                                        <p:strVal val="visible"/>
+                                      </p:to>
+                                    </p:set>
+                                    <p:animEffect transition="in" filter="fade">
+                                      <p:cBhvr>
+                                        <p:cTn id="35" dur="1000"/>
+                                        <p:tgtEl>
+                                          <p:spTgt spid="19">
+                                            <p:txEl>
+                                              <p:pRg st="4" end="4"/>
+                                            </p:txEl>
+                                          </p:spTgt>
+                                        </p:tgtEl>
+                                      </p:cBhvr>
+                                    </p:animEffect>
+                                    <p:anim calcmode="lin" valueType="num">
+                                      <p:cBhvr>
+                                        <p:cTn id="36" dur="1000" fill="hold"/>
+                                        <p:tgtEl>
+                                          <p:spTgt spid="19">
+                                            <p:txEl>
+                                              <p:pRg st="4" end="4"/>
+                                            </p:txEl>
+                                          </p:spTgt>
+                                        </p:tgtEl>
+                                        <p:attrNameLst>
+                                          <p:attrName>ppt_x</p:attrName>
+                                        </p:attrNameLst>
+                                      </p:cBhvr>
+                                      <p:tavLst>
+                                        <p:tav tm="0">
+                                          <p:val>
+                                            <p:strVal val="#ppt_x"/>
+                                          </p:val>
+                                        </p:tav>
+                                        <p:tav tm="100000">
+                                          <p:val>
+                                            <p:strVal val="#ppt_x"/>
+                                          </p:val>
+                                        </p:tav>
+                                      </p:tavLst>
+                                    </p:anim>
+                                    <p:anim calcmode="lin" valueType="num">
+                                      <p:cBhvr>
+                                        <p:cTn id="37" dur="1000" fill="hold"/>
+                                        <p:tgtEl>
+                                          <p:spTgt spid="19">
+                                            <p:txEl>
+                                              <p:pRg st="4" end="4"/>
+                                            </p:txEl>
+                                          </p:spTgt>
+                                        </p:tgtEl>
+                                        <p:attrNameLst>
+                                          <p:attrName>ppt_y</p:attrName>
+                                        </p:attrNameLst>
+                                      </p:cBhvr>
+                                      <p:tavLst>
+                                        <p:tav tm="0">
+                                          <p:val>
+                                            <p:strVal val="#ppt_y+.1"/>
+                                          </p:val>
+                                        </p:tav>
+                                        <p:tav tm="100000">
+                                          <p:val>
+                                            <p:strVal val="#ppt_y"/>
+                                          </p:val>
+                                        </p:tav>
+                                      </p:tavLst>
+                                    </p:anim>
+                                  </p:childTnLst>
+                                </p:cTn>
+                              </p:par>
+                            </p:childTnLst>
+                          </p:cTn>
+                        </p:par>
+                      </p:childTnLst>
+                    </p:cTn>
+                  </p:par>
+                  <p:par>
+                    <p:cTn id="38" fill="hold">
+                      <p:stCondLst>
+                        <p:cond delay="indefinite"/>
+                      </p:stCondLst>
+                      <p:childTnLst>
+                        <p:par>
+                          <p:cTn id="39" fill="hold">
+                            <p:stCondLst>
+                              <p:cond delay="0"/>
+                            </p:stCondLst>
+                            <p:childTnLst>
+                              <p:par>
+                                <p:cTn id="40" presetID="42" presetClass="entr" presetSubtype="0" fill="hold" grpId="0" nodeType="clickEffect">
+                                  <p:stCondLst>
+                                    <p:cond delay="0"/>
+                                  </p:stCondLst>
+                                  <p:childTnLst>
+                                    <p:set>
+                                      <p:cBhvr>
+                                        <p:cTn id="41" dur="1" fill="hold">
+                                          <p:stCondLst>
+                                            <p:cond delay="0"/>
+                                          </p:stCondLst>
+                                        </p:cTn>
+                                        <p:tgtEl>
+                                          <p:spTgt spid="19">
+                                            <p:txEl>
+                                              <p:pRg st="5" end="5"/>
+                                            </p:txEl>
+                                          </p:spTgt>
+                                        </p:tgtEl>
+                                        <p:attrNameLst>
+                                          <p:attrName>style.visibility</p:attrName>
+                                        </p:attrNameLst>
+                                      </p:cBhvr>
+                                      <p:to>
+                                        <p:strVal val="visible"/>
+                                      </p:to>
+                                    </p:set>
+                                    <p:animEffect transition="in" filter="fade">
+                                      <p:cBhvr>
+                                        <p:cTn id="42" dur="1000"/>
+                                        <p:tgtEl>
+                                          <p:spTgt spid="19">
+                                            <p:txEl>
+                                              <p:pRg st="5" end="5"/>
+                                            </p:txEl>
+                                          </p:spTgt>
+                                        </p:tgtEl>
+                                      </p:cBhvr>
+                                    </p:animEffect>
+                                    <p:anim calcmode="lin" valueType="num">
+                                      <p:cBhvr>
+                                        <p:cTn id="43" dur="1000" fill="hold"/>
+                                        <p:tgtEl>
+                                          <p:spTgt spid="19">
+                                            <p:txEl>
+                                              <p:pRg st="5" end="5"/>
+                                            </p:txEl>
+                                          </p:spTgt>
+                                        </p:tgtEl>
+                                        <p:attrNameLst>
+                                          <p:attrName>ppt_x</p:attrName>
+                                        </p:attrNameLst>
+                                      </p:cBhvr>
+                                      <p:tavLst>
+                                        <p:tav tm="0">
+                                          <p:val>
+                                            <p:strVal val="#ppt_x"/>
+                                          </p:val>
+                                        </p:tav>
+                                        <p:tav tm="100000">
+                                          <p:val>
+                                            <p:strVal val="#ppt_x"/>
+                                          </p:val>
+                                        </p:tav>
+                                      </p:tavLst>
+                                    </p:anim>
+                                    <p:anim calcmode="lin" valueType="num">
+                                      <p:cBhvr>
+                                        <p:cTn id="44" dur="1000" fill="hold"/>
+                                        <p:tgtEl>
+                                          <p:spTgt spid="19">
+                                            <p:txEl>
+                                              <p:pRg st="5" end="5"/>
+                                            </p:txEl>
+                                          </p:spTgt>
+                                        </p:tgtEl>
+                                        <p:attrNameLst>
+                                          <p:attrName>ppt_y</p:attrName>
+                                        </p:attrNameLst>
+                                      </p:cBhvr>
+                                      <p:tavLst>
+                                        <p:tav tm="0">
+                                          <p:val>
+                                            <p:strVal val="#ppt_y+.1"/>
+                                          </p:val>
+                                        </p:tav>
+                                        <p:tav tm="100000">
+                                          <p:val>
+                                            <p:strVal val="#ppt_y"/>
+                                          </p:val>
+                                        </p:tav>
+                                      </p:tavLst>
+                                    </p:anim>
+                                  </p:childTnLst>
+                                </p:cTn>
+                              </p:par>
+                            </p:childTnLst>
+                          </p:cTn>
+                        </p:par>
+                      </p:childTnLst>
+                    </p:cTn>
+                  </p:par>
                 </p:childTnLst>
               </p:cTn>
               <p:prevCondLst>
@@ -24610,6 +24968,185 @@
 </file>
 
 <file path=ppt/slides/slide13.xml><?xml version="1.0" encoding="utf-8"?>
+<p:sld xmlns:a="http://schemas.openxmlformats.org/drawingml/2006/main" xmlns:r="http://schemas.openxmlformats.org/officeDocument/2006/relationships" xmlns:p="http://schemas.openxmlformats.org/presentationml/2006/main">
+  <p:cSld>
+    <p:bg>
+      <p:bgPr>
+        <a:solidFill>
+          <a:schemeClr val="bg1"/>
+        </a:solidFill>
+        <a:effectLst/>
+      </p:bgPr>
+    </p:bg>
+    <p:spTree>
+      <p:nvGrpSpPr>
+        <p:cNvPr id="1" name=""/>
+        <p:cNvGrpSpPr/>
+        <p:nvPr/>
+      </p:nvGrpSpPr>
+      <p:grpSpPr>
+        <a:xfrm>
+          <a:off x="0" y="0"/>
+          <a:ext cx="0" cy="0"/>
+          <a:chOff x="0" y="0"/>
+          <a:chExt cx="0" cy="0"/>
+        </a:xfrm>
+      </p:grpSpPr>
+      <p:pic>
+        <p:nvPicPr>
+          <p:cNvPr id="9" name="Graphic 8" descr="Checkmark">
+            <a:extLst>
+              <a:ext uri="{FF2B5EF4-FFF2-40B4-BE49-F238E27FC236}">
+                <a16:creationId xmlns:a16="http://schemas.microsoft.com/office/drawing/2014/main" id="{7E575819-91D2-4571-935A-573788691C6C}"/>
+              </a:ext>
+            </a:extLst>
+          </p:cNvPr>
+          <p:cNvPicPr>
+            <a:picLocks noChangeAspect="1"/>
+          </p:cNvPicPr>
+          <p:nvPr/>
+        </p:nvPicPr>
+        <p:blipFill>
+          <a:blip r:embed="rId2">
+            <a:extLst>
+              <a:ext uri="{28A0092B-C50C-407E-A947-70E740481C1C}">
+                <a14:useLocalDpi xmlns:a14="http://schemas.microsoft.com/office/drawing/2010/main" val="0"/>
+              </a:ext>
+              <a:ext uri="{96DAC541-7B7A-43D3-8B79-37D633B846F1}">
+                <asvg:svgBlip xmlns:asvg="http://schemas.microsoft.com/office/drawing/2016/SVG/main" r:embed="rId3"/>
+              </a:ext>
+            </a:extLst>
+          </a:blip>
+          <a:stretch>
+            <a:fillRect/>
+          </a:stretch>
+        </p:blipFill>
+        <p:spPr>
+          <a:xfrm>
+            <a:off x="9413987" y="2857501"/>
+            <a:ext cx="1142998" cy="1142998"/>
+          </a:xfrm>
+          <a:prstGeom prst="rect">
+            <a:avLst/>
+          </a:prstGeom>
+        </p:spPr>
+      </p:pic>
+      <p:pic>
+        <p:nvPicPr>
+          <p:cNvPr id="13" name="Picture 12">
+            <a:extLst>
+              <a:ext uri="{FF2B5EF4-FFF2-40B4-BE49-F238E27FC236}">
+                <a16:creationId xmlns:a16="http://schemas.microsoft.com/office/drawing/2014/main" id="{541D9E6F-A9D5-4B16-AF16-EC6307D549CC}"/>
+              </a:ext>
+            </a:extLst>
+          </p:cNvPr>
+          <p:cNvPicPr>
+            <a:picLocks noChangeAspect="1"/>
+          </p:cNvPicPr>
+          <p:nvPr/>
+        </p:nvPicPr>
+        <p:blipFill>
+          <a:blip r:embed="rId4">
+            <a:extLst>
+              <a:ext uri="{28A0092B-C50C-407E-A947-70E740481C1C}">
+                <a14:useLocalDpi xmlns:a14="http://schemas.microsoft.com/office/drawing/2010/main" val="0"/>
+              </a:ext>
+            </a:extLst>
+          </a:blip>
+          <a:stretch>
+            <a:fillRect/>
+          </a:stretch>
+        </p:blipFill>
+        <p:spPr>
+          <a:xfrm>
+            <a:off x="10695748" y="6237994"/>
+            <a:ext cx="1202209" cy="374021"/>
+          </a:xfrm>
+          <a:prstGeom prst="rect">
+            <a:avLst/>
+          </a:prstGeom>
+        </p:spPr>
+      </p:pic>
+      <p:pic>
+        <p:nvPicPr>
+          <p:cNvPr id="5" name="Picture 4">
+            <a:extLst>
+              <a:ext uri="{FF2B5EF4-FFF2-40B4-BE49-F238E27FC236}">
+                <a16:creationId xmlns:a16="http://schemas.microsoft.com/office/drawing/2014/main" id="{B86774DE-FB02-4222-A8F9-EBAC660C93D2}"/>
+              </a:ext>
+            </a:extLst>
+          </p:cNvPr>
+          <p:cNvPicPr>
+            <a:picLocks noChangeAspect="1"/>
+          </p:cNvPicPr>
+          <p:nvPr/>
+        </p:nvPicPr>
+        <p:blipFill>
+          <a:blip r:embed="rId5"/>
+          <a:stretch>
+            <a:fillRect/>
+          </a:stretch>
+        </p:blipFill>
+        <p:spPr>
+          <a:xfrm>
+            <a:off x="285749" y="1119187"/>
+            <a:ext cx="11620501" cy="4619625"/>
+          </a:xfrm>
+          <a:prstGeom prst="rect">
+            <a:avLst/>
+          </a:prstGeom>
+        </p:spPr>
+      </p:pic>
+      <p:sp>
+        <p:nvSpPr>
+          <p:cNvPr id="7" name="Title 6">
+            <a:extLst>
+              <a:ext uri="{FF2B5EF4-FFF2-40B4-BE49-F238E27FC236}">
+                <a16:creationId xmlns:a16="http://schemas.microsoft.com/office/drawing/2014/main" id="{3EC04755-3642-4319-A6EB-51A41A08E3B9}"/>
+              </a:ext>
+            </a:extLst>
+          </p:cNvPr>
+          <p:cNvSpPr>
+            <a:spLocks noGrp="1"/>
+          </p:cNvSpPr>
+          <p:nvPr>
+            <p:ph type="title" idx="4294967295"/>
+          </p:nvPr>
+        </p:nvSpPr>
+        <p:spPr>
+          <a:xfrm>
+            <a:off x="914400" y="365125"/>
+            <a:ext cx="6819900" cy="601663"/>
+          </a:xfrm>
+        </p:spPr>
+        <p:txBody>
+          <a:bodyPr>
+            <a:normAutofit fontScale="90000"/>
+          </a:bodyPr>
+          <a:lstStyle/>
+          <a:p>
+            <a:r>
+              <a:rPr lang="en-US" dirty="0"/>
+              <a:t>Browser Support</a:t>
+            </a:r>
+            <a:endParaRPr lang="en-AU" dirty="0"/>
+          </a:p>
+        </p:txBody>
+      </p:sp>
+    </p:spTree>
+    <p:extLst>
+      <p:ext uri="{BB962C8B-B14F-4D97-AF65-F5344CB8AC3E}">
+        <p14:creationId xmlns:p14="http://schemas.microsoft.com/office/powerpoint/2010/main" val="224016669"/>
+      </p:ext>
+    </p:extLst>
+  </p:cSld>
+  <p:clrMapOvr>
+    <a:masterClrMapping/>
+  </p:clrMapOvr>
+</p:sld>
+</file>
+
+<file path=ppt/slides/slide14.xml><?xml version="1.0" encoding="utf-8"?>
 <p:sld xmlns:a="http://schemas.openxmlformats.org/drawingml/2006/main" xmlns:r="http://schemas.openxmlformats.org/officeDocument/2006/relationships" xmlns:p="http://schemas.openxmlformats.org/presentationml/2006/main">
   <p:cSld>
     <p:bg>
@@ -24760,7 +25297,7 @@
 </p:sld>
 </file>
 
-<file path=ppt/slides/slide14.xml><?xml version="1.0" encoding="utf-8"?>
+<file path=ppt/slides/slide15.xml><?xml version="1.0" encoding="utf-8"?>
 <p:sld xmlns:a="http://schemas.openxmlformats.org/drawingml/2006/main" xmlns:r="http://schemas.openxmlformats.org/officeDocument/2006/relationships" xmlns:p="http://schemas.openxmlformats.org/presentationml/2006/main">
   <p:cSld>
     <p:bg>
@@ -26647,7 +27184,7 @@
 </p:sld>
 </file>
 
-<file path=ppt/slides/slide15.xml><?xml version="1.0" encoding="utf-8"?>
+<file path=ppt/slides/slide16.xml><?xml version="1.0" encoding="utf-8"?>
 <p:sld xmlns:a="http://schemas.openxmlformats.org/drawingml/2006/main" xmlns:r="http://schemas.openxmlformats.org/officeDocument/2006/relationships" xmlns:p="http://schemas.openxmlformats.org/presentationml/2006/main">
   <p:cSld>
     <p:bg>
@@ -26814,7 +27351,4746 @@
 </p:sld>
 </file>
 
-<file path=ppt/slides/slide16.xml><?xml version="1.0" encoding="utf-8"?>
+<file path=ppt/slides/slide17.xml><?xml version="1.0" encoding="utf-8"?>
+<p:sld xmlns:a="http://schemas.openxmlformats.org/drawingml/2006/main" xmlns:r="http://schemas.openxmlformats.org/officeDocument/2006/relationships" xmlns:p="http://schemas.openxmlformats.org/presentationml/2006/main">
+  <p:cSld>
+    <p:bg>
+      <p:bgPr>
+        <a:solidFill>
+          <a:schemeClr val="tx1"/>
+        </a:solidFill>
+        <a:effectLst/>
+      </p:bgPr>
+    </p:bg>
+    <p:spTree>
+      <p:nvGrpSpPr>
+        <p:cNvPr id="1" name=""/>
+        <p:cNvGrpSpPr/>
+        <p:nvPr/>
+      </p:nvGrpSpPr>
+      <p:grpSpPr>
+        <a:xfrm>
+          <a:off x="0" y="0"/>
+          <a:ext cx="0" cy="0"/>
+          <a:chOff x="0" y="0"/>
+          <a:chExt cx="0" cy="0"/>
+        </a:xfrm>
+      </p:grpSpPr>
+      <p:sp>
+        <p:nvSpPr>
+          <p:cNvPr id="2" name="Title 1">
+            <a:extLst>
+              <a:ext uri="{FF2B5EF4-FFF2-40B4-BE49-F238E27FC236}">
+                <a16:creationId xmlns:a16="http://schemas.microsoft.com/office/drawing/2014/main" id="{D28CCC0E-0AFE-412A-A235-C6465ACDB630}"/>
+              </a:ext>
+            </a:extLst>
+          </p:cNvPr>
+          <p:cNvSpPr>
+            <a:spLocks noGrp="1"/>
+          </p:cNvSpPr>
+          <p:nvPr>
+            <p:ph type="title"/>
+          </p:nvPr>
+        </p:nvSpPr>
+        <p:spPr/>
+        <p:txBody>
+          <a:bodyPr/>
+          <a:lstStyle/>
+          <a:p>
+            <a:r>
+              <a:rPr lang="en-US" dirty="0">
+                <a:solidFill>
+                  <a:schemeClr val="bg1"/>
+                </a:solidFill>
+              </a:rPr>
+              <a:t>Flexbox CSS Classes</a:t>
+            </a:r>
+            <a:endParaRPr lang="en-AU" dirty="0">
+              <a:solidFill>
+                <a:schemeClr val="bg1"/>
+              </a:solidFill>
+            </a:endParaRPr>
+          </a:p>
+        </p:txBody>
+      </p:sp>
+      <p:sp>
+        <p:nvSpPr>
+          <p:cNvPr id="6" name="Rectangle 5">
+            <a:extLst>
+              <a:ext uri="{FF2B5EF4-FFF2-40B4-BE49-F238E27FC236}">
+                <a16:creationId xmlns:a16="http://schemas.microsoft.com/office/drawing/2014/main" id="{0C5BC0A0-937E-429C-A9A3-F3AF2E19AEC5}"/>
+              </a:ext>
+            </a:extLst>
+          </p:cNvPr>
+          <p:cNvSpPr/>
+          <p:nvPr/>
+        </p:nvSpPr>
+        <p:spPr>
+          <a:xfrm>
+            <a:off x="1435572" y="3290240"/>
+            <a:ext cx="8056091" cy="993689"/>
+          </a:xfrm>
+          <a:prstGeom prst="rect">
+            <a:avLst/>
+          </a:prstGeom>
+          <a:solidFill>
+            <a:schemeClr val="accent4">
+              <a:lumMod val="40000"/>
+              <a:lumOff val="60000"/>
+            </a:schemeClr>
+          </a:solidFill>
+          <a:effectLst>
+            <a:softEdge rad="63500"/>
+          </a:effectLst>
+        </p:spPr>
+        <p:style>
+          <a:lnRef idx="3">
+            <a:schemeClr val="lt1"/>
+          </a:lnRef>
+          <a:fillRef idx="1">
+            <a:schemeClr val="accent2"/>
+          </a:fillRef>
+          <a:effectRef idx="1">
+            <a:schemeClr val="accent2"/>
+          </a:effectRef>
+          <a:fontRef idx="minor">
+            <a:schemeClr val="lt1"/>
+          </a:fontRef>
+        </p:style>
+        <p:txBody>
+          <a:bodyPr rtlCol="0" anchor="ctr"/>
+          <a:lstStyle/>
+          <a:p>
+            <a:pPr algn="ctr"/>
+            <a:endParaRPr lang="en-AU" dirty="0">
+              <a:ln w="0"/>
+              <a:solidFill>
+                <a:schemeClr val="tx1"/>
+              </a:solidFill>
+              <a:effectLst>
+                <a:outerShdw blurRad="38100" dist="19050" dir="2700000" algn="tl" rotWithShape="0">
+                  <a:schemeClr val="dk1">
+                    <a:alpha val="40000"/>
+                  </a:schemeClr>
+                </a:outerShdw>
+              </a:effectLst>
+            </a:endParaRPr>
+          </a:p>
+        </p:txBody>
+      </p:sp>
+      <p:sp>
+        <p:nvSpPr>
+          <p:cNvPr id="8" name="Rectangle 7">
+            <a:extLst>
+              <a:ext uri="{FF2B5EF4-FFF2-40B4-BE49-F238E27FC236}">
+                <a16:creationId xmlns:a16="http://schemas.microsoft.com/office/drawing/2014/main" id="{ADEE2306-88FC-47D8-8292-1BA0C1711DA6}"/>
+              </a:ext>
+            </a:extLst>
+          </p:cNvPr>
+          <p:cNvSpPr/>
+          <p:nvPr/>
+        </p:nvSpPr>
+        <p:spPr>
+          <a:xfrm>
+            <a:off x="1559398" y="3385489"/>
+            <a:ext cx="2074390" cy="803190"/>
+          </a:xfrm>
+          <a:prstGeom prst="rect">
+            <a:avLst/>
+          </a:prstGeom>
+          <a:effectLst>
+            <a:softEdge rad="63500"/>
+          </a:effectLst>
+        </p:spPr>
+        <p:style>
+          <a:lnRef idx="3">
+            <a:schemeClr val="lt1"/>
+          </a:lnRef>
+          <a:fillRef idx="1">
+            <a:schemeClr val="accent2"/>
+          </a:fillRef>
+          <a:effectRef idx="1">
+            <a:schemeClr val="accent2"/>
+          </a:effectRef>
+          <a:fontRef idx="minor">
+            <a:schemeClr val="lt1"/>
+          </a:fontRef>
+        </p:style>
+        <p:txBody>
+          <a:bodyPr rtlCol="0" anchor="ctr"/>
+          <a:lstStyle/>
+          <a:p>
+            <a:pPr algn="ctr"/>
+            <a:r>
+              <a:rPr lang="en-US" sz="3600" b="1" dirty="0">
+                <a:ln w="9525">
+                  <a:solidFill>
+                    <a:schemeClr val="bg1"/>
+                  </a:solidFill>
+                  <a:prstDash val="solid"/>
+                </a:ln>
+                <a:solidFill>
+                  <a:schemeClr val="tx1"/>
+                </a:solidFill>
+                <a:effectLst>
+                  <a:outerShdw blurRad="12700" dist="38100" dir="2700000" algn="tl" rotWithShape="0">
+                    <a:schemeClr val="bg1">
+                      <a:lumMod val="50000"/>
+                    </a:schemeClr>
+                  </a:outerShdw>
+                </a:effectLst>
+              </a:rPr>
+              <a:t>1</a:t>
+            </a:r>
+            <a:endParaRPr lang="en-AU" sz="3600" b="1" dirty="0">
+              <a:ln w="9525">
+                <a:solidFill>
+                  <a:schemeClr val="bg1"/>
+                </a:solidFill>
+                <a:prstDash val="solid"/>
+              </a:ln>
+              <a:solidFill>
+                <a:schemeClr val="tx1"/>
+              </a:solidFill>
+              <a:effectLst>
+                <a:outerShdw blurRad="12700" dist="38100" dir="2700000" algn="tl" rotWithShape="0">
+                  <a:schemeClr val="bg1">
+                    <a:lumMod val="50000"/>
+                  </a:schemeClr>
+                </a:outerShdw>
+              </a:effectLst>
+            </a:endParaRPr>
+          </a:p>
+        </p:txBody>
+      </p:sp>
+      <p:sp>
+        <p:nvSpPr>
+          <p:cNvPr id="9" name="Rectangle 8">
+            <a:extLst>
+              <a:ext uri="{FF2B5EF4-FFF2-40B4-BE49-F238E27FC236}">
+                <a16:creationId xmlns:a16="http://schemas.microsoft.com/office/drawing/2014/main" id="{903192BC-02A2-4938-BD7C-B9F51DF51406}"/>
+              </a:ext>
+            </a:extLst>
+          </p:cNvPr>
+          <p:cNvSpPr/>
+          <p:nvPr/>
+        </p:nvSpPr>
+        <p:spPr>
+          <a:xfrm>
+            <a:off x="7322023" y="3385489"/>
+            <a:ext cx="2074390" cy="803190"/>
+          </a:xfrm>
+          <a:prstGeom prst="rect">
+            <a:avLst/>
+          </a:prstGeom>
+          <a:effectLst>
+            <a:softEdge rad="63500"/>
+          </a:effectLst>
+        </p:spPr>
+        <p:style>
+          <a:lnRef idx="3">
+            <a:schemeClr val="lt1"/>
+          </a:lnRef>
+          <a:fillRef idx="1">
+            <a:schemeClr val="accent2"/>
+          </a:fillRef>
+          <a:effectRef idx="1">
+            <a:schemeClr val="accent2"/>
+          </a:effectRef>
+          <a:fontRef idx="minor">
+            <a:schemeClr val="lt1"/>
+          </a:fontRef>
+        </p:style>
+        <p:txBody>
+          <a:bodyPr rtlCol="0" anchor="ctr"/>
+          <a:lstStyle/>
+          <a:p>
+            <a:pPr algn="ctr"/>
+            <a:r>
+              <a:rPr lang="en-US" sz="3600" b="1" dirty="0">
+                <a:ln w="9525">
+                  <a:solidFill>
+                    <a:schemeClr val="bg1"/>
+                  </a:solidFill>
+                  <a:prstDash val="solid"/>
+                </a:ln>
+                <a:solidFill>
+                  <a:schemeClr val="tx1"/>
+                </a:solidFill>
+                <a:effectLst>
+                  <a:outerShdw blurRad="12700" dist="38100" dir="2700000" algn="tl" rotWithShape="0">
+                    <a:schemeClr val="bg1">
+                      <a:lumMod val="50000"/>
+                    </a:schemeClr>
+                  </a:outerShdw>
+                </a:effectLst>
+              </a:rPr>
+              <a:t>1</a:t>
+            </a:r>
+            <a:endParaRPr lang="en-AU" sz="3600" b="1" dirty="0">
+              <a:ln w="9525">
+                <a:solidFill>
+                  <a:schemeClr val="bg1"/>
+                </a:solidFill>
+                <a:prstDash val="solid"/>
+              </a:ln>
+              <a:solidFill>
+                <a:schemeClr val="tx1"/>
+              </a:solidFill>
+              <a:effectLst>
+                <a:outerShdw blurRad="12700" dist="38100" dir="2700000" algn="tl" rotWithShape="0">
+                  <a:schemeClr val="bg1">
+                    <a:lumMod val="50000"/>
+                  </a:schemeClr>
+                </a:outerShdw>
+              </a:effectLst>
+            </a:endParaRPr>
+          </a:p>
+        </p:txBody>
+      </p:sp>
+      <p:sp>
+        <p:nvSpPr>
+          <p:cNvPr id="10" name="Rectangle 9">
+            <a:extLst>
+              <a:ext uri="{FF2B5EF4-FFF2-40B4-BE49-F238E27FC236}">
+                <a16:creationId xmlns:a16="http://schemas.microsoft.com/office/drawing/2014/main" id="{C8E510D7-DEAA-4EA0-8A7C-AE15A114754C}"/>
+              </a:ext>
+            </a:extLst>
+          </p:cNvPr>
+          <p:cNvSpPr/>
+          <p:nvPr/>
+        </p:nvSpPr>
+        <p:spPr>
+          <a:xfrm>
+            <a:off x="3633787" y="3385489"/>
+            <a:ext cx="3652837" cy="803190"/>
+          </a:xfrm>
+          <a:prstGeom prst="rect">
+            <a:avLst/>
+          </a:prstGeom>
+          <a:effectLst>
+            <a:softEdge rad="63500"/>
+          </a:effectLst>
+        </p:spPr>
+        <p:style>
+          <a:lnRef idx="3">
+            <a:schemeClr val="lt1"/>
+          </a:lnRef>
+          <a:fillRef idx="1">
+            <a:schemeClr val="accent2"/>
+          </a:fillRef>
+          <a:effectRef idx="1">
+            <a:schemeClr val="accent2"/>
+          </a:effectRef>
+          <a:fontRef idx="minor">
+            <a:schemeClr val="lt1"/>
+          </a:fontRef>
+        </p:style>
+        <p:txBody>
+          <a:bodyPr rtlCol="0" anchor="ctr"/>
+          <a:lstStyle/>
+          <a:p>
+            <a:pPr algn="ctr"/>
+            <a:r>
+              <a:rPr lang="en-US" sz="3600" b="1" dirty="0">
+                <a:ln w="9525">
+                  <a:solidFill>
+                    <a:schemeClr val="bg1"/>
+                  </a:solidFill>
+                  <a:prstDash val="solid"/>
+                </a:ln>
+                <a:solidFill>
+                  <a:schemeClr val="tx1"/>
+                </a:solidFill>
+                <a:effectLst>
+                  <a:outerShdw blurRad="12700" dist="38100" dir="2700000" algn="tl" rotWithShape="0">
+                    <a:schemeClr val="bg1">
+                      <a:lumMod val="50000"/>
+                    </a:schemeClr>
+                  </a:outerShdw>
+                </a:effectLst>
+              </a:rPr>
+              <a:t>2</a:t>
+            </a:r>
+            <a:endParaRPr lang="en-AU" sz="3600" dirty="0"/>
+          </a:p>
+        </p:txBody>
+      </p:sp>
+      <p:sp>
+        <p:nvSpPr>
+          <p:cNvPr id="4" name="Rectangle 3">
+            <a:extLst>
+              <a:ext uri="{FF2B5EF4-FFF2-40B4-BE49-F238E27FC236}">
+                <a16:creationId xmlns:a16="http://schemas.microsoft.com/office/drawing/2014/main" id="{7E11E0ED-5CD2-4568-9D7C-00E8666EE10E}"/>
+              </a:ext>
+            </a:extLst>
+          </p:cNvPr>
+          <p:cNvSpPr/>
+          <p:nvPr/>
+        </p:nvSpPr>
+        <p:spPr>
+          <a:xfrm>
+            <a:off x="1026942" y="2796829"/>
+            <a:ext cx="9785692" cy="369332"/>
+          </a:xfrm>
+          <a:prstGeom prst="rect">
+            <a:avLst/>
+          </a:prstGeom>
+        </p:spPr>
+        <p:txBody>
+          <a:bodyPr wrap="none">
+            <a:spAutoFit/>
+          </a:bodyPr>
+          <a:lstStyle/>
+          <a:p>
+            <a:r>
+              <a:rPr lang="en-US" dirty="0">
+                <a:solidFill>
+                  <a:schemeClr val="bg1"/>
+                </a:solidFill>
+              </a:rPr>
+              <a:t>If flex-grow is set to 1 for all of the items, the remaining space will be spread equally between them</a:t>
+            </a:r>
+            <a:endParaRPr lang="en-AU" dirty="0">
+              <a:solidFill>
+                <a:schemeClr val="bg1"/>
+              </a:solidFill>
+            </a:endParaRPr>
+          </a:p>
+        </p:txBody>
+      </p:sp>
+      <p:sp>
+        <p:nvSpPr>
+          <p:cNvPr id="11" name="Rectangle 10">
+            <a:extLst>
+              <a:ext uri="{FF2B5EF4-FFF2-40B4-BE49-F238E27FC236}">
+                <a16:creationId xmlns:a16="http://schemas.microsoft.com/office/drawing/2014/main" id="{F2FA93C7-4B37-4163-B71B-74B34E1E032E}"/>
+              </a:ext>
+            </a:extLst>
+          </p:cNvPr>
+          <p:cNvSpPr/>
+          <p:nvPr/>
+        </p:nvSpPr>
+        <p:spPr>
+          <a:xfrm>
+            <a:off x="1492722" y="1655932"/>
+            <a:ext cx="8056091" cy="993689"/>
+          </a:xfrm>
+          <a:prstGeom prst="rect">
+            <a:avLst/>
+          </a:prstGeom>
+          <a:solidFill>
+            <a:schemeClr val="accent4">
+              <a:lumMod val="40000"/>
+              <a:lumOff val="60000"/>
+            </a:schemeClr>
+          </a:solidFill>
+          <a:effectLst>
+            <a:softEdge rad="63500"/>
+          </a:effectLst>
+        </p:spPr>
+        <p:style>
+          <a:lnRef idx="3">
+            <a:schemeClr val="lt1"/>
+          </a:lnRef>
+          <a:fillRef idx="1">
+            <a:schemeClr val="accent2"/>
+          </a:fillRef>
+          <a:effectRef idx="1">
+            <a:schemeClr val="accent2"/>
+          </a:effectRef>
+          <a:fontRef idx="minor">
+            <a:schemeClr val="lt1"/>
+          </a:fontRef>
+        </p:style>
+        <p:txBody>
+          <a:bodyPr rtlCol="0" anchor="ctr"/>
+          <a:lstStyle/>
+          <a:p>
+            <a:pPr algn="ctr"/>
+            <a:endParaRPr lang="en-AU" dirty="0">
+              <a:ln w="0"/>
+              <a:solidFill>
+                <a:schemeClr val="tx1"/>
+              </a:solidFill>
+              <a:effectLst>
+                <a:outerShdw blurRad="38100" dist="19050" dir="2700000" algn="tl" rotWithShape="0">
+                  <a:schemeClr val="dk1">
+                    <a:alpha val="40000"/>
+                  </a:schemeClr>
+                </a:outerShdw>
+              </a:effectLst>
+            </a:endParaRPr>
+          </a:p>
+        </p:txBody>
+      </p:sp>
+      <p:sp>
+        <p:nvSpPr>
+          <p:cNvPr id="12" name="Rectangle 11">
+            <a:extLst>
+              <a:ext uri="{FF2B5EF4-FFF2-40B4-BE49-F238E27FC236}">
+                <a16:creationId xmlns:a16="http://schemas.microsoft.com/office/drawing/2014/main" id="{E6DCBF8B-97BF-40CA-8715-70A3111E1331}"/>
+              </a:ext>
+            </a:extLst>
+          </p:cNvPr>
+          <p:cNvSpPr/>
+          <p:nvPr/>
+        </p:nvSpPr>
+        <p:spPr>
+          <a:xfrm>
+            <a:off x="1616548" y="1762252"/>
+            <a:ext cx="2592828" cy="803190"/>
+          </a:xfrm>
+          <a:prstGeom prst="rect">
+            <a:avLst/>
+          </a:prstGeom>
+          <a:effectLst>
+            <a:softEdge rad="63500"/>
+          </a:effectLst>
+        </p:spPr>
+        <p:style>
+          <a:lnRef idx="3">
+            <a:schemeClr val="lt1"/>
+          </a:lnRef>
+          <a:fillRef idx="1">
+            <a:schemeClr val="accent2"/>
+          </a:fillRef>
+          <a:effectRef idx="1">
+            <a:schemeClr val="accent2"/>
+          </a:effectRef>
+          <a:fontRef idx="minor">
+            <a:schemeClr val="lt1"/>
+          </a:fontRef>
+        </p:style>
+        <p:txBody>
+          <a:bodyPr rtlCol="0" anchor="ctr"/>
+          <a:lstStyle/>
+          <a:p>
+            <a:pPr algn="ctr"/>
+            <a:r>
+              <a:rPr lang="en-US" sz="3600" b="1" dirty="0">
+                <a:ln w="9525">
+                  <a:solidFill>
+                    <a:schemeClr val="bg1"/>
+                  </a:solidFill>
+                  <a:prstDash val="solid"/>
+                </a:ln>
+                <a:solidFill>
+                  <a:schemeClr val="tx1"/>
+                </a:solidFill>
+                <a:effectLst>
+                  <a:outerShdw blurRad="12700" dist="38100" dir="2700000" algn="tl" rotWithShape="0">
+                    <a:schemeClr val="bg1">
+                      <a:lumMod val="50000"/>
+                    </a:schemeClr>
+                  </a:outerShdw>
+                </a:effectLst>
+              </a:rPr>
+              <a:t>1</a:t>
+            </a:r>
+            <a:endParaRPr lang="en-AU" sz="3600" b="1" dirty="0">
+              <a:ln w="9525">
+                <a:solidFill>
+                  <a:schemeClr val="bg1"/>
+                </a:solidFill>
+                <a:prstDash val="solid"/>
+              </a:ln>
+              <a:solidFill>
+                <a:schemeClr val="tx1"/>
+              </a:solidFill>
+              <a:effectLst>
+                <a:outerShdw blurRad="12700" dist="38100" dir="2700000" algn="tl" rotWithShape="0">
+                  <a:schemeClr val="bg1">
+                    <a:lumMod val="50000"/>
+                  </a:schemeClr>
+                </a:outerShdw>
+              </a:effectLst>
+            </a:endParaRPr>
+          </a:p>
+        </p:txBody>
+      </p:sp>
+      <p:sp>
+        <p:nvSpPr>
+          <p:cNvPr id="13" name="Rectangle 12">
+            <a:extLst>
+              <a:ext uri="{FF2B5EF4-FFF2-40B4-BE49-F238E27FC236}">
+                <a16:creationId xmlns:a16="http://schemas.microsoft.com/office/drawing/2014/main" id="{38EAAD2F-05DB-486F-80A6-F9D869F47F3E}"/>
+              </a:ext>
+            </a:extLst>
+          </p:cNvPr>
+          <p:cNvSpPr/>
+          <p:nvPr/>
+        </p:nvSpPr>
+        <p:spPr>
+          <a:xfrm>
+            <a:off x="4243757" y="1751182"/>
+            <a:ext cx="2592828" cy="803190"/>
+          </a:xfrm>
+          <a:prstGeom prst="rect">
+            <a:avLst/>
+          </a:prstGeom>
+          <a:effectLst>
+            <a:softEdge rad="63500"/>
+          </a:effectLst>
+        </p:spPr>
+        <p:style>
+          <a:lnRef idx="3">
+            <a:schemeClr val="lt1"/>
+          </a:lnRef>
+          <a:fillRef idx="1">
+            <a:schemeClr val="accent2"/>
+          </a:fillRef>
+          <a:effectRef idx="1">
+            <a:schemeClr val="accent2"/>
+          </a:effectRef>
+          <a:fontRef idx="minor">
+            <a:schemeClr val="lt1"/>
+          </a:fontRef>
+        </p:style>
+        <p:txBody>
+          <a:bodyPr rtlCol="0" anchor="ctr"/>
+          <a:lstStyle/>
+          <a:p>
+            <a:pPr algn="ctr"/>
+            <a:r>
+              <a:rPr lang="en-US" sz="3600" b="1" dirty="0">
+                <a:ln w="9525">
+                  <a:solidFill>
+                    <a:schemeClr val="bg1"/>
+                  </a:solidFill>
+                  <a:prstDash val="solid"/>
+                </a:ln>
+                <a:solidFill>
+                  <a:schemeClr val="tx1"/>
+                </a:solidFill>
+                <a:effectLst>
+                  <a:outerShdw blurRad="12700" dist="38100" dir="2700000" algn="tl" rotWithShape="0">
+                    <a:schemeClr val="bg1">
+                      <a:lumMod val="50000"/>
+                    </a:schemeClr>
+                  </a:outerShdw>
+                </a:effectLst>
+              </a:rPr>
+              <a:t>1</a:t>
+            </a:r>
+            <a:endParaRPr lang="en-AU" sz="3600" b="1" dirty="0">
+              <a:ln w="9525">
+                <a:solidFill>
+                  <a:schemeClr val="bg1"/>
+                </a:solidFill>
+                <a:prstDash val="solid"/>
+              </a:ln>
+              <a:solidFill>
+                <a:schemeClr val="tx1"/>
+              </a:solidFill>
+              <a:effectLst>
+                <a:outerShdw blurRad="12700" dist="38100" dir="2700000" algn="tl" rotWithShape="0">
+                  <a:schemeClr val="bg1">
+                    <a:lumMod val="50000"/>
+                  </a:schemeClr>
+                </a:outerShdw>
+              </a:effectLst>
+            </a:endParaRPr>
+          </a:p>
+        </p:txBody>
+      </p:sp>
+      <p:sp>
+        <p:nvSpPr>
+          <p:cNvPr id="14" name="Rectangle 13">
+            <a:extLst>
+              <a:ext uri="{FF2B5EF4-FFF2-40B4-BE49-F238E27FC236}">
+                <a16:creationId xmlns:a16="http://schemas.microsoft.com/office/drawing/2014/main" id="{395D4C2D-862D-41E0-913E-C996416C12A7}"/>
+              </a:ext>
+            </a:extLst>
+          </p:cNvPr>
+          <p:cNvSpPr/>
+          <p:nvPr/>
+        </p:nvSpPr>
+        <p:spPr>
+          <a:xfrm>
+            <a:off x="6860735" y="1738313"/>
+            <a:ext cx="2592828" cy="803190"/>
+          </a:xfrm>
+          <a:prstGeom prst="rect">
+            <a:avLst/>
+          </a:prstGeom>
+          <a:effectLst>
+            <a:softEdge rad="63500"/>
+          </a:effectLst>
+        </p:spPr>
+        <p:style>
+          <a:lnRef idx="3">
+            <a:schemeClr val="lt1"/>
+          </a:lnRef>
+          <a:fillRef idx="1">
+            <a:schemeClr val="accent2"/>
+          </a:fillRef>
+          <a:effectRef idx="1">
+            <a:schemeClr val="accent2"/>
+          </a:effectRef>
+          <a:fontRef idx="minor">
+            <a:schemeClr val="lt1"/>
+          </a:fontRef>
+        </p:style>
+        <p:txBody>
+          <a:bodyPr rtlCol="0" anchor="ctr"/>
+          <a:lstStyle/>
+          <a:p>
+            <a:pPr algn="ctr"/>
+            <a:r>
+              <a:rPr lang="en-US" sz="3600" b="1" dirty="0">
+                <a:ln w="9525">
+                  <a:solidFill>
+                    <a:schemeClr val="bg1"/>
+                  </a:solidFill>
+                  <a:prstDash val="solid"/>
+                </a:ln>
+                <a:solidFill>
+                  <a:schemeClr val="tx1"/>
+                </a:solidFill>
+                <a:effectLst>
+                  <a:outerShdw blurRad="12700" dist="38100" dir="2700000" algn="tl" rotWithShape="0">
+                    <a:schemeClr val="bg1">
+                      <a:lumMod val="50000"/>
+                    </a:schemeClr>
+                  </a:outerShdw>
+                </a:effectLst>
+              </a:rPr>
+              <a:t>1</a:t>
+            </a:r>
+            <a:endParaRPr lang="en-AU" sz="3600" b="1" dirty="0">
+              <a:ln w="9525">
+                <a:solidFill>
+                  <a:schemeClr val="bg1"/>
+                </a:solidFill>
+                <a:prstDash val="solid"/>
+              </a:ln>
+              <a:solidFill>
+                <a:schemeClr val="tx1"/>
+              </a:solidFill>
+              <a:effectLst>
+                <a:outerShdw blurRad="12700" dist="38100" dir="2700000" algn="tl" rotWithShape="0">
+                  <a:schemeClr val="bg1">
+                    <a:lumMod val="50000"/>
+                  </a:schemeClr>
+                </a:outerShdw>
+              </a:effectLst>
+            </a:endParaRPr>
+          </a:p>
+        </p:txBody>
+      </p:sp>
+      <p:sp>
+        <p:nvSpPr>
+          <p:cNvPr id="15" name="Rectangle 14">
+            <a:extLst>
+              <a:ext uri="{FF2B5EF4-FFF2-40B4-BE49-F238E27FC236}">
+                <a16:creationId xmlns:a16="http://schemas.microsoft.com/office/drawing/2014/main" id="{57FB1BDC-EF0E-469A-957D-11683425FD48}"/>
+              </a:ext>
+            </a:extLst>
+          </p:cNvPr>
+          <p:cNvSpPr/>
+          <p:nvPr/>
+        </p:nvSpPr>
+        <p:spPr>
+          <a:xfrm>
+            <a:off x="1214738" y="4387804"/>
+            <a:ext cx="8612038" cy="369332"/>
+          </a:xfrm>
+          <a:prstGeom prst="rect">
+            <a:avLst/>
+          </a:prstGeom>
+        </p:spPr>
+        <p:txBody>
+          <a:bodyPr wrap="none">
+            <a:spAutoFit/>
+          </a:bodyPr>
+          <a:lstStyle/>
+          <a:p>
+            <a:r>
+              <a:rPr lang="en-US" dirty="0">
+                <a:solidFill>
+                  <a:schemeClr val="bg1"/>
+                </a:solidFill>
+              </a:rPr>
+              <a:t>If flex-grow is set to 2 for one of them, the remaining would take up twice for that item</a:t>
+            </a:r>
+            <a:endParaRPr lang="en-AU" dirty="0">
+              <a:solidFill>
+                <a:schemeClr val="bg1"/>
+              </a:solidFill>
+            </a:endParaRPr>
+          </a:p>
+        </p:txBody>
+      </p:sp>
+    </p:spTree>
+    <p:extLst>
+      <p:ext uri="{BB962C8B-B14F-4D97-AF65-F5344CB8AC3E}">
+        <p14:creationId xmlns:p14="http://schemas.microsoft.com/office/powerpoint/2010/main" val="534498976"/>
+      </p:ext>
+    </p:extLst>
+  </p:cSld>
+  <p:clrMapOvr>
+    <a:masterClrMapping/>
+  </p:clrMapOvr>
+  <p:timing>
+    <p:tnLst>
+      <p:par>
+        <p:cTn id="1" dur="indefinite" restart="never" nodeType="tmRoot">
+          <p:childTnLst>
+            <p:seq concurrent="1" nextAc="seek">
+              <p:cTn id="2" dur="indefinite" nodeType="mainSeq">
+                <p:childTnLst>
+                  <p:par>
+                    <p:cTn id="3" fill="hold">
+                      <p:stCondLst>
+                        <p:cond delay="indefinite"/>
+                      </p:stCondLst>
+                      <p:childTnLst>
+                        <p:par>
+                          <p:cTn id="4" fill="hold">
+                            <p:stCondLst>
+                              <p:cond delay="0"/>
+                            </p:stCondLst>
+                            <p:childTnLst>
+                              <p:par>
+                                <p:cTn id="5" presetID="42" presetClass="entr" presetSubtype="0" fill="hold" grpId="0" nodeType="clickEffect">
+                                  <p:stCondLst>
+                                    <p:cond delay="0"/>
+                                  </p:stCondLst>
+                                  <p:childTnLst>
+                                    <p:set>
+                                      <p:cBhvr>
+                                        <p:cTn id="6" dur="1" fill="hold">
+                                          <p:stCondLst>
+                                            <p:cond delay="0"/>
+                                          </p:stCondLst>
+                                        </p:cTn>
+                                        <p:tgtEl>
+                                          <p:spTgt spid="11"/>
+                                        </p:tgtEl>
+                                        <p:attrNameLst>
+                                          <p:attrName>style.visibility</p:attrName>
+                                        </p:attrNameLst>
+                                      </p:cBhvr>
+                                      <p:to>
+                                        <p:strVal val="visible"/>
+                                      </p:to>
+                                    </p:set>
+                                    <p:animEffect transition="in" filter="fade">
+                                      <p:cBhvr>
+                                        <p:cTn id="7" dur="1000"/>
+                                        <p:tgtEl>
+                                          <p:spTgt spid="11"/>
+                                        </p:tgtEl>
+                                      </p:cBhvr>
+                                    </p:animEffect>
+                                    <p:anim calcmode="lin" valueType="num">
+                                      <p:cBhvr>
+                                        <p:cTn id="8" dur="1000" fill="hold"/>
+                                        <p:tgtEl>
+                                          <p:spTgt spid="11"/>
+                                        </p:tgtEl>
+                                        <p:attrNameLst>
+                                          <p:attrName>ppt_x</p:attrName>
+                                        </p:attrNameLst>
+                                      </p:cBhvr>
+                                      <p:tavLst>
+                                        <p:tav tm="0">
+                                          <p:val>
+                                            <p:strVal val="#ppt_x"/>
+                                          </p:val>
+                                        </p:tav>
+                                        <p:tav tm="100000">
+                                          <p:val>
+                                            <p:strVal val="#ppt_x"/>
+                                          </p:val>
+                                        </p:tav>
+                                      </p:tavLst>
+                                    </p:anim>
+                                    <p:anim calcmode="lin" valueType="num">
+                                      <p:cBhvr>
+                                        <p:cTn id="9" dur="1000" fill="hold"/>
+                                        <p:tgtEl>
+                                          <p:spTgt spid="11"/>
+                                        </p:tgtEl>
+                                        <p:attrNameLst>
+                                          <p:attrName>ppt_y</p:attrName>
+                                        </p:attrNameLst>
+                                      </p:cBhvr>
+                                      <p:tavLst>
+                                        <p:tav tm="0">
+                                          <p:val>
+                                            <p:strVal val="#ppt_y+.1"/>
+                                          </p:val>
+                                        </p:tav>
+                                        <p:tav tm="100000">
+                                          <p:val>
+                                            <p:strVal val="#ppt_y"/>
+                                          </p:val>
+                                        </p:tav>
+                                      </p:tavLst>
+                                    </p:anim>
+                                  </p:childTnLst>
+                                </p:cTn>
+                              </p:par>
+                            </p:childTnLst>
+                          </p:cTn>
+                        </p:par>
+                      </p:childTnLst>
+                    </p:cTn>
+                  </p:par>
+                  <p:par>
+                    <p:cTn id="10" fill="hold">
+                      <p:stCondLst>
+                        <p:cond delay="indefinite"/>
+                      </p:stCondLst>
+                      <p:childTnLst>
+                        <p:par>
+                          <p:cTn id="11" fill="hold">
+                            <p:stCondLst>
+                              <p:cond delay="0"/>
+                            </p:stCondLst>
+                            <p:childTnLst>
+                              <p:par>
+                                <p:cTn id="12" presetID="2" presetClass="entr" presetSubtype="2" fill="hold" grpId="0" nodeType="clickEffect">
+                                  <p:stCondLst>
+                                    <p:cond delay="0"/>
+                                  </p:stCondLst>
+                                  <p:childTnLst>
+                                    <p:set>
+                                      <p:cBhvr>
+                                        <p:cTn id="13" dur="1" fill="hold">
+                                          <p:stCondLst>
+                                            <p:cond delay="0"/>
+                                          </p:stCondLst>
+                                        </p:cTn>
+                                        <p:tgtEl>
+                                          <p:spTgt spid="12"/>
+                                        </p:tgtEl>
+                                        <p:attrNameLst>
+                                          <p:attrName>style.visibility</p:attrName>
+                                        </p:attrNameLst>
+                                      </p:cBhvr>
+                                      <p:to>
+                                        <p:strVal val="visible"/>
+                                      </p:to>
+                                    </p:set>
+                                    <p:anim calcmode="lin" valueType="num">
+                                      <p:cBhvr additive="base">
+                                        <p:cTn id="14" dur="500" fill="hold"/>
+                                        <p:tgtEl>
+                                          <p:spTgt spid="12"/>
+                                        </p:tgtEl>
+                                        <p:attrNameLst>
+                                          <p:attrName>ppt_x</p:attrName>
+                                        </p:attrNameLst>
+                                      </p:cBhvr>
+                                      <p:tavLst>
+                                        <p:tav tm="0">
+                                          <p:val>
+                                            <p:strVal val="1+#ppt_w/2"/>
+                                          </p:val>
+                                        </p:tav>
+                                        <p:tav tm="100000">
+                                          <p:val>
+                                            <p:strVal val="#ppt_x"/>
+                                          </p:val>
+                                        </p:tav>
+                                      </p:tavLst>
+                                    </p:anim>
+                                    <p:anim calcmode="lin" valueType="num">
+                                      <p:cBhvr additive="base">
+                                        <p:cTn id="15" dur="500" fill="hold"/>
+                                        <p:tgtEl>
+                                          <p:spTgt spid="12"/>
+                                        </p:tgtEl>
+                                        <p:attrNameLst>
+                                          <p:attrName>ppt_y</p:attrName>
+                                        </p:attrNameLst>
+                                      </p:cBhvr>
+                                      <p:tavLst>
+                                        <p:tav tm="0">
+                                          <p:val>
+                                            <p:strVal val="#ppt_y"/>
+                                          </p:val>
+                                        </p:tav>
+                                        <p:tav tm="100000">
+                                          <p:val>
+                                            <p:strVal val="#ppt_y"/>
+                                          </p:val>
+                                        </p:tav>
+                                      </p:tavLst>
+                                    </p:anim>
+                                  </p:childTnLst>
+                                </p:cTn>
+                              </p:par>
+                            </p:childTnLst>
+                          </p:cTn>
+                        </p:par>
+                      </p:childTnLst>
+                    </p:cTn>
+                  </p:par>
+                  <p:par>
+                    <p:cTn id="16" fill="hold">
+                      <p:stCondLst>
+                        <p:cond delay="indefinite"/>
+                      </p:stCondLst>
+                      <p:childTnLst>
+                        <p:par>
+                          <p:cTn id="17" fill="hold">
+                            <p:stCondLst>
+                              <p:cond delay="0"/>
+                            </p:stCondLst>
+                            <p:childTnLst>
+                              <p:par>
+                                <p:cTn id="18" presetID="2" presetClass="entr" presetSubtype="2" fill="hold" grpId="0" nodeType="clickEffect">
+                                  <p:stCondLst>
+                                    <p:cond delay="0"/>
+                                  </p:stCondLst>
+                                  <p:childTnLst>
+                                    <p:set>
+                                      <p:cBhvr>
+                                        <p:cTn id="19" dur="1" fill="hold">
+                                          <p:stCondLst>
+                                            <p:cond delay="0"/>
+                                          </p:stCondLst>
+                                        </p:cTn>
+                                        <p:tgtEl>
+                                          <p:spTgt spid="13"/>
+                                        </p:tgtEl>
+                                        <p:attrNameLst>
+                                          <p:attrName>style.visibility</p:attrName>
+                                        </p:attrNameLst>
+                                      </p:cBhvr>
+                                      <p:to>
+                                        <p:strVal val="visible"/>
+                                      </p:to>
+                                    </p:set>
+                                    <p:anim calcmode="lin" valueType="num">
+                                      <p:cBhvr additive="base">
+                                        <p:cTn id="20" dur="500" fill="hold"/>
+                                        <p:tgtEl>
+                                          <p:spTgt spid="13"/>
+                                        </p:tgtEl>
+                                        <p:attrNameLst>
+                                          <p:attrName>ppt_x</p:attrName>
+                                        </p:attrNameLst>
+                                      </p:cBhvr>
+                                      <p:tavLst>
+                                        <p:tav tm="0">
+                                          <p:val>
+                                            <p:strVal val="1+#ppt_w/2"/>
+                                          </p:val>
+                                        </p:tav>
+                                        <p:tav tm="100000">
+                                          <p:val>
+                                            <p:strVal val="#ppt_x"/>
+                                          </p:val>
+                                        </p:tav>
+                                      </p:tavLst>
+                                    </p:anim>
+                                    <p:anim calcmode="lin" valueType="num">
+                                      <p:cBhvr additive="base">
+                                        <p:cTn id="21" dur="500" fill="hold"/>
+                                        <p:tgtEl>
+                                          <p:spTgt spid="13"/>
+                                        </p:tgtEl>
+                                        <p:attrNameLst>
+                                          <p:attrName>ppt_y</p:attrName>
+                                        </p:attrNameLst>
+                                      </p:cBhvr>
+                                      <p:tavLst>
+                                        <p:tav tm="0">
+                                          <p:val>
+                                            <p:strVal val="#ppt_y"/>
+                                          </p:val>
+                                        </p:tav>
+                                        <p:tav tm="100000">
+                                          <p:val>
+                                            <p:strVal val="#ppt_y"/>
+                                          </p:val>
+                                        </p:tav>
+                                      </p:tavLst>
+                                    </p:anim>
+                                  </p:childTnLst>
+                                </p:cTn>
+                              </p:par>
+                            </p:childTnLst>
+                          </p:cTn>
+                        </p:par>
+                      </p:childTnLst>
+                    </p:cTn>
+                  </p:par>
+                  <p:par>
+                    <p:cTn id="22" fill="hold">
+                      <p:stCondLst>
+                        <p:cond delay="indefinite"/>
+                      </p:stCondLst>
+                      <p:childTnLst>
+                        <p:par>
+                          <p:cTn id="23" fill="hold">
+                            <p:stCondLst>
+                              <p:cond delay="0"/>
+                            </p:stCondLst>
+                            <p:childTnLst>
+                              <p:par>
+                                <p:cTn id="24" presetID="2" presetClass="entr" presetSubtype="2" fill="hold" grpId="0" nodeType="clickEffect">
+                                  <p:stCondLst>
+                                    <p:cond delay="0"/>
+                                  </p:stCondLst>
+                                  <p:childTnLst>
+                                    <p:set>
+                                      <p:cBhvr>
+                                        <p:cTn id="25" dur="1" fill="hold">
+                                          <p:stCondLst>
+                                            <p:cond delay="0"/>
+                                          </p:stCondLst>
+                                        </p:cTn>
+                                        <p:tgtEl>
+                                          <p:spTgt spid="14"/>
+                                        </p:tgtEl>
+                                        <p:attrNameLst>
+                                          <p:attrName>style.visibility</p:attrName>
+                                        </p:attrNameLst>
+                                      </p:cBhvr>
+                                      <p:to>
+                                        <p:strVal val="visible"/>
+                                      </p:to>
+                                    </p:set>
+                                    <p:anim calcmode="lin" valueType="num">
+                                      <p:cBhvr additive="base">
+                                        <p:cTn id="26" dur="500" fill="hold"/>
+                                        <p:tgtEl>
+                                          <p:spTgt spid="14"/>
+                                        </p:tgtEl>
+                                        <p:attrNameLst>
+                                          <p:attrName>ppt_x</p:attrName>
+                                        </p:attrNameLst>
+                                      </p:cBhvr>
+                                      <p:tavLst>
+                                        <p:tav tm="0">
+                                          <p:val>
+                                            <p:strVal val="1+#ppt_w/2"/>
+                                          </p:val>
+                                        </p:tav>
+                                        <p:tav tm="100000">
+                                          <p:val>
+                                            <p:strVal val="#ppt_x"/>
+                                          </p:val>
+                                        </p:tav>
+                                      </p:tavLst>
+                                    </p:anim>
+                                    <p:anim calcmode="lin" valueType="num">
+                                      <p:cBhvr additive="base">
+                                        <p:cTn id="27" dur="500" fill="hold"/>
+                                        <p:tgtEl>
+                                          <p:spTgt spid="14"/>
+                                        </p:tgtEl>
+                                        <p:attrNameLst>
+                                          <p:attrName>ppt_y</p:attrName>
+                                        </p:attrNameLst>
+                                      </p:cBhvr>
+                                      <p:tavLst>
+                                        <p:tav tm="0">
+                                          <p:val>
+                                            <p:strVal val="#ppt_y"/>
+                                          </p:val>
+                                        </p:tav>
+                                        <p:tav tm="100000">
+                                          <p:val>
+                                            <p:strVal val="#ppt_y"/>
+                                          </p:val>
+                                        </p:tav>
+                                      </p:tavLst>
+                                    </p:anim>
+                                  </p:childTnLst>
+                                </p:cTn>
+                              </p:par>
+                            </p:childTnLst>
+                          </p:cTn>
+                        </p:par>
+                      </p:childTnLst>
+                    </p:cTn>
+                  </p:par>
+                  <p:par>
+                    <p:cTn id="28" fill="hold">
+                      <p:stCondLst>
+                        <p:cond delay="indefinite"/>
+                      </p:stCondLst>
+                      <p:childTnLst>
+                        <p:par>
+                          <p:cTn id="29" fill="hold">
+                            <p:stCondLst>
+                              <p:cond delay="0"/>
+                            </p:stCondLst>
+                            <p:childTnLst>
+                              <p:par>
+                                <p:cTn id="30" presetID="2" presetClass="entr" presetSubtype="2" fill="hold" grpId="0" nodeType="clickEffect">
+                                  <p:stCondLst>
+                                    <p:cond delay="0"/>
+                                  </p:stCondLst>
+                                  <p:childTnLst>
+                                    <p:set>
+                                      <p:cBhvr>
+                                        <p:cTn id="31" dur="1" fill="hold">
+                                          <p:stCondLst>
+                                            <p:cond delay="0"/>
+                                          </p:stCondLst>
+                                        </p:cTn>
+                                        <p:tgtEl>
+                                          <p:spTgt spid="4"/>
+                                        </p:tgtEl>
+                                        <p:attrNameLst>
+                                          <p:attrName>style.visibility</p:attrName>
+                                        </p:attrNameLst>
+                                      </p:cBhvr>
+                                      <p:to>
+                                        <p:strVal val="visible"/>
+                                      </p:to>
+                                    </p:set>
+                                    <p:anim calcmode="lin" valueType="num">
+                                      <p:cBhvr additive="base">
+                                        <p:cTn id="32" dur="500" fill="hold"/>
+                                        <p:tgtEl>
+                                          <p:spTgt spid="4"/>
+                                        </p:tgtEl>
+                                        <p:attrNameLst>
+                                          <p:attrName>ppt_x</p:attrName>
+                                        </p:attrNameLst>
+                                      </p:cBhvr>
+                                      <p:tavLst>
+                                        <p:tav tm="0">
+                                          <p:val>
+                                            <p:strVal val="1+#ppt_w/2"/>
+                                          </p:val>
+                                        </p:tav>
+                                        <p:tav tm="100000">
+                                          <p:val>
+                                            <p:strVal val="#ppt_x"/>
+                                          </p:val>
+                                        </p:tav>
+                                      </p:tavLst>
+                                    </p:anim>
+                                    <p:anim calcmode="lin" valueType="num">
+                                      <p:cBhvr additive="base">
+                                        <p:cTn id="33" dur="500" fill="hold"/>
+                                        <p:tgtEl>
+                                          <p:spTgt spid="4"/>
+                                        </p:tgtEl>
+                                        <p:attrNameLst>
+                                          <p:attrName>ppt_y</p:attrName>
+                                        </p:attrNameLst>
+                                      </p:cBhvr>
+                                      <p:tavLst>
+                                        <p:tav tm="0">
+                                          <p:val>
+                                            <p:strVal val="#ppt_y"/>
+                                          </p:val>
+                                        </p:tav>
+                                        <p:tav tm="100000">
+                                          <p:val>
+                                            <p:strVal val="#ppt_y"/>
+                                          </p:val>
+                                        </p:tav>
+                                      </p:tavLst>
+                                    </p:anim>
+                                  </p:childTnLst>
+                                </p:cTn>
+                              </p:par>
+                            </p:childTnLst>
+                          </p:cTn>
+                        </p:par>
+                      </p:childTnLst>
+                    </p:cTn>
+                  </p:par>
+                  <p:par>
+                    <p:cTn id="34" fill="hold">
+                      <p:stCondLst>
+                        <p:cond delay="indefinite"/>
+                      </p:stCondLst>
+                      <p:childTnLst>
+                        <p:par>
+                          <p:cTn id="35" fill="hold">
+                            <p:stCondLst>
+                              <p:cond delay="0"/>
+                            </p:stCondLst>
+                            <p:childTnLst>
+                              <p:par>
+                                <p:cTn id="36" presetID="42" presetClass="entr" presetSubtype="0" fill="hold" grpId="0" nodeType="clickEffect">
+                                  <p:stCondLst>
+                                    <p:cond delay="0"/>
+                                  </p:stCondLst>
+                                  <p:childTnLst>
+                                    <p:set>
+                                      <p:cBhvr>
+                                        <p:cTn id="37" dur="1" fill="hold">
+                                          <p:stCondLst>
+                                            <p:cond delay="0"/>
+                                          </p:stCondLst>
+                                        </p:cTn>
+                                        <p:tgtEl>
+                                          <p:spTgt spid="6"/>
+                                        </p:tgtEl>
+                                        <p:attrNameLst>
+                                          <p:attrName>style.visibility</p:attrName>
+                                        </p:attrNameLst>
+                                      </p:cBhvr>
+                                      <p:to>
+                                        <p:strVal val="visible"/>
+                                      </p:to>
+                                    </p:set>
+                                    <p:animEffect transition="in" filter="fade">
+                                      <p:cBhvr>
+                                        <p:cTn id="38" dur="1000"/>
+                                        <p:tgtEl>
+                                          <p:spTgt spid="6"/>
+                                        </p:tgtEl>
+                                      </p:cBhvr>
+                                    </p:animEffect>
+                                    <p:anim calcmode="lin" valueType="num">
+                                      <p:cBhvr>
+                                        <p:cTn id="39" dur="1000" fill="hold"/>
+                                        <p:tgtEl>
+                                          <p:spTgt spid="6"/>
+                                        </p:tgtEl>
+                                        <p:attrNameLst>
+                                          <p:attrName>ppt_x</p:attrName>
+                                        </p:attrNameLst>
+                                      </p:cBhvr>
+                                      <p:tavLst>
+                                        <p:tav tm="0">
+                                          <p:val>
+                                            <p:strVal val="#ppt_x"/>
+                                          </p:val>
+                                        </p:tav>
+                                        <p:tav tm="100000">
+                                          <p:val>
+                                            <p:strVal val="#ppt_x"/>
+                                          </p:val>
+                                        </p:tav>
+                                      </p:tavLst>
+                                    </p:anim>
+                                    <p:anim calcmode="lin" valueType="num">
+                                      <p:cBhvr>
+                                        <p:cTn id="40" dur="1000" fill="hold"/>
+                                        <p:tgtEl>
+                                          <p:spTgt spid="6"/>
+                                        </p:tgtEl>
+                                        <p:attrNameLst>
+                                          <p:attrName>ppt_y</p:attrName>
+                                        </p:attrNameLst>
+                                      </p:cBhvr>
+                                      <p:tavLst>
+                                        <p:tav tm="0">
+                                          <p:val>
+                                            <p:strVal val="#ppt_y+.1"/>
+                                          </p:val>
+                                        </p:tav>
+                                        <p:tav tm="100000">
+                                          <p:val>
+                                            <p:strVal val="#ppt_y"/>
+                                          </p:val>
+                                        </p:tav>
+                                      </p:tavLst>
+                                    </p:anim>
+                                  </p:childTnLst>
+                                </p:cTn>
+                              </p:par>
+                            </p:childTnLst>
+                          </p:cTn>
+                        </p:par>
+                      </p:childTnLst>
+                    </p:cTn>
+                  </p:par>
+                  <p:par>
+                    <p:cTn id="41" fill="hold">
+                      <p:stCondLst>
+                        <p:cond delay="indefinite"/>
+                      </p:stCondLst>
+                      <p:childTnLst>
+                        <p:par>
+                          <p:cTn id="42" fill="hold">
+                            <p:stCondLst>
+                              <p:cond delay="0"/>
+                            </p:stCondLst>
+                            <p:childTnLst>
+                              <p:par>
+                                <p:cTn id="43" presetID="2" presetClass="entr" presetSubtype="2" fill="hold" grpId="0" nodeType="clickEffect">
+                                  <p:stCondLst>
+                                    <p:cond delay="0"/>
+                                  </p:stCondLst>
+                                  <p:childTnLst>
+                                    <p:set>
+                                      <p:cBhvr>
+                                        <p:cTn id="44" dur="1" fill="hold">
+                                          <p:stCondLst>
+                                            <p:cond delay="0"/>
+                                          </p:stCondLst>
+                                        </p:cTn>
+                                        <p:tgtEl>
+                                          <p:spTgt spid="8"/>
+                                        </p:tgtEl>
+                                        <p:attrNameLst>
+                                          <p:attrName>style.visibility</p:attrName>
+                                        </p:attrNameLst>
+                                      </p:cBhvr>
+                                      <p:to>
+                                        <p:strVal val="visible"/>
+                                      </p:to>
+                                    </p:set>
+                                    <p:anim calcmode="lin" valueType="num">
+                                      <p:cBhvr additive="base">
+                                        <p:cTn id="45" dur="500" fill="hold"/>
+                                        <p:tgtEl>
+                                          <p:spTgt spid="8"/>
+                                        </p:tgtEl>
+                                        <p:attrNameLst>
+                                          <p:attrName>ppt_x</p:attrName>
+                                        </p:attrNameLst>
+                                      </p:cBhvr>
+                                      <p:tavLst>
+                                        <p:tav tm="0">
+                                          <p:val>
+                                            <p:strVal val="1+#ppt_w/2"/>
+                                          </p:val>
+                                        </p:tav>
+                                        <p:tav tm="100000">
+                                          <p:val>
+                                            <p:strVal val="#ppt_x"/>
+                                          </p:val>
+                                        </p:tav>
+                                      </p:tavLst>
+                                    </p:anim>
+                                    <p:anim calcmode="lin" valueType="num">
+                                      <p:cBhvr additive="base">
+                                        <p:cTn id="46" dur="500" fill="hold"/>
+                                        <p:tgtEl>
+                                          <p:spTgt spid="8"/>
+                                        </p:tgtEl>
+                                        <p:attrNameLst>
+                                          <p:attrName>ppt_y</p:attrName>
+                                        </p:attrNameLst>
+                                      </p:cBhvr>
+                                      <p:tavLst>
+                                        <p:tav tm="0">
+                                          <p:val>
+                                            <p:strVal val="#ppt_y"/>
+                                          </p:val>
+                                        </p:tav>
+                                        <p:tav tm="100000">
+                                          <p:val>
+                                            <p:strVal val="#ppt_y"/>
+                                          </p:val>
+                                        </p:tav>
+                                      </p:tavLst>
+                                    </p:anim>
+                                  </p:childTnLst>
+                                </p:cTn>
+                              </p:par>
+                            </p:childTnLst>
+                          </p:cTn>
+                        </p:par>
+                      </p:childTnLst>
+                    </p:cTn>
+                  </p:par>
+                  <p:par>
+                    <p:cTn id="47" fill="hold">
+                      <p:stCondLst>
+                        <p:cond delay="indefinite"/>
+                      </p:stCondLst>
+                      <p:childTnLst>
+                        <p:par>
+                          <p:cTn id="48" fill="hold">
+                            <p:stCondLst>
+                              <p:cond delay="0"/>
+                            </p:stCondLst>
+                            <p:childTnLst>
+                              <p:par>
+                                <p:cTn id="49" presetID="2" presetClass="entr" presetSubtype="2" fill="hold" grpId="0" nodeType="clickEffect">
+                                  <p:stCondLst>
+                                    <p:cond delay="0"/>
+                                  </p:stCondLst>
+                                  <p:childTnLst>
+                                    <p:set>
+                                      <p:cBhvr>
+                                        <p:cTn id="50" dur="1" fill="hold">
+                                          <p:stCondLst>
+                                            <p:cond delay="0"/>
+                                          </p:stCondLst>
+                                        </p:cTn>
+                                        <p:tgtEl>
+                                          <p:spTgt spid="10"/>
+                                        </p:tgtEl>
+                                        <p:attrNameLst>
+                                          <p:attrName>style.visibility</p:attrName>
+                                        </p:attrNameLst>
+                                      </p:cBhvr>
+                                      <p:to>
+                                        <p:strVal val="visible"/>
+                                      </p:to>
+                                    </p:set>
+                                    <p:anim calcmode="lin" valueType="num">
+                                      <p:cBhvr additive="base">
+                                        <p:cTn id="51" dur="500" fill="hold"/>
+                                        <p:tgtEl>
+                                          <p:spTgt spid="10"/>
+                                        </p:tgtEl>
+                                        <p:attrNameLst>
+                                          <p:attrName>ppt_x</p:attrName>
+                                        </p:attrNameLst>
+                                      </p:cBhvr>
+                                      <p:tavLst>
+                                        <p:tav tm="0">
+                                          <p:val>
+                                            <p:strVal val="1+#ppt_w/2"/>
+                                          </p:val>
+                                        </p:tav>
+                                        <p:tav tm="100000">
+                                          <p:val>
+                                            <p:strVal val="#ppt_x"/>
+                                          </p:val>
+                                        </p:tav>
+                                      </p:tavLst>
+                                    </p:anim>
+                                    <p:anim calcmode="lin" valueType="num">
+                                      <p:cBhvr additive="base">
+                                        <p:cTn id="52" dur="500" fill="hold"/>
+                                        <p:tgtEl>
+                                          <p:spTgt spid="10"/>
+                                        </p:tgtEl>
+                                        <p:attrNameLst>
+                                          <p:attrName>ppt_y</p:attrName>
+                                        </p:attrNameLst>
+                                      </p:cBhvr>
+                                      <p:tavLst>
+                                        <p:tav tm="0">
+                                          <p:val>
+                                            <p:strVal val="#ppt_y"/>
+                                          </p:val>
+                                        </p:tav>
+                                        <p:tav tm="100000">
+                                          <p:val>
+                                            <p:strVal val="#ppt_y"/>
+                                          </p:val>
+                                        </p:tav>
+                                      </p:tavLst>
+                                    </p:anim>
+                                  </p:childTnLst>
+                                </p:cTn>
+                              </p:par>
+                            </p:childTnLst>
+                          </p:cTn>
+                        </p:par>
+                      </p:childTnLst>
+                    </p:cTn>
+                  </p:par>
+                  <p:par>
+                    <p:cTn id="53" fill="hold">
+                      <p:stCondLst>
+                        <p:cond delay="indefinite"/>
+                      </p:stCondLst>
+                      <p:childTnLst>
+                        <p:par>
+                          <p:cTn id="54" fill="hold">
+                            <p:stCondLst>
+                              <p:cond delay="0"/>
+                            </p:stCondLst>
+                            <p:childTnLst>
+                              <p:par>
+                                <p:cTn id="55" presetID="2" presetClass="entr" presetSubtype="2" fill="hold" grpId="0" nodeType="clickEffect">
+                                  <p:stCondLst>
+                                    <p:cond delay="0"/>
+                                  </p:stCondLst>
+                                  <p:childTnLst>
+                                    <p:set>
+                                      <p:cBhvr>
+                                        <p:cTn id="56" dur="1" fill="hold">
+                                          <p:stCondLst>
+                                            <p:cond delay="0"/>
+                                          </p:stCondLst>
+                                        </p:cTn>
+                                        <p:tgtEl>
+                                          <p:spTgt spid="9"/>
+                                        </p:tgtEl>
+                                        <p:attrNameLst>
+                                          <p:attrName>style.visibility</p:attrName>
+                                        </p:attrNameLst>
+                                      </p:cBhvr>
+                                      <p:to>
+                                        <p:strVal val="visible"/>
+                                      </p:to>
+                                    </p:set>
+                                    <p:anim calcmode="lin" valueType="num">
+                                      <p:cBhvr additive="base">
+                                        <p:cTn id="57" dur="500" fill="hold"/>
+                                        <p:tgtEl>
+                                          <p:spTgt spid="9"/>
+                                        </p:tgtEl>
+                                        <p:attrNameLst>
+                                          <p:attrName>ppt_x</p:attrName>
+                                        </p:attrNameLst>
+                                      </p:cBhvr>
+                                      <p:tavLst>
+                                        <p:tav tm="0">
+                                          <p:val>
+                                            <p:strVal val="1+#ppt_w/2"/>
+                                          </p:val>
+                                        </p:tav>
+                                        <p:tav tm="100000">
+                                          <p:val>
+                                            <p:strVal val="#ppt_x"/>
+                                          </p:val>
+                                        </p:tav>
+                                      </p:tavLst>
+                                    </p:anim>
+                                    <p:anim calcmode="lin" valueType="num">
+                                      <p:cBhvr additive="base">
+                                        <p:cTn id="58" dur="500" fill="hold"/>
+                                        <p:tgtEl>
+                                          <p:spTgt spid="9"/>
+                                        </p:tgtEl>
+                                        <p:attrNameLst>
+                                          <p:attrName>ppt_y</p:attrName>
+                                        </p:attrNameLst>
+                                      </p:cBhvr>
+                                      <p:tavLst>
+                                        <p:tav tm="0">
+                                          <p:val>
+                                            <p:strVal val="#ppt_y"/>
+                                          </p:val>
+                                        </p:tav>
+                                        <p:tav tm="100000">
+                                          <p:val>
+                                            <p:strVal val="#ppt_y"/>
+                                          </p:val>
+                                        </p:tav>
+                                      </p:tavLst>
+                                    </p:anim>
+                                  </p:childTnLst>
+                                </p:cTn>
+                              </p:par>
+                            </p:childTnLst>
+                          </p:cTn>
+                        </p:par>
+                      </p:childTnLst>
+                    </p:cTn>
+                  </p:par>
+                  <p:par>
+                    <p:cTn id="59" fill="hold">
+                      <p:stCondLst>
+                        <p:cond delay="indefinite"/>
+                      </p:stCondLst>
+                      <p:childTnLst>
+                        <p:par>
+                          <p:cTn id="60" fill="hold">
+                            <p:stCondLst>
+                              <p:cond delay="0"/>
+                            </p:stCondLst>
+                            <p:childTnLst>
+                              <p:par>
+                                <p:cTn id="61" presetID="2" presetClass="entr" presetSubtype="2" fill="hold" grpId="0" nodeType="clickEffect">
+                                  <p:stCondLst>
+                                    <p:cond delay="0"/>
+                                  </p:stCondLst>
+                                  <p:childTnLst>
+                                    <p:set>
+                                      <p:cBhvr>
+                                        <p:cTn id="62" dur="1" fill="hold">
+                                          <p:stCondLst>
+                                            <p:cond delay="0"/>
+                                          </p:stCondLst>
+                                        </p:cTn>
+                                        <p:tgtEl>
+                                          <p:spTgt spid="15"/>
+                                        </p:tgtEl>
+                                        <p:attrNameLst>
+                                          <p:attrName>style.visibility</p:attrName>
+                                        </p:attrNameLst>
+                                      </p:cBhvr>
+                                      <p:to>
+                                        <p:strVal val="visible"/>
+                                      </p:to>
+                                    </p:set>
+                                    <p:anim calcmode="lin" valueType="num">
+                                      <p:cBhvr additive="base">
+                                        <p:cTn id="63" dur="500" fill="hold"/>
+                                        <p:tgtEl>
+                                          <p:spTgt spid="15"/>
+                                        </p:tgtEl>
+                                        <p:attrNameLst>
+                                          <p:attrName>ppt_x</p:attrName>
+                                        </p:attrNameLst>
+                                      </p:cBhvr>
+                                      <p:tavLst>
+                                        <p:tav tm="0">
+                                          <p:val>
+                                            <p:strVal val="1+#ppt_w/2"/>
+                                          </p:val>
+                                        </p:tav>
+                                        <p:tav tm="100000">
+                                          <p:val>
+                                            <p:strVal val="#ppt_x"/>
+                                          </p:val>
+                                        </p:tav>
+                                      </p:tavLst>
+                                    </p:anim>
+                                    <p:anim calcmode="lin" valueType="num">
+                                      <p:cBhvr additive="base">
+                                        <p:cTn id="64" dur="500" fill="hold"/>
+                                        <p:tgtEl>
+                                          <p:spTgt spid="15"/>
+                                        </p:tgtEl>
+                                        <p:attrNameLst>
+                                          <p:attrName>ppt_y</p:attrName>
+                                        </p:attrNameLst>
+                                      </p:cBhvr>
+                                      <p:tavLst>
+                                        <p:tav tm="0">
+                                          <p:val>
+                                            <p:strVal val="#ppt_y"/>
+                                          </p:val>
+                                        </p:tav>
+                                        <p:tav tm="100000">
+                                          <p:val>
+                                            <p:strVal val="#ppt_y"/>
+                                          </p:val>
+                                        </p:tav>
+                                      </p:tavLst>
+                                    </p:anim>
+                                  </p:childTnLst>
+                                </p:cTn>
+                              </p:par>
+                            </p:childTnLst>
+                          </p:cTn>
+                        </p:par>
+                      </p:childTnLst>
+                    </p:cTn>
+                  </p:par>
+                </p:childTnLst>
+              </p:cTn>
+              <p:prevCondLst>
+                <p:cond evt="onPrev" delay="0">
+                  <p:tgtEl>
+                    <p:sldTgt/>
+                  </p:tgtEl>
+                </p:cond>
+              </p:prevCondLst>
+              <p:nextCondLst>
+                <p:cond evt="onNext" delay="0">
+                  <p:tgtEl>
+                    <p:sldTgt/>
+                  </p:tgtEl>
+                </p:cond>
+              </p:nextCondLst>
+            </p:seq>
+          </p:childTnLst>
+        </p:cTn>
+      </p:par>
+    </p:tnLst>
+    <p:bldLst>
+      <p:bldP spid="6" grpId="0" animBg="1"/>
+      <p:bldP spid="8" grpId="0" animBg="1"/>
+      <p:bldP spid="9" grpId="0" animBg="1"/>
+      <p:bldP spid="10" grpId="0" animBg="1"/>
+      <p:bldP spid="4" grpId="0"/>
+      <p:bldP spid="11" grpId="0" animBg="1"/>
+      <p:bldP spid="12" grpId="0" animBg="1"/>
+      <p:bldP spid="13" grpId="0" animBg="1"/>
+      <p:bldP spid="14" grpId="0" animBg="1"/>
+      <p:bldP spid="15" grpId="0"/>
+    </p:bldLst>
+  </p:timing>
+</p:sld>
+</file>
+
+<file path=ppt/slides/slide18.xml><?xml version="1.0" encoding="utf-8"?>
+<p:sld xmlns:a="http://schemas.openxmlformats.org/drawingml/2006/main" xmlns:r="http://schemas.openxmlformats.org/officeDocument/2006/relationships" xmlns:p="http://schemas.openxmlformats.org/presentationml/2006/main">
+  <p:cSld>
+    <p:bg>
+      <p:bgPr>
+        <a:solidFill>
+          <a:schemeClr val="tx1"/>
+        </a:solidFill>
+        <a:effectLst/>
+      </p:bgPr>
+    </p:bg>
+    <p:spTree>
+      <p:nvGrpSpPr>
+        <p:cNvPr id="1" name=""/>
+        <p:cNvGrpSpPr/>
+        <p:nvPr/>
+      </p:nvGrpSpPr>
+      <p:grpSpPr>
+        <a:xfrm>
+          <a:off x="0" y="0"/>
+          <a:ext cx="0" cy="0"/>
+          <a:chOff x="0" y="0"/>
+          <a:chExt cx="0" cy="0"/>
+        </a:xfrm>
+      </p:grpSpPr>
+      <p:sp>
+        <p:nvSpPr>
+          <p:cNvPr id="2" name="Title 1">
+            <a:extLst>
+              <a:ext uri="{FF2B5EF4-FFF2-40B4-BE49-F238E27FC236}">
+                <a16:creationId xmlns:a16="http://schemas.microsoft.com/office/drawing/2014/main" id="{D28CCC0E-0AFE-412A-A235-C6465ACDB630}"/>
+              </a:ext>
+            </a:extLst>
+          </p:cNvPr>
+          <p:cNvSpPr>
+            <a:spLocks noGrp="1"/>
+          </p:cNvSpPr>
+          <p:nvPr>
+            <p:ph type="title"/>
+          </p:nvPr>
+        </p:nvSpPr>
+        <p:spPr/>
+        <p:txBody>
+          <a:bodyPr/>
+          <a:lstStyle/>
+          <a:p>
+            <a:r>
+              <a:rPr lang="en-US" dirty="0">
+                <a:solidFill>
+                  <a:schemeClr val="bg1"/>
+                </a:solidFill>
+              </a:rPr>
+              <a:t>Flexbox CSS Classes</a:t>
+            </a:r>
+            <a:endParaRPr lang="en-AU" dirty="0">
+              <a:solidFill>
+                <a:schemeClr val="bg1"/>
+              </a:solidFill>
+            </a:endParaRPr>
+          </a:p>
+        </p:txBody>
+      </p:sp>
+      <p:pic>
+        <p:nvPicPr>
+          <p:cNvPr id="3" name="Picture 2">
+            <a:extLst>
+              <a:ext uri="{FF2B5EF4-FFF2-40B4-BE49-F238E27FC236}">
+                <a16:creationId xmlns:a16="http://schemas.microsoft.com/office/drawing/2014/main" id="{5B66F0DE-7E95-4331-8B48-07E8EB7A20F7}"/>
+              </a:ext>
+            </a:extLst>
+          </p:cNvPr>
+          <p:cNvPicPr>
+            <a:picLocks noChangeAspect="1"/>
+          </p:cNvPicPr>
+          <p:nvPr/>
+        </p:nvPicPr>
+        <p:blipFill>
+          <a:blip r:embed="rId2"/>
+          <a:stretch>
+            <a:fillRect/>
+          </a:stretch>
+        </p:blipFill>
+        <p:spPr>
+          <a:xfrm>
+            <a:off x="838200" y="1490655"/>
+            <a:ext cx="10612121" cy="1381126"/>
+          </a:xfrm>
+          <a:prstGeom prst="rect">
+            <a:avLst/>
+          </a:prstGeom>
+        </p:spPr>
+      </p:pic>
+      <p:sp>
+        <p:nvSpPr>
+          <p:cNvPr id="6" name="Rectangle 5">
+            <a:extLst>
+              <a:ext uri="{FF2B5EF4-FFF2-40B4-BE49-F238E27FC236}">
+                <a16:creationId xmlns:a16="http://schemas.microsoft.com/office/drawing/2014/main" id="{EF7C2C76-8655-455B-B8E3-F4B9F81E553C}"/>
+              </a:ext>
+            </a:extLst>
+          </p:cNvPr>
+          <p:cNvSpPr/>
+          <p:nvPr/>
+        </p:nvSpPr>
+        <p:spPr>
+          <a:xfrm>
+            <a:off x="3481388" y="3021781"/>
+            <a:ext cx="6981825" cy="646331"/>
+          </a:xfrm>
+          <a:prstGeom prst="rect">
+            <a:avLst/>
+          </a:prstGeom>
+          <a:solidFill>
+            <a:schemeClr val="accent4">
+              <a:lumMod val="40000"/>
+              <a:lumOff val="60000"/>
+            </a:schemeClr>
+          </a:solidFill>
+          <a:effectLst>
+            <a:softEdge rad="63500"/>
+          </a:effectLst>
+        </p:spPr>
+        <p:style>
+          <a:lnRef idx="3">
+            <a:schemeClr val="lt1"/>
+          </a:lnRef>
+          <a:fillRef idx="1">
+            <a:schemeClr val="accent2"/>
+          </a:fillRef>
+          <a:effectRef idx="1">
+            <a:schemeClr val="accent2"/>
+          </a:effectRef>
+          <a:fontRef idx="minor">
+            <a:schemeClr val="lt1"/>
+          </a:fontRef>
+        </p:style>
+        <p:txBody>
+          <a:bodyPr rtlCol="0" anchor="ctr"/>
+          <a:lstStyle/>
+          <a:p>
+            <a:pPr algn="ctr"/>
+            <a:endParaRPr lang="en-AU" dirty="0">
+              <a:ln w="0"/>
+              <a:solidFill>
+                <a:schemeClr val="tx1"/>
+              </a:solidFill>
+              <a:effectLst>
+                <a:outerShdw blurRad="38100" dist="19050" dir="2700000" algn="tl" rotWithShape="0">
+                  <a:schemeClr val="dk1">
+                    <a:alpha val="40000"/>
+                  </a:schemeClr>
+                </a:outerShdw>
+              </a:effectLst>
+            </a:endParaRPr>
+          </a:p>
+        </p:txBody>
+      </p:sp>
+      <p:sp>
+        <p:nvSpPr>
+          <p:cNvPr id="8" name="Rectangle 7">
+            <a:extLst>
+              <a:ext uri="{FF2B5EF4-FFF2-40B4-BE49-F238E27FC236}">
+                <a16:creationId xmlns:a16="http://schemas.microsoft.com/office/drawing/2014/main" id="{CD740AC6-6622-49E4-9F6A-DC6F2B8BED63}"/>
+              </a:ext>
+            </a:extLst>
+          </p:cNvPr>
+          <p:cNvSpPr/>
+          <p:nvPr/>
+        </p:nvSpPr>
+        <p:spPr>
+          <a:xfrm>
+            <a:off x="3597747" y="3116258"/>
+            <a:ext cx="1760066" cy="415756"/>
+          </a:xfrm>
+          <a:prstGeom prst="rect">
+            <a:avLst/>
+          </a:prstGeom>
+          <a:effectLst>
+            <a:softEdge rad="63500"/>
+          </a:effectLst>
+        </p:spPr>
+        <p:style>
+          <a:lnRef idx="3">
+            <a:schemeClr val="lt1"/>
+          </a:lnRef>
+          <a:fillRef idx="1">
+            <a:schemeClr val="accent2"/>
+          </a:fillRef>
+          <a:effectRef idx="1">
+            <a:schemeClr val="accent2"/>
+          </a:effectRef>
+          <a:fontRef idx="minor">
+            <a:schemeClr val="lt1"/>
+          </a:fontRef>
+        </p:style>
+        <p:txBody>
+          <a:bodyPr rtlCol="0" anchor="ctr"/>
+          <a:lstStyle/>
+          <a:p>
+            <a:pPr algn="ctr"/>
+            <a:endParaRPr lang="en-AU" sz="3600" b="1" dirty="0">
+              <a:ln w="9525">
+                <a:solidFill>
+                  <a:schemeClr val="bg1"/>
+                </a:solidFill>
+                <a:prstDash val="solid"/>
+              </a:ln>
+              <a:solidFill>
+                <a:schemeClr val="tx1"/>
+              </a:solidFill>
+              <a:effectLst>
+                <a:outerShdw blurRad="12700" dist="38100" dir="2700000" algn="tl" rotWithShape="0">
+                  <a:schemeClr val="bg1">
+                    <a:lumMod val="50000"/>
+                  </a:schemeClr>
+                </a:outerShdw>
+              </a:effectLst>
+            </a:endParaRPr>
+          </a:p>
+        </p:txBody>
+      </p:sp>
+      <p:sp>
+        <p:nvSpPr>
+          <p:cNvPr id="4" name="Rectangle 3">
+            <a:extLst>
+              <a:ext uri="{FF2B5EF4-FFF2-40B4-BE49-F238E27FC236}">
+                <a16:creationId xmlns:a16="http://schemas.microsoft.com/office/drawing/2014/main" id="{04611F2E-E0F6-4359-9441-20C58BC43CFF}"/>
+              </a:ext>
+            </a:extLst>
+          </p:cNvPr>
+          <p:cNvSpPr/>
+          <p:nvPr/>
+        </p:nvSpPr>
+        <p:spPr>
+          <a:xfrm>
+            <a:off x="638169" y="3000971"/>
+            <a:ext cx="2328862" cy="646331"/>
+          </a:xfrm>
+          <a:prstGeom prst="rect">
+            <a:avLst/>
+          </a:prstGeom>
+          <a:noFill/>
+        </p:spPr>
+        <p:txBody>
+          <a:bodyPr wrap="square" lIns="91440" tIns="45720" rIns="91440" bIns="45720">
+            <a:spAutoFit/>
+          </a:bodyPr>
+          <a:lstStyle/>
+          <a:p>
+            <a:pPr algn="ctr"/>
+            <a:r>
+              <a:rPr lang="en-US" sz="3600" b="1" dirty="0">
+                <a:ln w="22225">
+                  <a:solidFill>
+                    <a:schemeClr val="accent2"/>
+                  </a:solidFill>
+                  <a:prstDash val="solid"/>
+                </a:ln>
+                <a:solidFill>
+                  <a:schemeClr val="accent2">
+                    <a:lumMod val="40000"/>
+                    <a:lumOff val="60000"/>
+                  </a:schemeClr>
+                </a:solidFill>
+              </a:rPr>
+              <a:t>f</a:t>
+            </a:r>
+            <a:r>
+              <a:rPr lang="en-US" sz="3600" b="1" cap="none" spc="0" dirty="0">
+                <a:ln w="22225">
+                  <a:solidFill>
+                    <a:schemeClr val="accent2"/>
+                  </a:solidFill>
+                  <a:prstDash val="solid"/>
+                </a:ln>
+                <a:solidFill>
+                  <a:schemeClr val="accent2">
+                    <a:lumMod val="40000"/>
+                    <a:lumOff val="60000"/>
+                  </a:schemeClr>
+                </a:solidFill>
+                <a:effectLst/>
+              </a:rPr>
+              <a:t>lex-start</a:t>
+            </a:r>
+          </a:p>
+        </p:txBody>
+      </p:sp>
+      <p:sp>
+        <p:nvSpPr>
+          <p:cNvPr id="9" name="Rectangle 8">
+            <a:extLst>
+              <a:ext uri="{FF2B5EF4-FFF2-40B4-BE49-F238E27FC236}">
+                <a16:creationId xmlns:a16="http://schemas.microsoft.com/office/drawing/2014/main" id="{0E66A524-F2A2-4D72-8C45-D885D602CCFC}"/>
+              </a:ext>
+            </a:extLst>
+          </p:cNvPr>
+          <p:cNvSpPr/>
+          <p:nvPr/>
+        </p:nvSpPr>
+        <p:spPr>
+          <a:xfrm>
+            <a:off x="5357813" y="3116258"/>
+            <a:ext cx="1238250" cy="415756"/>
+          </a:xfrm>
+          <a:prstGeom prst="rect">
+            <a:avLst/>
+          </a:prstGeom>
+          <a:effectLst>
+            <a:softEdge rad="63500"/>
+          </a:effectLst>
+        </p:spPr>
+        <p:style>
+          <a:lnRef idx="3">
+            <a:schemeClr val="lt1"/>
+          </a:lnRef>
+          <a:fillRef idx="1">
+            <a:schemeClr val="accent2"/>
+          </a:fillRef>
+          <a:effectRef idx="1">
+            <a:schemeClr val="accent2"/>
+          </a:effectRef>
+          <a:fontRef idx="minor">
+            <a:schemeClr val="lt1"/>
+          </a:fontRef>
+        </p:style>
+        <p:txBody>
+          <a:bodyPr rtlCol="0" anchor="ctr"/>
+          <a:lstStyle/>
+          <a:p>
+            <a:pPr algn="ctr"/>
+            <a:endParaRPr lang="en-AU" sz="3600" b="1" dirty="0">
+              <a:ln w="9525">
+                <a:solidFill>
+                  <a:schemeClr val="bg1"/>
+                </a:solidFill>
+                <a:prstDash val="solid"/>
+              </a:ln>
+              <a:solidFill>
+                <a:schemeClr val="tx1"/>
+              </a:solidFill>
+              <a:effectLst>
+                <a:outerShdw blurRad="12700" dist="38100" dir="2700000" algn="tl" rotWithShape="0">
+                  <a:schemeClr val="bg1">
+                    <a:lumMod val="50000"/>
+                  </a:schemeClr>
+                </a:outerShdw>
+              </a:effectLst>
+            </a:endParaRPr>
+          </a:p>
+        </p:txBody>
+      </p:sp>
+      <p:sp>
+        <p:nvSpPr>
+          <p:cNvPr id="11" name="Rectangle 10">
+            <a:extLst>
+              <a:ext uri="{FF2B5EF4-FFF2-40B4-BE49-F238E27FC236}">
+                <a16:creationId xmlns:a16="http://schemas.microsoft.com/office/drawing/2014/main" id="{B46D27E8-7450-4585-A74F-8694A95E5F61}"/>
+              </a:ext>
+            </a:extLst>
+          </p:cNvPr>
+          <p:cNvSpPr/>
+          <p:nvPr/>
+        </p:nvSpPr>
+        <p:spPr>
+          <a:xfrm>
+            <a:off x="6596063" y="3116258"/>
+            <a:ext cx="1760066" cy="415756"/>
+          </a:xfrm>
+          <a:prstGeom prst="rect">
+            <a:avLst/>
+          </a:prstGeom>
+          <a:effectLst>
+            <a:softEdge rad="63500"/>
+          </a:effectLst>
+        </p:spPr>
+        <p:style>
+          <a:lnRef idx="3">
+            <a:schemeClr val="lt1"/>
+          </a:lnRef>
+          <a:fillRef idx="1">
+            <a:schemeClr val="accent2"/>
+          </a:fillRef>
+          <a:effectRef idx="1">
+            <a:schemeClr val="accent2"/>
+          </a:effectRef>
+          <a:fontRef idx="minor">
+            <a:schemeClr val="lt1"/>
+          </a:fontRef>
+        </p:style>
+        <p:txBody>
+          <a:bodyPr rtlCol="0" anchor="ctr"/>
+          <a:lstStyle/>
+          <a:p>
+            <a:pPr algn="ctr"/>
+            <a:endParaRPr lang="en-AU" sz="3600" b="1" dirty="0">
+              <a:ln w="9525">
+                <a:solidFill>
+                  <a:schemeClr val="bg1"/>
+                </a:solidFill>
+                <a:prstDash val="solid"/>
+              </a:ln>
+              <a:solidFill>
+                <a:schemeClr val="tx1"/>
+              </a:solidFill>
+              <a:effectLst>
+                <a:outerShdw blurRad="12700" dist="38100" dir="2700000" algn="tl" rotWithShape="0">
+                  <a:schemeClr val="bg1">
+                    <a:lumMod val="50000"/>
+                  </a:schemeClr>
+                </a:outerShdw>
+              </a:effectLst>
+            </a:endParaRPr>
+          </a:p>
+        </p:txBody>
+      </p:sp>
+      <p:sp>
+        <p:nvSpPr>
+          <p:cNvPr id="12" name="Rectangle 11">
+            <a:extLst>
+              <a:ext uri="{FF2B5EF4-FFF2-40B4-BE49-F238E27FC236}">
+                <a16:creationId xmlns:a16="http://schemas.microsoft.com/office/drawing/2014/main" id="{880BE325-0C30-4E32-B496-D36A9A6061EE}"/>
+              </a:ext>
+            </a:extLst>
+          </p:cNvPr>
+          <p:cNvSpPr/>
+          <p:nvPr/>
+        </p:nvSpPr>
+        <p:spPr>
+          <a:xfrm>
+            <a:off x="638169" y="3647302"/>
+            <a:ext cx="2328862" cy="646331"/>
+          </a:xfrm>
+          <a:prstGeom prst="rect">
+            <a:avLst/>
+          </a:prstGeom>
+          <a:noFill/>
+        </p:spPr>
+        <p:txBody>
+          <a:bodyPr wrap="square" lIns="91440" tIns="45720" rIns="91440" bIns="45720">
+            <a:spAutoFit/>
+          </a:bodyPr>
+          <a:lstStyle/>
+          <a:p>
+            <a:pPr algn="ctr"/>
+            <a:r>
+              <a:rPr lang="en-US" sz="3600" b="1" dirty="0">
+                <a:ln w="22225">
+                  <a:solidFill>
+                    <a:schemeClr val="accent2"/>
+                  </a:solidFill>
+                  <a:prstDash val="solid"/>
+                </a:ln>
+                <a:solidFill>
+                  <a:schemeClr val="accent2">
+                    <a:lumMod val="40000"/>
+                    <a:lumOff val="60000"/>
+                  </a:schemeClr>
+                </a:solidFill>
+              </a:rPr>
+              <a:t>f</a:t>
+            </a:r>
+            <a:r>
+              <a:rPr lang="en-US" sz="3600" b="1" cap="none" spc="0" dirty="0">
+                <a:ln w="22225">
+                  <a:solidFill>
+                    <a:schemeClr val="accent2"/>
+                  </a:solidFill>
+                  <a:prstDash val="solid"/>
+                </a:ln>
+                <a:solidFill>
+                  <a:schemeClr val="accent2">
+                    <a:lumMod val="40000"/>
+                    <a:lumOff val="60000"/>
+                  </a:schemeClr>
+                </a:solidFill>
+                <a:effectLst/>
+              </a:rPr>
+              <a:t>lex-end</a:t>
+            </a:r>
+          </a:p>
+        </p:txBody>
+      </p:sp>
+      <p:sp>
+        <p:nvSpPr>
+          <p:cNvPr id="13" name="Rectangle 12">
+            <a:extLst>
+              <a:ext uri="{FF2B5EF4-FFF2-40B4-BE49-F238E27FC236}">
+                <a16:creationId xmlns:a16="http://schemas.microsoft.com/office/drawing/2014/main" id="{BDEA63FD-9822-4A04-AC6F-877AB5BB521C}"/>
+              </a:ext>
+            </a:extLst>
+          </p:cNvPr>
+          <p:cNvSpPr/>
+          <p:nvPr/>
+        </p:nvSpPr>
+        <p:spPr>
+          <a:xfrm>
+            <a:off x="3481388" y="3663054"/>
+            <a:ext cx="6981825" cy="646331"/>
+          </a:xfrm>
+          <a:prstGeom prst="rect">
+            <a:avLst/>
+          </a:prstGeom>
+          <a:solidFill>
+            <a:schemeClr val="accent4">
+              <a:lumMod val="40000"/>
+              <a:lumOff val="60000"/>
+            </a:schemeClr>
+          </a:solidFill>
+          <a:effectLst>
+            <a:softEdge rad="63500"/>
+          </a:effectLst>
+        </p:spPr>
+        <p:style>
+          <a:lnRef idx="3">
+            <a:schemeClr val="lt1"/>
+          </a:lnRef>
+          <a:fillRef idx="1">
+            <a:schemeClr val="accent2"/>
+          </a:fillRef>
+          <a:effectRef idx="1">
+            <a:schemeClr val="accent2"/>
+          </a:effectRef>
+          <a:fontRef idx="minor">
+            <a:schemeClr val="lt1"/>
+          </a:fontRef>
+        </p:style>
+        <p:txBody>
+          <a:bodyPr rtlCol="0" anchor="ctr"/>
+          <a:lstStyle/>
+          <a:p>
+            <a:pPr algn="ctr"/>
+            <a:endParaRPr lang="en-AU" dirty="0">
+              <a:ln w="0"/>
+              <a:solidFill>
+                <a:schemeClr val="tx1"/>
+              </a:solidFill>
+              <a:effectLst>
+                <a:outerShdw blurRad="38100" dist="19050" dir="2700000" algn="tl" rotWithShape="0">
+                  <a:schemeClr val="dk1">
+                    <a:alpha val="40000"/>
+                  </a:schemeClr>
+                </a:outerShdw>
+              </a:effectLst>
+            </a:endParaRPr>
+          </a:p>
+        </p:txBody>
+      </p:sp>
+      <p:sp>
+        <p:nvSpPr>
+          <p:cNvPr id="14" name="Rectangle 13">
+            <a:extLst>
+              <a:ext uri="{FF2B5EF4-FFF2-40B4-BE49-F238E27FC236}">
+                <a16:creationId xmlns:a16="http://schemas.microsoft.com/office/drawing/2014/main" id="{164785BA-EC6F-4483-8DB2-72603B581AC0}"/>
+              </a:ext>
+            </a:extLst>
+          </p:cNvPr>
+          <p:cNvSpPr/>
+          <p:nvPr/>
+        </p:nvSpPr>
+        <p:spPr>
+          <a:xfrm>
+            <a:off x="5593235" y="3799152"/>
+            <a:ext cx="1760066" cy="415756"/>
+          </a:xfrm>
+          <a:prstGeom prst="rect">
+            <a:avLst/>
+          </a:prstGeom>
+          <a:effectLst>
+            <a:softEdge rad="63500"/>
+          </a:effectLst>
+        </p:spPr>
+        <p:style>
+          <a:lnRef idx="3">
+            <a:schemeClr val="lt1"/>
+          </a:lnRef>
+          <a:fillRef idx="1">
+            <a:schemeClr val="accent2"/>
+          </a:fillRef>
+          <a:effectRef idx="1">
+            <a:schemeClr val="accent2"/>
+          </a:effectRef>
+          <a:fontRef idx="minor">
+            <a:schemeClr val="lt1"/>
+          </a:fontRef>
+        </p:style>
+        <p:txBody>
+          <a:bodyPr rtlCol="0" anchor="ctr"/>
+          <a:lstStyle/>
+          <a:p>
+            <a:pPr algn="ctr"/>
+            <a:endParaRPr lang="en-AU" sz="3600" b="1" dirty="0">
+              <a:ln w="9525">
+                <a:solidFill>
+                  <a:schemeClr val="bg1"/>
+                </a:solidFill>
+                <a:prstDash val="solid"/>
+              </a:ln>
+              <a:solidFill>
+                <a:schemeClr val="tx1"/>
+              </a:solidFill>
+              <a:effectLst>
+                <a:outerShdw blurRad="12700" dist="38100" dir="2700000" algn="tl" rotWithShape="0">
+                  <a:schemeClr val="bg1">
+                    <a:lumMod val="50000"/>
+                  </a:schemeClr>
+                </a:outerShdw>
+              </a:effectLst>
+            </a:endParaRPr>
+          </a:p>
+        </p:txBody>
+      </p:sp>
+      <p:sp>
+        <p:nvSpPr>
+          <p:cNvPr id="15" name="Rectangle 14">
+            <a:extLst>
+              <a:ext uri="{FF2B5EF4-FFF2-40B4-BE49-F238E27FC236}">
+                <a16:creationId xmlns:a16="http://schemas.microsoft.com/office/drawing/2014/main" id="{E5E3B3DD-301B-4AB0-A3A5-1CBBA320504F}"/>
+              </a:ext>
+            </a:extLst>
+          </p:cNvPr>
+          <p:cNvSpPr/>
+          <p:nvPr/>
+        </p:nvSpPr>
+        <p:spPr>
+          <a:xfrm>
+            <a:off x="7353301" y="3799152"/>
+            <a:ext cx="1238250" cy="415756"/>
+          </a:xfrm>
+          <a:prstGeom prst="rect">
+            <a:avLst/>
+          </a:prstGeom>
+          <a:effectLst>
+            <a:softEdge rad="63500"/>
+          </a:effectLst>
+        </p:spPr>
+        <p:style>
+          <a:lnRef idx="3">
+            <a:schemeClr val="lt1"/>
+          </a:lnRef>
+          <a:fillRef idx="1">
+            <a:schemeClr val="accent2"/>
+          </a:fillRef>
+          <a:effectRef idx="1">
+            <a:schemeClr val="accent2"/>
+          </a:effectRef>
+          <a:fontRef idx="minor">
+            <a:schemeClr val="lt1"/>
+          </a:fontRef>
+        </p:style>
+        <p:txBody>
+          <a:bodyPr rtlCol="0" anchor="ctr"/>
+          <a:lstStyle/>
+          <a:p>
+            <a:pPr algn="ctr"/>
+            <a:endParaRPr lang="en-AU" sz="3600" b="1" dirty="0">
+              <a:ln w="9525">
+                <a:solidFill>
+                  <a:schemeClr val="bg1"/>
+                </a:solidFill>
+                <a:prstDash val="solid"/>
+              </a:ln>
+              <a:solidFill>
+                <a:schemeClr val="tx1"/>
+              </a:solidFill>
+              <a:effectLst>
+                <a:outerShdw blurRad="12700" dist="38100" dir="2700000" algn="tl" rotWithShape="0">
+                  <a:schemeClr val="bg1">
+                    <a:lumMod val="50000"/>
+                  </a:schemeClr>
+                </a:outerShdw>
+              </a:effectLst>
+            </a:endParaRPr>
+          </a:p>
+        </p:txBody>
+      </p:sp>
+      <p:sp>
+        <p:nvSpPr>
+          <p:cNvPr id="16" name="Rectangle 15">
+            <a:extLst>
+              <a:ext uri="{FF2B5EF4-FFF2-40B4-BE49-F238E27FC236}">
+                <a16:creationId xmlns:a16="http://schemas.microsoft.com/office/drawing/2014/main" id="{7BB3651B-B27E-43E1-8388-66B778D31FCC}"/>
+              </a:ext>
+            </a:extLst>
+          </p:cNvPr>
+          <p:cNvSpPr/>
+          <p:nvPr/>
+        </p:nvSpPr>
+        <p:spPr>
+          <a:xfrm>
+            <a:off x="8591551" y="3799152"/>
+            <a:ext cx="1760066" cy="415756"/>
+          </a:xfrm>
+          <a:prstGeom prst="rect">
+            <a:avLst/>
+          </a:prstGeom>
+          <a:effectLst>
+            <a:softEdge rad="63500"/>
+          </a:effectLst>
+        </p:spPr>
+        <p:style>
+          <a:lnRef idx="3">
+            <a:schemeClr val="lt1"/>
+          </a:lnRef>
+          <a:fillRef idx="1">
+            <a:schemeClr val="accent2"/>
+          </a:fillRef>
+          <a:effectRef idx="1">
+            <a:schemeClr val="accent2"/>
+          </a:effectRef>
+          <a:fontRef idx="minor">
+            <a:schemeClr val="lt1"/>
+          </a:fontRef>
+        </p:style>
+        <p:txBody>
+          <a:bodyPr rtlCol="0" anchor="ctr"/>
+          <a:lstStyle/>
+          <a:p>
+            <a:pPr algn="ctr"/>
+            <a:endParaRPr lang="en-AU" sz="3600" b="1" dirty="0">
+              <a:ln w="9525">
+                <a:solidFill>
+                  <a:schemeClr val="bg1"/>
+                </a:solidFill>
+                <a:prstDash val="solid"/>
+              </a:ln>
+              <a:solidFill>
+                <a:schemeClr val="tx1"/>
+              </a:solidFill>
+              <a:effectLst>
+                <a:outerShdw blurRad="12700" dist="38100" dir="2700000" algn="tl" rotWithShape="0">
+                  <a:schemeClr val="bg1">
+                    <a:lumMod val="50000"/>
+                  </a:schemeClr>
+                </a:outerShdw>
+              </a:effectLst>
+            </a:endParaRPr>
+          </a:p>
+        </p:txBody>
+      </p:sp>
+      <p:sp>
+        <p:nvSpPr>
+          <p:cNvPr id="17" name="Rectangle 16">
+            <a:extLst>
+              <a:ext uri="{FF2B5EF4-FFF2-40B4-BE49-F238E27FC236}">
+                <a16:creationId xmlns:a16="http://schemas.microsoft.com/office/drawing/2014/main" id="{1033D341-4CD7-4861-B803-606C2D69027E}"/>
+              </a:ext>
+            </a:extLst>
+          </p:cNvPr>
+          <p:cNvSpPr/>
+          <p:nvPr/>
+        </p:nvSpPr>
+        <p:spPr>
+          <a:xfrm>
+            <a:off x="638165" y="4237871"/>
+            <a:ext cx="2328862" cy="646331"/>
+          </a:xfrm>
+          <a:prstGeom prst="rect">
+            <a:avLst/>
+          </a:prstGeom>
+          <a:noFill/>
+        </p:spPr>
+        <p:txBody>
+          <a:bodyPr wrap="square" lIns="91440" tIns="45720" rIns="91440" bIns="45720">
+            <a:spAutoFit/>
+          </a:bodyPr>
+          <a:lstStyle/>
+          <a:p>
+            <a:pPr algn="ctr"/>
+            <a:r>
+              <a:rPr lang="en-US" sz="3600" b="1" dirty="0">
+                <a:ln w="22225">
+                  <a:solidFill>
+                    <a:schemeClr val="accent2"/>
+                  </a:solidFill>
+                  <a:prstDash val="solid"/>
+                </a:ln>
+                <a:solidFill>
+                  <a:schemeClr val="accent2">
+                    <a:lumMod val="40000"/>
+                    <a:lumOff val="60000"/>
+                  </a:schemeClr>
+                </a:solidFill>
+              </a:rPr>
+              <a:t>center</a:t>
+            </a:r>
+            <a:endParaRPr lang="en-US" sz="3600" b="1" cap="none" spc="0" dirty="0">
+              <a:ln w="22225">
+                <a:solidFill>
+                  <a:schemeClr val="accent2"/>
+                </a:solidFill>
+                <a:prstDash val="solid"/>
+              </a:ln>
+              <a:solidFill>
+                <a:schemeClr val="accent2">
+                  <a:lumMod val="40000"/>
+                  <a:lumOff val="60000"/>
+                </a:schemeClr>
+              </a:solidFill>
+              <a:effectLst/>
+            </a:endParaRPr>
+          </a:p>
+        </p:txBody>
+      </p:sp>
+      <p:sp>
+        <p:nvSpPr>
+          <p:cNvPr id="18" name="Rectangle 17">
+            <a:extLst>
+              <a:ext uri="{FF2B5EF4-FFF2-40B4-BE49-F238E27FC236}">
+                <a16:creationId xmlns:a16="http://schemas.microsoft.com/office/drawing/2014/main" id="{1AE06258-D0CA-4093-8411-F64311AEFA92}"/>
+              </a:ext>
+            </a:extLst>
+          </p:cNvPr>
+          <p:cNvSpPr/>
+          <p:nvPr/>
+        </p:nvSpPr>
+        <p:spPr>
+          <a:xfrm>
+            <a:off x="3481384" y="4253623"/>
+            <a:ext cx="6981825" cy="646331"/>
+          </a:xfrm>
+          <a:prstGeom prst="rect">
+            <a:avLst/>
+          </a:prstGeom>
+          <a:solidFill>
+            <a:schemeClr val="accent4">
+              <a:lumMod val="40000"/>
+              <a:lumOff val="60000"/>
+            </a:schemeClr>
+          </a:solidFill>
+          <a:effectLst>
+            <a:softEdge rad="63500"/>
+          </a:effectLst>
+        </p:spPr>
+        <p:style>
+          <a:lnRef idx="3">
+            <a:schemeClr val="lt1"/>
+          </a:lnRef>
+          <a:fillRef idx="1">
+            <a:schemeClr val="accent2"/>
+          </a:fillRef>
+          <a:effectRef idx="1">
+            <a:schemeClr val="accent2"/>
+          </a:effectRef>
+          <a:fontRef idx="minor">
+            <a:schemeClr val="lt1"/>
+          </a:fontRef>
+        </p:style>
+        <p:txBody>
+          <a:bodyPr rtlCol="0" anchor="ctr"/>
+          <a:lstStyle/>
+          <a:p>
+            <a:pPr algn="ctr"/>
+            <a:endParaRPr lang="en-AU" dirty="0">
+              <a:ln w="0"/>
+              <a:solidFill>
+                <a:schemeClr val="tx1"/>
+              </a:solidFill>
+              <a:effectLst>
+                <a:outerShdw blurRad="38100" dist="19050" dir="2700000" algn="tl" rotWithShape="0">
+                  <a:schemeClr val="dk1">
+                    <a:alpha val="40000"/>
+                  </a:schemeClr>
+                </a:outerShdw>
+              </a:effectLst>
+            </a:endParaRPr>
+          </a:p>
+        </p:txBody>
+      </p:sp>
+      <p:sp>
+        <p:nvSpPr>
+          <p:cNvPr id="19" name="Rectangle 18">
+            <a:extLst>
+              <a:ext uri="{FF2B5EF4-FFF2-40B4-BE49-F238E27FC236}">
+                <a16:creationId xmlns:a16="http://schemas.microsoft.com/office/drawing/2014/main" id="{F3C0D4DA-F615-4C8B-87E4-FFD085C68225}"/>
+              </a:ext>
+            </a:extLst>
+          </p:cNvPr>
+          <p:cNvSpPr/>
+          <p:nvPr/>
+        </p:nvSpPr>
+        <p:spPr>
+          <a:xfrm>
+            <a:off x="4650256" y="4384663"/>
+            <a:ext cx="1760066" cy="415756"/>
+          </a:xfrm>
+          <a:prstGeom prst="rect">
+            <a:avLst/>
+          </a:prstGeom>
+          <a:effectLst>
+            <a:softEdge rad="63500"/>
+          </a:effectLst>
+        </p:spPr>
+        <p:style>
+          <a:lnRef idx="3">
+            <a:schemeClr val="lt1"/>
+          </a:lnRef>
+          <a:fillRef idx="1">
+            <a:schemeClr val="accent2"/>
+          </a:fillRef>
+          <a:effectRef idx="1">
+            <a:schemeClr val="accent2"/>
+          </a:effectRef>
+          <a:fontRef idx="minor">
+            <a:schemeClr val="lt1"/>
+          </a:fontRef>
+        </p:style>
+        <p:txBody>
+          <a:bodyPr rtlCol="0" anchor="ctr"/>
+          <a:lstStyle/>
+          <a:p>
+            <a:pPr algn="ctr"/>
+            <a:endParaRPr lang="en-AU" sz="3600" b="1" dirty="0">
+              <a:ln w="9525">
+                <a:solidFill>
+                  <a:schemeClr val="bg1"/>
+                </a:solidFill>
+                <a:prstDash val="solid"/>
+              </a:ln>
+              <a:solidFill>
+                <a:schemeClr val="tx1"/>
+              </a:solidFill>
+              <a:effectLst>
+                <a:outerShdw blurRad="12700" dist="38100" dir="2700000" algn="tl" rotWithShape="0">
+                  <a:schemeClr val="bg1">
+                    <a:lumMod val="50000"/>
+                  </a:schemeClr>
+                </a:outerShdw>
+              </a:effectLst>
+            </a:endParaRPr>
+          </a:p>
+        </p:txBody>
+      </p:sp>
+      <p:sp>
+        <p:nvSpPr>
+          <p:cNvPr id="20" name="Rectangle 19">
+            <a:extLst>
+              <a:ext uri="{FF2B5EF4-FFF2-40B4-BE49-F238E27FC236}">
+                <a16:creationId xmlns:a16="http://schemas.microsoft.com/office/drawing/2014/main" id="{9137D16B-6458-48EC-A46A-76F41912416D}"/>
+              </a:ext>
+            </a:extLst>
+          </p:cNvPr>
+          <p:cNvSpPr/>
+          <p:nvPr/>
+        </p:nvSpPr>
+        <p:spPr>
+          <a:xfrm>
+            <a:off x="6410322" y="4384663"/>
+            <a:ext cx="1238250" cy="415756"/>
+          </a:xfrm>
+          <a:prstGeom prst="rect">
+            <a:avLst/>
+          </a:prstGeom>
+          <a:effectLst>
+            <a:softEdge rad="63500"/>
+          </a:effectLst>
+        </p:spPr>
+        <p:style>
+          <a:lnRef idx="3">
+            <a:schemeClr val="lt1"/>
+          </a:lnRef>
+          <a:fillRef idx="1">
+            <a:schemeClr val="accent2"/>
+          </a:fillRef>
+          <a:effectRef idx="1">
+            <a:schemeClr val="accent2"/>
+          </a:effectRef>
+          <a:fontRef idx="minor">
+            <a:schemeClr val="lt1"/>
+          </a:fontRef>
+        </p:style>
+        <p:txBody>
+          <a:bodyPr rtlCol="0" anchor="ctr"/>
+          <a:lstStyle/>
+          <a:p>
+            <a:pPr algn="ctr"/>
+            <a:endParaRPr lang="en-AU" sz="3600" b="1" dirty="0">
+              <a:ln w="9525">
+                <a:solidFill>
+                  <a:schemeClr val="bg1"/>
+                </a:solidFill>
+                <a:prstDash val="solid"/>
+              </a:ln>
+              <a:solidFill>
+                <a:schemeClr val="tx1"/>
+              </a:solidFill>
+              <a:effectLst>
+                <a:outerShdw blurRad="12700" dist="38100" dir="2700000" algn="tl" rotWithShape="0">
+                  <a:schemeClr val="bg1">
+                    <a:lumMod val="50000"/>
+                  </a:schemeClr>
+                </a:outerShdw>
+              </a:effectLst>
+            </a:endParaRPr>
+          </a:p>
+        </p:txBody>
+      </p:sp>
+      <p:sp>
+        <p:nvSpPr>
+          <p:cNvPr id="21" name="Rectangle 20">
+            <a:extLst>
+              <a:ext uri="{FF2B5EF4-FFF2-40B4-BE49-F238E27FC236}">
+                <a16:creationId xmlns:a16="http://schemas.microsoft.com/office/drawing/2014/main" id="{B98CE96E-B4C3-401B-A882-5F91EA3068D8}"/>
+              </a:ext>
+            </a:extLst>
+          </p:cNvPr>
+          <p:cNvSpPr/>
+          <p:nvPr/>
+        </p:nvSpPr>
+        <p:spPr>
+          <a:xfrm>
+            <a:off x="7648572" y="4384663"/>
+            <a:ext cx="1760066" cy="415756"/>
+          </a:xfrm>
+          <a:prstGeom prst="rect">
+            <a:avLst/>
+          </a:prstGeom>
+          <a:effectLst>
+            <a:softEdge rad="63500"/>
+          </a:effectLst>
+        </p:spPr>
+        <p:style>
+          <a:lnRef idx="3">
+            <a:schemeClr val="lt1"/>
+          </a:lnRef>
+          <a:fillRef idx="1">
+            <a:schemeClr val="accent2"/>
+          </a:fillRef>
+          <a:effectRef idx="1">
+            <a:schemeClr val="accent2"/>
+          </a:effectRef>
+          <a:fontRef idx="minor">
+            <a:schemeClr val="lt1"/>
+          </a:fontRef>
+        </p:style>
+        <p:txBody>
+          <a:bodyPr rtlCol="0" anchor="ctr"/>
+          <a:lstStyle/>
+          <a:p>
+            <a:pPr algn="ctr"/>
+            <a:endParaRPr lang="en-AU" sz="3600" b="1" dirty="0">
+              <a:ln w="9525">
+                <a:solidFill>
+                  <a:schemeClr val="bg1"/>
+                </a:solidFill>
+                <a:prstDash val="solid"/>
+              </a:ln>
+              <a:solidFill>
+                <a:schemeClr val="tx1"/>
+              </a:solidFill>
+              <a:effectLst>
+                <a:outerShdw blurRad="12700" dist="38100" dir="2700000" algn="tl" rotWithShape="0">
+                  <a:schemeClr val="bg1">
+                    <a:lumMod val="50000"/>
+                  </a:schemeClr>
+                </a:outerShdw>
+              </a:effectLst>
+            </a:endParaRPr>
+          </a:p>
+        </p:txBody>
+      </p:sp>
+      <p:sp>
+        <p:nvSpPr>
+          <p:cNvPr id="22" name="Rectangle 21">
+            <a:extLst>
+              <a:ext uri="{FF2B5EF4-FFF2-40B4-BE49-F238E27FC236}">
+                <a16:creationId xmlns:a16="http://schemas.microsoft.com/office/drawing/2014/main" id="{F82A46CF-EB94-4A9F-A09C-F0437C866E6C}"/>
+              </a:ext>
+            </a:extLst>
+          </p:cNvPr>
+          <p:cNvSpPr/>
+          <p:nvPr/>
+        </p:nvSpPr>
+        <p:spPr>
+          <a:xfrm>
+            <a:off x="252413" y="4839134"/>
+            <a:ext cx="3119433" cy="646331"/>
+          </a:xfrm>
+          <a:prstGeom prst="rect">
+            <a:avLst/>
+          </a:prstGeom>
+          <a:noFill/>
+        </p:spPr>
+        <p:txBody>
+          <a:bodyPr wrap="square" lIns="91440" tIns="45720" rIns="91440" bIns="45720">
+            <a:spAutoFit/>
+          </a:bodyPr>
+          <a:lstStyle/>
+          <a:p>
+            <a:pPr algn="ctr"/>
+            <a:r>
+              <a:rPr lang="en-US" sz="3600" b="1" dirty="0">
+                <a:ln w="22225">
+                  <a:solidFill>
+                    <a:schemeClr val="accent2"/>
+                  </a:solidFill>
+                  <a:prstDash val="solid"/>
+                </a:ln>
+                <a:solidFill>
+                  <a:schemeClr val="accent2">
+                    <a:lumMod val="40000"/>
+                    <a:lumOff val="60000"/>
+                  </a:schemeClr>
+                </a:solidFill>
+              </a:rPr>
+              <a:t>Space-between</a:t>
+            </a:r>
+            <a:endParaRPr lang="en-US" sz="3600" b="1" cap="none" spc="0" dirty="0">
+              <a:ln w="22225">
+                <a:solidFill>
+                  <a:schemeClr val="accent2"/>
+                </a:solidFill>
+                <a:prstDash val="solid"/>
+              </a:ln>
+              <a:solidFill>
+                <a:schemeClr val="accent2">
+                  <a:lumMod val="40000"/>
+                  <a:lumOff val="60000"/>
+                </a:schemeClr>
+              </a:solidFill>
+              <a:effectLst/>
+            </a:endParaRPr>
+          </a:p>
+        </p:txBody>
+      </p:sp>
+      <p:sp>
+        <p:nvSpPr>
+          <p:cNvPr id="23" name="Rectangle 22">
+            <a:extLst>
+              <a:ext uri="{FF2B5EF4-FFF2-40B4-BE49-F238E27FC236}">
+                <a16:creationId xmlns:a16="http://schemas.microsoft.com/office/drawing/2014/main" id="{AD5C7FA6-04FF-44AC-8447-7F6EA87CB369}"/>
+              </a:ext>
+            </a:extLst>
+          </p:cNvPr>
+          <p:cNvSpPr/>
+          <p:nvPr/>
+        </p:nvSpPr>
+        <p:spPr>
+          <a:xfrm>
+            <a:off x="3481384" y="4854886"/>
+            <a:ext cx="6981825" cy="646331"/>
+          </a:xfrm>
+          <a:prstGeom prst="rect">
+            <a:avLst/>
+          </a:prstGeom>
+          <a:solidFill>
+            <a:schemeClr val="accent4">
+              <a:lumMod val="40000"/>
+              <a:lumOff val="60000"/>
+            </a:schemeClr>
+          </a:solidFill>
+          <a:effectLst>
+            <a:softEdge rad="63500"/>
+          </a:effectLst>
+        </p:spPr>
+        <p:style>
+          <a:lnRef idx="3">
+            <a:schemeClr val="lt1"/>
+          </a:lnRef>
+          <a:fillRef idx="1">
+            <a:schemeClr val="accent2"/>
+          </a:fillRef>
+          <a:effectRef idx="1">
+            <a:schemeClr val="accent2"/>
+          </a:effectRef>
+          <a:fontRef idx="minor">
+            <a:schemeClr val="lt1"/>
+          </a:fontRef>
+        </p:style>
+        <p:txBody>
+          <a:bodyPr rtlCol="0" anchor="ctr"/>
+          <a:lstStyle/>
+          <a:p>
+            <a:pPr algn="ctr"/>
+            <a:endParaRPr lang="en-AU" dirty="0">
+              <a:ln w="0"/>
+              <a:solidFill>
+                <a:schemeClr val="tx1"/>
+              </a:solidFill>
+              <a:effectLst>
+                <a:outerShdw blurRad="38100" dist="19050" dir="2700000" algn="tl" rotWithShape="0">
+                  <a:schemeClr val="dk1">
+                    <a:alpha val="40000"/>
+                  </a:schemeClr>
+                </a:outerShdw>
+              </a:effectLst>
+            </a:endParaRPr>
+          </a:p>
+        </p:txBody>
+      </p:sp>
+      <p:sp>
+        <p:nvSpPr>
+          <p:cNvPr id="24" name="Rectangle 23">
+            <a:extLst>
+              <a:ext uri="{FF2B5EF4-FFF2-40B4-BE49-F238E27FC236}">
+                <a16:creationId xmlns:a16="http://schemas.microsoft.com/office/drawing/2014/main" id="{B0CFCB0F-D186-4312-915A-2F1F7853751F}"/>
+              </a:ext>
+            </a:extLst>
+          </p:cNvPr>
+          <p:cNvSpPr/>
+          <p:nvPr/>
+        </p:nvSpPr>
+        <p:spPr>
+          <a:xfrm>
+            <a:off x="3550118" y="4992707"/>
+            <a:ext cx="1760066" cy="415756"/>
+          </a:xfrm>
+          <a:prstGeom prst="rect">
+            <a:avLst/>
+          </a:prstGeom>
+          <a:effectLst>
+            <a:softEdge rad="63500"/>
+          </a:effectLst>
+        </p:spPr>
+        <p:style>
+          <a:lnRef idx="3">
+            <a:schemeClr val="lt1"/>
+          </a:lnRef>
+          <a:fillRef idx="1">
+            <a:schemeClr val="accent2"/>
+          </a:fillRef>
+          <a:effectRef idx="1">
+            <a:schemeClr val="accent2"/>
+          </a:effectRef>
+          <a:fontRef idx="minor">
+            <a:schemeClr val="lt1"/>
+          </a:fontRef>
+        </p:style>
+        <p:txBody>
+          <a:bodyPr rtlCol="0" anchor="ctr"/>
+          <a:lstStyle/>
+          <a:p>
+            <a:pPr algn="ctr"/>
+            <a:endParaRPr lang="en-AU" sz="3600" b="1" dirty="0">
+              <a:ln w="9525">
+                <a:solidFill>
+                  <a:schemeClr val="bg1"/>
+                </a:solidFill>
+                <a:prstDash val="solid"/>
+              </a:ln>
+              <a:solidFill>
+                <a:schemeClr val="tx1"/>
+              </a:solidFill>
+              <a:effectLst>
+                <a:outerShdw blurRad="12700" dist="38100" dir="2700000" algn="tl" rotWithShape="0">
+                  <a:schemeClr val="bg1">
+                    <a:lumMod val="50000"/>
+                  </a:schemeClr>
+                </a:outerShdw>
+              </a:effectLst>
+            </a:endParaRPr>
+          </a:p>
+        </p:txBody>
+      </p:sp>
+      <p:sp>
+        <p:nvSpPr>
+          <p:cNvPr id="25" name="Rectangle 24">
+            <a:extLst>
+              <a:ext uri="{FF2B5EF4-FFF2-40B4-BE49-F238E27FC236}">
+                <a16:creationId xmlns:a16="http://schemas.microsoft.com/office/drawing/2014/main" id="{6387733D-82DD-4EA8-A9E9-43D6B48C1455}"/>
+              </a:ext>
+            </a:extLst>
+          </p:cNvPr>
+          <p:cNvSpPr/>
+          <p:nvPr/>
+        </p:nvSpPr>
+        <p:spPr>
+          <a:xfrm>
+            <a:off x="6410322" y="4985926"/>
+            <a:ext cx="1238250" cy="415756"/>
+          </a:xfrm>
+          <a:prstGeom prst="rect">
+            <a:avLst/>
+          </a:prstGeom>
+          <a:effectLst>
+            <a:softEdge rad="63500"/>
+          </a:effectLst>
+        </p:spPr>
+        <p:style>
+          <a:lnRef idx="3">
+            <a:schemeClr val="lt1"/>
+          </a:lnRef>
+          <a:fillRef idx="1">
+            <a:schemeClr val="accent2"/>
+          </a:fillRef>
+          <a:effectRef idx="1">
+            <a:schemeClr val="accent2"/>
+          </a:effectRef>
+          <a:fontRef idx="minor">
+            <a:schemeClr val="lt1"/>
+          </a:fontRef>
+        </p:style>
+        <p:txBody>
+          <a:bodyPr rtlCol="0" anchor="ctr"/>
+          <a:lstStyle/>
+          <a:p>
+            <a:pPr algn="ctr"/>
+            <a:endParaRPr lang="en-AU" sz="3600" b="1" dirty="0">
+              <a:ln w="9525">
+                <a:solidFill>
+                  <a:schemeClr val="bg1"/>
+                </a:solidFill>
+                <a:prstDash val="solid"/>
+              </a:ln>
+              <a:solidFill>
+                <a:schemeClr val="tx1"/>
+              </a:solidFill>
+              <a:effectLst>
+                <a:outerShdw blurRad="12700" dist="38100" dir="2700000" algn="tl" rotWithShape="0">
+                  <a:schemeClr val="bg1">
+                    <a:lumMod val="50000"/>
+                  </a:schemeClr>
+                </a:outerShdw>
+              </a:effectLst>
+            </a:endParaRPr>
+          </a:p>
+        </p:txBody>
+      </p:sp>
+      <p:sp>
+        <p:nvSpPr>
+          <p:cNvPr id="26" name="Rectangle 25">
+            <a:extLst>
+              <a:ext uri="{FF2B5EF4-FFF2-40B4-BE49-F238E27FC236}">
+                <a16:creationId xmlns:a16="http://schemas.microsoft.com/office/drawing/2014/main" id="{81AA00D3-DF3D-45FB-83AC-2F0043020CE4}"/>
+              </a:ext>
+            </a:extLst>
+          </p:cNvPr>
+          <p:cNvSpPr/>
+          <p:nvPr/>
+        </p:nvSpPr>
+        <p:spPr>
+          <a:xfrm>
+            <a:off x="8591551" y="4990623"/>
+            <a:ext cx="1760066" cy="415756"/>
+          </a:xfrm>
+          <a:prstGeom prst="rect">
+            <a:avLst/>
+          </a:prstGeom>
+          <a:effectLst>
+            <a:softEdge rad="63500"/>
+          </a:effectLst>
+        </p:spPr>
+        <p:style>
+          <a:lnRef idx="3">
+            <a:schemeClr val="lt1"/>
+          </a:lnRef>
+          <a:fillRef idx="1">
+            <a:schemeClr val="accent2"/>
+          </a:fillRef>
+          <a:effectRef idx="1">
+            <a:schemeClr val="accent2"/>
+          </a:effectRef>
+          <a:fontRef idx="minor">
+            <a:schemeClr val="lt1"/>
+          </a:fontRef>
+        </p:style>
+        <p:txBody>
+          <a:bodyPr rtlCol="0" anchor="ctr"/>
+          <a:lstStyle/>
+          <a:p>
+            <a:pPr algn="ctr"/>
+            <a:endParaRPr lang="en-AU" sz="3600" b="1" dirty="0">
+              <a:ln w="9525">
+                <a:solidFill>
+                  <a:schemeClr val="bg1"/>
+                </a:solidFill>
+                <a:prstDash val="solid"/>
+              </a:ln>
+              <a:solidFill>
+                <a:schemeClr val="tx1"/>
+              </a:solidFill>
+              <a:effectLst>
+                <a:outerShdw blurRad="12700" dist="38100" dir="2700000" algn="tl" rotWithShape="0">
+                  <a:schemeClr val="bg1">
+                    <a:lumMod val="50000"/>
+                  </a:schemeClr>
+                </a:outerShdw>
+              </a:effectLst>
+            </a:endParaRPr>
+          </a:p>
+        </p:txBody>
+      </p:sp>
+      <p:sp>
+        <p:nvSpPr>
+          <p:cNvPr id="27" name="Rectangle 26">
+            <a:extLst>
+              <a:ext uri="{FF2B5EF4-FFF2-40B4-BE49-F238E27FC236}">
+                <a16:creationId xmlns:a16="http://schemas.microsoft.com/office/drawing/2014/main" id="{F08FEBB4-9862-452A-BA7F-476ADB0AA4B0}"/>
+              </a:ext>
+            </a:extLst>
+          </p:cNvPr>
+          <p:cNvSpPr/>
+          <p:nvPr/>
+        </p:nvSpPr>
+        <p:spPr>
+          <a:xfrm>
+            <a:off x="257168" y="5415411"/>
+            <a:ext cx="3119433" cy="646331"/>
+          </a:xfrm>
+          <a:prstGeom prst="rect">
+            <a:avLst/>
+          </a:prstGeom>
+          <a:noFill/>
+        </p:spPr>
+        <p:txBody>
+          <a:bodyPr wrap="square" lIns="91440" tIns="45720" rIns="91440" bIns="45720">
+            <a:spAutoFit/>
+          </a:bodyPr>
+          <a:lstStyle/>
+          <a:p>
+            <a:pPr algn="ctr"/>
+            <a:r>
+              <a:rPr lang="en-US" sz="3600" b="1" dirty="0">
+                <a:ln w="22225">
+                  <a:solidFill>
+                    <a:schemeClr val="accent2"/>
+                  </a:solidFill>
+                  <a:prstDash val="solid"/>
+                </a:ln>
+                <a:solidFill>
+                  <a:schemeClr val="accent2">
+                    <a:lumMod val="40000"/>
+                    <a:lumOff val="60000"/>
+                  </a:schemeClr>
+                </a:solidFill>
+              </a:rPr>
+              <a:t>Space-around</a:t>
+            </a:r>
+            <a:endParaRPr lang="en-US" sz="3600" b="1" cap="none" spc="0" dirty="0">
+              <a:ln w="22225">
+                <a:solidFill>
+                  <a:schemeClr val="accent2"/>
+                </a:solidFill>
+                <a:prstDash val="solid"/>
+              </a:ln>
+              <a:solidFill>
+                <a:schemeClr val="accent2">
+                  <a:lumMod val="40000"/>
+                  <a:lumOff val="60000"/>
+                </a:schemeClr>
+              </a:solidFill>
+              <a:effectLst/>
+            </a:endParaRPr>
+          </a:p>
+        </p:txBody>
+      </p:sp>
+      <p:sp>
+        <p:nvSpPr>
+          <p:cNvPr id="28" name="Rectangle 27">
+            <a:extLst>
+              <a:ext uri="{FF2B5EF4-FFF2-40B4-BE49-F238E27FC236}">
+                <a16:creationId xmlns:a16="http://schemas.microsoft.com/office/drawing/2014/main" id="{9B65D7CE-E37D-473C-BD95-DC5659B5559D}"/>
+              </a:ext>
+            </a:extLst>
+          </p:cNvPr>
+          <p:cNvSpPr/>
+          <p:nvPr/>
+        </p:nvSpPr>
+        <p:spPr>
+          <a:xfrm>
+            <a:off x="3486139" y="5431163"/>
+            <a:ext cx="6981825" cy="646331"/>
+          </a:xfrm>
+          <a:prstGeom prst="rect">
+            <a:avLst/>
+          </a:prstGeom>
+          <a:solidFill>
+            <a:schemeClr val="accent4">
+              <a:lumMod val="40000"/>
+              <a:lumOff val="60000"/>
+            </a:schemeClr>
+          </a:solidFill>
+          <a:effectLst>
+            <a:softEdge rad="63500"/>
+          </a:effectLst>
+        </p:spPr>
+        <p:style>
+          <a:lnRef idx="3">
+            <a:schemeClr val="lt1"/>
+          </a:lnRef>
+          <a:fillRef idx="1">
+            <a:schemeClr val="accent2"/>
+          </a:fillRef>
+          <a:effectRef idx="1">
+            <a:schemeClr val="accent2"/>
+          </a:effectRef>
+          <a:fontRef idx="minor">
+            <a:schemeClr val="lt1"/>
+          </a:fontRef>
+        </p:style>
+        <p:txBody>
+          <a:bodyPr rtlCol="0" anchor="ctr"/>
+          <a:lstStyle/>
+          <a:p>
+            <a:pPr algn="ctr"/>
+            <a:endParaRPr lang="en-AU" dirty="0">
+              <a:ln w="0"/>
+              <a:solidFill>
+                <a:schemeClr val="tx1"/>
+              </a:solidFill>
+              <a:effectLst>
+                <a:outerShdw blurRad="38100" dist="19050" dir="2700000" algn="tl" rotWithShape="0">
+                  <a:schemeClr val="dk1">
+                    <a:alpha val="40000"/>
+                  </a:schemeClr>
+                </a:outerShdw>
+              </a:effectLst>
+            </a:endParaRPr>
+          </a:p>
+        </p:txBody>
+      </p:sp>
+      <p:sp>
+        <p:nvSpPr>
+          <p:cNvPr id="29" name="Rectangle 28">
+            <a:extLst>
+              <a:ext uri="{FF2B5EF4-FFF2-40B4-BE49-F238E27FC236}">
+                <a16:creationId xmlns:a16="http://schemas.microsoft.com/office/drawing/2014/main" id="{BEFAED05-E37E-4B6C-9A2C-86E304E05DCD}"/>
+              </a:ext>
+            </a:extLst>
+          </p:cNvPr>
+          <p:cNvSpPr/>
+          <p:nvPr/>
+        </p:nvSpPr>
+        <p:spPr>
+          <a:xfrm>
+            <a:off x="4282495" y="5581477"/>
+            <a:ext cx="1760066" cy="415756"/>
+          </a:xfrm>
+          <a:prstGeom prst="rect">
+            <a:avLst/>
+          </a:prstGeom>
+          <a:effectLst>
+            <a:softEdge rad="63500"/>
+          </a:effectLst>
+        </p:spPr>
+        <p:style>
+          <a:lnRef idx="3">
+            <a:schemeClr val="lt1"/>
+          </a:lnRef>
+          <a:fillRef idx="1">
+            <a:schemeClr val="accent2"/>
+          </a:fillRef>
+          <a:effectRef idx="1">
+            <a:schemeClr val="accent2"/>
+          </a:effectRef>
+          <a:fontRef idx="minor">
+            <a:schemeClr val="lt1"/>
+          </a:fontRef>
+        </p:style>
+        <p:txBody>
+          <a:bodyPr rtlCol="0" anchor="ctr"/>
+          <a:lstStyle/>
+          <a:p>
+            <a:pPr algn="ctr"/>
+            <a:endParaRPr lang="en-AU" sz="3600" b="1" dirty="0">
+              <a:ln w="9525">
+                <a:solidFill>
+                  <a:schemeClr val="bg1"/>
+                </a:solidFill>
+                <a:prstDash val="solid"/>
+              </a:ln>
+              <a:solidFill>
+                <a:schemeClr val="tx1"/>
+              </a:solidFill>
+              <a:effectLst>
+                <a:outerShdw blurRad="12700" dist="38100" dir="2700000" algn="tl" rotWithShape="0">
+                  <a:schemeClr val="bg1">
+                    <a:lumMod val="50000"/>
+                  </a:schemeClr>
+                </a:outerShdw>
+              </a:effectLst>
+            </a:endParaRPr>
+          </a:p>
+        </p:txBody>
+      </p:sp>
+      <p:sp>
+        <p:nvSpPr>
+          <p:cNvPr id="30" name="Rectangle 29">
+            <a:extLst>
+              <a:ext uri="{FF2B5EF4-FFF2-40B4-BE49-F238E27FC236}">
+                <a16:creationId xmlns:a16="http://schemas.microsoft.com/office/drawing/2014/main" id="{362559CD-AF7F-43DD-9D33-7F22E588755D}"/>
+              </a:ext>
+            </a:extLst>
+          </p:cNvPr>
+          <p:cNvSpPr/>
+          <p:nvPr/>
+        </p:nvSpPr>
+        <p:spPr>
+          <a:xfrm>
+            <a:off x="6415077" y="5562203"/>
+            <a:ext cx="1238250" cy="415756"/>
+          </a:xfrm>
+          <a:prstGeom prst="rect">
+            <a:avLst/>
+          </a:prstGeom>
+          <a:effectLst>
+            <a:softEdge rad="63500"/>
+          </a:effectLst>
+        </p:spPr>
+        <p:style>
+          <a:lnRef idx="3">
+            <a:schemeClr val="lt1"/>
+          </a:lnRef>
+          <a:fillRef idx="1">
+            <a:schemeClr val="accent2"/>
+          </a:fillRef>
+          <a:effectRef idx="1">
+            <a:schemeClr val="accent2"/>
+          </a:effectRef>
+          <a:fontRef idx="minor">
+            <a:schemeClr val="lt1"/>
+          </a:fontRef>
+        </p:style>
+        <p:txBody>
+          <a:bodyPr rtlCol="0" anchor="ctr"/>
+          <a:lstStyle/>
+          <a:p>
+            <a:pPr algn="ctr"/>
+            <a:endParaRPr lang="en-AU" sz="3600" b="1" dirty="0">
+              <a:ln w="9525">
+                <a:solidFill>
+                  <a:schemeClr val="bg1"/>
+                </a:solidFill>
+                <a:prstDash val="solid"/>
+              </a:ln>
+              <a:solidFill>
+                <a:schemeClr val="tx1"/>
+              </a:solidFill>
+              <a:effectLst>
+                <a:outerShdw blurRad="12700" dist="38100" dir="2700000" algn="tl" rotWithShape="0">
+                  <a:schemeClr val="bg1">
+                    <a:lumMod val="50000"/>
+                  </a:schemeClr>
+                </a:outerShdw>
+              </a:effectLst>
+            </a:endParaRPr>
+          </a:p>
+        </p:txBody>
+      </p:sp>
+      <p:sp>
+        <p:nvSpPr>
+          <p:cNvPr id="31" name="Rectangle 30">
+            <a:extLst>
+              <a:ext uri="{FF2B5EF4-FFF2-40B4-BE49-F238E27FC236}">
+                <a16:creationId xmlns:a16="http://schemas.microsoft.com/office/drawing/2014/main" id="{800715A0-7167-4827-BE06-A3EAAAEA4849}"/>
+              </a:ext>
+            </a:extLst>
+          </p:cNvPr>
+          <p:cNvSpPr/>
+          <p:nvPr/>
+        </p:nvSpPr>
+        <p:spPr>
+          <a:xfrm>
+            <a:off x="8025843" y="5546450"/>
+            <a:ext cx="1760066" cy="415756"/>
+          </a:xfrm>
+          <a:prstGeom prst="rect">
+            <a:avLst/>
+          </a:prstGeom>
+          <a:effectLst>
+            <a:softEdge rad="63500"/>
+          </a:effectLst>
+        </p:spPr>
+        <p:style>
+          <a:lnRef idx="3">
+            <a:schemeClr val="lt1"/>
+          </a:lnRef>
+          <a:fillRef idx="1">
+            <a:schemeClr val="accent2"/>
+          </a:fillRef>
+          <a:effectRef idx="1">
+            <a:schemeClr val="accent2"/>
+          </a:effectRef>
+          <a:fontRef idx="minor">
+            <a:schemeClr val="lt1"/>
+          </a:fontRef>
+        </p:style>
+        <p:txBody>
+          <a:bodyPr rtlCol="0" anchor="ctr"/>
+          <a:lstStyle/>
+          <a:p>
+            <a:pPr algn="ctr"/>
+            <a:endParaRPr lang="en-AU" sz="3600" b="1" dirty="0">
+              <a:ln w="9525">
+                <a:solidFill>
+                  <a:schemeClr val="bg1"/>
+                </a:solidFill>
+                <a:prstDash val="solid"/>
+              </a:ln>
+              <a:solidFill>
+                <a:schemeClr val="tx1"/>
+              </a:solidFill>
+              <a:effectLst>
+                <a:outerShdw blurRad="12700" dist="38100" dir="2700000" algn="tl" rotWithShape="0">
+                  <a:schemeClr val="bg1">
+                    <a:lumMod val="50000"/>
+                  </a:schemeClr>
+                </a:outerShdw>
+              </a:effectLst>
+            </a:endParaRPr>
+          </a:p>
+        </p:txBody>
+      </p:sp>
+      <p:sp>
+        <p:nvSpPr>
+          <p:cNvPr id="32" name="Rectangle 31">
+            <a:extLst>
+              <a:ext uri="{FF2B5EF4-FFF2-40B4-BE49-F238E27FC236}">
+                <a16:creationId xmlns:a16="http://schemas.microsoft.com/office/drawing/2014/main" id="{406E1028-E3F5-42D7-9965-F557FB6C8FEE}"/>
+              </a:ext>
+            </a:extLst>
+          </p:cNvPr>
+          <p:cNvSpPr/>
+          <p:nvPr/>
+        </p:nvSpPr>
+        <p:spPr>
+          <a:xfrm>
+            <a:off x="261923" y="5986919"/>
+            <a:ext cx="3119433" cy="646331"/>
+          </a:xfrm>
+          <a:prstGeom prst="rect">
+            <a:avLst/>
+          </a:prstGeom>
+          <a:noFill/>
+        </p:spPr>
+        <p:txBody>
+          <a:bodyPr wrap="square" lIns="91440" tIns="45720" rIns="91440" bIns="45720">
+            <a:spAutoFit/>
+          </a:bodyPr>
+          <a:lstStyle/>
+          <a:p>
+            <a:pPr algn="ctr"/>
+            <a:r>
+              <a:rPr lang="en-US" sz="3600" b="1" dirty="0">
+                <a:ln w="22225">
+                  <a:solidFill>
+                    <a:schemeClr val="accent2"/>
+                  </a:solidFill>
+                  <a:prstDash val="solid"/>
+                </a:ln>
+                <a:solidFill>
+                  <a:schemeClr val="accent2">
+                    <a:lumMod val="40000"/>
+                    <a:lumOff val="60000"/>
+                  </a:schemeClr>
+                </a:solidFill>
+              </a:rPr>
+              <a:t>Space-evenly</a:t>
+            </a:r>
+            <a:endParaRPr lang="en-US" sz="3600" b="1" cap="none" spc="0" dirty="0">
+              <a:ln w="22225">
+                <a:solidFill>
+                  <a:schemeClr val="accent2"/>
+                </a:solidFill>
+                <a:prstDash val="solid"/>
+              </a:ln>
+              <a:solidFill>
+                <a:schemeClr val="accent2">
+                  <a:lumMod val="40000"/>
+                  <a:lumOff val="60000"/>
+                </a:schemeClr>
+              </a:solidFill>
+              <a:effectLst/>
+            </a:endParaRPr>
+          </a:p>
+        </p:txBody>
+      </p:sp>
+      <p:sp>
+        <p:nvSpPr>
+          <p:cNvPr id="33" name="Rectangle 32">
+            <a:extLst>
+              <a:ext uri="{FF2B5EF4-FFF2-40B4-BE49-F238E27FC236}">
+                <a16:creationId xmlns:a16="http://schemas.microsoft.com/office/drawing/2014/main" id="{63088211-1C7B-4BD0-8387-1B00CF83400E}"/>
+              </a:ext>
+            </a:extLst>
+          </p:cNvPr>
+          <p:cNvSpPr/>
+          <p:nvPr/>
+        </p:nvSpPr>
+        <p:spPr>
+          <a:xfrm>
+            <a:off x="3490894" y="6002671"/>
+            <a:ext cx="6981825" cy="646331"/>
+          </a:xfrm>
+          <a:prstGeom prst="rect">
+            <a:avLst/>
+          </a:prstGeom>
+          <a:solidFill>
+            <a:schemeClr val="accent4">
+              <a:lumMod val="40000"/>
+              <a:lumOff val="60000"/>
+            </a:schemeClr>
+          </a:solidFill>
+          <a:effectLst>
+            <a:softEdge rad="63500"/>
+          </a:effectLst>
+        </p:spPr>
+        <p:style>
+          <a:lnRef idx="3">
+            <a:schemeClr val="lt1"/>
+          </a:lnRef>
+          <a:fillRef idx="1">
+            <a:schemeClr val="accent2"/>
+          </a:fillRef>
+          <a:effectRef idx="1">
+            <a:schemeClr val="accent2"/>
+          </a:effectRef>
+          <a:fontRef idx="minor">
+            <a:schemeClr val="lt1"/>
+          </a:fontRef>
+        </p:style>
+        <p:txBody>
+          <a:bodyPr rtlCol="0" anchor="ctr"/>
+          <a:lstStyle/>
+          <a:p>
+            <a:pPr algn="ctr"/>
+            <a:endParaRPr lang="en-AU" dirty="0">
+              <a:ln w="0"/>
+              <a:solidFill>
+                <a:schemeClr val="tx1"/>
+              </a:solidFill>
+              <a:effectLst>
+                <a:outerShdw blurRad="38100" dist="19050" dir="2700000" algn="tl" rotWithShape="0">
+                  <a:schemeClr val="dk1">
+                    <a:alpha val="40000"/>
+                  </a:schemeClr>
+                </a:outerShdw>
+              </a:effectLst>
+            </a:endParaRPr>
+          </a:p>
+        </p:txBody>
+      </p:sp>
+      <p:sp>
+        <p:nvSpPr>
+          <p:cNvPr id="34" name="Rectangle 33">
+            <a:extLst>
+              <a:ext uri="{FF2B5EF4-FFF2-40B4-BE49-F238E27FC236}">
+                <a16:creationId xmlns:a16="http://schemas.microsoft.com/office/drawing/2014/main" id="{C9A23A05-B59C-4953-89BB-C5E5D4CB9931}"/>
+              </a:ext>
+            </a:extLst>
+          </p:cNvPr>
+          <p:cNvSpPr/>
+          <p:nvPr/>
+        </p:nvSpPr>
+        <p:spPr>
+          <a:xfrm>
+            <a:off x="4075330" y="6117958"/>
+            <a:ext cx="1760066" cy="415756"/>
+          </a:xfrm>
+          <a:prstGeom prst="rect">
+            <a:avLst/>
+          </a:prstGeom>
+          <a:effectLst>
+            <a:softEdge rad="63500"/>
+          </a:effectLst>
+        </p:spPr>
+        <p:style>
+          <a:lnRef idx="3">
+            <a:schemeClr val="lt1"/>
+          </a:lnRef>
+          <a:fillRef idx="1">
+            <a:schemeClr val="accent2"/>
+          </a:fillRef>
+          <a:effectRef idx="1">
+            <a:schemeClr val="accent2"/>
+          </a:effectRef>
+          <a:fontRef idx="minor">
+            <a:schemeClr val="lt1"/>
+          </a:fontRef>
+        </p:style>
+        <p:txBody>
+          <a:bodyPr rtlCol="0" anchor="ctr"/>
+          <a:lstStyle/>
+          <a:p>
+            <a:pPr algn="ctr"/>
+            <a:endParaRPr lang="en-AU" sz="3600" b="1" dirty="0">
+              <a:ln w="9525">
+                <a:solidFill>
+                  <a:schemeClr val="bg1"/>
+                </a:solidFill>
+                <a:prstDash val="solid"/>
+              </a:ln>
+              <a:solidFill>
+                <a:schemeClr val="tx1"/>
+              </a:solidFill>
+              <a:effectLst>
+                <a:outerShdw blurRad="12700" dist="38100" dir="2700000" algn="tl" rotWithShape="0">
+                  <a:schemeClr val="bg1">
+                    <a:lumMod val="50000"/>
+                  </a:schemeClr>
+                </a:outerShdw>
+              </a:effectLst>
+            </a:endParaRPr>
+          </a:p>
+        </p:txBody>
+      </p:sp>
+      <p:sp>
+        <p:nvSpPr>
+          <p:cNvPr id="35" name="Rectangle 34">
+            <a:extLst>
+              <a:ext uri="{FF2B5EF4-FFF2-40B4-BE49-F238E27FC236}">
+                <a16:creationId xmlns:a16="http://schemas.microsoft.com/office/drawing/2014/main" id="{76225939-1771-49BE-A8A3-414355EAE0B8}"/>
+              </a:ext>
+            </a:extLst>
+          </p:cNvPr>
+          <p:cNvSpPr/>
+          <p:nvPr/>
+        </p:nvSpPr>
+        <p:spPr>
+          <a:xfrm>
+            <a:off x="6419832" y="6133711"/>
+            <a:ext cx="1238250" cy="415756"/>
+          </a:xfrm>
+          <a:prstGeom prst="rect">
+            <a:avLst/>
+          </a:prstGeom>
+          <a:effectLst>
+            <a:softEdge rad="63500"/>
+          </a:effectLst>
+        </p:spPr>
+        <p:style>
+          <a:lnRef idx="3">
+            <a:schemeClr val="lt1"/>
+          </a:lnRef>
+          <a:fillRef idx="1">
+            <a:schemeClr val="accent2"/>
+          </a:fillRef>
+          <a:effectRef idx="1">
+            <a:schemeClr val="accent2"/>
+          </a:effectRef>
+          <a:fontRef idx="minor">
+            <a:schemeClr val="lt1"/>
+          </a:fontRef>
+        </p:style>
+        <p:txBody>
+          <a:bodyPr rtlCol="0" anchor="ctr"/>
+          <a:lstStyle/>
+          <a:p>
+            <a:pPr algn="ctr"/>
+            <a:endParaRPr lang="en-AU" sz="3600" b="1" dirty="0">
+              <a:ln w="9525">
+                <a:solidFill>
+                  <a:schemeClr val="bg1"/>
+                </a:solidFill>
+                <a:prstDash val="solid"/>
+              </a:ln>
+              <a:solidFill>
+                <a:schemeClr val="tx1"/>
+              </a:solidFill>
+              <a:effectLst>
+                <a:outerShdw blurRad="12700" dist="38100" dir="2700000" algn="tl" rotWithShape="0">
+                  <a:schemeClr val="bg1">
+                    <a:lumMod val="50000"/>
+                  </a:schemeClr>
+                </a:outerShdw>
+              </a:effectLst>
+            </a:endParaRPr>
+          </a:p>
+        </p:txBody>
+      </p:sp>
+      <p:sp>
+        <p:nvSpPr>
+          <p:cNvPr id="36" name="Rectangle 35">
+            <a:extLst>
+              <a:ext uri="{FF2B5EF4-FFF2-40B4-BE49-F238E27FC236}">
+                <a16:creationId xmlns:a16="http://schemas.microsoft.com/office/drawing/2014/main" id="{0BA8CF21-2ECB-4C76-A2BB-0582DD4DD5A4}"/>
+              </a:ext>
+            </a:extLst>
+          </p:cNvPr>
+          <p:cNvSpPr/>
+          <p:nvPr/>
+        </p:nvSpPr>
+        <p:spPr>
+          <a:xfrm>
+            <a:off x="8242518" y="6117958"/>
+            <a:ext cx="1760066" cy="415756"/>
+          </a:xfrm>
+          <a:prstGeom prst="rect">
+            <a:avLst/>
+          </a:prstGeom>
+          <a:effectLst>
+            <a:softEdge rad="63500"/>
+          </a:effectLst>
+        </p:spPr>
+        <p:style>
+          <a:lnRef idx="3">
+            <a:schemeClr val="lt1"/>
+          </a:lnRef>
+          <a:fillRef idx="1">
+            <a:schemeClr val="accent2"/>
+          </a:fillRef>
+          <a:effectRef idx="1">
+            <a:schemeClr val="accent2"/>
+          </a:effectRef>
+          <a:fontRef idx="minor">
+            <a:schemeClr val="lt1"/>
+          </a:fontRef>
+        </p:style>
+        <p:txBody>
+          <a:bodyPr rtlCol="0" anchor="ctr"/>
+          <a:lstStyle/>
+          <a:p>
+            <a:pPr algn="ctr"/>
+            <a:endParaRPr lang="en-AU" sz="3600" b="1" dirty="0">
+              <a:ln w="9525">
+                <a:solidFill>
+                  <a:schemeClr val="bg1"/>
+                </a:solidFill>
+                <a:prstDash val="solid"/>
+              </a:ln>
+              <a:solidFill>
+                <a:schemeClr val="tx1"/>
+              </a:solidFill>
+              <a:effectLst>
+                <a:outerShdw blurRad="12700" dist="38100" dir="2700000" algn="tl" rotWithShape="0">
+                  <a:schemeClr val="bg1">
+                    <a:lumMod val="50000"/>
+                  </a:schemeClr>
+                </a:outerShdw>
+              </a:effectLst>
+            </a:endParaRPr>
+          </a:p>
+        </p:txBody>
+      </p:sp>
+    </p:spTree>
+    <p:extLst>
+      <p:ext uri="{BB962C8B-B14F-4D97-AF65-F5344CB8AC3E}">
+        <p14:creationId xmlns:p14="http://schemas.microsoft.com/office/powerpoint/2010/main" val="3959333390"/>
+      </p:ext>
+    </p:extLst>
+  </p:cSld>
+  <p:clrMapOvr>
+    <a:masterClrMapping/>
+  </p:clrMapOvr>
+  <p:timing>
+    <p:tnLst>
+      <p:par>
+        <p:cTn id="1" dur="indefinite" restart="never" nodeType="tmRoot">
+          <p:childTnLst>
+            <p:seq concurrent="1" nextAc="seek">
+              <p:cTn id="2" dur="indefinite" nodeType="mainSeq">
+                <p:childTnLst>
+                  <p:par>
+                    <p:cTn id="3" fill="hold">
+                      <p:stCondLst>
+                        <p:cond delay="indefinite"/>
+                      </p:stCondLst>
+                      <p:childTnLst>
+                        <p:par>
+                          <p:cTn id="4" fill="hold">
+                            <p:stCondLst>
+                              <p:cond delay="0"/>
+                            </p:stCondLst>
+                            <p:childTnLst>
+                              <p:par>
+                                <p:cTn id="5" presetID="26" presetClass="emph" presetSubtype="0" fill="hold" grpId="0" nodeType="clickEffect">
+                                  <p:stCondLst>
+                                    <p:cond delay="0"/>
+                                  </p:stCondLst>
+                                  <p:childTnLst>
+                                    <p:animEffect transition="out" filter="fade">
+                                      <p:cBhvr>
+                                        <p:cTn id="6" dur="500" tmFilter="0, 0; .2, .5; .8, .5; 1, 0"/>
+                                        <p:tgtEl>
+                                          <p:spTgt spid="4"/>
+                                        </p:tgtEl>
+                                      </p:cBhvr>
+                                    </p:animEffect>
+                                    <p:animScale>
+                                      <p:cBhvr>
+                                        <p:cTn id="7" dur="250" autoRev="1" fill="hold"/>
+                                        <p:tgtEl>
+                                          <p:spTgt spid="4"/>
+                                        </p:tgtEl>
+                                      </p:cBhvr>
+                                      <p:by x="105000" y="105000"/>
+                                    </p:animScale>
+                                  </p:childTnLst>
+                                </p:cTn>
+                              </p:par>
+                              <p:par>
+                                <p:cTn id="8" presetID="26" presetClass="emph" presetSubtype="0" fill="hold" grpId="0" nodeType="withEffect">
+                                  <p:stCondLst>
+                                    <p:cond delay="0"/>
+                                  </p:stCondLst>
+                                  <p:childTnLst>
+                                    <p:animEffect transition="out" filter="fade">
+                                      <p:cBhvr>
+                                        <p:cTn id="9" dur="500" tmFilter="0, 0; .2, .5; .8, .5; 1, 0"/>
+                                        <p:tgtEl>
+                                          <p:spTgt spid="6"/>
+                                        </p:tgtEl>
+                                      </p:cBhvr>
+                                    </p:animEffect>
+                                    <p:animScale>
+                                      <p:cBhvr>
+                                        <p:cTn id="10" dur="250" autoRev="1" fill="hold"/>
+                                        <p:tgtEl>
+                                          <p:spTgt spid="6"/>
+                                        </p:tgtEl>
+                                      </p:cBhvr>
+                                      <p:by x="105000" y="105000"/>
+                                    </p:animScale>
+                                  </p:childTnLst>
+                                </p:cTn>
+                              </p:par>
+                              <p:par>
+                                <p:cTn id="11" presetID="26" presetClass="emph" presetSubtype="0" fill="hold" grpId="0" nodeType="withEffect">
+                                  <p:stCondLst>
+                                    <p:cond delay="0"/>
+                                  </p:stCondLst>
+                                  <p:childTnLst>
+                                    <p:animEffect transition="out" filter="fade">
+                                      <p:cBhvr>
+                                        <p:cTn id="12" dur="500" tmFilter="0, 0; .2, .5; .8, .5; 1, 0"/>
+                                        <p:tgtEl>
+                                          <p:spTgt spid="8"/>
+                                        </p:tgtEl>
+                                      </p:cBhvr>
+                                    </p:animEffect>
+                                    <p:animScale>
+                                      <p:cBhvr>
+                                        <p:cTn id="13" dur="250" autoRev="1" fill="hold"/>
+                                        <p:tgtEl>
+                                          <p:spTgt spid="8"/>
+                                        </p:tgtEl>
+                                      </p:cBhvr>
+                                      <p:by x="105000" y="105000"/>
+                                    </p:animScale>
+                                  </p:childTnLst>
+                                </p:cTn>
+                              </p:par>
+                              <p:par>
+                                <p:cTn id="14" presetID="26" presetClass="emph" presetSubtype="0" fill="hold" grpId="0" nodeType="withEffect">
+                                  <p:stCondLst>
+                                    <p:cond delay="0"/>
+                                  </p:stCondLst>
+                                  <p:childTnLst>
+                                    <p:animEffect transition="out" filter="fade">
+                                      <p:cBhvr>
+                                        <p:cTn id="15" dur="500" tmFilter="0, 0; .2, .5; .8, .5; 1, 0"/>
+                                        <p:tgtEl>
+                                          <p:spTgt spid="9"/>
+                                        </p:tgtEl>
+                                      </p:cBhvr>
+                                    </p:animEffect>
+                                    <p:animScale>
+                                      <p:cBhvr>
+                                        <p:cTn id="16" dur="250" autoRev="1" fill="hold"/>
+                                        <p:tgtEl>
+                                          <p:spTgt spid="9"/>
+                                        </p:tgtEl>
+                                      </p:cBhvr>
+                                      <p:by x="105000" y="105000"/>
+                                    </p:animScale>
+                                  </p:childTnLst>
+                                </p:cTn>
+                              </p:par>
+                              <p:par>
+                                <p:cTn id="17" presetID="26" presetClass="emph" presetSubtype="0" fill="hold" grpId="0" nodeType="withEffect">
+                                  <p:stCondLst>
+                                    <p:cond delay="0"/>
+                                  </p:stCondLst>
+                                  <p:childTnLst>
+                                    <p:animEffect transition="out" filter="fade">
+                                      <p:cBhvr>
+                                        <p:cTn id="18" dur="500" tmFilter="0, 0; .2, .5; .8, .5; 1, 0"/>
+                                        <p:tgtEl>
+                                          <p:spTgt spid="11"/>
+                                        </p:tgtEl>
+                                      </p:cBhvr>
+                                    </p:animEffect>
+                                    <p:animScale>
+                                      <p:cBhvr>
+                                        <p:cTn id="19" dur="250" autoRev="1" fill="hold"/>
+                                        <p:tgtEl>
+                                          <p:spTgt spid="11"/>
+                                        </p:tgtEl>
+                                      </p:cBhvr>
+                                      <p:by x="105000" y="105000"/>
+                                    </p:animScale>
+                                  </p:childTnLst>
+                                </p:cTn>
+                              </p:par>
+                            </p:childTnLst>
+                          </p:cTn>
+                        </p:par>
+                      </p:childTnLst>
+                    </p:cTn>
+                  </p:par>
+                  <p:par>
+                    <p:cTn id="20" fill="hold">
+                      <p:stCondLst>
+                        <p:cond delay="indefinite"/>
+                      </p:stCondLst>
+                      <p:childTnLst>
+                        <p:par>
+                          <p:cTn id="21" fill="hold">
+                            <p:stCondLst>
+                              <p:cond delay="0"/>
+                            </p:stCondLst>
+                            <p:childTnLst>
+                              <p:par>
+                                <p:cTn id="22" presetID="26" presetClass="emph" presetSubtype="0" fill="hold" grpId="0" nodeType="clickEffect">
+                                  <p:stCondLst>
+                                    <p:cond delay="0"/>
+                                  </p:stCondLst>
+                                  <p:childTnLst>
+                                    <p:animEffect transition="out" filter="fade">
+                                      <p:cBhvr>
+                                        <p:cTn id="23" dur="500" tmFilter="0, 0; .2, .5; .8, .5; 1, 0"/>
+                                        <p:tgtEl>
+                                          <p:spTgt spid="12"/>
+                                        </p:tgtEl>
+                                      </p:cBhvr>
+                                    </p:animEffect>
+                                    <p:animScale>
+                                      <p:cBhvr>
+                                        <p:cTn id="24" dur="250" autoRev="1" fill="hold"/>
+                                        <p:tgtEl>
+                                          <p:spTgt spid="12"/>
+                                        </p:tgtEl>
+                                      </p:cBhvr>
+                                      <p:by x="105000" y="105000"/>
+                                    </p:animScale>
+                                  </p:childTnLst>
+                                </p:cTn>
+                              </p:par>
+                              <p:par>
+                                <p:cTn id="25" presetID="26" presetClass="emph" presetSubtype="0" fill="hold" grpId="0" nodeType="withEffect">
+                                  <p:stCondLst>
+                                    <p:cond delay="0"/>
+                                  </p:stCondLst>
+                                  <p:childTnLst>
+                                    <p:animEffect transition="out" filter="fade">
+                                      <p:cBhvr>
+                                        <p:cTn id="26" dur="500" tmFilter="0, 0; .2, .5; .8, .5; 1, 0"/>
+                                        <p:tgtEl>
+                                          <p:spTgt spid="13"/>
+                                        </p:tgtEl>
+                                      </p:cBhvr>
+                                    </p:animEffect>
+                                    <p:animScale>
+                                      <p:cBhvr>
+                                        <p:cTn id="27" dur="250" autoRev="1" fill="hold"/>
+                                        <p:tgtEl>
+                                          <p:spTgt spid="13"/>
+                                        </p:tgtEl>
+                                      </p:cBhvr>
+                                      <p:by x="105000" y="105000"/>
+                                    </p:animScale>
+                                  </p:childTnLst>
+                                </p:cTn>
+                              </p:par>
+                              <p:par>
+                                <p:cTn id="28" presetID="26" presetClass="emph" presetSubtype="0" fill="hold" grpId="0" nodeType="withEffect">
+                                  <p:stCondLst>
+                                    <p:cond delay="0"/>
+                                  </p:stCondLst>
+                                  <p:childTnLst>
+                                    <p:animEffect transition="out" filter="fade">
+                                      <p:cBhvr>
+                                        <p:cTn id="29" dur="500" tmFilter="0, 0; .2, .5; .8, .5; 1, 0"/>
+                                        <p:tgtEl>
+                                          <p:spTgt spid="14"/>
+                                        </p:tgtEl>
+                                      </p:cBhvr>
+                                    </p:animEffect>
+                                    <p:animScale>
+                                      <p:cBhvr>
+                                        <p:cTn id="30" dur="250" autoRev="1" fill="hold"/>
+                                        <p:tgtEl>
+                                          <p:spTgt spid="14"/>
+                                        </p:tgtEl>
+                                      </p:cBhvr>
+                                      <p:by x="105000" y="105000"/>
+                                    </p:animScale>
+                                  </p:childTnLst>
+                                </p:cTn>
+                              </p:par>
+                              <p:par>
+                                <p:cTn id="31" presetID="26" presetClass="emph" presetSubtype="0" fill="hold" grpId="0" nodeType="withEffect">
+                                  <p:stCondLst>
+                                    <p:cond delay="0"/>
+                                  </p:stCondLst>
+                                  <p:childTnLst>
+                                    <p:animEffect transition="out" filter="fade">
+                                      <p:cBhvr>
+                                        <p:cTn id="32" dur="500" tmFilter="0, 0; .2, .5; .8, .5; 1, 0"/>
+                                        <p:tgtEl>
+                                          <p:spTgt spid="15"/>
+                                        </p:tgtEl>
+                                      </p:cBhvr>
+                                    </p:animEffect>
+                                    <p:animScale>
+                                      <p:cBhvr>
+                                        <p:cTn id="33" dur="250" autoRev="1" fill="hold"/>
+                                        <p:tgtEl>
+                                          <p:spTgt spid="15"/>
+                                        </p:tgtEl>
+                                      </p:cBhvr>
+                                      <p:by x="105000" y="105000"/>
+                                    </p:animScale>
+                                  </p:childTnLst>
+                                </p:cTn>
+                              </p:par>
+                              <p:par>
+                                <p:cTn id="34" presetID="26" presetClass="emph" presetSubtype="0" fill="hold" grpId="0" nodeType="withEffect">
+                                  <p:stCondLst>
+                                    <p:cond delay="0"/>
+                                  </p:stCondLst>
+                                  <p:childTnLst>
+                                    <p:animEffect transition="out" filter="fade">
+                                      <p:cBhvr>
+                                        <p:cTn id="35" dur="500" tmFilter="0, 0; .2, .5; .8, .5; 1, 0"/>
+                                        <p:tgtEl>
+                                          <p:spTgt spid="16"/>
+                                        </p:tgtEl>
+                                      </p:cBhvr>
+                                    </p:animEffect>
+                                    <p:animScale>
+                                      <p:cBhvr>
+                                        <p:cTn id="36" dur="250" autoRev="1" fill="hold"/>
+                                        <p:tgtEl>
+                                          <p:spTgt spid="16"/>
+                                        </p:tgtEl>
+                                      </p:cBhvr>
+                                      <p:by x="105000" y="105000"/>
+                                    </p:animScale>
+                                  </p:childTnLst>
+                                </p:cTn>
+                              </p:par>
+                            </p:childTnLst>
+                          </p:cTn>
+                        </p:par>
+                      </p:childTnLst>
+                    </p:cTn>
+                  </p:par>
+                  <p:par>
+                    <p:cTn id="37" fill="hold">
+                      <p:stCondLst>
+                        <p:cond delay="indefinite"/>
+                      </p:stCondLst>
+                      <p:childTnLst>
+                        <p:par>
+                          <p:cTn id="38" fill="hold">
+                            <p:stCondLst>
+                              <p:cond delay="0"/>
+                            </p:stCondLst>
+                            <p:childTnLst>
+                              <p:par>
+                                <p:cTn id="39" presetID="26" presetClass="emph" presetSubtype="0" fill="hold" grpId="0" nodeType="clickEffect">
+                                  <p:stCondLst>
+                                    <p:cond delay="0"/>
+                                  </p:stCondLst>
+                                  <p:childTnLst>
+                                    <p:animEffect transition="out" filter="fade">
+                                      <p:cBhvr>
+                                        <p:cTn id="40" dur="500" tmFilter="0, 0; .2, .5; .8, .5; 1, 0"/>
+                                        <p:tgtEl>
+                                          <p:spTgt spid="17"/>
+                                        </p:tgtEl>
+                                      </p:cBhvr>
+                                    </p:animEffect>
+                                    <p:animScale>
+                                      <p:cBhvr>
+                                        <p:cTn id="41" dur="250" autoRev="1" fill="hold"/>
+                                        <p:tgtEl>
+                                          <p:spTgt spid="17"/>
+                                        </p:tgtEl>
+                                      </p:cBhvr>
+                                      <p:by x="105000" y="105000"/>
+                                    </p:animScale>
+                                  </p:childTnLst>
+                                </p:cTn>
+                              </p:par>
+                              <p:par>
+                                <p:cTn id="42" presetID="26" presetClass="emph" presetSubtype="0" fill="hold" grpId="0" nodeType="withEffect">
+                                  <p:stCondLst>
+                                    <p:cond delay="0"/>
+                                  </p:stCondLst>
+                                  <p:childTnLst>
+                                    <p:animEffect transition="out" filter="fade">
+                                      <p:cBhvr>
+                                        <p:cTn id="43" dur="500" tmFilter="0, 0; .2, .5; .8, .5; 1, 0"/>
+                                        <p:tgtEl>
+                                          <p:spTgt spid="18"/>
+                                        </p:tgtEl>
+                                      </p:cBhvr>
+                                    </p:animEffect>
+                                    <p:animScale>
+                                      <p:cBhvr>
+                                        <p:cTn id="44" dur="250" autoRev="1" fill="hold"/>
+                                        <p:tgtEl>
+                                          <p:spTgt spid="18"/>
+                                        </p:tgtEl>
+                                      </p:cBhvr>
+                                      <p:by x="105000" y="105000"/>
+                                    </p:animScale>
+                                  </p:childTnLst>
+                                </p:cTn>
+                              </p:par>
+                              <p:par>
+                                <p:cTn id="45" presetID="26" presetClass="emph" presetSubtype="0" fill="hold" grpId="0" nodeType="withEffect">
+                                  <p:stCondLst>
+                                    <p:cond delay="0"/>
+                                  </p:stCondLst>
+                                  <p:childTnLst>
+                                    <p:animEffect transition="out" filter="fade">
+                                      <p:cBhvr>
+                                        <p:cTn id="46" dur="500" tmFilter="0, 0; .2, .5; .8, .5; 1, 0"/>
+                                        <p:tgtEl>
+                                          <p:spTgt spid="19"/>
+                                        </p:tgtEl>
+                                      </p:cBhvr>
+                                    </p:animEffect>
+                                    <p:animScale>
+                                      <p:cBhvr>
+                                        <p:cTn id="47" dur="250" autoRev="1" fill="hold"/>
+                                        <p:tgtEl>
+                                          <p:spTgt spid="19"/>
+                                        </p:tgtEl>
+                                      </p:cBhvr>
+                                      <p:by x="105000" y="105000"/>
+                                    </p:animScale>
+                                  </p:childTnLst>
+                                </p:cTn>
+                              </p:par>
+                              <p:par>
+                                <p:cTn id="48" presetID="26" presetClass="emph" presetSubtype="0" fill="hold" grpId="0" nodeType="withEffect">
+                                  <p:stCondLst>
+                                    <p:cond delay="0"/>
+                                  </p:stCondLst>
+                                  <p:childTnLst>
+                                    <p:animEffect transition="out" filter="fade">
+                                      <p:cBhvr>
+                                        <p:cTn id="49" dur="500" tmFilter="0, 0; .2, .5; .8, .5; 1, 0"/>
+                                        <p:tgtEl>
+                                          <p:spTgt spid="20"/>
+                                        </p:tgtEl>
+                                      </p:cBhvr>
+                                    </p:animEffect>
+                                    <p:animScale>
+                                      <p:cBhvr>
+                                        <p:cTn id="50" dur="250" autoRev="1" fill="hold"/>
+                                        <p:tgtEl>
+                                          <p:spTgt spid="20"/>
+                                        </p:tgtEl>
+                                      </p:cBhvr>
+                                      <p:by x="105000" y="105000"/>
+                                    </p:animScale>
+                                  </p:childTnLst>
+                                </p:cTn>
+                              </p:par>
+                              <p:par>
+                                <p:cTn id="51" presetID="26" presetClass="emph" presetSubtype="0" fill="hold" grpId="0" nodeType="withEffect">
+                                  <p:stCondLst>
+                                    <p:cond delay="0"/>
+                                  </p:stCondLst>
+                                  <p:childTnLst>
+                                    <p:animEffect transition="out" filter="fade">
+                                      <p:cBhvr>
+                                        <p:cTn id="52" dur="500" tmFilter="0, 0; .2, .5; .8, .5; 1, 0"/>
+                                        <p:tgtEl>
+                                          <p:spTgt spid="21"/>
+                                        </p:tgtEl>
+                                      </p:cBhvr>
+                                    </p:animEffect>
+                                    <p:animScale>
+                                      <p:cBhvr>
+                                        <p:cTn id="53" dur="250" autoRev="1" fill="hold"/>
+                                        <p:tgtEl>
+                                          <p:spTgt spid="21"/>
+                                        </p:tgtEl>
+                                      </p:cBhvr>
+                                      <p:by x="105000" y="105000"/>
+                                    </p:animScale>
+                                  </p:childTnLst>
+                                </p:cTn>
+                              </p:par>
+                            </p:childTnLst>
+                          </p:cTn>
+                        </p:par>
+                      </p:childTnLst>
+                    </p:cTn>
+                  </p:par>
+                  <p:par>
+                    <p:cTn id="54" fill="hold">
+                      <p:stCondLst>
+                        <p:cond delay="indefinite"/>
+                      </p:stCondLst>
+                      <p:childTnLst>
+                        <p:par>
+                          <p:cTn id="55" fill="hold">
+                            <p:stCondLst>
+                              <p:cond delay="0"/>
+                            </p:stCondLst>
+                            <p:childTnLst>
+                              <p:par>
+                                <p:cTn id="56" presetID="26" presetClass="emph" presetSubtype="0" fill="hold" grpId="0" nodeType="clickEffect">
+                                  <p:stCondLst>
+                                    <p:cond delay="0"/>
+                                  </p:stCondLst>
+                                  <p:childTnLst>
+                                    <p:animEffect transition="out" filter="fade">
+                                      <p:cBhvr>
+                                        <p:cTn id="57" dur="500" tmFilter="0, 0; .2, .5; .8, .5; 1, 0"/>
+                                        <p:tgtEl>
+                                          <p:spTgt spid="22"/>
+                                        </p:tgtEl>
+                                      </p:cBhvr>
+                                    </p:animEffect>
+                                    <p:animScale>
+                                      <p:cBhvr>
+                                        <p:cTn id="58" dur="250" autoRev="1" fill="hold"/>
+                                        <p:tgtEl>
+                                          <p:spTgt spid="22"/>
+                                        </p:tgtEl>
+                                      </p:cBhvr>
+                                      <p:by x="105000" y="105000"/>
+                                    </p:animScale>
+                                  </p:childTnLst>
+                                </p:cTn>
+                              </p:par>
+                              <p:par>
+                                <p:cTn id="59" presetID="26" presetClass="emph" presetSubtype="0" fill="hold" grpId="0" nodeType="withEffect">
+                                  <p:stCondLst>
+                                    <p:cond delay="0"/>
+                                  </p:stCondLst>
+                                  <p:childTnLst>
+                                    <p:animEffect transition="out" filter="fade">
+                                      <p:cBhvr>
+                                        <p:cTn id="60" dur="500" tmFilter="0, 0; .2, .5; .8, .5; 1, 0"/>
+                                        <p:tgtEl>
+                                          <p:spTgt spid="24"/>
+                                        </p:tgtEl>
+                                      </p:cBhvr>
+                                    </p:animEffect>
+                                    <p:animScale>
+                                      <p:cBhvr>
+                                        <p:cTn id="61" dur="250" autoRev="1" fill="hold"/>
+                                        <p:tgtEl>
+                                          <p:spTgt spid="24"/>
+                                        </p:tgtEl>
+                                      </p:cBhvr>
+                                      <p:by x="105000" y="105000"/>
+                                    </p:animScale>
+                                  </p:childTnLst>
+                                </p:cTn>
+                              </p:par>
+                              <p:par>
+                                <p:cTn id="62" presetID="26" presetClass="emph" presetSubtype="0" fill="hold" grpId="0" nodeType="withEffect">
+                                  <p:stCondLst>
+                                    <p:cond delay="0"/>
+                                  </p:stCondLst>
+                                  <p:childTnLst>
+                                    <p:animEffect transition="out" filter="fade">
+                                      <p:cBhvr>
+                                        <p:cTn id="63" dur="500" tmFilter="0, 0; .2, .5; .8, .5; 1, 0"/>
+                                        <p:tgtEl>
+                                          <p:spTgt spid="25"/>
+                                        </p:tgtEl>
+                                      </p:cBhvr>
+                                    </p:animEffect>
+                                    <p:animScale>
+                                      <p:cBhvr>
+                                        <p:cTn id="64" dur="250" autoRev="1" fill="hold"/>
+                                        <p:tgtEl>
+                                          <p:spTgt spid="25"/>
+                                        </p:tgtEl>
+                                      </p:cBhvr>
+                                      <p:by x="105000" y="105000"/>
+                                    </p:animScale>
+                                  </p:childTnLst>
+                                </p:cTn>
+                              </p:par>
+                              <p:par>
+                                <p:cTn id="65" presetID="26" presetClass="emph" presetSubtype="0" fill="hold" grpId="0" nodeType="withEffect">
+                                  <p:stCondLst>
+                                    <p:cond delay="0"/>
+                                  </p:stCondLst>
+                                  <p:childTnLst>
+                                    <p:animEffect transition="out" filter="fade">
+                                      <p:cBhvr>
+                                        <p:cTn id="66" dur="500" tmFilter="0, 0; .2, .5; .8, .5; 1, 0"/>
+                                        <p:tgtEl>
+                                          <p:spTgt spid="23"/>
+                                        </p:tgtEl>
+                                      </p:cBhvr>
+                                    </p:animEffect>
+                                    <p:animScale>
+                                      <p:cBhvr>
+                                        <p:cTn id="67" dur="250" autoRev="1" fill="hold"/>
+                                        <p:tgtEl>
+                                          <p:spTgt spid="23"/>
+                                        </p:tgtEl>
+                                      </p:cBhvr>
+                                      <p:by x="105000" y="105000"/>
+                                    </p:animScale>
+                                  </p:childTnLst>
+                                </p:cTn>
+                              </p:par>
+                              <p:par>
+                                <p:cTn id="68" presetID="26" presetClass="emph" presetSubtype="0" fill="hold" grpId="0" nodeType="withEffect">
+                                  <p:stCondLst>
+                                    <p:cond delay="0"/>
+                                  </p:stCondLst>
+                                  <p:childTnLst>
+                                    <p:animEffect transition="out" filter="fade">
+                                      <p:cBhvr>
+                                        <p:cTn id="69" dur="500" tmFilter="0, 0; .2, .5; .8, .5; 1, 0"/>
+                                        <p:tgtEl>
+                                          <p:spTgt spid="26"/>
+                                        </p:tgtEl>
+                                      </p:cBhvr>
+                                    </p:animEffect>
+                                    <p:animScale>
+                                      <p:cBhvr>
+                                        <p:cTn id="70" dur="250" autoRev="1" fill="hold"/>
+                                        <p:tgtEl>
+                                          <p:spTgt spid="26"/>
+                                        </p:tgtEl>
+                                      </p:cBhvr>
+                                      <p:by x="105000" y="105000"/>
+                                    </p:animScale>
+                                  </p:childTnLst>
+                                </p:cTn>
+                              </p:par>
+                            </p:childTnLst>
+                          </p:cTn>
+                        </p:par>
+                      </p:childTnLst>
+                    </p:cTn>
+                  </p:par>
+                  <p:par>
+                    <p:cTn id="71" fill="hold">
+                      <p:stCondLst>
+                        <p:cond delay="indefinite"/>
+                      </p:stCondLst>
+                      <p:childTnLst>
+                        <p:par>
+                          <p:cTn id="72" fill="hold">
+                            <p:stCondLst>
+                              <p:cond delay="0"/>
+                            </p:stCondLst>
+                            <p:childTnLst>
+                              <p:par>
+                                <p:cTn id="73" presetID="26" presetClass="emph" presetSubtype="0" fill="hold" grpId="0" nodeType="clickEffect">
+                                  <p:stCondLst>
+                                    <p:cond delay="0"/>
+                                  </p:stCondLst>
+                                  <p:childTnLst>
+                                    <p:animEffect transition="out" filter="fade">
+                                      <p:cBhvr>
+                                        <p:cTn id="74" dur="500" tmFilter="0, 0; .2, .5; .8, .5; 1, 0"/>
+                                        <p:tgtEl>
+                                          <p:spTgt spid="27"/>
+                                        </p:tgtEl>
+                                      </p:cBhvr>
+                                    </p:animEffect>
+                                    <p:animScale>
+                                      <p:cBhvr>
+                                        <p:cTn id="75" dur="250" autoRev="1" fill="hold"/>
+                                        <p:tgtEl>
+                                          <p:spTgt spid="27"/>
+                                        </p:tgtEl>
+                                      </p:cBhvr>
+                                      <p:by x="105000" y="105000"/>
+                                    </p:animScale>
+                                  </p:childTnLst>
+                                </p:cTn>
+                              </p:par>
+                              <p:par>
+                                <p:cTn id="76" presetID="26" presetClass="emph" presetSubtype="0" fill="hold" grpId="0" nodeType="withEffect">
+                                  <p:stCondLst>
+                                    <p:cond delay="0"/>
+                                  </p:stCondLst>
+                                  <p:childTnLst>
+                                    <p:animEffect transition="out" filter="fade">
+                                      <p:cBhvr>
+                                        <p:cTn id="77" dur="500" tmFilter="0, 0; .2, .5; .8, .5; 1, 0"/>
+                                        <p:tgtEl>
+                                          <p:spTgt spid="28"/>
+                                        </p:tgtEl>
+                                      </p:cBhvr>
+                                    </p:animEffect>
+                                    <p:animScale>
+                                      <p:cBhvr>
+                                        <p:cTn id="78" dur="250" autoRev="1" fill="hold"/>
+                                        <p:tgtEl>
+                                          <p:spTgt spid="28"/>
+                                        </p:tgtEl>
+                                      </p:cBhvr>
+                                      <p:by x="105000" y="105000"/>
+                                    </p:animScale>
+                                  </p:childTnLst>
+                                </p:cTn>
+                              </p:par>
+                              <p:par>
+                                <p:cTn id="79" presetID="26" presetClass="emph" presetSubtype="0" fill="hold" grpId="0" nodeType="withEffect">
+                                  <p:stCondLst>
+                                    <p:cond delay="0"/>
+                                  </p:stCondLst>
+                                  <p:childTnLst>
+                                    <p:animEffect transition="out" filter="fade">
+                                      <p:cBhvr>
+                                        <p:cTn id="80" dur="500" tmFilter="0, 0; .2, .5; .8, .5; 1, 0"/>
+                                        <p:tgtEl>
+                                          <p:spTgt spid="29"/>
+                                        </p:tgtEl>
+                                      </p:cBhvr>
+                                    </p:animEffect>
+                                    <p:animScale>
+                                      <p:cBhvr>
+                                        <p:cTn id="81" dur="250" autoRev="1" fill="hold"/>
+                                        <p:tgtEl>
+                                          <p:spTgt spid="29"/>
+                                        </p:tgtEl>
+                                      </p:cBhvr>
+                                      <p:by x="105000" y="105000"/>
+                                    </p:animScale>
+                                  </p:childTnLst>
+                                </p:cTn>
+                              </p:par>
+                              <p:par>
+                                <p:cTn id="82" presetID="26" presetClass="emph" presetSubtype="0" fill="hold" grpId="0" nodeType="withEffect">
+                                  <p:stCondLst>
+                                    <p:cond delay="0"/>
+                                  </p:stCondLst>
+                                  <p:childTnLst>
+                                    <p:animEffect transition="out" filter="fade">
+                                      <p:cBhvr>
+                                        <p:cTn id="83" dur="500" tmFilter="0, 0; .2, .5; .8, .5; 1, 0"/>
+                                        <p:tgtEl>
+                                          <p:spTgt spid="30"/>
+                                        </p:tgtEl>
+                                      </p:cBhvr>
+                                    </p:animEffect>
+                                    <p:animScale>
+                                      <p:cBhvr>
+                                        <p:cTn id="84" dur="250" autoRev="1" fill="hold"/>
+                                        <p:tgtEl>
+                                          <p:spTgt spid="30"/>
+                                        </p:tgtEl>
+                                      </p:cBhvr>
+                                      <p:by x="105000" y="105000"/>
+                                    </p:animScale>
+                                  </p:childTnLst>
+                                </p:cTn>
+                              </p:par>
+                              <p:par>
+                                <p:cTn id="85" presetID="26" presetClass="emph" presetSubtype="0" fill="hold" grpId="0" nodeType="withEffect">
+                                  <p:stCondLst>
+                                    <p:cond delay="0"/>
+                                  </p:stCondLst>
+                                  <p:childTnLst>
+                                    <p:animEffect transition="out" filter="fade">
+                                      <p:cBhvr>
+                                        <p:cTn id="86" dur="500" tmFilter="0, 0; .2, .5; .8, .5; 1, 0"/>
+                                        <p:tgtEl>
+                                          <p:spTgt spid="31"/>
+                                        </p:tgtEl>
+                                      </p:cBhvr>
+                                    </p:animEffect>
+                                    <p:animScale>
+                                      <p:cBhvr>
+                                        <p:cTn id="87" dur="250" autoRev="1" fill="hold"/>
+                                        <p:tgtEl>
+                                          <p:spTgt spid="31"/>
+                                        </p:tgtEl>
+                                      </p:cBhvr>
+                                      <p:by x="105000" y="105000"/>
+                                    </p:animScale>
+                                  </p:childTnLst>
+                                </p:cTn>
+                              </p:par>
+                            </p:childTnLst>
+                          </p:cTn>
+                        </p:par>
+                      </p:childTnLst>
+                    </p:cTn>
+                  </p:par>
+                  <p:par>
+                    <p:cTn id="88" fill="hold">
+                      <p:stCondLst>
+                        <p:cond delay="indefinite"/>
+                      </p:stCondLst>
+                      <p:childTnLst>
+                        <p:par>
+                          <p:cTn id="89" fill="hold">
+                            <p:stCondLst>
+                              <p:cond delay="0"/>
+                            </p:stCondLst>
+                            <p:childTnLst>
+                              <p:par>
+                                <p:cTn id="90" presetID="26" presetClass="emph" presetSubtype="0" fill="hold" grpId="0" nodeType="clickEffect">
+                                  <p:stCondLst>
+                                    <p:cond delay="0"/>
+                                  </p:stCondLst>
+                                  <p:childTnLst>
+                                    <p:animEffect transition="out" filter="fade">
+                                      <p:cBhvr>
+                                        <p:cTn id="91" dur="500" tmFilter="0, 0; .2, .5; .8, .5; 1, 0"/>
+                                        <p:tgtEl>
+                                          <p:spTgt spid="32"/>
+                                        </p:tgtEl>
+                                      </p:cBhvr>
+                                    </p:animEffect>
+                                    <p:animScale>
+                                      <p:cBhvr>
+                                        <p:cTn id="92" dur="250" autoRev="1" fill="hold"/>
+                                        <p:tgtEl>
+                                          <p:spTgt spid="32"/>
+                                        </p:tgtEl>
+                                      </p:cBhvr>
+                                      <p:by x="105000" y="105000"/>
+                                    </p:animScale>
+                                  </p:childTnLst>
+                                </p:cTn>
+                              </p:par>
+                              <p:par>
+                                <p:cTn id="93" presetID="26" presetClass="emph" presetSubtype="0" fill="hold" grpId="0" nodeType="withEffect">
+                                  <p:stCondLst>
+                                    <p:cond delay="0"/>
+                                  </p:stCondLst>
+                                  <p:childTnLst>
+                                    <p:animEffect transition="out" filter="fade">
+                                      <p:cBhvr>
+                                        <p:cTn id="94" dur="500" tmFilter="0, 0; .2, .5; .8, .5; 1, 0"/>
+                                        <p:tgtEl>
+                                          <p:spTgt spid="33"/>
+                                        </p:tgtEl>
+                                      </p:cBhvr>
+                                    </p:animEffect>
+                                    <p:animScale>
+                                      <p:cBhvr>
+                                        <p:cTn id="95" dur="250" autoRev="1" fill="hold"/>
+                                        <p:tgtEl>
+                                          <p:spTgt spid="33"/>
+                                        </p:tgtEl>
+                                      </p:cBhvr>
+                                      <p:by x="105000" y="105000"/>
+                                    </p:animScale>
+                                  </p:childTnLst>
+                                </p:cTn>
+                              </p:par>
+                              <p:par>
+                                <p:cTn id="96" presetID="26" presetClass="emph" presetSubtype="0" fill="hold" grpId="0" nodeType="withEffect">
+                                  <p:stCondLst>
+                                    <p:cond delay="0"/>
+                                  </p:stCondLst>
+                                  <p:childTnLst>
+                                    <p:animEffect transition="out" filter="fade">
+                                      <p:cBhvr>
+                                        <p:cTn id="97" dur="500" tmFilter="0, 0; .2, .5; .8, .5; 1, 0"/>
+                                        <p:tgtEl>
+                                          <p:spTgt spid="34"/>
+                                        </p:tgtEl>
+                                      </p:cBhvr>
+                                    </p:animEffect>
+                                    <p:animScale>
+                                      <p:cBhvr>
+                                        <p:cTn id="98" dur="250" autoRev="1" fill="hold"/>
+                                        <p:tgtEl>
+                                          <p:spTgt spid="34"/>
+                                        </p:tgtEl>
+                                      </p:cBhvr>
+                                      <p:by x="105000" y="105000"/>
+                                    </p:animScale>
+                                  </p:childTnLst>
+                                </p:cTn>
+                              </p:par>
+                              <p:par>
+                                <p:cTn id="99" presetID="26" presetClass="emph" presetSubtype="0" fill="hold" grpId="0" nodeType="withEffect">
+                                  <p:stCondLst>
+                                    <p:cond delay="0"/>
+                                  </p:stCondLst>
+                                  <p:childTnLst>
+                                    <p:animEffect transition="out" filter="fade">
+                                      <p:cBhvr>
+                                        <p:cTn id="100" dur="500" tmFilter="0, 0; .2, .5; .8, .5; 1, 0"/>
+                                        <p:tgtEl>
+                                          <p:spTgt spid="35"/>
+                                        </p:tgtEl>
+                                      </p:cBhvr>
+                                    </p:animEffect>
+                                    <p:animScale>
+                                      <p:cBhvr>
+                                        <p:cTn id="101" dur="250" autoRev="1" fill="hold"/>
+                                        <p:tgtEl>
+                                          <p:spTgt spid="35"/>
+                                        </p:tgtEl>
+                                      </p:cBhvr>
+                                      <p:by x="105000" y="105000"/>
+                                    </p:animScale>
+                                  </p:childTnLst>
+                                </p:cTn>
+                              </p:par>
+                              <p:par>
+                                <p:cTn id="102" presetID="26" presetClass="emph" presetSubtype="0" fill="hold" grpId="0" nodeType="withEffect">
+                                  <p:stCondLst>
+                                    <p:cond delay="0"/>
+                                  </p:stCondLst>
+                                  <p:childTnLst>
+                                    <p:animEffect transition="out" filter="fade">
+                                      <p:cBhvr>
+                                        <p:cTn id="103" dur="500" tmFilter="0, 0; .2, .5; .8, .5; 1, 0"/>
+                                        <p:tgtEl>
+                                          <p:spTgt spid="36"/>
+                                        </p:tgtEl>
+                                      </p:cBhvr>
+                                    </p:animEffect>
+                                    <p:animScale>
+                                      <p:cBhvr>
+                                        <p:cTn id="104" dur="250" autoRev="1" fill="hold"/>
+                                        <p:tgtEl>
+                                          <p:spTgt spid="36"/>
+                                        </p:tgtEl>
+                                      </p:cBhvr>
+                                      <p:by x="105000" y="105000"/>
+                                    </p:animScale>
+                                  </p:childTnLst>
+                                </p:cTn>
+                              </p:par>
+                            </p:childTnLst>
+                          </p:cTn>
+                        </p:par>
+                      </p:childTnLst>
+                    </p:cTn>
+                  </p:par>
+                </p:childTnLst>
+              </p:cTn>
+              <p:prevCondLst>
+                <p:cond evt="onPrev" delay="0">
+                  <p:tgtEl>
+                    <p:sldTgt/>
+                  </p:tgtEl>
+                </p:cond>
+              </p:prevCondLst>
+              <p:nextCondLst>
+                <p:cond evt="onNext" delay="0">
+                  <p:tgtEl>
+                    <p:sldTgt/>
+                  </p:tgtEl>
+                </p:cond>
+              </p:nextCondLst>
+            </p:seq>
+          </p:childTnLst>
+        </p:cTn>
+      </p:par>
+    </p:tnLst>
+    <p:bldLst>
+      <p:bldP spid="6" grpId="0" animBg="1"/>
+      <p:bldP spid="8" grpId="0" animBg="1"/>
+      <p:bldP spid="4" grpId="0"/>
+      <p:bldP spid="9" grpId="0" animBg="1"/>
+      <p:bldP spid="11" grpId="0" animBg="1"/>
+      <p:bldP spid="12" grpId="0"/>
+      <p:bldP spid="13" grpId="0" animBg="1"/>
+      <p:bldP spid="14" grpId="0" animBg="1"/>
+      <p:bldP spid="15" grpId="0" animBg="1"/>
+      <p:bldP spid="16" grpId="0" animBg="1"/>
+      <p:bldP spid="17" grpId="0"/>
+      <p:bldP spid="18" grpId="0" animBg="1"/>
+      <p:bldP spid="19" grpId="0" animBg="1"/>
+      <p:bldP spid="20" grpId="0" animBg="1"/>
+      <p:bldP spid="21" grpId="0" animBg="1"/>
+      <p:bldP spid="22" grpId="0"/>
+      <p:bldP spid="23" grpId="0" animBg="1"/>
+      <p:bldP spid="24" grpId="0" animBg="1"/>
+      <p:bldP spid="25" grpId="0" animBg="1"/>
+      <p:bldP spid="26" grpId="0" animBg="1"/>
+      <p:bldP spid="27" grpId="0"/>
+      <p:bldP spid="28" grpId="0" animBg="1"/>
+      <p:bldP spid="29" grpId="0" animBg="1"/>
+      <p:bldP spid="30" grpId="0" animBg="1"/>
+      <p:bldP spid="31" grpId="0" animBg="1"/>
+      <p:bldP spid="32" grpId="0"/>
+      <p:bldP spid="33" grpId="0" animBg="1"/>
+      <p:bldP spid="34" grpId="0" animBg="1"/>
+      <p:bldP spid="35" grpId="0" animBg="1"/>
+      <p:bldP spid="36" grpId="0" animBg="1"/>
+    </p:bldLst>
+  </p:timing>
+</p:sld>
+</file>
+
+<file path=ppt/slides/slide19.xml><?xml version="1.0" encoding="utf-8"?>
 <p:sld xmlns:a="http://schemas.openxmlformats.org/drawingml/2006/main" xmlns:r="http://schemas.openxmlformats.org/officeDocument/2006/relationships" xmlns:p="http://schemas.openxmlformats.org/presentationml/2006/main">
   <p:cSld>
     <p:bg>
@@ -27202,1130 +32478,6 @@
   </p:cSld>
   <p:clrMapOvr>
     <a:overrideClrMapping bg1="dk1" tx1="lt1" bg2="dk2" tx2="lt2" accent1="accent1" accent2="accent2" accent3="accent3" accent4="accent4" accent5="accent5" accent6="accent6" hlink="hlink" folHlink="folHlink"/>
-  </p:clrMapOvr>
-</p:sld>
-</file>
-
-<file path=ppt/slides/slide17.xml><?xml version="1.0" encoding="utf-8"?>
-<p:sld xmlns:a="http://schemas.openxmlformats.org/drawingml/2006/main" xmlns:r="http://schemas.openxmlformats.org/officeDocument/2006/relationships" xmlns:p="http://schemas.openxmlformats.org/presentationml/2006/main">
-  <p:cSld>
-    <p:bg>
-      <p:bgPr>
-        <a:solidFill>
-          <a:schemeClr val="bg1"/>
-        </a:solidFill>
-        <a:effectLst/>
-      </p:bgPr>
-    </p:bg>
-    <p:spTree>
-      <p:nvGrpSpPr>
-        <p:cNvPr id="1" name=""/>
-        <p:cNvGrpSpPr/>
-        <p:nvPr/>
-      </p:nvGrpSpPr>
-      <p:grpSpPr>
-        <a:xfrm>
-          <a:off x="0" y="0"/>
-          <a:ext cx="0" cy="0"/>
-          <a:chOff x="0" y="0"/>
-          <a:chExt cx="0" cy="0"/>
-        </a:xfrm>
-      </p:grpSpPr>
-      <p:sp>
-        <p:nvSpPr>
-          <p:cNvPr id="19" name="Rectangle 18">
-            <a:extLst>
-              <a:ext uri="{FF2B5EF4-FFF2-40B4-BE49-F238E27FC236}">
-                <a16:creationId xmlns:a16="http://schemas.microsoft.com/office/drawing/2014/main" id="{6F9EB9F2-07E2-4D64-BBD8-BB5B217F1218}"/>
-              </a:ext>
-              <a:ext uri="{C183D7F6-B498-43B3-948B-1728B52AA6E4}">
-                <adec:decorative xmlns:adec="http://schemas.microsoft.com/office/drawing/2017/decorative" val="1"/>
-              </a:ext>
-            </a:extLst>
-          </p:cNvPr>
-          <p:cNvSpPr>
-            <a:spLocks noGrp="1" noRot="1" noChangeAspect="1" noMove="1" noResize="1" noEditPoints="1" noAdjustHandles="1" noChangeArrowheads="1" noChangeShapeType="1" noTextEdit="1"/>
-          </p:cNvSpPr>
-          <p:nvPr>
-            <p:extLst>
-              <p:ext uri="{386F3935-93C4-4BCD-93E2-E3B085C9AB24}">
-                <p16:designElem xmlns:p16="http://schemas.microsoft.com/office/powerpoint/2015/main" val="1"/>
-              </p:ext>
-            </p:extLst>
-          </p:nvPr>
-        </p:nvSpPr>
-        <p:spPr bwMode="ltGray">
-          <a:xfrm>
-            <a:off x="321564" y="320040"/>
-            <a:ext cx="11548872" cy="6217920"/>
-          </a:xfrm>
-          <a:prstGeom prst="rect">
-            <a:avLst/>
-          </a:prstGeom>
-          <a:solidFill>
-            <a:schemeClr val="tx1">
-              <a:alpha val="12000"/>
-            </a:schemeClr>
-          </a:solidFill>
-          <a:ln w="127000" cap="sq" cmpd="thinThick">
-            <a:noFill/>
-          </a:ln>
-        </p:spPr>
-        <p:style>
-          <a:lnRef idx="2">
-            <a:schemeClr val="accent1">
-              <a:shade val="50000"/>
-            </a:schemeClr>
-          </a:lnRef>
-          <a:fillRef idx="1">
-            <a:schemeClr val="accent1"/>
-          </a:fillRef>
-          <a:effectRef idx="0">
-            <a:schemeClr val="accent1"/>
-          </a:effectRef>
-          <a:fontRef idx="minor">
-            <a:schemeClr val="lt1"/>
-          </a:fontRef>
-        </p:style>
-        <p:txBody>
-          <a:bodyPr rtlCol="0" anchor="ctr"/>
-          <a:lstStyle/>
-          <a:p>
-            <a:pPr algn="ctr"/>
-            <a:endParaRPr lang="en-US"/>
-          </a:p>
-        </p:txBody>
-      </p:sp>
-      <p:sp>
-        <p:nvSpPr>
-          <p:cNvPr id="2" name="Title 1">
-            <a:extLst>
-              <a:ext uri="{FF2B5EF4-FFF2-40B4-BE49-F238E27FC236}">
-                <a16:creationId xmlns:a16="http://schemas.microsoft.com/office/drawing/2014/main" id="{A5932991-AAF9-4A09-9F96-761D6F45BE6F}"/>
-              </a:ext>
-            </a:extLst>
-          </p:cNvPr>
-          <p:cNvSpPr>
-            <a:spLocks noGrp="1"/>
-          </p:cNvSpPr>
-          <p:nvPr>
-            <p:ph type="title" idx="4294967295"/>
-          </p:nvPr>
-        </p:nvSpPr>
-        <p:spPr>
-          <a:xfrm>
-            <a:off x="4380588" y="965199"/>
-            <a:ext cx="6766078" cy="4927601"/>
-          </a:xfrm>
-        </p:spPr>
-        <p:txBody>
-          <a:bodyPr vert="horz" lIns="91440" tIns="45720" rIns="91440" bIns="45720" rtlCol="0" anchor="ctr">
-            <a:normAutofit/>
-          </a:bodyPr>
-          <a:lstStyle/>
-          <a:p>
-            <a:r>
-              <a:rPr lang="en-US" sz="5400" kern="1200">
-                <a:solidFill>
-                  <a:schemeClr val="tx1">
-                    <a:lumMod val="85000"/>
-                    <a:lumOff val="15000"/>
-                  </a:schemeClr>
-                </a:solidFill>
-                <a:latin typeface="+mj-lt"/>
-                <a:ea typeface="+mj-ea"/>
-                <a:cs typeface="+mj-cs"/>
-              </a:rPr>
-              <a:t>DEMO</a:t>
-            </a:r>
-          </a:p>
-        </p:txBody>
-      </p:sp>
-      <p:cxnSp>
-        <p:nvCxnSpPr>
-          <p:cNvPr id="21" name="Straight Connector 20">
-            <a:extLst>
-              <a:ext uri="{FF2B5EF4-FFF2-40B4-BE49-F238E27FC236}">
-                <a16:creationId xmlns:a16="http://schemas.microsoft.com/office/drawing/2014/main" id="{F0C57C7C-DFE9-4A1E-B7A9-DF40E63366BB}"/>
-              </a:ext>
-              <a:ext uri="{C183D7F6-B498-43B3-948B-1728B52AA6E4}">
-                <adec:decorative xmlns:adec="http://schemas.microsoft.com/office/drawing/2017/decorative" val="1"/>
-              </a:ext>
-            </a:extLst>
-          </p:cNvPr>
-          <p:cNvCxnSpPr>
-            <a:cxnSpLocks noGrp="1" noRot="1" noChangeAspect="1" noMove="1" noResize="1" noEditPoints="1" noAdjustHandles="1" noChangeArrowheads="1" noChangeShapeType="1"/>
-          </p:cNvCxnSpPr>
-          <p:nvPr>
-            <p:extLst>
-              <p:ext uri="{386F3935-93C4-4BCD-93E2-E3B085C9AB24}">
-                <p16:designElem xmlns:p16="http://schemas.microsoft.com/office/powerpoint/2015/main" val="1"/>
-              </p:ext>
-            </p:extLst>
-          </p:nvPr>
-        </p:nvCxnSpPr>
-        <p:spPr>
-          <a:xfrm>
-            <a:off x="4055891" y="2057399"/>
-            <a:ext cx="0" cy="2743200"/>
-          </a:xfrm>
-          <a:prstGeom prst="line">
-            <a:avLst/>
-          </a:prstGeom>
-          <a:ln w="19050">
-            <a:solidFill>
-              <a:schemeClr val="tx1">
-                <a:lumMod val="85000"/>
-                <a:lumOff val="15000"/>
-              </a:schemeClr>
-            </a:solidFill>
-          </a:ln>
-        </p:spPr>
-        <p:style>
-          <a:lnRef idx="1">
-            <a:schemeClr val="accent1"/>
-          </a:lnRef>
-          <a:fillRef idx="0">
-            <a:schemeClr val="accent1"/>
-          </a:fillRef>
-          <a:effectRef idx="0">
-            <a:schemeClr val="accent1"/>
-          </a:effectRef>
-          <a:fontRef idx="minor">
-            <a:schemeClr val="tx1"/>
-          </a:fontRef>
-        </p:style>
-      </p:cxnSp>
-      <p:pic>
-        <p:nvPicPr>
-          <p:cNvPr id="13" name="Picture 12">
-            <a:extLst>
-              <a:ext uri="{FF2B5EF4-FFF2-40B4-BE49-F238E27FC236}">
-                <a16:creationId xmlns:a16="http://schemas.microsoft.com/office/drawing/2014/main" id="{DFB4A17E-AB7B-4254-91CC-AB235EBE55B0}"/>
-              </a:ext>
-            </a:extLst>
-          </p:cNvPr>
-          <p:cNvPicPr>
-            <a:picLocks noChangeAspect="1"/>
-          </p:cNvPicPr>
-          <p:nvPr/>
-        </p:nvPicPr>
-        <p:blipFill>
-          <a:blip r:embed="rId3">
-            <a:extLst>
-              <a:ext uri="{28A0092B-C50C-407E-A947-70E740481C1C}">
-                <a14:useLocalDpi xmlns:a14="http://schemas.microsoft.com/office/drawing/2010/main" val="0"/>
-              </a:ext>
-            </a:extLst>
-          </a:blip>
-          <a:stretch>
-            <a:fillRect/>
-          </a:stretch>
-        </p:blipFill>
-        <p:spPr>
-          <a:xfrm>
-            <a:off x="6402805" y="2963961"/>
-            <a:ext cx="2524952" cy="785542"/>
-          </a:xfrm>
-          <a:prstGeom prst="rect">
-            <a:avLst/>
-          </a:prstGeom>
-        </p:spPr>
-      </p:pic>
-    </p:spTree>
-    <p:extLst>
-      <p:ext uri="{BB962C8B-B14F-4D97-AF65-F5344CB8AC3E}">
-        <p14:creationId xmlns:p14="http://schemas.microsoft.com/office/powerpoint/2010/main" val="1236687559"/>
-      </p:ext>
-    </p:extLst>
-  </p:cSld>
-  <p:clrMapOvr>
-    <a:masterClrMapping/>
-  </p:clrMapOvr>
-</p:sld>
-</file>
-
-<file path=ppt/slides/slide18.xml><?xml version="1.0" encoding="utf-8"?>
-<p:sld xmlns:a="http://schemas.openxmlformats.org/drawingml/2006/main" xmlns:r="http://schemas.openxmlformats.org/officeDocument/2006/relationships" xmlns:p="http://schemas.openxmlformats.org/presentationml/2006/main">
-  <p:cSld>
-    <p:bg>
-      <p:bgPr>
-        <a:solidFill>
-          <a:schemeClr val="accent3">
-            <a:lumMod val="75000"/>
-          </a:schemeClr>
-        </a:solidFill>
-        <a:effectLst/>
-      </p:bgPr>
-    </p:bg>
-    <p:spTree>
-      <p:nvGrpSpPr>
-        <p:cNvPr id="1" name=""/>
-        <p:cNvGrpSpPr/>
-        <p:nvPr/>
-      </p:nvGrpSpPr>
-      <p:grpSpPr>
-        <a:xfrm>
-          <a:off x="0" y="0"/>
-          <a:ext cx="0" cy="0"/>
-          <a:chOff x="0" y="0"/>
-          <a:chExt cx="0" cy="0"/>
-        </a:xfrm>
-      </p:grpSpPr>
-      <p:sp>
-        <p:nvSpPr>
-          <p:cNvPr id="17" name="Rectangle 11">
-            <a:extLst>
-              <a:ext uri="{FF2B5EF4-FFF2-40B4-BE49-F238E27FC236}">
-                <a16:creationId xmlns:a16="http://schemas.microsoft.com/office/drawing/2014/main" id="{23207CC6-EAA1-4BFF-A48A-DECAD8972717}"/>
-              </a:ext>
-              <a:ext uri="{C183D7F6-B498-43B3-948B-1728B52AA6E4}">
-                <adec:decorative xmlns:adec="http://schemas.microsoft.com/office/drawing/2017/decorative" val="1"/>
-              </a:ext>
-            </a:extLst>
-          </p:cNvPr>
-          <p:cNvSpPr>
-            <a:spLocks noGrp="1" noRot="1" noChangeAspect="1" noMove="1" noResize="1" noEditPoints="1" noAdjustHandles="1" noChangeArrowheads="1" noChangeShapeType="1" noTextEdit="1"/>
-          </p:cNvSpPr>
-          <p:nvPr>
-            <p:extLst>
-              <p:ext uri="{386F3935-93C4-4BCD-93E2-E3B085C9AB24}">
-                <p16:designElem xmlns:p16="http://schemas.microsoft.com/office/powerpoint/2015/main" val="1"/>
-              </p:ext>
-            </p:extLst>
-          </p:nvPr>
-        </p:nvSpPr>
-        <p:spPr>
-          <a:xfrm>
-            <a:off x="0" y="-3324"/>
-            <a:ext cx="12192000" cy="6861324"/>
-          </a:xfrm>
-          <a:prstGeom prst="rect">
-            <a:avLst/>
-          </a:prstGeom>
-          <a:solidFill>
-            <a:schemeClr val="accent3">
-              <a:lumMod val="75000"/>
-            </a:schemeClr>
-          </a:solidFill>
-          <a:ln>
-            <a:noFill/>
-          </a:ln>
-        </p:spPr>
-        <p:style>
-          <a:lnRef idx="2">
-            <a:schemeClr val="accent1">
-              <a:shade val="50000"/>
-            </a:schemeClr>
-          </a:lnRef>
-          <a:fillRef idx="1">
-            <a:schemeClr val="accent1"/>
-          </a:fillRef>
-          <a:effectRef idx="0">
-            <a:schemeClr val="accent1"/>
-          </a:effectRef>
-          <a:fontRef idx="minor">
-            <a:schemeClr val="lt1"/>
-          </a:fontRef>
-        </p:style>
-        <p:txBody>
-          <a:bodyPr rtlCol="0" anchor="ctr"/>
-          <a:lstStyle/>
-          <a:p>
-            <a:pPr algn="ctr"/>
-            <a:endParaRPr lang="en-US"/>
-          </a:p>
-        </p:txBody>
-      </p:sp>
-      <p:sp>
-        <p:nvSpPr>
-          <p:cNvPr id="18" name="Freeform 3">
-            <a:extLst>
-              <a:ext uri="{FF2B5EF4-FFF2-40B4-BE49-F238E27FC236}">
-                <a16:creationId xmlns:a16="http://schemas.microsoft.com/office/drawing/2014/main" id="{B234A3DD-923D-4166-8B19-7DD589908C68}"/>
-              </a:ext>
-              <a:ext uri="{C183D7F6-B498-43B3-948B-1728B52AA6E4}">
-                <adec:decorative xmlns:adec="http://schemas.microsoft.com/office/drawing/2017/decorative" val="1"/>
-              </a:ext>
-            </a:extLst>
-          </p:cNvPr>
-          <p:cNvSpPr>
-            <a:spLocks noGrp="1" noRot="1" noChangeAspect="1" noMove="1" noResize="1" noEditPoints="1" noAdjustHandles="1" noChangeArrowheads="1" noChangeShapeType="1" noTextEdit="1"/>
-          </p:cNvSpPr>
-          <p:nvPr>
-            <p:extLst>
-              <p:ext uri="{386F3935-93C4-4BCD-93E2-E3B085C9AB24}">
-                <p16:designElem xmlns:p16="http://schemas.microsoft.com/office/powerpoint/2015/main" val="1"/>
-              </p:ext>
-            </p:extLst>
-          </p:nvPr>
-        </p:nvSpPr>
-        <p:spPr>
-          <a:xfrm>
-            <a:off x="1246925" y="-479"/>
-            <a:ext cx="9468701" cy="6858478"/>
-          </a:xfrm>
-          <a:custGeom>
-            <a:avLst/>
-            <a:gdLst>
-              <a:gd name="connsiteX0" fmla="*/ 0 w 8078051"/>
-              <a:gd name="connsiteY0" fmla="*/ 0 h 5829300"/>
-              <a:gd name="connsiteX1" fmla="*/ 4453793 w 8078051"/>
-              <a:gd name="connsiteY1" fmla="*/ 0 h 5829300"/>
-              <a:gd name="connsiteX2" fmla="*/ 5363426 w 8078051"/>
-              <a:gd name="connsiteY2" fmla="*/ 0 h 5829300"/>
-              <a:gd name="connsiteX3" fmla="*/ 5368184 w 8078051"/>
-              <a:gd name="connsiteY3" fmla="*/ 0 h 5829300"/>
-              <a:gd name="connsiteX4" fmla="*/ 8078051 w 8078051"/>
-              <a:gd name="connsiteY4" fmla="*/ 5829300 h 5829300"/>
-              <a:gd name="connsiteX5" fmla="*/ 1743926 w 8078051"/>
-              <a:gd name="connsiteY5" fmla="*/ 5829300 h 5829300"/>
-              <a:gd name="connsiteX6" fmla="*/ 1744148 w 8078051"/>
-              <a:gd name="connsiteY6" fmla="*/ 5828822 h 5829300"/>
-              <a:gd name="connsiteX7" fmla="*/ 0 w 8078051"/>
-              <a:gd name="connsiteY7" fmla="*/ 5828822 h 5829300"/>
-            </a:gdLst>
-            <a:ahLst/>
-            <a:cxnLst>
-              <a:cxn ang="0">
-                <a:pos x="connsiteX0" y="connsiteY0"/>
-              </a:cxn>
-              <a:cxn ang="0">
-                <a:pos x="connsiteX1" y="connsiteY1"/>
-              </a:cxn>
-              <a:cxn ang="0">
-                <a:pos x="connsiteX2" y="connsiteY2"/>
-              </a:cxn>
-              <a:cxn ang="0">
-                <a:pos x="connsiteX3" y="connsiteY3"/>
-              </a:cxn>
-              <a:cxn ang="0">
-                <a:pos x="connsiteX4" y="connsiteY4"/>
-              </a:cxn>
-              <a:cxn ang="0">
-                <a:pos x="connsiteX5" y="connsiteY5"/>
-              </a:cxn>
-              <a:cxn ang="0">
-                <a:pos x="connsiteX6" y="connsiteY6"/>
-              </a:cxn>
-              <a:cxn ang="0">
-                <a:pos x="connsiteX7" y="connsiteY7"/>
-              </a:cxn>
-            </a:cxnLst>
-            <a:rect l="l" t="t" r="r" b="b"/>
-            <a:pathLst>
-              <a:path w="8078051" h="5829300">
-                <a:moveTo>
-                  <a:pt x="0" y="0"/>
-                </a:moveTo>
-                <a:lnTo>
-                  <a:pt x="4453793" y="0"/>
-                </a:lnTo>
-                <a:lnTo>
-                  <a:pt x="5363426" y="0"/>
-                </a:lnTo>
-                <a:lnTo>
-                  <a:pt x="5368184" y="0"/>
-                </a:lnTo>
-                <a:lnTo>
-                  <a:pt x="8078051" y="5829300"/>
-                </a:lnTo>
-                <a:lnTo>
-                  <a:pt x="1743926" y="5829300"/>
-                </a:lnTo>
-                <a:lnTo>
-                  <a:pt x="1744148" y="5828822"/>
-                </a:lnTo>
-                <a:lnTo>
-                  <a:pt x="0" y="5828822"/>
-                </a:lnTo>
-                <a:close/>
-              </a:path>
-            </a:pathLst>
-          </a:custGeom>
-          <a:solidFill>
-            <a:schemeClr val="bg1">
-              <a:lumMod val="85000"/>
-              <a:lumOff val="15000"/>
-              <a:alpha val="70000"/>
-            </a:schemeClr>
-          </a:solidFill>
-          <a:ln>
-            <a:noFill/>
-          </a:ln>
-        </p:spPr>
-        <p:style>
-          <a:lnRef idx="2">
-            <a:schemeClr val="accent1">
-              <a:shade val="50000"/>
-            </a:schemeClr>
-          </a:lnRef>
-          <a:fillRef idx="1">
-            <a:schemeClr val="accent1"/>
-          </a:fillRef>
-          <a:effectRef idx="0">
-            <a:schemeClr val="accent1"/>
-          </a:effectRef>
-          <a:fontRef idx="minor">
-            <a:schemeClr val="lt1"/>
-          </a:fontRef>
-        </p:style>
-        <p:txBody>
-          <a:bodyPr rtlCol="0" anchor="ctr"/>
-          <a:lstStyle/>
-          <a:p>
-            <a:pPr algn="ctr"/>
-            <a:endParaRPr lang="en-US"/>
-          </a:p>
-        </p:txBody>
-      </p:sp>
-      <p:sp>
-        <p:nvSpPr>
-          <p:cNvPr id="16" name="Freeform 16">
-            <a:extLst>
-              <a:ext uri="{FF2B5EF4-FFF2-40B4-BE49-F238E27FC236}">
-                <a16:creationId xmlns:a16="http://schemas.microsoft.com/office/drawing/2014/main" id="{F6ACA5AC-3C5D-4994-B40F-FC8349E4D6F4}"/>
-              </a:ext>
-              <a:ext uri="{C183D7F6-B498-43B3-948B-1728B52AA6E4}">
-                <adec:decorative xmlns:adec="http://schemas.microsoft.com/office/drawing/2017/decorative" val="1"/>
-              </a:ext>
-            </a:extLst>
-          </p:cNvPr>
-          <p:cNvSpPr>
-            <a:spLocks noGrp="1" noRot="1" noChangeAspect="1" noMove="1" noResize="1" noEditPoints="1" noAdjustHandles="1" noChangeArrowheads="1" noChangeShapeType="1" noTextEdit="1"/>
-          </p:cNvSpPr>
-          <p:nvPr>
-            <p:extLst>
-              <p:ext uri="{386F3935-93C4-4BCD-93E2-E3B085C9AB24}">
-                <p16:designElem xmlns:p16="http://schemas.microsoft.com/office/powerpoint/2015/main" val="1"/>
-              </p:ext>
-            </p:extLst>
-          </p:nvPr>
-        </p:nvSpPr>
-        <p:spPr>
-          <a:xfrm>
-            <a:off x="-1" y="-479"/>
-            <a:ext cx="9324977" cy="6858479"/>
-          </a:xfrm>
-          <a:custGeom>
-            <a:avLst/>
-            <a:gdLst>
-              <a:gd name="connsiteX0" fmla="*/ 1246925 w 9324977"/>
-              <a:gd name="connsiteY0" fmla="*/ 0 h 6858479"/>
-              <a:gd name="connsiteX1" fmla="*/ 5076797 w 9324977"/>
-              <a:gd name="connsiteY1" fmla="*/ 0 h 6858479"/>
-              <a:gd name="connsiteX2" fmla="*/ 6143025 w 9324977"/>
-              <a:gd name="connsiteY2" fmla="*/ 0 h 6858479"/>
-              <a:gd name="connsiteX3" fmla="*/ 6148602 w 9324977"/>
-              <a:gd name="connsiteY3" fmla="*/ 0 h 6858479"/>
-              <a:gd name="connsiteX4" fmla="*/ 9324977 w 9324977"/>
-              <a:gd name="connsiteY4" fmla="*/ 6858478 h 6858479"/>
-              <a:gd name="connsiteX5" fmla="*/ 3359025 w 9324977"/>
-              <a:gd name="connsiteY5" fmla="*/ 6858478 h 6858479"/>
-              <a:gd name="connsiteX6" fmla="*/ 3359025 w 9324977"/>
-              <a:gd name="connsiteY6" fmla="*/ 6858479 h 6858479"/>
-              <a:gd name="connsiteX7" fmla="*/ 0 w 9324977"/>
-              <a:gd name="connsiteY7" fmla="*/ 6858479 h 6858479"/>
-              <a:gd name="connsiteX8" fmla="*/ 0 w 9324977"/>
-              <a:gd name="connsiteY8" fmla="*/ 479 h 6858479"/>
-              <a:gd name="connsiteX9" fmla="*/ 1246925 w 9324977"/>
-              <a:gd name="connsiteY9" fmla="*/ 479 h 6858479"/>
-            </a:gdLst>
-            <a:ahLst/>
-            <a:cxnLst>
-              <a:cxn ang="0">
-                <a:pos x="connsiteX0" y="connsiteY0"/>
-              </a:cxn>
-              <a:cxn ang="0">
-                <a:pos x="connsiteX1" y="connsiteY1"/>
-              </a:cxn>
-              <a:cxn ang="0">
-                <a:pos x="connsiteX2" y="connsiteY2"/>
-              </a:cxn>
-              <a:cxn ang="0">
-                <a:pos x="connsiteX3" y="connsiteY3"/>
-              </a:cxn>
-              <a:cxn ang="0">
-                <a:pos x="connsiteX4" y="connsiteY4"/>
-              </a:cxn>
-              <a:cxn ang="0">
-                <a:pos x="connsiteX5" y="connsiteY5"/>
-              </a:cxn>
-              <a:cxn ang="0">
-                <a:pos x="connsiteX6" y="connsiteY6"/>
-              </a:cxn>
-              <a:cxn ang="0">
-                <a:pos x="connsiteX7" y="connsiteY7"/>
-              </a:cxn>
-              <a:cxn ang="0">
-                <a:pos x="connsiteX8" y="connsiteY8"/>
-              </a:cxn>
-              <a:cxn ang="0">
-                <a:pos x="connsiteX9" y="connsiteY9"/>
-              </a:cxn>
-            </a:cxnLst>
-            <a:rect l="l" t="t" r="r" b="b"/>
-            <a:pathLst>
-              <a:path w="9324977" h="6858479">
-                <a:moveTo>
-                  <a:pt x="1246925" y="0"/>
-                </a:moveTo>
-                <a:lnTo>
-                  <a:pt x="5076797" y="0"/>
-                </a:lnTo>
-                <a:lnTo>
-                  <a:pt x="6143025" y="0"/>
-                </a:lnTo>
-                <a:lnTo>
-                  <a:pt x="6148602" y="0"/>
-                </a:lnTo>
-                <a:lnTo>
-                  <a:pt x="9324977" y="6858478"/>
-                </a:lnTo>
-                <a:lnTo>
-                  <a:pt x="3359025" y="6858478"/>
-                </a:lnTo>
-                <a:lnTo>
-                  <a:pt x="3359025" y="6858479"/>
-                </a:lnTo>
-                <a:lnTo>
-                  <a:pt x="0" y="6858479"/>
-                </a:lnTo>
-                <a:lnTo>
-                  <a:pt x="0" y="479"/>
-                </a:lnTo>
-                <a:lnTo>
-                  <a:pt x="1246925" y="479"/>
-                </a:lnTo>
-                <a:close/>
-              </a:path>
-            </a:pathLst>
-          </a:custGeom>
-          <a:solidFill>
-            <a:schemeClr val="bg1">
-              <a:lumMod val="85000"/>
-              <a:lumOff val="15000"/>
-            </a:schemeClr>
-          </a:solidFill>
-          <a:ln>
-            <a:noFill/>
-          </a:ln>
-        </p:spPr>
-        <p:style>
-          <a:lnRef idx="2">
-            <a:schemeClr val="accent1">
-              <a:shade val="50000"/>
-            </a:schemeClr>
-          </a:lnRef>
-          <a:fillRef idx="1">
-            <a:schemeClr val="accent1"/>
-          </a:fillRef>
-          <a:effectRef idx="0">
-            <a:schemeClr val="accent1"/>
-          </a:effectRef>
-          <a:fontRef idx="minor">
-            <a:schemeClr val="lt1"/>
-          </a:fontRef>
-        </p:style>
-        <p:txBody>
-          <a:bodyPr rtlCol="0" anchor="ctr"/>
-          <a:lstStyle/>
-          <a:p>
-            <a:pPr algn="ctr"/>
-            <a:endParaRPr lang="en-US"/>
-          </a:p>
-        </p:txBody>
-      </p:sp>
-      <p:sp>
-        <p:nvSpPr>
-          <p:cNvPr id="2" name="Title 1">
-            <a:extLst>
-              <a:ext uri="{FF2B5EF4-FFF2-40B4-BE49-F238E27FC236}">
-                <a16:creationId xmlns:a16="http://schemas.microsoft.com/office/drawing/2014/main" id="{B9ABE84D-6190-4B86-88EA-08C6E5842A9B}"/>
-              </a:ext>
-            </a:extLst>
-          </p:cNvPr>
-          <p:cNvSpPr>
-            <a:spLocks noGrp="1"/>
-          </p:cNvSpPr>
-          <p:nvPr>
-            <p:ph type="title"/>
-          </p:nvPr>
-        </p:nvSpPr>
-        <p:spPr>
-          <a:xfrm>
-            <a:off x="804671" y="2600324"/>
-            <a:ext cx="6405753" cy="3277961"/>
-          </a:xfrm>
-        </p:spPr>
-        <p:txBody>
-          <a:bodyPr vert="horz" lIns="91440" tIns="45720" rIns="91440" bIns="45720" rtlCol="0" anchor="t">
-            <a:normAutofit/>
-          </a:bodyPr>
-          <a:lstStyle/>
-          <a:p>
-            <a:r>
-              <a:rPr lang="en-US" sz="5400" kern="1200" dirty="0">
-                <a:solidFill>
-                  <a:schemeClr val="tx1"/>
-                </a:solidFill>
-                <a:latin typeface="+mj-lt"/>
-                <a:ea typeface="+mj-ea"/>
-                <a:cs typeface="+mj-cs"/>
-              </a:rPr>
-              <a:t>Questions? Comments</a:t>
-            </a:r>
-          </a:p>
-        </p:txBody>
-      </p:sp>
-    </p:spTree>
-    <p:extLst>
-      <p:ext uri="{BB962C8B-B14F-4D97-AF65-F5344CB8AC3E}">
-        <p14:creationId xmlns:p14="http://schemas.microsoft.com/office/powerpoint/2010/main" val="4203468874"/>
-      </p:ext>
-    </p:extLst>
-  </p:cSld>
-  <p:clrMapOvr>
-    <a:overrideClrMapping bg1="dk1" tx1="lt1" bg2="dk2" tx2="lt2" accent1="accent1" accent2="accent2" accent3="accent3" accent4="accent4" accent5="accent5" accent6="accent6" hlink="hlink" folHlink="folHlink"/>
-  </p:clrMapOvr>
-</p:sld>
-</file>
-
-<file path=ppt/slides/slide19.xml><?xml version="1.0" encoding="utf-8"?>
-<p:sld xmlns:a="http://schemas.openxmlformats.org/drawingml/2006/main" xmlns:r="http://schemas.openxmlformats.org/officeDocument/2006/relationships" xmlns:p="http://schemas.openxmlformats.org/presentationml/2006/main">
-  <p:cSld>
-    <p:bg>
-      <p:bgPr>
-        <a:solidFill>
-          <a:schemeClr val="bg1"/>
-        </a:solidFill>
-        <a:effectLst/>
-      </p:bgPr>
-    </p:bg>
-    <p:spTree>
-      <p:nvGrpSpPr>
-        <p:cNvPr id="1" name=""/>
-        <p:cNvGrpSpPr/>
-        <p:nvPr/>
-      </p:nvGrpSpPr>
-      <p:grpSpPr>
-        <a:xfrm>
-          <a:off x="0" y="0"/>
-          <a:ext cx="0" cy="0"/>
-          <a:chOff x="0" y="0"/>
-          <a:chExt cx="0" cy="0"/>
-        </a:xfrm>
-      </p:grpSpPr>
-      <p:sp>
-        <p:nvSpPr>
-          <p:cNvPr id="2" name="Title 1">
-            <a:extLst>
-              <a:ext uri="{FF2B5EF4-FFF2-40B4-BE49-F238E27FC236}">
-                <a16:creationId xmlns:a16="http://schemas.microsoft.com/office/drawing/2014/main" id="{CE264D23-2058-4671-B0B3-24E0CAE48685}"/>
-              </a:ext>
-            </a:extLst>
-          </p:cNvPr>
-          <p:cNvSpPr>
-            <a:spLocks noGrp="1"/>
-          </p:cNvSpPr>
-          <p:nvPr>
-            <p:ph type="title"/>
-          </p:nvPr>
-        </p:nvSpPr>
-        <p:spPr>
-          <a:xfrm>
-            <a:off x="1571811" y="1228258"/>
-            <a:ext cx="9122584" cy="790980"/>
-          </a:xfrm>
-        </p:spPr>
-        <p:txBody>
-          <a:bodyPr>
-            <a:normAutofit/>
-          </a:bodyPr>
-          <a:lstStyle/>
-          <a:p>
-            <a:r>
-              <a:rPr lang="en-US" dirty="0"/>
-              <a:t>Links</a:t>
-            </a:r>
-            <a:endParaRPr lang="en-AU" dirty="0"/>
-          </a:p>
-        </p:txBody>
-      </p:sp>
-      <p:graphicFrame>
-        <p:nvGraphicFramePr>
-          <p:cNvPr id="5" name="Content Placeholder 4">
-            <a:extLst>
-              <a:ext uri="{FF2B5EF4-FFF2-40B4-BE49-F238E27FC236}">
-                <a16:creationId xmlns:a16="http://schemas.microsoft.com/office/drawing/2014/main" id="{E3A6CDC6-A0F2-414A-BD66-65E82425AC64}"/>
-              </a:ext>
-            </a:extLst>
-          </p:cNvPr>
-          <p:cNvGraphicFramePr>
-            <a:graphicFrameLocks noGrp="1"/>
-          </p:cNvGraphicFramePr>
-          <p:nvPr>
-            <p:ph idx="1"/>
-            <p:extLst>
-              <p:ext uri="{D42A27DB-BD31-4B8C-83A1-F6EECF244321}">
-                <p14:modId xmlns:p14="http://schemas.microsoft.com/office/powerpoint/2010/main" val="2334022644"/>
-              </p:ext>
-            </p:extLst>
-          </p:nvPr>
-        </p:nvGraphicFramePr>
-        <p:xfrm>
-          <a:off x="1353065" y="1914525"/>
-          <a:ext cx="9052998" cy="2890838"/>
-        </p:xfrm>
-        <a:graphic>
-          <a:graphicData uri="http://schemas.openxmlformats.org/drawingml/2006/diagram">
-            <dgm:relIds xmlns:dgm="http://schemas.openxmlformats.org/drawingml/2006/diagram" xmlns:r="http://schemas.openxmlformats.org/officeDocument/2006/relationships" r:dm="rId2" r:lo="rId3" r:qs="rId4" r:cs="rId5"/>
-          </a:graphicData>
-        </a:graphic>
-      </p:graphicFrame>
-      <p:sp>
-        <p:nvSpPr>
-          <p:cNvPr id="24" name="Freeform 6">
-            <a:extLst>
-              <a:ext uri="{FF2B5EF4-FFF2-40B4-BE49-F238E27FC236}">
-                <a16:creationId xmlns:a16="http://schemas.microsoft.com/office/drawing/2014/main" id="{A9616D99-AEFB-4C95-84EF-5DEC698D92A7}"/>
-              </a:ext>
-              <a:ext uri="{C183D7F6-B498-43B3-948B-1728B52AA6E4}">
-                <adec:decorative xmlns:adec="http://schemas.microsoft.com/office/drawing/2017/decorative" val="1"/>
-              </a:ext>
-            </a:extLst>
-          </p:cNvPr>
-          <p:cNvSpPr>
-            <a:spLocks noGrp="1" noRot="1" noChangeAspect="1" noMove="1" noResize="1" noEditPoints="1" noAdjustHandles="1" noChangeArrowheads="1" noChangeShapeType="1" noTextEdit="1"/>
-          </p:cNvSpPr>
-          <p:nvPr>
-            <p:extLst>
-              <p:ext uri="{386F3935-93C4-4BCD-93E2-E3B085C9AB24}">
-                <p16:designElem xmlns:p16="http://schemas.microsoft.com/office/powerpoint/2015/main" val="1"/>
-              </p:ext>
-            </p:extLst>
-          </p:nvPr>
-        </p:nvSpPr>
-        <p:spPr bwMode="auto">
-          <a:xfrm flipH="1" flipV="1">
-            <a:off x="752858" y="744469"/>
-            <a:ext cx="3275668" cy="4408488"/>
-          </a:xfrm>
-          <a:custGeom>
-            <a:avLst/>
-            <a:gdLst/>
-            <a:ahLst/>
-            <a:cxnLst/>
-            <a:rect l="l" t="t" r="r" b="b"/>
-            <a:pathLst>
-              <a:path w="10002" h="10000">
-                <a:moveTo>
-                  <a:pt x="8763" y="0"/>
-                </a:moveTo>
-                <a:lnTo>
-                  <a:pt x="10002" y="0"/>
-                </a:lnTo>
-                <a:lnTo>
-                  <a:pt x="10002" y="10000"/>
-                </a:lnTo>
-                <a:lnTo>
-                  <a:pt x="2" y="10000"/>
-                </a:lnTo>
-                <a:cubicBezTo>
-                  <a:pt x="-2" y="9698"/>
-                  <a:pt x="4" y="9427"/>
-                  <a:pt x="0" y="9125"/>
-                </a:cubicBezTo>
-                <a:lnTo>
-                  <a:pt x="8763" y="9128"/>
-                </a:lnTo>
-                <a:lnTo>
-                  <a:pt x="8763" y="0"/>
-                </a:lnTo>
-                <a:close/>
-              </a:path>
-            </a:pathLst>
-          </a:custGeom>
-          <a:solidFill>
-            <a:srgbClr val="4C4C4C"/>
-          </a:solidFill>
-          <a:ln w="0">
-            <a:noFill/>
-            <a:prstDash val="solid"/>
-            <a:round/>
-            <a:headEnd/>
-            <a:tailEnd/>
-          </a:ln>
-        </p:spPr>
-      </p:sp>
-      <p:sp>
-        <p:nvSpPr>
-          <p:cNvPr id="25" name="Freeform 6">
-            <a:extLst>
-              <a:ext uri="{FF2B5EF4-FFF2-40B4-BE49-F238E27FC236}">
-                <a16:creationId xmlns:a16="http://schemas.microsoft.com/office/drawing/2014/main" id="{D0F97023-F626-4FC5-8C2D-753B5C7F4606}"/>
-              </a:ext>
-              <a:ext uri="{C183D7F6-B498-43B3-948B-1728B52AA6E4}">
-                <adec:decorative xmlns:adec="http://schemas.microsoft.com/office/drawing/2017/decorative" val="1"/>
-              </a:ext>
-            </a:extLst>
-          </p:cNvPr>
-          <p:cNvSpPr>
-            <a:spLocks noGrp="1" noRot="1" noChangeAspect="1" noMove="1" noResize="1" noEditPoints="1" noAdjustHandles="1" noChangeArrowheads="1" noChangeShapeType="1" noTextEdit="1"/>
-          </p:cNvSpPr>
-          <p:nvPr>
-            <p:extLst>
-              <p:ext uri="{386F3935-93C4-4BCD-93E2-E3B085C9AB24}">
-                <p16:designElem xmlns:p16="http://schemas.microsoft.com/office/powerpoint/2015/main" val="1"/>
-              </p:ext>
-            </p:extLst>
-          </p:nvPr>
-        </p:nvSpPr>
-        <p:spPr bwMode="auto">
-          <a:xfrm>
-            <a:off x="8151962" y="1685652"/>
-            <a:ext cx="3275013" cy="4408488"/>
-          </a:xfrm>
-          <a:custGeom>
-            <a:avLst/>
-            <a:gdLst/>
-            <a:ahLst/>
-            <a:cxnLst/>
-            <a:rect l="l" t="t" r="r" b="b"/>
-            <a:pathLst>
-              <a:path w="10000" h="10000">
-                <a:moveTo>
-                  <a:pt x="8761" y="0"/>
-                </a:moveTo>
-                <a:lnTo>
-                  <a:pt x="10000" y="0"/>
-                </a:lnTo>
-                <a:lnTo>
-                  <a:pt x="10000" y="10000"/>
-                </a:lnTo>
-                <a:lnTo>
-                  <a:pt x="0" y="10000"/>
-                </a:lnTo>
-                <a:lnTo>
-                  <a:pt x="0" y="9126"/>
-                </a:lnTo>
-                <a:lnTo>
-                  <a:pt x="8761" y="9127"/>
-                </a:lnTo>
-                <a:lnTo>
-                  <a:pt x="8761" y="0"/>
-                </a:lnTo>
-                <a:close/>
-              </a:path>
-            </a:pathLst>
-          </a:custGeom>
-          <a:solidFill>
-            <a:srgbClr val="4C4C4C"/>
-          </a:solidFill>
-          <a:ln w="0">
-            <a:noFill/>
-            <a:prstDash val="solid"/>
-            <a:round/>
-            <a:headEnd/>
-            <a:tailEnd/>
-          </a:ln>
-        </p:spPr>
-      </p:sp>
-      <p:pic>
-        <p:nvPicPr>
-          <p:cNvPr id="4" name="Picture 3">
-            <a:extLst>
-              <a:ext uri="{FF2B5EF4-FFF2-40B4-BE49-F238E27FC236}">
-                <a16:creationId xmlns:a16="http://schemas.microsoft.com/office/drawing/2014/main" id="{58F8DD72-5212-4F8F-A5B4-733725AEB760}"/>
-              </a:ext>
-            </a:extLst>
-          </p:cNvPr>
-          <p:cNvPicPr>
-            <a:picLocks noChangeAspect="1"/>
-          </p:cNvPicPr>
-          <p:nvPr/>
-        </p:nvPicPr>
-        <p:blipFill>
-          <a:blip r:embed="rId7">
-            <a:extLst>
-              <a:ext uri="{28A0092B-C50C-407E-A947-70E740481C1C}">
-                <a14:useLocalDpi xmlns:a14="http://schemas.microsoft.com/office/drawing/2010/main" val="0"/>
-              </a:ext>
-            </a:extLst>
-          </a:blip>
-          <a:stretch>
-            <a:fillRect/>
-          </a:stretch>
-        </p:blipFill>
-        <p:spPr>
-          <a:xfrm>
-            <a:off x="8151962" y="4707584"/>
-            <a:ext cx="2542433" cy="790979"/>
-          </a:xfrm>
-          <a:prstGeom prst="rect">
-            <a:avLst/>
-          </a:prstGeom>
-        </p:spPr>
-      </p:pic>
-      <p:pic>
-        <p:nvPicPr>
-          <p:cNvPr id="9" name="Picture 8">
-            <a:extLst>
-              <a:ext uri="{FF2B5EF4-FFF2-40B4-BE49-F238E27FC236}">
-                <a16:creationId xmlns:a16="http://schemas.microsoft.com/office/drawing/2014/main" id="{DA9F8440-A668-4DDF-863B-A7E2A208E8F1}"/>
-              </a:ext>
-            </a:extLst>
-          </p:cNvPr>
-          <p:cNvPicPr>
-            <a:picLocks noChangeAspect="1"/>
-          </p:cNvPicPr>
-          <p:nvPr/>
-        </p:nvPicPr>
-        <p:blipFill>
-          <a:blip r:embed="rId8">
-            <a:extLst>
-              <a:ext uri="{28A0092B-C50C-407E-A947-70E740481C1C}">
-                <a14:useLocalDpi xmlns:a14="http://schemas.microsoft.com/office/drawing/2010/main" val="0"/>
-              </a:ext>
-            </a:extLst>
-          </a:blip>
-          <a:stretch>
-            <a:fillRect/>
-          </a:stretch>
-        </p:blipFill>
-        <p:spPr>
-          <a:xfrm>
-            <a:off x="1438275" y="2193977"/>
-            <a:ext cx="528638" cy="309050"/>
-          </a:xfrm>
-          <a:prstGeom prst="rect">
-            <a:avLst/>
-          </a:prstGeom>
-        </p:spPr>
-      </p:pic>
-      <p:pic>
-        <p:nvPicPr>
-          <p:cNvPr id="11" name="Graphic 10" descr="Call center">
-            <a:extLst>
-              <a:ext uri="{FF2B5EF4-FFF2-40B4-BE49-F238E27FC236}">
-                <a16:creationId xmlns:a16="http://schemas.microsoft.com/office/drawing/2014/main" id="{07B7413C-E9F9-4B96-8328-6060467D1459}"/>
-              </a:ext>
-            </a:extLst>
-          </p:cNvPr>
-          <p:cNvPicPr>
-            <a:picLocks noChangeAspect="1"/>
-          </p:cNvPicPr>
-          <p:nvPr/>
-        </p:nvPicPr>
-        <p:blipFill>
-          <a:blip r:embed="rId9">
-            <a:extLst>
-              <a:ext uri="{28A0092B-C50C-407E-A947-70E740481C1C}">
-                <a14:useLocalDpi xmlns:a14="http://schemas.microsoft.com/office/drawing/2010/main" val="0"/>
-              </a:ext>
-              <a:ext uri="{96DAC541-7B7A-43D3-8B79-37D633B846F1}">
-                <asvg:svgBlip xmlns:asvg="http://schemas.microsoft.com/office/drawing/2016/SVG/main" r:embed="rId10"/>
-              </a:ext>
-            </a:extLst>
-          </a:blip>
-          <a:stretch>
-            <a:fillRect/>
-          </a:stretch>
-        </p:blipFill>
-        <p:spPr>
-          <a:xfrm>
-            <a:off x="1671743" y="2736924"/>
-            <a:ext cx="530051" cy="530051"/>
-          </a:xfrm>
-          <a:prstGeom prst="rect">
-            <a:avLst/>
-          </a:prstGeom>
-        </p:spPr>
-      </p:pic>
-      <p:pic>
-        <p:nvPicPr>
-          <p:cNvPr id="13" name="Graphic 12" descr="Microscope">
-            <a:extLst>
-              <a:ext uri="{FF2B5EF4-FFF2-40B4-BE49-F238E27FC236}">
-                <a16:creationId xmlns:a16="http://schemas.microsoft.com/office/drawing/2014/main" id="{DA93DBF8-63BA-4F93-86EF-646326788636}"/>
-              </a:ext>
-            </a:extLst>
-          </p:cNvPr>
-          <p:cNvPicPr>
-            <a:picLocks noChangeAspect="1"/>
-          </p:cNvPicPr>
-          <p:nvPr/>
-        </p:nvPicPr>
-        <p:blipFill>
-          <a:blip r:embed="rId11">
-            <a:extLst>
-              <a:ext uri="{28A0092B-C50C-407E-A947-70E740481C1C}">
-                <a14:useLocalDpi xmlns:a14="http://schemas.microsoft.com/office/drawing/2010/main" val="0"/>
-              </a:ext>
-              <a:ext uri="{96DAC541-7B7A-43D3-8B79-37D633B846F1}">
-                <asvg:svgBlip xmlns:asvg="http://schemas.microsoft.com/office/drawing/2016/SVG/main" r:embed="rId12"/>
-              </a:ext>
-            </a:extLst>
-          </a:blip>
-          <a:stretch>
-            <a:fillRect/>
-          </a:stretch>
-        </p:blipFill>
-        <p:spPr>
-          <a:xfrm>
-            <a:off x="1702594" y="3426103"/>
-            <a:ext cx="485260" cy="485260"/>
-          </a:xfrm>
-          <a:prstGeom prst="rect">
-            <a:avLst/>
-          </a:prstGeom>
-        </p:spPr>
-      </p:pic>
-      <p:pic>
-        <p:nvPicPr>
-          <p:cNvPr id="15" name="Picture 14">
-            <a:extLst>
-              <a:ext uri="{FF2B5EF4-FFF2-40B4-BE49-F238E27FC236}">
-                <a16:creationId xmlns:a16="http://schemas.microsoft.com/office/drawing/2014/main" id="{AFDE4455-0E1F-466D-B3D8-02E98018083C}"/>
-              </a:ext>
-            </a:extLst>
-          </p:cNvPr>
-          <p:cNvPicPr>
-            <a:picLocks noChangeAspect="1"/>
-          </p:cNvPicPr>
-          <p:nvPr/>
-        </p:nvPicPr>
-        <p:blipFill>
-          <a:blip r:embed="rId13">
-            <a:extLst>
-              <a:ext uri="{28A0092B-C50C-407E-A947-70E740481C1C}">
-                <a14:useLocalDpi xmlns:a14="http://schemas.microsoft.com/office/drawing/2010/main" val="0"/>
-              </a:ext>
-            </a:extLst>
-          </a:blip>
-          <a:stretch>
-            <a:fillRect/>
-          </a:stretch>
-        </p:blipFill>
-        <p:spPr>
-          <a:xfrm flipH="1">
-            <a:off x="1392495" y="4075255"/>
-            <a:ext cx="579180" cy="579180"/>
-          </a:xfrm>
-          <a:prstGeom prst="rect">
-            <a:avLst/>
-          </a:prstGeom>
-        </p:spPr>
-      </p:pic>
-    </p:spTree>
-    <p:extLst>
-      <p:ext uri="{BB962C8B-B14F-4D97-AF65-F5344CB8AC3E}">
-        <p14:creationId xmlns:p14="http://schemas.microsoft.com/office/powerpoint/2010/main" val="1407538393"/>
-      </p:ext>
-    </p:extLst>
-  </p:cSld>
-  <p:clrMapOvr>
-    <a:masterClrMapping/>
   </p:clrMapOvr>
 </p:sld>
 </file>
@@ -28851,6 +33003,1130 @@
     <p:extLst>
       <p:ext uri="{BB962C8B-B14F-4D97-AF65-F5344CB8AC3E}">
         <p14:creationId xmlns:p14="http://schemas.microsoft.com/office/powerpoint/2010/main" val="400818996"/>
+      </p:ext>
+    </p:extLst>
+  </p:cSld>
+  <p:clrMapOvr>
+    <a:masterClrMapping/>
+  </p:clrMapOvr>
+</p:sld>
+</file>
+
+<file path=ppt/slides/slide20.xml><?xml version="1.0" encoding="utf-8"?>
+<p:sld xmlns:a="http://schemas.openxmlformats.org/drawingml/2006/main" xmlns:r="http://schemas.openxmlformats.org/officeDocument/2006/relationships" xmlns:p="http://schemas.openxmlformats.org/presentationml/2006/main">
+  <p:cSld>
+    <p:bg>
+      <p:bgPr>
+        <a:solidFill>
+          <a:schemeClr val="bg1"/>
+        </a:solidFill>
+        <a:effectLst/>
+      </p:bgPr>
+    </p:bg>
+    <p:spTree>
+      <p:nvGrpSpPr>
+        <p:cNvPr id="1" name=""/>
+        <p:cNvGrpSpPr/>
+        <p:nvPr/>
+      </p:nvGrpSpPr>
+      <p:grpSpPr>
+        <a:xfrm>
+          <a:off x="0" y="0"/>
+          <a:ext cx="0" cy="0"/>
+          <a:chOff x="0" y="0"/>
+          <a:chExt cx="0" cy="0"/>
+        </a:xfrm>
+      </p:grpSpPr>
+      <p:sp>
+        <p:nvSpPr>
+          <p:cNvPr id="19" name="Rectangle 18">
+            <a:extLst>
+              <a:ext uri="{FF2B5EF4-FFF2-40B4-BE49-F238E27FC236}">
+                <a16:creationId xmlns:a16="http://schemas.microsoft.com/office/drawing/2014/main" id="{6F9EB9F2-07E2-4D64-BBD8-BB5B217F1218}"/>
+              </a:ext>
+              <a:ext uri="{C183D7F6-B498-43B3-948B-1728B52AA6E4}">
+                <adec:decorative xmlns:adec="http://schemas.microsoft.com/office/drawing/2017/decorative" val="1"/>
+              </a:ext>
+            </a:extLst>
+          </p:cNvPr>
+          <p:cNvSpPr>
+            <a:spLocks noGrp="1" noRot="1" noChangeAspect="1" noMove="1" noResize="1" noEditPoints="1" noAdjustHandles="1" noChangeArrowheads="1" noChangeShapeType="1" noTextEdit="1"/>
+          </p:cNvSpPr>
+          <p:nvPr>
+            <p:extLst>
+              <p:ext uri="{386F3935-93C4-4BCD-93E2-E3B085C9AB24}">
+                <p16:designElem xmlns:p16="http://schemas.microsoft.com/office/powerpoint/2015/main" val="1"/>
+              </p:ext>
+            </p:extLst>
+          </p:nvPr>
+        </p:nvSpPr>
+        <p:spPr bwMode="ltGray">
+          <a:xfrm>
+            <a:off x="321564" y="320040"/>
+            <a:ext cx="11548872" cy="6217920"/>
+          </a:xfrm>
+          <a:prstGeom prst="rect">
+            <a:avLst/>
+          </a:prstGeom>
+          <a:solidFill>
+            <a:schemeClr val="tx1">
+              <a:alpha val="12000"/>
+            </a:schemeClr>
+          </a:solidFill>
+          <a:ln w="127000" cap="sq" cmpd="thinThick">
+            <a:noFill/>
+          </a:ln>
+        </p:spPr>
+        <p:style>
+          <a:lnRef idx="2">
+            <a:schemeClr val="accent1">
+              <a:shade val="50000"/>
+            </a:schemeClr>
+          </a:lnRef>
+          <a:fillRef idx="1">
+            <a:schemeClr val="accent1"/>
+          </a:fillRef>
+          <a:effectRef idx="0">
+            <a:schemeClr val="accent1"/>
+          </a:effectRef>
+          <a:fontRef idx="minor">
+            <a:schemeClr val="lt1"/>
+          </a:fontRef>
+        </p:style>
+        <p:txBody>
+          <a:bodyPr rtlCol="0" anchor="ctr"/>
+          <a:lstStyle/>
+          <a:p>
+            <a:pPr algn="ctr"/>
+            <a:endParaRPr lang="en-US"/>
+          </a:p>
+        </p:txBody>
+      </p:sp>
+      <p:sp>
+        <p:nvSpPr>
+          <p:cNvPr id="2" name="Title 1">
+            <a:extLst>
+              <a:ext uri="{FF2B5EF4-FFF2-40B4-BE49-F238E27FC236}">
+                <a16:creationId xmlns:a16="http://schemas.microsoft.com/office/drawing/2014/main" id="{A5932991-AAF9-4A09-9F96-761D6F45BE6F}"/>
+              </a:ext>
+            </a:extLst>
+          </p:cNvPr>
+          <p:cNvSpPr>
+            <a:spLocks noGrp="1"/>
+          </p:cNvSpPr>
+          <p:nvPr>
+            <p:ph type="title" idx="4294967295"/>
+          </p:nvPr>
+        </p:nvSpPr>
+        <p:spPr>
+          <a:xfrm>
+            <a:off x="4380588" y="965199"/>
+            <a:ext cx="6766078" cy="4927601"/>
+          </a:xfrm>
+        </p:spPr>
+        <p:txBody>
+          <a:bodyPr vert="horz" lIns="91440" tIns="45720" rIns="91440" bIns="45720" rtlCol="0" anchor="ctr">
+            <a:normAutofit/>
+          </a:bodyPr>
+          <a:lstStyle/>
+          <a:p>
+            <a:r>
+              <a:rPr lang="en-US" sz="5400" kern="1200">
+                <a:solidFill>
+                  <a:schemeClr val="tx1">
+                    <a:lumMod val="85000"/>
+                    <a:lumOff val="15000"/>
+                  </a:schemeClr>
+                </a:solidFill>
+                <a:latin typeface="+mj-lt"/>
+                <a:ea typeface="+mj-ea"/>
+                <a:cs typeface="+mj-cs"/>
+              </a:rPr>
+              <a:t>DEMO</a:t>
+            </a:r>
+          </a:p>
+        </p:txBody>
+      </p:sp>
+      <p:cxnSp>
+        <p:nvCxnSpPr>
+          <p:cNvPr id="21" name="Straight Connector 20">
+            <a:extLst>
+              <a:ext uri="{FF2B5EF4-FFF2-40B4-BE49-F238E27FC236}">
+                <a16:creationId xmlns:a16="http://schemas.microsoft.com/office/drawing/2014/main" id="{F0C57C7C-DFE9-4A1E-B7A9-DF40E63366BB}"/>
+              </a:ext>
+              <a:ext uri="{C183D7F6-B498-43B3-948B-1728B52AA6E4}">
+                <adec:decorative xmlns:adec="http://schemas.microsoft.com/office/drawing/2017/decorative" val="1"/>
+              </a:ext>
+            </a:extLst>
+          </p:cNvPr>
+          <p:cNvCxnSpPr>
+            <a:cxnSpLocks noGrp="1" noRot="1" noChangeAspect="1" noMove="1" noResize="1" noEditPoints="1" noAdjustHandles="1" noChangeArrowheads="1" noChangeShapeType="1"/>
+          </p:cNvCxnSpPr>
+          <p:nvPr>
+            <p:extLst>
+              <p:ext uri="{386F3935-93C4-4BCD-93E2-E3B085C9AB24}">
+                <p16:designElem xmlns:p16="http://schemas.microsoft.com/office/powerpoint/2015/main" val="1"/>
+              </p:ext>
+            </p:extLst>
+          </p:nvPr>
+        </p:nvCxnSpPr>
+        <p:spPr>
+          <a:xfrm>
+            <a:off x="4055891" y="2057399"/>
+            <a:ext cx="0" cy="2743200"/>
+          </a:xfrm>
+          <a:prstGeom prst="line">
+            <a:avLst/>
+          </a:prstGeom>
+          <a:ln w="19050">
+            <a:solidFill>
+              <a:schemeClr val="tx1">
+                <a:lumMod val="85000"/>
+                <a:lumOff val="15000"/>
+              </a:schemeClr>
+            </a:solidFill>
+          </a:ln>
+        </p:spPr>
+        <p:style>
+          <a:lnRef idx="1">
+            <a:schemeClr val="accent1"/>
+          </a:lnRef>
+          <a:fillRef idx="0">
+            <a:schemeClr val="accent1"/>
+          </a:fillRef>
+          <a:effectRef idx="0">
+            <a:schemeClr val="accent1"/>
+          </a:effectRef>
+          <a:fontRef idx="minor">
+            <a:schemeClr val="tx1"/>
+          </a:fontRef>
+        </p:style>
+      </p:cxnSp>
+      <p:pic>
+        <p:nvPicPr>
+          <p:cNvPr id="13" name="Picture 12">
+            <a:extLst>
+              <a:ext uri="{FF2B5EF4-FFF2-40B4-BE49-F238E27FC236}">
+                <a16:creationId xmlns:a16="http://schemas.microsoft.com/office/drawing/2014/main" id="{DFB4A17E-AB7B-4254-91CC-AB235EBE55B0}"/>
+              </a:ext>
+            </a:extLst>
+          </p:cNvPr>
+          <p:cNvPicPr>
+            <a:picLocks noChangeAspect="1"/>
+          </p:cNvPicPr>
+          <p:nvPr/>
+        </p:nvPicPr>
+        <p:blipFill>
+          <a:blip r:embed="rId3">
+            <a:extLst>
+              <a:ext uri="{28A0092B-C50C-407E-A947-70E740481C1C}">
+                <a14:useLocalDpi xmlns:a14="http://schemas.microsoft.com/office/drawing/2010/main" val="0"/>
+              </a:ext>
+            </a:extLst>
+          </a:blip>
+          <a:stretch>
+            <a:fillRect/>
+          </a:stretch>
+        </p:blipFill>
+        <p:spPr>
+          <a:xfrm>
+            <a:off x="6402805" y="2963961"/>
+            <a:ext cx="2524952" cy="785542"/>
+          </a:xfrm>
+          <a:prstGeom prst="rect">
+            <a:avLst/>
+          </a:prstGeom>
+        </p:spPr>
+      </p:pic>
+    </p:spTree>
+    <p:extLst>
+      <p:ext uri="{BB962C8B-B14F-4D97-AF65-F5344CB8AC3E}">
+        <p14:creationId xmlns:p14="http://schemas.microsoft.com/office/powerpoint/2010/main" val="1236687559"/>
+      </p:ext>
+    </p:extLst>
+  </p:cSld>
+  <p:clrMapOvr>
+    <a:masterClrMapping/>
+  </p:clrMapOvr>
+</p:sld>
+</file>
+
+<file path=ppt/slides/slide21.xml><?xml version="1.0" encoding="utf-8"?>
+<p:sld xmlns:a="http://schemas.openxmlformats.org/drawingml/2006/main" xmlns:r="http://schemas.openxmlformats.org/officeDocument/2006/relationships" xmlns:p="http://schemas.openxmlformats.org/presentationml/2006/main">
+  <p:cSld>
+    <p:bg>
+      <p:bgPr>
+        <a:solidFill>
+          <a:schemeClr val="accent3">
+            <a:lumMod val="75000"/>
+          </a:schemeClr>
+        </a:solidFill>
+        <a:effectLst/>
+      </p:bgPr>
+    </p:bg>
+    <p:spTree>
+      <p:nvGrpSpPr>
+        <p:cNvPr id="1" name=""/>
+        <p:cNvGrpSpPr/>
+        <p:nvPr/>
+      </p:nvGrpSpPr>
+      <p:grpSpPr>
+        <a:xfrm>
+          <a:off x="0" y="0"/>
+          <a:ext cx="0" cy="0"/>
+          <a:chOff x="0" y="0"/>
+          <a:chExt cx="0" cy="0"/>
+        </a:xfrm>
+      </p:grpSpPr>
+      <p:sp>
+        <p:nvSpPr>
+          <p:cNvPr id="17" name="Rectangle 11">
+            <a:extLst>
+              <a:ext uri="{FF2B5EF4-FFF2-40B4-BE49-F238E27FC236}">
+                <a16:creationId xmlns:a16="http://schemas.microsoft.com/office/drawing/2014/main" id="{23207CC6-EAA1-4BFF-A48A-DECAD8972717}"/>
+              </a:ext>
+              <a:ext uri="{C183D7F6-B498-43B3-948B-1728B52AA6E4}">
+                <adec:decorative xmlns:adec="http://schemas.microsoft.com/office/drawing/2017/decorative" val="1"/>
+              </a:ext>
+            </a:extLst>
+          </p:cNvPr>
+          <p:cNvSpPr>
+            <a:spLocks noGrp="1" noRot="1" noChangeAspect="1" noMove="1" noResize="1" noEditPoints="1" noAdjustHandles="1" noChangeArrowheads="1" noChangeShapeType="1" noTextEdit="1"/>
+          </p:cNvSpPr>
+          <p:nvPr>
+            <p:extLst>
+              <p:ext uri="{386F3935-93C4-4BCD-93E2-E3B085C9AB24}">
+                <p16:designElem xmlns:p16="http://schemas.microsoft.com/office/powerpoint/2015/main" val="1"/>
+              </p:ext>
+            </p:extLst>
+          </p:nvPr>
+        </p:nvSpPr>
+        <p:spPr>
+          <a:xfrm>
+            <a:off x="0" y="-3324"/>
+            <a:ext cx="12192000" cy="6861324"/>
+          </a:xfrm>
+          <a:prstGeom prst="rect">
+            <a:avLst/>
+          </a:prstGeom>
+          <a:solidFill>
+            <a:schemeClr val="accent3">
+              <a:lumMod val="75000"/>
+            </a:schemeClr>
+          </a:solidFill>
+          <a:ln>
+            <a:noFill/>
+          </a:ln>
+        </p:spPr>
+        <p:style>
+          <a:lnRef idx="2">
+            <a:schemeClr val="accent1">
+              <a:shade val="50000"/>
+            </a:schemeClr>
+          </a:lnRef>
+          <a:fillRef idx="1">
+            <a:schemeClr val="accent1"/>
+          </a:fillRef>
+          <a:effectRef idx="0">
+            <a:schemeClr val="accent1"/>
+          </a:effectRef>
+          <a:fontRef idx="minor">
+            <a:schemeClr val="lt1"/>
+          </a:fontRef>
+        </p:style>
+        <p:txBody>
+          <a:bodyPr rtlCol="0" anchor="ctr"/>
+          <a:lstStyle/>
+          <a:p>
+            <a:pPr algn="ctr"/>
+            <a:endParaRPr lang="en-US"/>
+          </a:p>
+        </p:txBody>
+      </p:sp>
+      <p:sp>
+        <p:nvSpPr>
+          <p:cNvPr id="18" name="Freeform 3">
+            <a:extLst>
+              <a:ext uri="{FF2B5EF4-FFF2-40B4-BE49-F238E27FC236}">
+                <a16:creationId xmlns:a16="http://schemas.microsoft.com/office/drawing/2014/main" id="{B234A3DD-923D-4166-8B19-7DD589908C68}"/>
+              </a:ext>
+              <a:ext uri="{C183D7F6-B498-43B3-948B-1728B52AA6E4}">
+                <adec:decorative xmlns:adec="http://schemas.microsoft.com/office/drawing/2017/decorative" val="1"/>
+              </a:ext>
+            </a:extLst>
+          </p:cNvPr>
+          <p:cNvSpPr>
+            <a:spLocks noGrp="1" noRot="1" noChangeAspect="1" noMove="1" noResize="1" noEditPoints="1" noAdjustHandles="1" noChangeArrowheads="1" noChangeShapeType="1" noTextEdit="1"/>
+          </p:cNvSpPr>
+          <p:nvPr>
+            <p:extLst>
+              <p:ext uri="{386F3935-93C4-4BCD-93E2-E3B085C9AB24}">
+                <p16:designElem xmlns:p16="http://schemas.microsoft.com/office/powerpoint/2015/main" val="1"/>
+              </p:ext>
+            </p:extLst>
+          </p:nvPr>
+        </p:nvSpPr>
+        <p:spPr>
+          <a:xfrm>
+            <a:off x="1246925" y="-479"/>
+            <a:ext cx="9468701" cy="6858478"/>
+          </a:xfrm>
+          <a:custGeom>
+            <a:avLst/>
+            <a:gdLst>
+              <a:gd name="connsiteX0" fmla="*/ 0 w 8078051"/>
+              <a:gd name="connsiteY0" fmla="*/ 0 h 5829300"/>
+              <a:gd name="connsiteX1" fmla="*/ 4453793 w 8078051"/>
+              <a:gd name="connsiteY1" fmla="*/ 0 h 5829300"/>
+              <a:gd name="connsiteX2" fmla="*/ 5363426 w 8078051"/>
+              <a:gd name="connsiteY2" fmla="*/ 0 h 5829300"/>
+              <a:gd name="connsiteX3" fmla="*/ 5368184 w 8078051"/>
+              <a:gd name="connsiteY3" fmla="*/ 0 h 5829300"/>
+              <a:gd name="connsiteX4" fmla="*/ 8078051 w 8078051"/>
+              <a:gd name="connsiteY4" fmla="*/ 5829300 h 5829300"/>
+              <a:gd name="connsiteX5" fmla="*/ 1743926 w 8078051"/>
+              <a:gd name="connsiteY5" fmla="*/ 5829300 h 5829300"/>
+              <a:gd name="connsiteX6" fmla="*/ 1744148 w 8078051"/>
+              <a:gd name="connsiteY6" fmla="*/ 5828822 h 5829300"/>
+              <a:gd name="connsiteX7" fmla="*/ 0 w 8078051"/>
+              <a:gd name="connsiteY7" fmla="*/ 5828822 h 5829300"/>
+            </a:gdLst>
+            <a:ahLst/>
+            <a:cxnLst>
+              <a:cxn ang="0">
+                <a:pos x="connsiteX0" y="connsiteY0"/>
+              </a:cxn>
+              <a:cxn ang="0">
+                <a:pos x="connsiteX1" y="connsiteY1"/>
+              </a:cxn>
+              <a:cxn ang="0">
+                <a:pos x="connsiteX2" y="connsiteY2"/>
+              </a:cxn>
+              <a:cxn ang="0">
+                <a:pos x="connsiteX3" y="connsiteY3"/>
+              </a:cxn>
+              <a:cxn ang="0">
+                <a:pos x="connsiteX4" y="connsiteY4"/>
+              </a:cxn>
+              <a:cxn ang="0">
+                <a:pos x="connsiteX5" y="connsiteY5"/>
+              </a:cxn>
+              <a:cxn ang="0">
+                <a:pos x="connsiteX6" y="connsiteY6"/>
+              </a:cxn>
+              <a:cxn ang="0">
+                <a:pos x="connsiteX7" y="connsiteY7"/>
+              </a:cxn>
+            </a:cxnLst>
+            <a:rect l="l" t="t" r="r" b="b"/>
+            <a:pathLst>
+              <a:path w="8078051" h="5829300">
+                <a:moveTo>
+                  <a:pt x="0" y="0"/>
+                </a:moveTo>
+                <a:lnTo>
+                  <a:pt x="4453793" y="0"/>
+                </a:lnTo>
+                <a:lnTo>
+                  <a:pt x="5363426" y="0"/>
+                </a:lnTo>
+                <a:lnTo>
+                  <a:pt x="5368184" y="0"/>
+                </a:lnTo>
+                <a:lnTo>
+                  <a:pt x="8078051" y="5829300"/>
+                </a:lnTo>
+                <a:lnTo>
+                  <a:pt x="1743926" y="5829300"/>
+                </a:lnTo>
+                <a:lnTo>
+                  <a:pt x="1744148" y="5828822"/>
+                </a:lnTo>
+                <a:lnTo>
+                  <a:pt x="0" y="5828822"/>
+                </a:lnTo>
+                <a:close/>
+              </a:path>
+            </a:pathLst>
+          </a:custGeom>
+          <a:solidFill>
+            <a:schemeClr val="bg1">
+              <a:lumMod val="85000"/>
+              <a:lumOff val="15000"/>
+              <a:alpha val="70000"/>
+            </a:schemeClr>
+          </a:solidFill>
+          <a:ln>
+            <a:noFill/>
+          </a:ln>
+        </p:spPr>
+        <p:style>
+          <a:lnRef idx="2">
+            <a:schemeClr val="accent1">
+              <a:shade val="50000"/>
+            </a:schemeClr>
+          </a:lnRef>
+          <a:fillRef idx="1">
+            <a:schemeClr val="accent1"/>
+          </a:fillRef>
+          <a:effectRef idx="0">
+            <a:schemeClr val="accent1"/>
+          </a:effectRef>
+          <a:fontRef idx="minor">
+            <a:schemeClr val="lt1"/>
+          </a:fontRef>
+        </p:style>
+        <p:txBody>
+          <a:bodyPr rtlCol="0" anchor="ctr"/>
+          <a:lstStyle/>
+          <a:p>
+            <a:pPr algn="ctr"/>
+            <a:endParaRPr lang="en-US"/>
+          </a:p>
+        </p:txBody>
+      </p:sp>
+      <p:sp>
+        <p:nvSpPr>
+          <p:cNvPr id="16" name="Freeform 16">
+            <a:extLst>
+              <a:ext uri="{FF2B5EF4-FFF2-40B4-BE49-F238E27FC236}">
+                <a16:creationId xmlns:a16="http://schemas.microsoft.com/office/drawing/2014/main" id="{F6ACA5AC-3C5D-4994-B40F-FC8349E4D6F4}"/>
+              </a:ext>
+              <a:ext uri="{C183D7F6-B498-43B3-948B-1728B52AA6E4}">
+                <adec:decorative xmlns:adec="http://schemas.microsoft.com/office/drawing/2017/decorative" val="1"/>
+              </a:ext>
+            </a:extLst>
+          </p:cNvPr>
+          <p:cNvSpPr>
+            <a:spLocks noGrp="1" noRot="1" noChangeAspect="1" noMove="1" noResize="1" noEditPoints="1" noAdjustHandles="1" noChangeArrowheads="1" noChangeShapeType="1" noTextEdit="1"/>
+          </p:cNvSpPr>
+          <p:nvPr>
+            <p:extLst>
+              <p:ext uri="{386F3935-93C4-4BCD-93E2-E3B085C9AB24}">
+                <p16:designElem xmlns:p16="http://schemas.microsoft.com/office/powerpoint/2015/main" val="1"/>
+              </p:ext>
+            </p:extLst>
+          </p:nvPr>
+        </p:nvSpPr>
+        <p:spPr>
+          <a:xfrm>
+            <a:off x="-1" y="-479"/>
+            <a:ext cx="9324977" cy="6858479"/>
+          </a:xfrm>
+          <a:custGeom>
+            <a:avLst/>
+            <a:gdLst>
+              <a:gd name="connsiteX0" fmla="*/ 1246925 w 9324977"/>
+              <a:gd name="connsiteY0" fmla="*/ 0 h 6858479"/>
+              <a:gd name="connsiteX1" fmla="*/ 5076797 w 9324977"/>
+              <a:gd name="connsiteY1" fmla="*/ 0 h 6858479"/>
+              <a:gd name="connsiteX2" fmla="*/ 6143025 w 9324977"/>
+              <a:gd name="connsiteY2" fmla="*/ 0 h 6858479"/>
+              <a:gd name="connsiteX3" fmla="*/ 6148602 w 9324977"/>
+              <a:gd name="connsiteY3" fmla="*/ 0 h 6858479"/>
+              <a:gd name="connsiteX4" fmla="*/ 9324977 w 9324977"/>
+              <a:gd name="connsiteY4" fmla="*/ 6858478 h 6858479"/>
+              <a:gd name="connsiteX5" fmla="*/ 3359025 w 9324977"/>
+              <a:gd name="connsiteY5" fmla="*/ 6858478 h 6858479"/>
+              <a:gd name="connsiteX6" fmla="*/ 3359025 w 9324977"/>
+              <a:gd name="connsiteY6" fmla="*/ 6858479 h 6858479"/>
+              <a:gd name="connsiteX7" fmla="*/ 0 w 9324977"/>
+              <a:gd name="connsiteY7" fmla="*/ 6858479 h 6858479"/>
+              <a:gd name="connsiteX8" fmla="*/ 0 w 9324977"/>
+              <a:gd name="connsiteY8" fmla="*/ 479 h 6858479"/>
+              <a:gd name="connsiteX9" fmla="*/ 1246925 w 9324977"/>
+              <a:gd name="connsiteY9" fmla="*/ 479 h 6858479"/>
+            </a:gdLst>
+            <a:ahLst/>
+            <a:cxnLst>
+              <a:cxn ang="0">
+                <a:pos x="connsiteX0" y="connsiteY0"/>
+              </a:cxn>
+              <a:cxn ang="0">
+                <a:pos x="connsiteX1" y="connsiteY1"/>
+              </a:cxn>
+              <a:cxn ang="0">
+                <a:pos x="connsiteX2" y="connsiteY2"/>
+              </a:cxn>
+              <a:cxn ang="0">
+                <a:pos x="connsiteX3" y="connsiteY3"/>
+              </a:cxn>
+              <a:cxn ang="0">
+                <a:pos x="connsiteX4" y="connsiteY4"/>
+              </a:cxn>
+              <a:cxn ang="0">
+                <a:pos x="connsiteX5" y="connsiteY5"/>
+              </a:cxn>
+              <a:cxn ang="0">
+                <a:pos x="connsiteX6" y="connsiteY6"/>
+              </a:cxn>
+              <a:cxn ang="0">
+                <a:pos x="connsiteX7" y="connsiteY7"/>
+              </a:cxn>
+              <a:cxn ang="0">
+                <a:pos x="connsiteX8" y="connsiteY8"/>
+              </a:cxn>
+              <a:cxn ang="0">
+                <a:pos x="connsiteX9" y="connsiteY9"/>
+              </a:cxn>
+            </a:cxnLst>
+            <a:rect l="l" t="t" r="r" b="b"/>
+            <a:pathLst>
+              <a:path w="9324977" h="6858479">
+                <a:moveTo>
+                  <a:pt x="1246925" y="0"/>
+                </a:moveTo>
+                <a:lnTo>
+                  <a:pt x="5076797" y="0"/>
+                </a:lnTo>
+                <a:lnTo>
+                  <a:pt x="6143025" y="0"/>
+                </a:lnTo>
+                <a:lnTo>
+                  <a:pt x="6148602" y="0"/>
+                </a:lnTo>
+                <a:lnTo>
+                  <a:pt x="9324977" y="6858478"/>
+                </a:lnTo>
+                <a:lnTo>
+                  <a:pt x="3359025" y="6858478"/>
+                </a:lnTo>
+                <a:lnTo>
+                  <a:pt x="3359025" y="6858479"/>
+                </a:lnTo>
+                <a:lnTo>
+                  <a:pt x="0" y="6858479"/>
+                </a:lnTo>
+                <a:lnTo>
+                  <a:pt x="0" y="479"/>
+                </a:lnTo>
+                <a:lnTo>
+                  <a:pt x="1246925" y="479"/>
+                </a:lnTo>
+                <a:close/>
+              </a:path>
+            </a:pathLst>
+          </a:custGeom>
+          <a:solidFill>
+            <a:schemeClr val="bg1">
+              <a:lumMod val="85000"/>
+              <a:lumOff val="15000"/>
+            </a:schemeClr>
+          </a:solidFill>
+          <a:ln>
+            <a:noFill/>
+          </a:ln>
+        </p:spPr>
+        <p:style>
+          <a:lnRef idx="2">
+            <a:schemeClr val="accent1">
+              <a:shade val="50000"/>
+            </a:schemeClr>
+          </a:lnRef>
+          <a:fillRef idx="1">
+            <a:schemeClr val="accent1"/>
+          </a:fillRef>
+          <a:effectRef idx="0">
+            <a:schemeClr val="accent1"/>
+          </a:effectRef>
+          <a:fontRef idx="minor">
+            <a:schemeClr val="lt1"/>
+          </a:fontRef>
+        </p:style>
+        <p:txBody>
+          <a:bodyPr rtlCol="0" anchor="ctr"/>
+          <a:lstStyle/>
+          <a:p>
+            <a:pPr algn="ctr"/>
+            <a:endParaRPr lang="en-US"/>
+          </a:p>
+        </p:txBody>
+      </p:sp>
+      <p:sp>
+        <p:nvSpPr>
+          <p:cNvPr id="2" name="Title 1">
+            <a:extLst>
+              <a:ext uri="{FF2B5EF4-FFF2-40B4-BE49-F238E27FC236}">
+                <a16:creationId xmlns:a16="http://schemas.microsoft.com/office/drawing/2014/main" id="{B9ABE84D-6190-4B86-88EA-08C6E5842A9B}"/>
+              </a:ext>
+            </a:extLst>
+          </p:cNvPr>
+          <p:cNvSpPr>
+            <a:spLocks noGrp="1"/>
+          </p:cNvSpPr>
+          <p:nvPr>
+            <p:ph type="title"/>
+          </p:nvPr>
+        </p:nvSpPr>
+        <p:spPr>
+          <a:xfrm>
+            <a:off x="804671" y="2600324"/>
+            <a:ext cx="6405753" cy="3277961"/>
+          </a:xfrm>
+        </p:spPr>
+        <p:txBody>
+          <a:bodyPr vert="horz" lIns="91440" tIns="45720" rIns="91440" bIns="45720" rtlCol="0" anchor="t">
+            <a:normAutofit/>
+          </a:bodyPr>
+          <a:lstStyle/>
+          <a:p>
+            <a:r>
+              <a:rPr lang="en-US" sz="5400" kern="1200" dirty="0">
+                <a:solidFill>
+                  <a:schemeClr val="tx1"/>
+                </a:solidFill>
+                <a:latin typeface="+mj-lt"/>
+                <a:ea typeface="+mj-ea"/>
+                <a:cs typeface="+mj-cs"/>
+              </a:rPr>
+              <a:t>Questions? Comments</a:t>
+            </a:r>
+          </a:p>
+        </p:txBody>
+      </p:sp>
+    </p:spTree>
+    <p:extLst>
+      <p:ext uri="{BB962C8B-B14F-4D97-AF65-F5344CB8AC3E}">
+        <p14:creationId xmlns:p14="http://schemas.microsoft.com/office/powerpoint/2010/main" val="4203468874"/>
+      </p:ext>
+    </p:extLst>
+  </p:cSld>
+  <p:clrMapOvr>
+    <a:overrideClrMapping bg1="dk1" tx1="lt1" bg2="dk2" tx2="lt2" accent1="accent1" accent2="accent2" accent3="accent3" accent4="accent4" accent5="accent5" accent6="accent6" hlink="hlink" folHlink="folHlink"/>
+  </p:clrMapOvr>
+</p:sld>
+</file>
+
+<file path=ppt/slides/slide22.xml><?xml version="1.0" encoding="utf-8"?>
+<p:sld xmlns:a="http://schemas.openxmlformats.org/drawingml/2006/main" xmlns:r="http://schemas.openxmlformats.org/officeDocument/2006/relationships" xmlns:p="http://schemas.openxmlformats.org/presentationml/2006/main">
+  <p:cSld>
+    <p:bg>
+      <p:bgPr>
+        <a:solidFill>
+          <a:schemeClr val="bg1"/>
+        </a:solidFill>
+        <a:effectLst/>
+      </p:bgPr>
+    </p:bg>
+    <p:spTree>
+      <p:nvGrpSpPr>
+        <p:cNvPr id="1" name=""/>
+        <p:cNvGrpSpPr/>
+        <p:nvPr/>
+      </p:nvGrpSpPr>
+      <p:grpSpPr>
+        <a:xfrm>
+          <a:off x="0" y="0"/>
+          <a:ext cx="0" cy="0"/>
+          <a:chOff x="0" y="0"/>
+          <a:chExt cx="0" cy="0"/>
+        </a:xfrm>
+      </p:grpSpPr>
+      <p:sp>
+        <p:nvSpPr>
+          <p:cNvPr id="2" name="Title 1">
+            <a:extLst>
+              <a:ext uri="{FF2B5EF4-FFF2-40B4-BE49-F238E27FC236}">
+                <a16:creationId xmlns:a16="http://schemas.microsoft.com/office/drawing/2014/main" id="{CE264D23-2058-4671-B0B3-24E0CAE48685}"/>
+              </a:ext>
+            </a:extLst>
+          </p:cNvPr>
+          <p:cNvSpPr>
+            <a:spLocks noGrp="1"/>
+          </p:cNvSpPr>
+          <p:nvPr>
+            <p:ph type="title"/>
+          </p:nvPr>
+        </p:nvSpPr>
+        <p:spPr>
+          <a:xfrm>
+            <a:off x="1571811" y="1228258"/>
+            <a:ext cx="9122584" cy="790980"/>
+          </a:xfrm>
+        </p:spPr>
+        <p:txBody>
+          <a:bodyPr>
+            <a:normAutofit/>
+          </a:bodyPr>
+          <a:lstStyle/>
+          <a:p>
+            <a:r>
+              <a:rPr lang="en-US" dirty="0"/>
+              <a:t>Links</a:t>
+            </a:r>
+            <a:endParaRPr lang="en-AU" dirty="0"/>
+          </a:p>
+        </p:txBody>
+      </p:sp>
+      <p:graphicFrame>
+        <p:nvGraphicFramePr>
+          <p:cNvPr id="5" name="Content Placeholder 4">
+            <a:extLst>
+              <a:ext uri="{FF2B5EF4-FFF2-40B4-BE49-F238E27FC236}">
+                <a16:creationId xmlns:a16="http://schemas.microsoft.com/office/drawing/2014/main" id="{E3A6CDC6-A0F2-414A-BD66-65E82425AC64}"/>
+              </a:ext>
+            </a:extLst>
+          </p:cNvPr>
+          <p:cNvGraphicFramePr>
+            <a:graphicFrameLocks noGrp="1"/>
+          </p:cNvGraphicFramePr>
+          <p:nvPr>
+            <p:ph idx="1"/>
+            <p:extLst>
+              <p:ext uri="{D42A27DB-BD31-4B8C-83A1-F6EECF244321}">
+                <p14:modId xmlns:p14="http://schemas.microsoft.com/office/powerpoint/2010/main" val="2334022644"/>
+              </p:ext>
+            </p:extLst>
+          </p:nvPr>
+        </p:nvGraphicFramePr>
+        <p:xfrm>
+          <a:off x="1353065" y="1914525"/>
+          <a:ext cx="9052998" cy="2890838"/>
+        </p:xfrm>
+        <a:graphic>
+          <a:graphicData uri="http://schemas.openxmlformats.org/drawingml/2006/diagram">
+            <dgm:relIds xmlns:dgm="http://schemas.openxmlformats.org/drawingml/2006/diagram" xmlns:r="http://schemas.openxmlformats.org/officeDocument/2006/relationships" r:dm="rId2" r:lo="rId3" r:qs="rId4" r:cs="rId5"/>
+          </a:graphicData>
+        </a:graphic>
+      </p:graphicFrame>
+      <p:sp>
+        <p:nvSpPr>
+          <p:cNvPr id="24" name="Freeform 6">
+            <a:extLst>
+              <a:ext uri="{FF2B5EF4-FFF2-40B4-BE49-F238E27FC236}">
+                <a16:creationId xmlns:a16="http://schemas.microsoft.com/office/drawing/2014/main" id="{A9616D99-AEFB-4C95-84EF-5DEC698D92A7}"/>
+              </a:ext>
+              <a:ext uri="{C183D7F6-B498-43B3-948B-1728B52AA6E4}">
+                <adec:decorative xmlns:adec="http://schemas.microsoft.com/office/drawing/2017/decorative" val="1"/>
+              </a:ext>
+            </a:extLst>
+          </p:cNvPr>
+          <p:cNvSpPr>
+            <a:spLocks noGrp="1" noRot="1" noChangeAspect="1" noMove="1" noResize="1" noEditPoints="1" noAdjustHandles="1" noChangeArrowheads="1" noChangeShapeType="1" noTextEdit="1"/>
+          </p:cNvSpPr>
+          <p:nvPr>
+            <p:extLst>
+              <p:ext uri="{386F3935-93C4-4BCD-93E2-E3B085C9AB24}">
+                <p16:designElem xmlns:p16="http://schemas.microsoft.com/office/powerpoint/2015/main" val="1"/>
+              </p:ext>
+            </p:extLst>
+          </p:nvPr>
+        </p:nvSpPr>
+        <p:spPr bwMode="auto">
+          <a:xfrm flipH="1" flipV="1">
+            <a:off x="752858" y="744469"/>
+            <a:ext cx="3275668" cy="4408488"/>
+          </a:xfrm>
+          <a:custGeom>
+            <a:avLst/>
+            <a:gdLst/>
+            <a:ahLst/>
+            <a:cxnLst/>
+            <a:rect l="l" t="t" r="r" b="b"/>
+            <a:pathLst>
+              <a:path w="10002" h="10000">
+                <a:moveTo>
+                  <a:pt x="8763" y="0"/>
+                </a:moveTo>
+                <a:lnTo>
+                  <a:pt x="10002" y="0"/>
+                </a:lnTo>
+                <a:lnTo>
+                  <a:pt x="10002" y="10000"/>
+                </a:lnTo>
+                <a:lnTo>
+                  <a:pt x="2" y="10000"/>
+                </a:lnTo>
+                <a:cubicBezTo>
+                  <a:pt x="-2" y="9698"/>
+                  <a:pt x="4" y="9427"/>
+                  <a:pt x="0" y="9125"/>
+                </a:cubicBezTo>
+                <a:lnTo>
+                  <a:pt x="8763" y="9128"/>
+                </a:lnTo>
+                <a:lnTo>
+                  <a:pt x="8763" y="0"/>
+                </a:lnTo>
+                <a:close/>
+              </a:path>
+            </a:pathLst>
+          </a:custGeom>
+          <a:solidFill>
+            <a:srgbClr val="4C4C4C"/>
+          </a:solidFill>
+          <a:ln w="0">
+            <a:noFill/>
+            <a:prstDash val="solid"/>
+            <a:round/>
+            <a:headEnd/>
+            <a:tailEnd/>
+          </a:ln>
+        </p:spPr>
+      </p:sp>
+      <p:sp>
+        <p:nvSpPr>
+          <p:cNvPr id="25" name="Freeform 6">
+            <a:extLst>
+              <a:ext uri="{FF2B5EF4-FFF2-40B4-BE49-F238E27FC236}">
+                <a16:creationId xmlns:a16="http://schemas.microsoft.com/office/drawing/2014/main" id="{D0F97023-F626-4FC5-8C2D-753B5C7F4606}"/>
+              </a:ext>
+              <a:ext uri="{C183D7F6-B498-43B3-948B-1728B52AA6E4}">
+                <adec:decorative xmlns:adec="http://schemas.microsoft.com/office/drawing/2017/decorative" val="1"/>
+              </a:ext>
+            </a:extLst>
+          </p:cNvPr>
+          <p:cNvSpPr>
+            <a:spLocks noGrp="1" noRot="1" noChangeAspect="1" noMove="1" noResize="1" noEditPoints="1" noAdjustHandles="1" noChangeArrowheads="1" noChangeShapeType="1" noTextEdit="1"/>
+          </p:cNvSpPr>
+          <p:nvPr>
+            <p:extLst>
+              <p:ext uri="{386F3935-93C4-4BCD-93E2-E3B085C9AB24}">
+                <p16:designElem xmlns:p16="http://schemas.microsoft.com/office/powerpoint/2015/main" val="1"/>
+              </p:ext>
+            </p:extLst>
+          </p:nvPr>
+        </p:nvSpPr>
+        <p:spPr bwMode="auto">
+          <a:xfrm>
+            <a:off x="8151962" y="1685652"/>
+            <a:ext cx="3275013" cy="4408488"/>
+          </a:xfrm>
+          <a:custGeom>
+            <a:avLst/>
+            <a:gdLst/>
+            <a:ahLst/>
+            <a:cxnLst/>
+            <a:rect l="l" t="t" r="r" b="b"/>
+            <a:pathLst>
+              <a:path w="10000" h="10000">
+                <a:moveTo>
+                  <a:pt x="8761" y="0"/>
+                </a:moveTo>
+                <a:lnTo>
+                  <a:pt x="10000" y="0"/>
+                </a:lnTo>
+                <a:lnTo>
+                  <a:pt x="10000" y="10000"/>
+                </a:lnTo>
+                <a:lnTo>
+                  <a:pt x="0" y="10000"/>
+                </a:lnTo>
+                <a:lnTo>
+                  <a:pt x="0" y="9126"/>
+                </a:lnTo>
+                <a:lnTo>
+                  <a:pt x="8761" y="9127"/>
+                </a:lnTo>
+                <a:lnTo>
+                  <a:pt x="8761" y="0"/>
+                </a:lnTo>
+                <a:close/>
+              </a:path>
+            </a:pathLst>
+          </a:custGeom>
+          <a:solidFill>
+            <a:srgbClr val="4C4C4C"/>
+          </a:solidFill>
+          <a:ln w="0">
+            <a:noFill/>
+            <a:prstDash val="solid"/>
+            <a:round/>
+            <a:headEnd/>
+            <a:tailEnd/>
+          </a:ln>
+        </p:spPr>
+      </p:sp>
+      <p:pic>
+        <p:nvPicPr>
+          <p:cNvPr id="4" name="Picture 3">
+            <a:extLst>
+              <a:ext uri="{FF2B5EF4-FFF2-40B4-BE49-F238E27FC236}">
+                <a16:creationId xmlns:a16="http://schemas.microsoft.com/office/drawing/2014/main" id="{58F8DD72-5212-4F8F-A5B4-733725AEB760}"/>
+              </a:ext>
+            </a:extLst>
+          </p:cNvPr>
+          <p:cNvPicPr>
+            <a:picLocks noChangeAspect="1"/>
+          </p:cNvPicPr>
+          <p:nvPr/>
+        </p:nvPicPr>
+        <p:blipFill>
+          <a:blip r:embed="rId7">
+            <a:extLst>
+              <a:ext uri="{28A0092B-C50C-407E-A947-70E740481C1C}">
+                <a14:useLocalDpi xmlns:a14="http://schemas.microsoft.com/office/drawing/2010/main" val="0"/>
+              </a:ext>
+            </a:extLst>
+          </a:blip>
+          <a:stretch>
+            <a:fillRect/>
+          </a:stretch>
+        </p:blipFill>
+        <p:spPr>
+          <a:xfrm>
+            <a:off x="8151962" y="4707584"/>
+            <a:ext cx="2542433" cy="790979"/>
+          </a:xfrm>
+          <a:prstGeom prst="rect">
+            <a:avLst/>
+          </a:prstGeom>
+        </p:spPr>
+      </p:pic>
+      <p:pic>
+        <p:nvPicPr>
+          <p:cNvPr id="9" name="Picture 8">
+            <a:extLst>
+              <a:ext uri="{FF2B5EF4-FFF2-40B4-BE49-F238E27FC236}">
+                <a16:creationId xmlns:a16="http://schemas.microsoft.com/office/drawing/2014/main" id="{DA9F8440-A668-4DDF-863B-A7E2A208E8F1}"/>
+              </a:ext>
+            </a:extLst>
+          </p:cNvPr>
+          <p:cNvPicPr>
+            <a:picLocks noChangeAspect="1"/>
+          </p:cNvPicPr>
+          <p:nvPr/>
+        </p:nvPicPr>
+        <p:blipFill>
+          <a:blip r:embed="rId8">
+            <a:extLst>
+              <a:ext uri="{28A0092B-C50C-407E-A947-70E740481C1C}">
+                <a14:useLocalDpi xmlns:a14="http://schemas.microsoft.com/office/drawing/2010/main" val="0"/>
+              </a:ext>
+            </a:extLst>
+          </a:blip>
+          <a:stretch>
+            <a:fillRect/>
+          </a:stretch>
+        </p:blipFill>
+        <p:spPr>
+          <a:xfrm>
+            <a:off x="1438275" y="2193977"/>
+            <a:ext cx="528638" cy="309050"/>
+          </a:xfrm>
+          <a:prstGeom prst="rect">
+            <a:avLst/>
+          </a:prstGeom>
+        </p:spPr>
+      </p:pic>
+      <p:pic>
+        <p:nvPicPr>
+          <p:cNvPr id="11" name="Graphic 10" descr="Call center">
+            <a:extLst>
+              <a:ext uri="{FF2B5EF4-FFF2-40B4-BE49-F238E27FC236}">
+                <a16:creationId xmlns:a16="http://schemas.microsoft.com/office/drawing/2014/main" id="{07B7413C-E9F9-4B96-8328-6060467D1459}"/>
+              </a:ext>
+            </a:extLst>
+          </p:cNvPr>
+          <p:cNvPicPr>
+            <a:picLocks noChangeAspect="1"/>
+          </p:cNvPicPr>
+          <p:nvPr/>
+        </p:nvPicPr>
+        <p:blipFill>
+          <a:blip r:embed="rId9">
+            <a:extLst>
+              <a:ext uri="{28A0092B-C50C-407E-A947-70E740481C1C}">
+                <a14:useLocalDpi xmlns:a14="http://schemas.microsoft.com/office/drawing/2010/main" val="0"/>
+              </a:ext>
+              <a:ext uri="{96DAC541-7B7A-43D3-8B79-37D633B846F1}">
+                <asvg:svgBlip xmlns:asvg="http://schemas.microsoft.com/office/drawing/2016/SVG/main" r:embed="rId10"/>
+              </a:ext>
+            </a:extLst>
+          </a:blip>
+          <a:stretch>
+            <a:fillRect/>
+          </a:stretch>
+        </p:blipFill>
+        <p:spPr>
+          <a:xfrm>
+            <a:off x="1671743" y="2736924"/>
+            <a:ext cx="530051" cy="530051"/>
+          </a:xfrm>
+          <a:prstGeom prst="rect">
+            <a:avLst/>
+          </a:prstGeom>
+        </p:spPr>
+      </p:pic>
+      <p:pic>
+        <p:nvPicPr>
+          <p:cNvPr id="13" name="Graphic 12" descr="Microscope">
+            <a:extLst>
+              <a:ext uri="{FF2B5EF4-FFF2-40B4-BE49-F238E27FC236}">
+                <a16:creationId xmlns:a16="http://schemas.microsoft.com/office/drawing/2014/main" id="{DA93DBF8-63BA-4F93-86EF-646326788636}"/>
+              </a:ext>
+            </a:extLst>
+          </p:cNvPr>
+          <p:cNvPicPr>
+            <a:picLocks noChangeAspect="1"/>
+          </p:cNvPicPr>
+          <p:nvPr/>
+        </p:nvPicPr>
+        <p:blipFill>
+          <a:blip r:embed="rId11">
+            <a:extLst>
+              <a:ext uri="{28A0092B-C50C-407E-A947-70E740481C1C}">
+                <a14:useLocalDpi xmlns:a14="http://schemas.microsoft.com/office/drawing/2010/main" val="0"/>
+              </a:ext>
+              <a:ext uri="{96DAC541-7B7A-43D3-8B79-37D633B846F1}">
+                <asvg:svgBlip xmlns:asvg="http://schemas.microsoft.com/office/drawing/2016/SVG/main" r:embed="rId12"/>
+              </a:ext>
+            </a:extLst>
+          </a:blip>
+          <a:stretch>
+            <a:fillRect/>
+          </a:stretch>
+        </p:blipFill>
+        <p:spPr>
+          <a:xfrm>
+            <a:off x="1702594" y="3426103"/>
+            <a:ext cx="485260" cy="485260"/>
+          </a:xfrm>
+          <a:prstGeom prst="rect">
+            <a:avLst/>
+          </a:prstGeom>
+        </p:spPr>
+      </p:pic>
+      <p:pic>
+        <p:nvPicPr>
+          <p:cNvPr id="15" name="Picture 14">
+            <a:extLst>
+              <a:ext uri="{FF2B5EF4-FFF2-40B4-BE49-F238E27FC236}">
+                <a16:creationId xmlns:a16="http://schemas.microsoft.com/office/drawing/2014/main" id="{AFDE4455-0E1F-466D-B3D8-02E98018083C}"/>
+              </a:ext>
+            </a:extLst>
+          </p:cNvPr>
+          <p:cNvPicPr>
+            <a:picLocks noChangeAspect="1"/>
+          </p:cNvPicPr>
+          <p:nvPr/>
+        </p:nvPicPr>
+        <p:blipFill>
+          <a:blip r:embed="rId13">
+            <a:extLst>
+              <a:ext uri="{28A0092B-C50C-407E-A947-70E740481C1C}">
+                <a14:useLocalDpi xmlns:a14="http://schemas.microsoft.com/office/drawing/2010/main" val="0"/>
+              </a:ext>
+            </a:extLst>
+          </a:blip>
+          <a:stretch>
+            <a:fillRect/>
+          </a:stretch>
+        </p:blipFill>
+        <p:spPr>
+          <a:xfrm flipH="1">
+            <a:off x="1392495" y="4075255"/>
+            <a:ext cx="579180" cy="579180"/>
+          </a:xfrm>
+          <a:prstGeom prst="rect">
+            <a:avLst/>
+          </a:prstGeom>
+        </p:spPr>
+      </p:pic>
+    </p:spTree>
+    <p:extLst>
+      <p:ext uri="{BB962C8B-B14F-4D97-AF65-F5344CB8AC3E}">
+        <p14:creationId xmlns:p14="http://schemas.microsoft.com/office/powerpoint/2010/main" val="1407538393"/>
       </p:ext>
     </p:extLst>
   </p:cSld>
